--- a/FinalPresentation.pptx
+++ b/FinalPresentation.pptx
@@ -1,9 +1,12 @@
 
 <file path=ppt/presentation.xml><?xml version="1.0" encoding="utf-8"?>
-<p:presentation xmlns:a="http://schemas.openxmlformats.org/drawingml/2006/main" xmlns:r="http://schemas.openxmlformats.org/officeDocument/2006/relationships" xmlns:p="http://schemas.openxmlformats.org/presentationml/2006/main" saveSubsetFonts="1">
+<p:presentation xmlns:a="http://schemas.openxmlformats.org/drawingml/2006/main" xmlns:r="http://schemas.openxmlformats.org/officeDocument/2006/relationships" xmlns:p="http://schemas.openxmlformats.org/presentationml/2006/main" showSpecialPlsOnTitleSld="0" saveSubsetFonts="1">
   <p:sldMasterIdLst>
     <p:sldMasterId id="2147483648" r:id="rId1"/>
   </p:sldMasterIdLst>
+  <p:notesMasterIdLst>
+    <p:notesMasterId r:id="rId19"/>
+  </p:notesMasterIdLst>
   <p:sldIdLst>
     <p:sldId id="256" r:id="rId2"/>
     <p:sldId id="257" r:id="rId3"/>
@@ -120,7 +123,372 @@
       </a:defRPr>
     </a:lvl9pPr>
   </p:defaultTextStyle>
+  <p:extLst>
+    <p:ext uri="{EFAFB233-063F-42B5-8137-9DF3F51BA10A}">
+      <p15:sldGuideLst xmlns:p15="http://schemas.microsoft.com/office/powerpoint/2012/main">
+        <p15:guide id="1" orient="horz" pos="2160" userDrawn="1">
+          <p15:clr>
+            <a:srgbClr val="A4A3A4"/>
+          </p15:clr>
+        </p15:guide>
+        <p15:guide id="2" pos="3840" userDrawn="1">
+          <p15:clr>
+            <a:srgbClr val="A4A3A4"/>
+          </p15:clr>
+        </p15:guide>
+      </p15:sldGuideLst>
+    </p:ext>
+  </p:extLst>
 </p:presentation>
+</file>
+
+<file path=ppt/notesMasters/notesMaster1.xml><?xml version="1.0" encoding="utf-8"?>
+<p:notesMaster xmlns:a="http://schemas.openxmlformats.org/drawingml/2006/main" xmlns:r="http://schemas.openxmlformats.org/officeDocument/2006/relationships" xmlns:p="http://schemas.openxmlformats.org/presentationml/2006/main">
+  <p:cSld>
+    <p:bg>
+      <p:bgRef idx="1001">
+        <a:schemeClr val="bg1"/>
+      </p:bgRef>
+    </p:bg>
+    <p:spTree>
+      <p:nvGrpSpPr>
+        <p:cNvPr id="1" name=""/>
+        <p:cNvGrpSpPr/>
+        <p:nvPr/>
+      </p:nvGrpSpPr>
+      <p:grpSpPr>
+        <a:xfrm>
+          <a:off x="0" y="0"/>
+          <a:ext cx="0" cy="0"/>
+          <a:chOff x="0" y="0"/>
+          <a:chExt cx="0" cy="0"/>
+        </a:xfrm>
+      </p:grpSpPr>
+      <p:sp>
+        <p:nvSpPr>
+          <p:cNvPr id="2" name="Header Placeholder 1"/>
+          <p:cNvSpPr>
+            <a:spLocks noGrp="1"/>
+          </p:cNvSpPr>
+          <p:nvPr>
+            <p:ph type="hdr" sz="quarter"/>
+          </p:nvPr>
+        </p:nvSpPr>
+        <p:spPr>
+          <a:xfrm>
+            <a:off x="0" y="0"/>
+            <a:ext cx="2971800" cy="458788"/>
+          </a:xfrm>
+          <a:prstGeom prst="rect">
+            <a:avLst/>
+          </a:prstGeom>
+        </p:spPr>
+        <p:txBody>
+          <a:bodyPr vert="horz" lIns="91440" tIns="45720" rIns="91440" bIns="45720" rtlCol="0"/>
+          <a:lstStyle>
+            <a:lvl1pPr algn="l">
+              <a:defRPr sz="1200"/>
+            </a:lvl1pPr>
+          </a:lstStyle>
+          <a:p>
+            <a:endParaRPr lang="en-US"/>
+          </a:p>
+        </p:txBody>
+      </p:sp>
+      <p:sp>
+        <p:nvSpPr>
+          <p:cNvPr id="3" name="Date Placeholder 2"/>
+          <p:cNvSpPr>
+            <a:spLocks noGrp="1"/>
+          </p:cNvSpPr>
+          <p:nvPr>
+            <p:ph type="dt" idx="1"/>
+          </p:nvPr>
+        </p:nvSpPr>
+        <p:spPr>
+          <a:xfrm>
+            <a:off x="3884613" y="0"/>
+            <a:ext cx="2971800" cy="458788"/>
+          </a:xfrm>
+          <a:prstGeom prst="rect">
+            <a:avLst/>
+          </a:prstGeom>
+        </p:spPr>
+        <p:txBody>
+          <a:bodyPr vert="horz" lIns="91440" tIns="45720" rIns="91440" bIns="45720" rtlCol="0"/>
+          <a:lstStyle>
+            <a:lvl1pPr algn="r">
+              <a:defRPr sz="1200"/>
+            </a:lvl1pPr>
+          </a:lstStyle>
+          <a:p>
+            <a:fld id="{695CCC4B-36C6-4526-8999-7A71FBDF4641}" type="datetimeFigureOut">
+              <a:rPr lang="en-US" smtClean="0"/>
+              <a:t>17-Feb-19</a:t>
+            </a:fld>
+            <a:endParaRPr lang="en-US"/>
+          </a:p>
+        </p:txBody>
+      </p:sp>
+      <p:sp>
+        <p:nvSpPr>
+          <p:cNvPr id="4" name="Slide Image Placeholder 3"/>
+          <p:cNvSpPr>
+            <a:spLocks noGrp="1" noRot="1" noChangeAspect="1"/>
+          </p:cNvSpPr>
+          <p:nvPr>
+            <p:ph type="sldImg" idx="2"/>
+          </p:nvPr>
+        </p:nvSpPr>
+        <p:spPr>
+          <a:xfrm>
+            <a:off x="685800" y="1143000"/>
+            <a:ext cx="5486400" cy="3086100"/>
+          </a:xfrm>
+          <a:prstGeom prst="rect">
+            <a:avLst/>
+          </a:prstGeom>
+          <a:noFill/>
+          <a:ln w="12700">
+            <a:solidFill>
+              <a:prstClr val="black"/>
+            </a:solidFill>
+          </a:ln>
+        </p:spPr>
+        <p:txBody>
+          <a:bodyPr vert="horz" lIns="91440" tIns="45720" rIns="91440" bIns="45720" rtlCol="0" anchor="ctr"/>
+          <a:lstStyle/>
+          <a:p>
+            <a:endParaRPr lang="en-US"/>
+          </a:p>
+        </p:txBody>
+      </p:sp>
+      <p:sp>
+        <p:nvSpPr>
+          <p:cNvPr id="5" name="Notes Placeholder 4"/>
+          <p:cNvSpPr>
+            <a:spLocks noGrp="1"/>
+          </p:cNvSpPr>
+          <p:nvPr>
+            <p:ph type="body" sz="quarter" idx="3"/>
+          </p:nvPr>
+        </p:nvSpPr>
+        <p:spPr>
+          <a:xfrm>
+            <a:off x="685800" y="4400550"/>
+            <a:ext cx="5486400" cy="3600450"/>
+          </a:xfrm>
+          <a:prstGeom prst="rect">
+            <a:avLst/>
+          </a:prstGeom>
+        </p:spPr>
+        <p:txBody>
+          <a:bodyPr vert="horz" lIns="91440" tIns="45720" rIns="91440" bIns="45720" rtlCol="0"/>
+          <a:lstStyle/>
+          <a:p>
+            <a:pPr lvl="0"/>
+            <a:r>
+              <a:rPr lang="en-US"/>
+              <a:t>Edit Master text styles</a:t>
+            </a:r>
+          </a:p>
+          <a:p>
+            <a:pPr lvl="1"/>
+            <a:r>
+              <a:rPr lang="en-US"/>
+              <a:t>Second level</a:t>
+            </a:r>
+          </a:p>
+          <a:p>
+            <a:pPr lvl="2"/>
+            <a:r>
+              <a:rPr lang="en-US"/>
+              <a:t>Third level</a:t>
+            </a:r>
+          </a:p>
+          <a:p>
+            <a:pPr lvl="3"/>
+            <a:r>
+              <a:rPr lang="en-US"/>
+              <a:t>Fourth level</a:t>
+            </a:r>
+          </a:p>
+          <a:p>
+            <a:pPr lvl="4"/>
+            <a:r>
+              <a:rPr lang="en-US"/>
+              <a:t>Fifth level</a:t>
+            </a:r>
+          </a:p>
+        </p:txBody>
+      </p:sp>
+      <p:sp>
+        <p:nvSpPr>
+          <p:cNvPr id="6" name="Footer Placeholder 5"/>
+          <p:cNvSpPr>
+            <a:spLocks noGrp="1"/>
+          </p:cNvSpPr>
+          <p:nvPr>
+            <p:ph type="ftr" sz="quarter" idx="4"/>
+          </p:nvPr>
+        </p:nvSpPr>
+        <p:spPr>
+          <a:xfrm>
+            <a:off x="0" y="8685213"/>
+            <a:ext cx="2971800" cy="458787"/>
+          </a:xfrm>
+          <a:prstGeom prst="rect">
+            <a:avLst/>
+          </a:prstGeom>
+        </p:spPr>
+        <p:txBody>
+          <a:bodyPr vert="horz" lIns="91440" tIns="45720" rIns="91440" bIns="45720" rtlCol="0" anchor="b"/>
+          <a:lstStyle>
+            <a:lvl1pPr algn="l">
+              <a:defRPr sz="1200"/>
+            </a:lvl1pPr>
+          </a:lstStyle>
+          <a:p>
+            <a:endParaRPr lang="en-US"/>
+          </a:p>
+        </p:txBody>
+      </p:sp>
+      <p:sp>
+        <p:nvSpPr>
+          <p:cNvPr id="7" name="Slide Number Placeholder 6"/>
+          <p:cNvSpPr>
+            <a:spLocks noGrp="1"/>
+          </p:cNvSpPr>
+          <p:nvPr>
+            <p:ph type="sldNum" sz="quarter" idx="5"/>
+          </p:nvPr>
+        </p:nvSpPr>
+        <p:spPr>
+          <a:xfrm>
+            <a:off x="3884613" y="8685213"/>
+            <a:ext cx="2971800" cy="458787"/>
+          </a:xfrm>
+          <a:prstGeom prst="rect">
+            <a:avLst/>
+          </a:prstGeom>
+        </p:spPr>
+        <p:txBody>
+          <a:bodyPr vert="horz" lIns="91440" tIns="45720" rIns="91440" bIns="45720" rtlCol="0" anchor="b"/>
+          <a:lstStyle>
+            <a:lvl1pPr algn="r">
+              <a:defRPr sz="1200"/>
+            </a:lvl1pPr>
+          </a:lstStyle>
+          <a:p>
+            <a:fld id="{28D7FC0F-3157-4A3E-A1E3-F91008091477}" type="slidenum">
+              <a:rPr lang="en-US" smtClean="0"/>
+              <a:t>‹#›</a:t>
+            </a:fld>
+            <a:endParaRPr lang="en-US"/>
+          </a:p>
+        </p:txBody>
+      </p:sp>
+    </p:spTree>
+    <p:extLst>
+      <p:ext uri="{BB962C8B-B14F-4D97-AF65-F5344CB8AC3E}">
+        <p14:creationId xmlns:p14="http://schemas.microsoft.com/office/powerpoint/2010/main" val="947064556"/>
+      </p:ext>
+    </p:extLst>
+  </p:cSld>
+  <p:clrMap bg1="lt1" tx1="dk1" bg2="lt2" tx2="dk2" accent1="accent1" accent2="accent2" accent3="accent3" accent4="accent4" accent5="accent5" accent6="accent6" hlink="hlink" folHlink="folHlink"/>
+  <p:notesStyle>
+    <a:lvl1pPr marL="0" algn="l" defTabSz="914400" rtl="0" eaLnBrk="1" latinLnBrk="0" hangingPunct="1">
+      <a:defRPr sz="1200" kern="1200">
+        <a:solidFill>
+          <a:schemeClr val="tx1"/>
+        </a:solidFill>
+        <a:latin typeface="+mn-lt"/>
+        <a:ea typeface="+mn-ea"/>
+        <a:cs typeface="+mn-cs"/>
+      </a:defRPr>
+    </a:lvl1pPr>
+    <a:lvl2pPr marL="457200" algn="l" defTabSz="914400" rtl="0" eaLnBrk="1" latinLnBrk="0" hangingPunct="1">
+      <a:defRPr sz="1200" kern="1200">
+        <a:solidFill>
+          <a:schemeClr val="tx1"/>
+        </a:solidFill>
+        <a:latin typeface="+mn-lt"/>
+        <a:ea typeface="+mn-ea"/>
+        <a:cs typeface="+mn-cs"/>
+      </a:defRPr>
+    </a:lvl2pPr>
+    <a:lvl3pPr marL="914400" algn="l" defTabSz="914400" rtl="0" eaLnBrk="1" latinLnBrk="0" hangingPunct="1">
+      <a:defRPr sz="1200" kern="1200">
+        <a:solidFill>
+          <a:schemeClr val="tx1"/>
+        </a:solidFill>
+        <a:latin typeface="+mn-lt"/>
+        <a:ea typeface="+mn-ea"/>
+        <a:cs typeface="+mn-cs"/>
+      </a:defRPr>
+    </a:lvl3pPr>
+    <a:lvl4pPr marL="1371600" algn="l" defTabSz="914400" rtl="0" eaLnBrk="1" latinLnBrk="0" hangingPunct="1">
+      <a:defRPr sz="1200" kern="1200">
+        <a:solidFill>
+          <a:schemeClr val="tx1"/>
+        </a:solidFill>
+        <a:latin typeface="+mn-lt"/>
+        <a:ea typeface="+mn-ea"/>
+        <a:cs typeface="+mn-cs"/>
+      </a:defRPr>
+    </a:lvl4pPr>
+    <a:lvl5pPr marL="1828800" algn="l" defTabSz="914400" rtl="0" eaLnBrk="1" latinLnBrk="0" hangingPunct="1">
+      <a:defRPr sz="1200" kern="1200">
+        <a:solidFill>
+          <a:schemeClr val="tx1"/>
+        </a:solidFill>
+        <a:latin typeface="+mn-lt"/>
+        <a:ea typeface="+mn-ea"/>
+        <a:cs typeface="+mn-cs"/>
+      </a:defRPr>
+    </a:lvl5pPr>
+    <a:lvl6pPr marL="2286000" algn="l" defTabSz="914400" rtl="0" eaLnBrk="1" latinLnBrk="0" hangingPunct="1">
+      <a:defRPr sz="1200" kern="1200">
+        <a:solidFill>
+          <a:schemeClr val="tx1"/>
+        </a:solidFill>
+        <a:latin typeface="+mn-lt"/>
+        <a:ea typeface="+mn-ea"/>
+        <a:cs typeface="+mn-cs"/>
+      </a:defRPr>
+    </a:lvl6pPr>
+    <a:lvl7pPr marL="2743200" algn="l" defTabSz="914400" rtl="0" eaLnBrk="1" latinLnBrk="0" hangingPunct="1">
+      <a:defRPr sz="1200" kern="1200">
+        <a:solidFill>
+          <a:schemeClr val="tx1"/>
+        </a:solidFill>
+        <a:latin typeface="+mn-lt"/>
+        <a:ea typeface="+mn-ea"/>
+        <a:cs typeface="+mn-cs"/>
+      </a:defRPr>
+    </a:lvl7pPr>
+    <a:lvl8pPr marL="3200400" algn="l" defTabSz="914400" rtl="0" eaLnBrk="1" latinLnBrk="0" hangingPunct="1">
+      <a:defRPr sz="1200" kern="1200">
+        <a:solidFill>
+          <a:schemeClr val="tx1"/>
+        </a:solidFill>
+        <a:latin typeface="+mn-lt"/>
+        <a:ea typeface="+mn-ea"/>
+        <a:cs typeface="+mn-cs"/>
+      </a:defRPr>
+    </a:lvl8pPr>
+    <a:lvl9pPr marL="3657600" algn="l" defTabSz="914400" rtl="0" eaLnBrk="1" latinLnBrk="0" hangingPunct="1">
+      <a:defRPr sz="1200" kern="1200">
+        <a:solidFill>
+          <a:schemeClr val="tx1"/>
+        </a:solidFill>
+        <a:latin typeface="+mn-lt"/>
+        <a:ea typeface="+mn-ea"/>
+        <a:cs typeface="+mn-cs"/>
+      </a:defRPr>
+    </a:lvl9pPr>
+  </p:notesStyle>
+</p:notesMaster>
 </file>
 
 <file path=ppt/slideLayouts/slideLayout1.xml><?xml version="1.0" encoding="utf-8"?>
@@ -268,11 +636,11 @@
           <a:bodyPr/>
           <a:lstStyle/>
           <a:p>
-            <a:fld id="{0ACC0411-9882-4ED5-BDD2-54D6D8A46C5D}" type="datetimeFigureOut">
+            <a:fld id="{D9E473BB-1360-4008-9A42-962C5530629D}" type="datetime4">
               <a:rPr lang="en-US" smtClean="0"/>
-              <a:t>15-Feb-19</a:t>
+              <a:t>17 February, 2019</a:t>
             </a:fld>
-            <a:endParaRPr lang="en-US"/>
+            <a:endParaRPr lang="en-US" dirty="0"/>
           </a:p>
         </p:txBody>
       </p:sp>
@@ -297,7 +665,11 @@
           <a:bodyPr/>
           <a:lstStyle/>
           <a:p>
-            <a:endParaRPr lang="en-US"/>
+            <a:r>
+              <a:rPr lang="en-US"/>
+              <a:t>Aashima, Aditya, Akshay, Anmol Nagpal, Anmol Sarpal</a:t>
+            </a:r>
+            <a:endParaRPr lang="en-US" dirty="0"/>
           </a:p>
         </p:txBody>
       </p:sp>
@@ -326,7 +698,7 @@
               <a:rPr lang="en-US" smtClean="0"/>
               <a:t>‹#›</a:t>
             </a:fld>
-            <a:endParaRPr lang="en-US"/>
+            <a:endParaRPr lang="en-US" dirty="0"/>
           </a:p>
         </p:txBody>
       </p:sp>
@@ -466,11 +838,11 @@
           <a:bodyPr/>
           <a:lstStyle/>
           <a:p>
-            <a:fld id="{0ACC0411-9882-4ED5-BDD2-54D6D8A46C5D}" type="datetimeFigureOut">
+            <a:fld id="{B7DB90A5-DAB2-44EE-9E16-B47BA1C0611A}" type="datetime4">
               <a:rPr lang="en-US" smtClean="0"/>
-              <a:t>15-Feb-19</a:t>
+              <a:t>17 February, 2019</a:t>
             </a:fld>
-            <a:endParaRPr lang="en-US"/>
+            <a:endParaRPr lang="en-US" dirty="0"/>
           </a:p>
         </p:txBody>
       </p:sp>
@@ -495,7 +867,11 @@
           <a:bodyPr/>
           <a:lstStyle/>
           <a:p>
-            <a:endParaRPr lang="en-US"/>
+            <a:r>
+              <a:rPr lang="en-US"/>
+              <a:t>Aashima, Aditya, Akshay, Anmol Nagpal, Anmol Sarpal</a:t>
+            </a:r>
+            <a:endParaRPr lang="en-US" dirty="0"/>
           </a:p>
         </p:txBody>
       </p:sp>
@@ -524,7 +900,7 @@
               <a:rPr lang="en-US" smtClean="0"/>
               <a:t>‹#›</a:t>
             </a:fld>
-            <a:endParaRPr lang="en-US"/>
+            <a:endParaRPr lang="en-US" dirty="0"/>
           </a:p>
         </p:txBody>
       </p:sp>
@@ -674,11 +1050,11 @@
           <a:bodyPr/>
           <a:lstStyle/>
           <a:p>
-            <a:fld id="{0ACC0411-9882-4ED5-BDD2-54D6D8A46C5D}" type="datetimeFigureOut">
+            <a:fld id="{5129E131-AE7A-4AEE-811A-FBC8E1AB94BC}" type="datetime4">
               <a:rPr lang="en-US" smtClean="0"/>
-              <a:t>15-Feb-19</a:t>
+              <a:t>17 February, 2019</a:t>
             </a:fld>
-            <a:endParaRPr lang="en-US"/>
+            <a:endParaRPr lang="en-US" dirty="0"/>
           </a:p>
         </p:txBody>
       </p:sp>
@@ -703,7 +1079,11 @@
           <a:bodyPr/>
           <a:lstStyle/>
           <a:p>
-            <a:endParaRPr lang="en-US"/>
+            <a:r>
+              <a:rPr lang="en-US"/>
+              <a:t>Aashima, Aditya, Akshay, Anmol Nagpal, Anmol Sarpal</a:t>
+            </a:r>
+            <a:endParaRPr lang="en-US" dirty="0"/>
           </a:p>
         </p:txBody>
       </p:sp>
@@ -732,7 +1112,7 @@
               <a:rPr lang="en-US" smtClean="0"/>
               <a:t>‹#›</a:t>
             </a:fld>
-            <a:endParaRPr lang="en-US"/>
+            <a:endParaRPr lang="en-US" dirty="0"/>
           </a:p>
         </p:txBody>
       </p:sp>
@@ -872,11 +1252,11 @@
           <a:bodyPr/>
           <a:lstStyle/>
           <a:p>
-            <a:fld id="{0ACC0411-9882-4ED5-BDD2-54D6D8A46C5D}" type="datetimeFigureOut">
+            <a:fld id="{753AEF97-EF3E-4B81-9A5D-F2DF3F089B1F}" type="datetime4">
               <a:rPr lang="en-US" smtClean="0"/>
-              <a:t>15-Feb-19</a:t>
+              <a:t>17 February, 2019</a:t>
             </a:fld>
-            <a:endParaRPr lang="en-US"/>
+            <a:endParaRPr lang="en-US" dirty="0"/>
           </a:p>
         </p:txBody>
       </p:sp>
@@ -901,7 +1281,11 @@
           <a:bodyPr/>
           <a:lstStyle/>
           <a:p>
-            <a:endParaRPr lang="en-US"/>
+            <a:r>
+              <a:rPr lang="en-US"/>
+              <a:t>Aashima, Aditya, Akshay, Anmol Nagpal, Anmol Sarpal</a:t>
+            </a:r>
+            <a:endParaRPr lang="en-US" dirty="0"/>
           </a:p>
         </p:txBody>
       </p:sp>
@@ -930,7 +1314,7 @@
               <a:rPr lang="en-US" smtClean="0"/>
               <a:t>‹#›</a:t>
             </a:fld>
-            <a:endParaRPr lang="en-US"/>
+            <a:endParaRPr lang="en-US" dirty="0"/>
           </a:p>
         </p:txBody>
       </p:sp>
@@ -1147,11 +1531,11 @@
           <a:bodyPr/>
           <a:lstStyle/>
           <a:p>
-            <a:fld id="{0ACC0411-9882-4ED5-BDD2-54D6D8A46C5D}" type="datetimeFigureOut">
+            <a:fld id="{6119E89E-2DDC-4F88-8FA9-BBF729FCC44E}" type="datetime4">
               <a:rPr lang="en-US" smtClean="0"/>
-              <a:t>15-Feb-19</a:t>
+              <a:t>17 February, 2019</a:t>
             </a:fld>
-            <a:endParaRPr lang="en-US"/>
+            <a:endParaRPr lang="en-US" dirty="0"/>
           </a:p>
         </p:txBody>
       </p:sp>
@@ -1176,7 +1560,11 @@
           <a:bodyPr/>
           <a:lstStyle/>
           <a:p>
-            <a:endParaRPr lang="en-US"/>
+            <a:r>
+              <a:rPr lang="en-US"/>
+              <a:t>Aashima, Aditya, Akshay, Anmol Nagpal, Anmol Sarpal</a:t>
+            </a:r>
+            <a:endParaRPr lang="en-US" dirty="0"/>
           </a:p>
         </p:txBody>
       </p:sp>
@@ -1205,7 +1593,7 @@
               <a:rPr lang="en-US" smtClean="0"/>
               <a:t>‹#›</a:t>
             </a:fld>
-            <a:endParaRPr lang="en-US"/>
+            <a:endParaRPr lang="en-US" dirty="0"/>
           </a:p>
         </p:txBody>
       </p:sp>
@@ -1412,11 +1800,11 @@
           <a:bodyPr/>
           <a:lstStyle/>
           <a:p>
-            <a:fld id="{0ACC0411-9882-4ED5-BDD2-54D6D8A46C5D}" type="datetimeFigureOut">
+            <a:fld id="{21661F34-E73A-4D55-8880-D84E0C9E6B85}" type="datetime4">
               <a:rPr lang="en-US" smtClean="0"/>
-              <a:t>15-Feb-19</a:t>
+              <a:t>17 February, 2019</a:t>
             </a:fld>
-            <a:endParaRPr lang="en-US"/>
+            <a:endParaRPr lang="en-US" dirty="0"/>
           </a:p>
         </p:txBody>
       </p:sp>
@@ -1441,7 +1829,11 @@
           <a:bodyPr/>
           <a:lstStyle/>
           <a:p>
-            <a:endParaRPr lang="en-US"/>
+            <a:r>
+              <a:rPr lang="en-US"/>
+              <a:t>Aashima, Aditya, Akshay, Anmol Nagpal, Anmol Sarpal</a:t>
+            </a:r>
+            <a:endParaRPr lang="en-US" dirty="0"/>
           </a:p>
         </p:txBody>
       </p:sp>
@@ -1470,7 +1862,7 @@
               <a:rPr lang="en-US" smtClean="0"/>
               <a:t>‹#›</a:t>
             </a:fld>
-            <a:endParaRPr lang="en-US"/>
+            <a:endParaRPr lang="en-US" dirty="0"/>
           </a:p>
         </p:txBody>
       </p:sp>
@@ -1824,11 +2216,11 @@
           <a:bodyPr/>
           <a:lstStyle/>
           <a:p>
-            <a:fld id="{0ACC0411-9882-4ED5-BDD2-54D6D8A46C5D}" type="datetimeFigureOut">
+            <a:fld id="{767A3BCD-748B-4DA0-9506-B96098ED9483}" type="datetime4">
               <a:rPr lang="en-US" smtClean="0"/>
-              <a:t>15-Feb-19</a:t>
+              <a:t>17 February, 2019</a:t>
             </a:fld>
-            <a:endParaRPr lang="en-US"/>
+            <a:endParaRPr lang="en-US" dirty="0"/>
           </a:p>
         </p:txBody>
       </p:sp>
@@ -1853,7 +2245,11 @@
           <a:bodyPr/>
           <a:lstStyle/>
           <a:p>
-            <a:endParaRPr lang="en-US"/>
+            <a:r>
+              <a:rPr lang="en-US"/>
+              <a:t>Aashima, Aditya, Akshay, Anmol Nagpal, Anmol Sarpal</a:t>
+            </a:r>
+            <a:endParaRPr lang="en-US" dirty="0"/>
           </a:p>
         </p:txBody>
       </p:sp>
@@ -1882,7 +2278,7 @@
               <a:rPr lang="en-US" smtClean="0"/>
               <a:t>‹#›</a:t>
             </a:fld>
-            <a:endParaRPr lang="en-US"/>
+            <a:endParaRPr lang="en-US" dirty="0"/>
           </a:p>
         </p:txBody>
       </p:sp>
@@ -1965,11 +2361,11 @@
           <a:bodyPr/>
           <a:lstStyle/>
           <a:p>
-            <a:fld id="{0ACC0411-9882-4ED5-BDD2-54D6D8A46C5D}" type="datetimeFigureOut">
+            <a:fld id="{341EFE01-5816-4990-96AE-88BF048F8BEF}" type="datetime4">
               <a:rPr lang="en-US" smtClean="0"/>
-              <a:t>15-Feb-19</a:t>
+              <a:t>17 February, 2019</a:t>
             </a:fld>
-            <a:endParaRPr lang="en-US"/>
+            <a:endParaRPr lang="en-US" dirty="0"/>
           </a:p>
         </p:txBody>
       </p:sp>
@@ -1994,7 +2390,11 @@
           <a:bodyPr/>
           <a:lstStyle/>
           <a:p>
-            <a:endParaRPr lang="en-US"/>
+            <a:r>
+              <a:rPr lang="en-US"/>
+              <a:t>Aashima, Aditya, Akshay, Anmol Nagpal, Anmol Sarpal</a:t>
+            </a:r>
+            <a:endParaRPr lang="en-US" dirty="0"/>
           </a:p>
         </p:txBody>
       </p:sp>
@@ -2023,7 +2423,7 @@
               <a:rPr lang="en-US" smtClean="0"/>
               <a:t>‹#›</a:t>
             </a:fld>
-            <a:endParaRPr lang="en-US"/>
+            <a:endParaRPr lang="en-US" dirty="0"/>
           </a:p>
         </p:txBody>
       </p:sp>
@@ -2078,11 +2478,11 @@
           <a:bodyPr/>
           <a:lstStyle/>
           <a:p>
-            <a:fld id="{0ACC0411-9882-4ED5-BDD2-54D6D8A46C5D}" type="datetimeFigureOut">
+            <a:fld id="{E300282F-8A56-4BE2-92C1-388156423DA7}" type="datetime4">
               <a:rPr lang="en-US" smtClean="0"/>
-              <a:t>15-Feb-19</a:t>
+              <a:t>17 February, 2019</a:t>
             </a:fld>
-            <a:endParaRPr lang="en-US"/>
+            <a:endParaRPr lang="en-US" dirty="0"/>
           </a:p>
         </p:txBody>
       </p:sp>
@@ -2107,7 +2507,11 @@
           <a:bodyPr/>
           <a:lstStyle/>
           <a:p>
-            <a:endParaRPr lang="en-US"/>
+            <a:r>
+              <a:rPr lang="en-US"/>
+              <a:t>Aashima, Aditya, Akshay, Anmol Nagpal, Anmol Sarpal</a:t>
+            </a:r>
+            <a:endParaRPr lang="en-US" dirty="0"/>
           </a:p>
         </p:txBody>
       </p:sp>
@@ -2136,7 +2540,7 @@
               <a:rPr lang="en-US" smtClean="0"/>
               <a:t>‹#›</a:t>
             </a:fld>
-            <a:endParaRPr lang="en-US"/>
+            <a:endParaRPr lang="en-US" dirty="0"/>
           </a:p>
         </p:txBody>
       </p:sp>
@@ -2389,11 +2793,11 @@
           <a:bodyPr/>
           <a:lstStyle/>
           <a:p>
-            <a:fld id="{0ACC0411-9882-4ED5-BDD2-54D6D8A46C5D}" type="datetimeFigureOut">
+            <a:fld id="{40987446-AB88-4064-928C-C918EDF1F646}" type="datetime4">
               <a:rPr lang="en-US" smtClean="0"/>
-              <a:t>15-Feb-19</a:t>
+              <a:t>17 February, 2019</a:t>
             </a:fld>
-            <a:endParaRPr lang="en-US"/>
+            <a:endParaRPr lang="en-US" dirty="0"/>
           </a:p>
         </p:txBody>
       </p:sp>
@@ -2418,7 +2822,11 @@
           <a:bodyPr/>
           <a:lstStyle/>
           <a:p>
-            <a:endParaRPr lang="en-US"/>
+            <a:r>
+              <a:rPr lang="en-US"/>
+              <a:t>Aashima, Aditya, Akshay, Anmol Nagpal, Anmol Sarpal</a:t>
+            </a:r>
+            <a:endParaRPr lang="en-US" dirty="0"/>
           </a:p>
         </p:txBody>
       </p:sp>
@@ -2447,7 +2855,7 @@
               <a:rPr lang="en-US" smtClean="0"/>
               <a:t>‹#›</a:t>
             </a:fld>
-            <a:endParaRPr lang="en-US"/>
+            <a:endParaRPr lang="en-US" dirty="0"/>
           </a:p>
         </p:txBody>
       </p:sp>
@@ -2581,7 +2989,7 @@
             </a:lvl9pPr>
           </a:lstStyle>
           <a:p>
-            <a:endParaRPr lang="en-US"/>
+            <a:endParaRPr lang="en-US" dirty="0"/>
           </a:p>
         </p:txBody>
       </p:sp>
@@ -2677,11 +3085,11 @@
           <a:bodyPr/>
           <a:lstStyle/>
           <a:p>
-            <a:fld id="{0ACC0411-9882-4ED5-BDD2-54D6D8A46C5D}" type="datetimeFigureOut">
+            <a:fld id="{BF129968-0A3F-4A8A-94DA-4C2A704558E8}" type="datetime4">
               <a:rPr lang="en-US" smtClean="0"/>
-              <a:t>15-Feb-19</a:t>
+              <a:t>17 February, 2019</a:t>
             </a:fld>
-            <a:endParaRPr lang="en-US"/>
+            <a:endParaRPr lang="en-US" dirty="0"/>
           </a:p>
         </p:txBody>
       </p:sp>
@@ -2706,7 +3114,11 @@
           <a:bodyPr/>
           <a:lstStyle/>
           <a:p>
-            <a:endParaRPr lang="en-US"/>
+            <a:r>
+              <a:rPr lang="en-US"/>
+              <a:t>Aashima, Aditya, Akshay, Anmol Nagpal, Anmol Sarpal</a:t>
+            </a:r>
+            <a:endParaRPr lang="en-US" dirty="0"/>
           </a:p>
         </p:txBody>
       </p:sp>
@@ -2735,7 +3147,7 @@
               <a:rPr lang="en-US" smtClean="0"/>
               <a:t>‹#›</a:t>
             </a:fld>
-            <a:endParaRPr lang="en-US"/>
+            <a:endParaRPr lang="en-US" dirty="0"/>
           </a:p>
         </p:txBody>
       </p:sp>
@@ -2918,11 +3330,11 @@
             </a:lvl1pPr>
           </a:lstStyle>
           <a:p>
-            <a:fld id="{0ACC0411-9882-4ED5-BDD2-54D6D8A46C5D}" type="datetimeFigureOut">
+            <a:fld id="{6FDC2ABB-C2D8-4C01-ACC7-AD3F725A1179}" type="datetime4">
               <a:rPr lang="en-US" smtClean="0"/>
-              <a:t>15-Feb-19</a:t>
+              <a:t>17 February, 2019</a:t>
             </a:fld>
-            <a:endParaRPr lang="en-US"/>
+            <a:endParaRPr lang="en-US" dirty="0"/>
           </a:p>
         </p:txBody>
       </p:sp>
@@ -2965,7 +3377,11 @@
             </a:lvl1pPr>
           </a:lstStyle>
           <a:p>
-            <a:endParaRPr lang="en-US"/>
+            <a:r>
+              <a:rPr lang="en-US"/>
+              <a:t>Aashima, Aditya, Akshay, Anmol Nagpal, Anmol Sarpal</a:t>
+            </a:r>
+            <a:endParaRPr lang="en-US" dirty="0"/>
           </a:p>
         </p:txBody>
       </p:sp>
@@ -3012,7 +3428,7 @@
               <a:rPr lang="en-US" smtClean="0"/>
               <a:t>‹#›</a:t>
             </a:fld>
-            <a:endParaRPr lang="en-US"/>
+            <a:endParaRPr lang="en-US" dirty="0"/>
           </a:p>
         </p:txBody>
       </p:sp>
@@ -3037,6 +3453,7 @@
     <p:sldLayoutId id="2147483658" r:id="rId10"/>
     <p:sldLayoutId id="2147483659" r:id="rId11"/>
   </p:sldLayoutIdLst>
+  <p:hf sldNum="0" hdr="0" ftr="0"/>
   <p:txStyles>
     <p:titleStyle>
       <a:lvl1pPr algn="l" defTabSz="914400" rtl="0" eaLnBrk="1" latinLnBrk="0" hangingPunct="1">
@@ -3424,6 +3841,53 @@
           </a:p>
         </p:txBody>
       </p:sp>
+      <p:pic>
+        <p:nvPicPr>
+          <p:cNvPr id="1026" name="Picture 2" descr="https://image.slidesharecdn.com/ed3b5569-fc5a-4be7-a70f-c7e0cf2fab6b-150908032759-lva1-app6892/95/ncu-formerly-itmu-logo-1-1-638.jpg?cb=1441682911">
+            <a:extLst>
+              <a:ext uri="{FF2B5EF4-FFF2-40B4-BE49-F238E27FC236}">
+                <a16:creationId xmlns:a16="http://schemas.microsoft.com/office/drawing/2014/main" id="{DEB2C221-C510-43DF-99AD-C22FFCFFE67F}"/>
+              </a:ext>
+            </a:extLst>
+          </p:cNvPr>
+          <p:cNvPicPr>
+            <a:picLocks noChangeAspect="1" noChangeArrowheads="1"/>
+          </p:cNvPicPr>
+          <p:nvPr/>
+        </p:nvPicPr>
+        <p:blipFill>
+          <a:blip r:embed="rId3">
+            <a:extLst>
+              <a:ext uri="{28A0092B-C50C-407E-A947-70E740481C1C}">
+                <a14:useLocalDpi xmlns:a14="http://schemas.microsoft.com/office/drawing/2010/main" val="0"/>
+              </a:ext>
+            </a:extLst>
+          </a:blip>
+          <a:srcRect/>
+          <a:stretch>
+            <a:fillRect/>
+          </a:stretch>
+        </p:blipFill>
+        <p:spPr bwMode="auto">
+          <a:xfrm>
+            <a:off x="10991460" y="1"/>
+            <a:ext cx="1200539" cy="701882"/>
+          </a:xfrm>
+          <a:prstGeom prst="rect">
+            <a:avLst/>
+          </a:prstGeom>
+          <a:noFill/>
+          <a:extLst>
+            <a:ext uri="{909E8E84-426E-40DD-AFC4-6F175D3DCCD1}">
+              <a14:hiddenFill xmlns:a14="http://schemas.microsoft.com/office/drawing/2010/main">
+                <a:solidFill>
+                  <a:srgbClr val="FFFFFF"/>
+                </a:solidFill>
+              </a14:hiddenFill>
+            </a:ext>
+          </a:extLst>
+        </p:spPr>
+      </p:pic>
     </p:spTree>
     <p:extLst>
       <p:ext uri="{BB962C8B-B14F-4D97-AF65-F5344CB8AC3E}">
@@ -3554,6 +4018,185 @@
           </a:p>
         </p:txBody>
       </p:sp>
+      <p:pic>
+        <p:nvPicPr>
+          <p:cNvPr id="8" name="Picture 2" descr="https://image.slidesharecdn.com/ed3b5569-fc5a-4be7-a70f-c7e0cf2fab6b-150908032759-lva1-app6892/95/ncu-formerly-itmu-logo-1-1-638.jpg?cb=1441682911">
+            <a:extLst>
+              <a:ext uri="{FF2B5EF4-FFF2-40B4-BE49-F238E27FC236}">
+                <a16:creationId xmlns:a16="http://schemas.microsoft.com/office/drawing/2014/main" id="{CD68B424-8E2A-44DF-9C1C-20712A3AECA0}"/>
+              </a:ext>
+            </a:extLst>
+          </p:cNvPr>
+          <p:cNvPicPr>
+            <a:picLocks noChangeAspect="1" noChangeArrowheads="1"/>
+          </p:cNvPicPr>
+          <p:nvPr/>
+        </p:nvPicPr>
+        <p:blipFill>
+          <a:blip r:embed="rId4">
+            <a:extLst>
+              <a:ext uri="{28A0092B-C50C-407E-A947-70E740481C1C}">
+                <a14:useLocalDpi xmlns:a14="http://schemas.microsoft.com/office/drawing/2010/main" val="0"/>
+              </a:ext>
+            </a:extLst>
+          </a:blip>
+          <a:srcRect/>
+          <a:stretch>
+            <a:fillRect/>
+          </a:stretch>
+        </p:blipFill>
+        <p:spPr bwMode="auto">
+          <a:xfrm>
+            <a:off x="10991460" y="1"/>
+            <a:ext cx="1200539" cy="701882"/>
+          </a:xfrm>
+          <a:prstGeom prst="rect">
+            <a:avLst/>
+          </a:prstGeom>
+          <a:noFill/>
+          <a:extLst>
+            <a:ext uri="{909E8E84-426E-40DD-AFC4-6F175D3DCCD1}">
+              <a14:hiddenFill xmlns:a14="http://schemas.microsoft.com/office/drawing/2010/main">
+                <a:solidFill>
+                  <a:srgbClr val="FFFFFF"/>
+                </a:solidFill>
+              </a14:hiddenFill>
+            </a:ext>
+          </a:extLst>
+        </p:spPr>
+      </p:pic>
+      <p:sp>
+        <p:nvSpPr>
+          <p:cNvPr id="10" name="Date Placeholder 3">
+            <a:extLst>
+              <a:ext uri="{FF2B5EF4-FFF2-40B4-BE49-F238E27FC236}">
+                <a16:creationId xmlns:a16="http://schemas.microsoft.com/office/drawing/2014/main" id="{F7602405-347C-4814-BAAA-B93584BD3C72}"/>
+              </a:ext>
+            </a:extLst>
+          </p:cNvPr>
+          <p:cNvSpPr txBox="1">
+            <a:spLocks/>
+          </p:cNvSpPr>
+          <p:nvPr/>
+        </p:nvSpPr>
+        <p:spPr>
+          <a:xfrm>
+            <a:off x="0" y="6491199"/>
+            <a:ext cx="2743200" cy="365125"/>
+          </a:xfrm>
+          <a:prstGeom prst="rect">
+            <a:avLst/>
+          </a:prstGeom>
+        </p:spPr>
+        <p:txBody>
+          <a:bodyPr vert="horz" lIns="91440" tIns="45720" rIns="91440" bIns="45720" rtlCol="0" anchor="ctr"/>
+          <a:lstStyle>
+            <a:defPPr>
+              <a:defRPr lang="en-US"/>
+            </a:defPPr>
+            <a:lvl1pPr marL="0" algn="l" defTabSz="914400" rtl="0" eaLnBrk="1" latinLnBrk="0" hangingPunct="1">
+              <a:defRPr sz="1200" kern="1200">
+                <a:solidFill>
+                  <a:schemeClr val="tx1">
+                    <a:tint val="75000"/>
+                  </a:schemeClr>
+                </a:solidFill>
+                <a:latin typeface="+mn-lt"/>
+                <a:ea typeface="+mn-ea"/>
+                <a:cs typeface="+mn-cs"/>
+              </a:defRPr>
+            </a:lvl1pPr>
+            <a:lvl2pPr marL="457200" algn="l" defTabSz="914400" rtl="0" eaLnBrk="1" latinLnBrk="0" hangingPunct="1">
+              <a:defRPr sz="1800" kern="1200">
+                <a:solidFill>
+                  <a:schemeClr val="tx1"/>
+                </a:solidFill>
+                <a:latin typeface="+mn-lt"/>
+                <a:ea typeface="+mn-ea"/>
+                <a:cs typeface="+mn-cs"/>
+              </a:defRPr>
+            </a:lvl2pPr>
+            <a:lvl3pPr marL="914400" algn="l" defTabSz="914400" rtl="0" eaLnBrk="1" latinLnBrk="0" hangingPunct="1">
+              <a:defRPr sz="1800" kern="1200">
+                <a:solidFill>
+                  <a:schemeClr val="tx1"/>
+                </a:solidFill>
+                <a:latin typeface="+mn-lt"/>
+                <a:ea typeface="+mn-ea"/>
+                <a:cs typeface="+mn-cs"/>
+              </a:defRPr>
+            </a:lvl3pPr>
+            <a:lvl4pPr marL="1371600" algn="l" defTabSz="914400" rtl="0" eaLnBrk="1" latinLnBrk="0" hangingPunct="1">
+              <a:defRPr sz="1800" kern="1200">
+                <a:solidFill>
+                  <a:schemeClr val="tx1"/>
+                </a:solidFill>
+                <a:latin typeface="+mn-lt"/>
+                <a:ea typeface="+mn-ea"/>
+                <a:cs typeface="+mn-cs"/>
+              </a:defRPr>
+            </a:lvl4pPr>
+            <a:lvl5pPr marL="1828800" algn="l" defTabSz="914400" rtl="0" eaLnBrk="1" latinLnBrk="0" hangingPunct="1">
+              <a:defRPr sz="1800" kern="1200">
+                <a:solidFill>
+                  <a:schemeClr val="tx1"/>
+                </a:solidFill>
+                <a:latin typeface="+mn-lt"/>
+                <a:ea typeface="+mn-ea"/>
+                <a:cs typeface="+mn-cs"/>
+              </a:defRPr>
+            </a:lvl5pPr>
+            <a:lvl6pPr marL="2286000" algn="l" defTabSz="914400" rtl="0" eaLnBrk="1" latinLnBrk="0" hangingPunct="1">
+              <a:defRPr sz="1800" kern="1200">
+                <a:solidFill>
+                  <a:schemeClr val="tx1"/>
+                </a:solidFill>
+                <a:latin typeface="+mn-lt"/>
+                <a:ea typeface="+mn-ea"/>
+                <a:cs typeface="+mn-cs"/>
+              </a:defRPr>
+            </a:lvl6pPr>
+            <a:lvl7pPr marL="2743200" algn="l" defTabSz="914400" rtl="0" eaLnBrk="1" latinLnBrk="0" hangingPunct="1">
+              <a:defRPr sz="1800" kern="1200">
+                <a:solidFill>
+                  <a:schemeClr val="tx1"/>
+                </a:solidFill>
+                <a:latin typeface="+mn-lt"/>
+                <a:ea typeface="+mn-ea"/>
+                <a:cs typeface="+mn-cs"/>
+              </a:defRPr>
+            </a:lvl7pPr>
+            <a:lvl8pPr marL="3200400" algn="l" defTabSz="914400" rtl="0" eaLnBrk="1" latinLnBrk="0" hangingPunct="1">
+              <a:defRPr sz="1800" kern="1200">
+                <a:solidFill>
+                  <a:schemeClr val="tx1"/>
+                </a:solidFill>
+                <a:latin typeface="+mn-lt"/>
+                <a:ea typeface="+mn-ea"/>
+                <a:cs typeface="+mn-cs"/>
+              </a:defRPr>
+            </a:lvl8pPr>
+            <a:lvl9pPr marL="3657600" algn="l" defTabSz="914400" rtl="0" eaLnBrk="1" latinLnBrk="0" hangingPunct="1">
+              <a:defRPr sz="1800" kern="1200">
+                <a:solidFill>
+                  <a:schemeClr val="tx1"/>
+                </a:solidFill>
+                <a:latin typeface="+mn-lt"/>
+                <a:ea typeface="+mn-ea"/>
+                <a:cs typeface="+mn-cs"/>
+              </a:defRPr>
+            </a:lvl9pPr>
+          </a:lstStyle>
+          <a:p>
+            <a:fld id="{B69E9AD6-8BEC-47A7-8DB6-67B02ECE5037}" type="datetime4">
+              <a:rPr lang="en-US" smtClean="0"/>
+              <a:pPr/>
+              <a:t>17 February, 2019</a:t>
+            </a:fld>
+            <a:endParaRPr lang="en-US" dirty="0"/>
+          </a:p>
+        </p:txBody>
+      </p:sp>
     </p:spTree>
     <p:extLst>
       <p:ext uri="{BB962C8B-B14F-4D97-AF65-F5344CB8AC3E}">
@@ -3692,7 +4335,7 @@
         </p:blipFill>
         <p:spPr>
           <a:xfrm>
-            <a:off x="1412983" y="0"/>
+            <a:off x="1664910" y="0"/>
             <a:ext cx="2963074" cy="6858000"/>
           </a:xfrm>
           <a:prstGeom prst="rect">
@@ -3700,6 +4343,185 @@
           </a:prstGeom>
         </p:spPr>
       </p:pic>
+      <p:pic>
+        <p:nvPicPr>
+          <p:cNvPr id="7" name="Picture 2" descr="https://image.slidesharecdn.com/ed3b5569-fc5a-4be7-a70f-c7e0cf2fab6b-150908032759-lva1-app6892/95/ncu-formerly-itmu-logo-1-1-638.jpg?cb=1441682911">
+            <a:extLst>
+              <a:ext uri="{FF2B5EF4-FFF2-40B4-BE49-F238E27FC236}">
+                <a16:creationId xmlns:a16="http://schemas.microsoft.com/office/drawing/2014/main" id="{FA036C45-F6F5-4F69-A3AE-1FA4AB4F6EF3}"/>
+              </a:ext>
+            </a:extLst>
+          </p:cNvPr>
+          <p:cNvPicPr>
+            <a:picLocks noChangeAspect="1" noChangeArrowheads="1"/>
+          </p:cNvPicPr>
+          <p:nvPr/>
+        </p:nvPicPr>
+        <p:blipFill>
+          <a:blip r:embed="rId4">
+            <a:extLst>
+              <a:ext uri="{28A0092B-C50C-407E-A947-70E740481C1C}">
+                <a14:useLocalDpi xmlns:a14="http://schemas.microsoft.com/office/drawing/2010/main" val="0"/>
+              </a:ext>
+            </a:extLst>
+          </a:blip>
+          <a:srcRect/>
+          <a:stretch>
+            <a:fillRect/>
+          </a:stretch>
+        </p:blipFill>
+        <p:spPr bwMode="auto">
+          <a:xfrm>
+            <a:off x="10991460" y="1"/>
+            <a:ext cx="1200539" cy="701882"/>
+          </a:xfrm>
+          <a:prstGeom prst="rect">
+            <a:avLst/>
+          </a:prstGeom>
+          <a:noFill/>
+          <a:extLst>
+            <a:ext uri="{909E8E84-426E-40DD-AFC4-6F175D3DCCD1}">
+              <a14:hiddenFill xmlns:a14="http://schemas.microsoft.com/office/drawing/2010/main">
+                <a:solidFill>
+                  <a:srgbClr val="FFFFFF"/>
+                </a:solidFill>
+              </a14:hiddenFill>
+            </a:ext>
+          </a:extLst>
+        </p:spPr>
+      </p:pic>
+      <p:sp>
+        <p:nvSpPr>
+          <p:cNvPr id="10" name="Date Placeholder 3">
+            <a:extLst>
+              <a:ext uri="{FF2B5EF4-FFF2-40B4-BE49-F238E27FC236}">
+                <a16:creationId xmlns:a16="http://schemas.microsoft.com/office/drawing/2014/main" id="{375BEAAD-68D5-4628-92C1-1A6B25B1F364}"/>
+              </a:ext>
+            </a:extLst>
+          </p:cNvPr>
+          <p:cNvSpPr txBox="1">
+            <a:spLocks/>
+          </p:cNvSpPr>
+          <p:nvPr/>
+        </p:nvSpPr>
+        <p:spPr>
+          <a:xfrm>
+            <a:off x="0" y="6491199"/>
+            <a:ext cx="2743200" cy="365125"/>
+          </a:xfrm>
+          <a:prstGeom prst="rect">
+            <a:avLst/>
+          </a:prstGeom>
+        </p:spPr>
+        <p:txBody>
+          <a:bodyPr vert="horz" lIns="91440" tIns="45720" rIns="91440" bIns="45720" rtlCol="0" anchor="ctr"/>
+          <a:lstStyle>
+            <a:defPPr>
+              <a:defRPr lang="en-US"/>
+            </a:defPPr>
+            <a:lvl1pPr marL="0" algn="l" defTabSz="914400" rtl="0" eaLnBrk="1" latinLnBrk="0" hangingPunct="1">
+              <a:defRPr sz="1200" kern="1200">
+                <a:solidFill>
+                  <a:schemeClr val="tx1">
+                    <a:tint val="75000"/>
+                  </a:schemeClr>
+                </a:solidFill>
+                <a:latin typeface="+mn-lt"/>
+                <a:ea typeface="+mn-ea"/>
+                <a:cs typeface="+mn-cs"/>
+              </a:defRPr>
+            </a:lvl1pPr>
+            <a:lvl2pPr marL="457200" algn="l" defTabSz="914400" rtl="0" eaLnBrk="1" latinLnBrk="0" hangingPunct="1">
+              <a:defRPr sz="1800" kern="1200">
+                <a:solidFill>
+                  <a:schemeClr val="tx1"/>
+                </a:solidFill>
+                <a:latin typeface="+mn-lt"/>
+                <a:ea typeface="+mn-ea"/>
+                <a:cs typeface="+mn-cs"/>
+              </a:defRPr>
+            </a:lvl2pPr>
+            <a:lvl3pPr marL="914400" algn="l" defTabSz="914400" rtl="0" eaLnBrk="1" latinLnBrk="0" hangingPunct="1">
+              <a:defRPr sz="1800" kern="1200">
+                <a:solidFill>
+                  <a:schemeClr val="tx1"/>
+                </a:solidFill>
+                <a:latin typeface="+mn-lt"/>
+                <a:ea typeface="+mn-ea"/>
+                <a:cs typeface="+mn-cs"/>
+              </a:defRPr>
+            </a:lvl3pPr>
+            <a:lvl4pPr marL="1371600" algn="l" defTabSz="914400" rtl="0" eaLnBrk="1" latinLnBrk="0" hangingPunct="1">
+              <a:defRPr sz="1800" kern="1200">
+                <a:solidFill>
+                  <a:schemeClr val="tx1"/>
+                </a:solidFill>
+                <a:latin typeface="+mn-lt"/>
+                <a:ea typeface="+mn-ea"/>
+                <a:cs typeface="+mn-cs"/>
+              </a:defRPr>
+            </a:lvl4pPr>
+            <a:lvl5pPr marL="1828800" algn="l" defTabSz="914400" rtl="0" eaLnBrk="1" latinLnBrk="0" hangingPunct="1">
+              <a:defRPr sz="1800" kern="1200">
+                <a:solidFill>
+                  <a:schemeClr val="tx1"/>
+                </a:solidFill>
+                <a:latin typeface="+mn-lt"/>
+                <a:ea typeface="+mn-ea"/>
+                <a:cs typeface="+mn-cs"/>
+              </a:defRPr>
+            </a:lvl5pPr>
+            <a:lvl6pPr marL="2286000" algn="l" defTabSz="914400" rtl="0" eaLnBrk="1" latinLnBrk="0" hangingPunct="1">
+              <a:defRPr sz="1800" kern="1200">
+                <a:solidFill>
+                  <a:schemeClr val="tx1"/>
+                </a:solidFill>
+                <a:latin typeface="+mn-lt"/>
+                <a:ea typeface="+mn-ea"/>
+                <a:cs typeface="+mn-cs"/>
+              </a:defRPr>
+            </a:lvl6pPr>
+            <a:lvl7pPr marL="2743200" algn="l" defTabSz="914400" rtl="0" eaLnBrk="1" latinLnBrk="0" hangingPunct="1">
+              <a:defRPr sz="1800" kern="1200">
+                <a:solidFill>
+                  <a:schemeClr val="tx1"/>
+                </a:solidFill>
+                <a:latin typeface="+mn-lt"/>
+                <a:ea typeface="+mn-ea"/>
+                <a:cs typeface="+mn-cs"/>
+              </a:defRPr>
+            </a:lvl7pPr>
+            <a:lvl8pPr marL="3200400" algn="l" defTabSz="914400" rtl="0" eaLnBrk="1" latinLnBrk="0" hangingPunct="1">
+              <a:defRPr sz="1800" kern="1200">
+                <a:solidFill>
+                  <a:schemeClr val="tx1"/>
+                </a:solidFill>
+                <a:latin typeface="+mn-lt"/>
+                <a:ea typeface="+mn-ea"/>
+                <a:cs typeface="+mn-cs"/>
+              </a:defRPr>
+            </a:lvl8pPr>
+            <a:lvl9pPr marL="3657600" algn="l" defTabSz="914400" rtl="0" eaLnBrk="1" latinLnBrk="0" hangingPunct="1">
+              <a:defRPr sz="1800" kern="1200">
+                <a:solidFill>
+                  <a:schemeClr val="tx1"/>
+                </a:solidFill>
+                <a:latin typeface="+mn-lt"/>
+                <a:ea typeface="+mn-ea"/>
+                <a:cs typeface="+mn-cs"/>
+              </a:defRPr>
+            </a:lvl9pPr>
+          </a:lstStyle>
+          <a:p>
+            <a:fld id="{B69E9AD6-8BEC-47A7-8DB6-67B02ECE5037}" type="datetime4">
+              <a:rPr lang="en-US" smtClean="0"/>
+              <a:pPr/>
+              <a:t>17 February, 2019</a:t>
+            </a:fld>
+            <a:endParaRPr lang="en-US" dirty="0"/>
+          </a:p>
+        </p:txBody>
+      </p:sp>
     </p:spTree>
     <p:extLst>
       <p:ext uri="{BB962C8B-B14F-4D97-AF65-F5344CB8AC3E}">
@@ -3871,6 +4693,185 @@
           </a:prstGeom>
         </p:spPr>
       </p:pic>
+      <p:pic>
+        <p:nvPicPr>
+          <p:cNvPr id="8" name="Picture 2" descr="https://image.slidesharecdn.com/ed3b5569-fc5a-4be7-a70f-c7e0cf2fab6b-150908032759-lva1-app6892/95/ncu-formerly-itmu-logo-1-1-638.jpg?cb=1441682911">
+            <a:extLst>
+              <a:ext uri="{FF2B5EF4-FFF2-40B4-BE49-F238E27FC236}">
+                <a16:creationId xmlns:a16="http://schemas.microsoft.com/office/drawing/2014/main" id="{DB3A49AF-C437-4B02-AB13-A2A2E96E863E}"/>
+              </a:ext>
+            </a:extLst>
+          </p:cNvPr>
+          <p:cNvPicPr>
+            <a:picLocks noChangeAspect="1" noChangeArrowheads="1"/>
+          </p:cNvPicPr>
+          <p:nvPr/>
+        </p:nvPicPr>
+        <p:blipFill>
+          <a:blip r:embed="rId5">
+            <a:extLst>
+              <a:ext uri="{28A0092B-C50C-407E-A947-70E740481C1C}">
+                <a14:useLocalDpi xmlns:a14="http://schemas.microsoft.com/office/drawing/2010/main" val="0"/>
+              </a:ext>
+            </a:extLst>
+          </a:blip>
+          <a:srcRect/>
+          <a:stretch>
+            <a:fillRect/>
+          </a:stretch>
+        </p:blipFill>
+        <p:spPr bwMode="auto">
+          <a:xfrm>
+            <a:off x="10991460" y="1"/>
+            <a:ext cx="1200539" cy="701882"/>
+          </a:xfrm>
+          <a:prstGeom prst="rect">
+            <a:avLst/>
+          </a:prstGeom>
+          <a:noFill/>
+          <a:extLst>
+            <a:ext uri="{909E8E84-426E-40DD-AFC4-6F175D3DCCD1}">
+              <a14:hiddenFill xmlns:a14="http://schemas.microsoft.com/office/drawing/2010/main">
+                <a:solidFill>
+                  <a:srgbClr val="FFFFFF"/>
+                </a:solidFill>
+              </a14:hiddenFill>
+            </a:ext>
+          </a:extLst>
+        </p:spPr>
+      </p:pic>
+      <p:sp>
+        <p:nvSpPr>
+          <p:cNvPr id="11" name="Date Placeholder 3">
+            <a:extLst>
+              <a:ext uri="{FF2B5EF4-FFF2-40B4-BE49-F238E27FC236}">
+                <a16:creationId xmlns:a16="http://schemas.microsoft.com/office/drawing/2014/main" id="{2D475563-E02A-45D9-BC38-64B886C573F4}"/>
+              </a:ext>
+            </a:extLst>
+          </p:cNvPr>
+          <p:cNvSpPr txBox="1">
+            <a:spLocks/>
+          </p:cNvSpPr>
+          <p:nvPr/>
+        </p:nvSpPr>
+        <p:spPr>
+          <a:xfrm>
+            <a:off x="0" y="6491199"/>
+            <a:ext cx="2743200" cy="365125"/>
+          </a:xfrm>
+          <a:prstGeom prst="rect">
+            <a:avLst/>
+          </a:prstGeom>
+        </p:spPr>
+        <p:txBody>
+          <a:bodyPr vert="horz" lIns="91440" tIns="45720" rIns="91440" bIns="45720" rtlCol="0" anchor="ctr"/>
+          <a:lstStyle>
+            <a:defPPr>
+              <a:defRPr lang="en-US"/>
+            </a:defPPr>
+            <a:lvl1pPr marL="0" algn="l" defTabSz="914400" rtl="0" eaLnBrk="1" latinLnBrk="0" hangingPunct="1">
+              <a:defRPr sz="1200" kern="1200">
+                <a:solidFill>
+                  <a:schemeClr val="tx1">
+                    <a:tint val="75000"/>
+                  </a:schemeClr>
+                </a:solidFill>
+                <a:latin typeface="+mn-lt"/>
+                <a:ea typeface="+mn-ea"/>
+                <a:cs typeface="+mn-cs"/>
+              </a:defRPr>
+            </a:lvl1pPr>
+            <a:lvl2pPr marL="457200" algn="l" defTabSz="914400" rtl="0" eaLnBrk="1" latinLnBrk="0" hangingPunct="1">
+              <a:defRPr sz="1800" kern="1200">
+                <a:solidFill>
+                  <a:schemeClr val="tx1"/>
+                </a:solidFill>
+                <a:latin typeface="+mn-lt"/>
+                <a:ea typeface="+mn-ea"/>
+                <a:cs typeface="+mn-cs"/>
+              </a:defRPr>
+            </a:lvl2pPr>
+            <a:lvl3pPr marL="914400" algn="l" defTabSz="914400" rtl="0" eaLnBrk="1" latinLnBrk="0" hangingPunct="1">
+              <a:defRPr sz="1800" kern="1200">
+                <a:solidFill>
+                  <a:schemeClr val="tx1"/>
+                </a:solidFill>
+                <a:latin typeface="+mn-lt"/>
+                <a:ea typeface="+mn-ea"/>
+                <a:cs typeface="+mn-cs"/>
+              </a:defRPr>
+            </a:lvl3pPr>
+            <a:lvl4pPr marL="1371600" algn="l" defTabSz="914400" rtl="0" eaLnBrk="1" latinLnBrk="0" hangingPunct="1">
+              <a:defRPr sz="1800" kern="1200">
+                <a:solidFill>
+                  <a:schemeClr val="tx1"/>
+                </a:solidFill>
+                <a:latin typeface="+mn-lt"/>
+                <a:ea typeface="+mn-ea"/>
+                <a:cs typeface="+mn-cs"/>
+              </a:defRPr>
+            </a:lvl4pPr>
+            <a:lvl5pPr marL="1828800" algn="l" defTabSz="914400" rtl="0" eaLnBrk="1" latinLnBrk="0" hangingPunct="1">
+              <a:defRPr sz="1800" kern="1200">
+                <a:solidFill>
+                  <a:schemeClr val="tx1"/>
+                </a:solidFill>
+                <a:latin typeface="+mn-lt"/>
+                <a:ea typeface="+mn-ea"/>
+                <a:cs typeface="+mn-cs"/>
+              </a:defRPr>
+            </a:lvl5pPr>
+            <a:lvl6pPr marL="2286000" algn="l" defTabSz="914400" rtl="0" eaLnBrk="1" latinLnBrk="0" hangingPunct="1">
+              <a:defRPr sz="1800" kern="1200">
+                <a:solidFill>
+                  <a:schemeClr val="tx1"/>
+                </a:solidFill>
+                <a:latin typeface="+mn-lt"/>
+                <a:ea typeface="+mn-ea"/>
+                <a:cs typeface="+mn-cs"/>
+              </a:defRPr>
+            </a:lvl6pPr>
+            <a:lvl7pPr marL="2743200" algn="l" defTabSz="914400" rtl="0" eaLnBrk="1" latinLnBrk="0" hangingPunct="1">
+              <a:defRPr sz="1800" kern="1200">
+                <a:solidFill>
+                  <a:schemeClr val="tx1"/>
+                </a:solidFill>
+                <a:latin typeface="+mn-lt"/>
+                <a:ea typeface="+mn-ea"/>
+                <a:cs typeface="+mn-cs"/>
+              </a:defRPr>
+            </a:lvl7pPr>
+            <a:lvl8pPr marL="3200400" algn="l" defTabSz="914400" rtl="0" eaLnBrk="1" latinLnBrk="0" hangingPunct="1">
+              <a:defRPr sz="1800" kern="1200">
+                <a:solidFill>
+                  <a:schemeClr val="tx1"/>
+                </a:solidFill>
+                <a:latin typeface="+mn-lt"/>
+                <a:ea typeface="+mn-ea"/>
+                <a:cs typeface="+mn-cs"/>
+              </a:defRPr>
+            </a:lvl8pPr>
+            <a:lvl9pPr marL="3657600" algn="l" defTabSz="914400" rtl="0" eaLnBrk="1" latinLnBrk="0" hangingPunct="1">
+              <a:defRPr sz="1800" kern="1200">
+                <a:solidFill>
+                  <a:schemeClr val="tx1"/>
+                </a:solidFill>
+                <a:latin typeface="+mn-lt"/>
+                <a:ea typeface="+mn-ea"/>
+                <a:cs typeface="+mn-cs"/>
+              </a:defRPr>
+            </a:lvl9pPr>
+          </a:lstStyle>
+          <a:p>
+            <a:fld id="{B69E9AD6-8BEC-47A7-8DB6-67B02ECE5037}" type="datetime4">
+              <a:rPr lang="en-US" smtClean="0"/>
+              <a:pPr/>
+              <a:t>17 February, 2019</a:t>
+            </a:fld>
+            <a:endParaRPr lang="en-US" dirty="0"/>
+          </a:p>
+        </p:txBody>
+      </p:sp>
     </p:spTree>
     <p:extLst>
       <p:ext uri="{BB962C8B-B14F-4D97-AF65-F5344CB8AC3E}">
@@ -3974,15 +4975,7 @@
             </a:br>
             <a:r>
               <a:rPr lang="en-US" sz="3100" i="1" dirty="0"/>
-              <a:t>The system should use ‘log4-j’ for logging. Logger should use console and file </a:t>
-            </a:r>
-            <a:r>
-              <a:rPr lang="en-US" sz="3100" i="1" dirty="0" err="1"/>
-              <a:t>appender</a:t>
-            </a:r>
-            <a:r>
-              <a:rPr lang="en-US" sz="3100" i="1" dirty="0"/>
-              <a:t> for file logging.</a:t>
+              <a:t>The system should use ‘log4-j’ for logging. Logger should use console and file appender for file logging.</a:t>
             </a:r>
             <a:br>
               <a:rPr lang="en-US" i="1" dirty="0"/>
@@ -4021,6 +5014,185 @@
           </a:prstGeom>
         </p:spPr>
       </p:pic>
+      <p:pic>
+        <p:nvPicPr>
+          <p:cNvPr id="7" name="Picture 2" descr="https://image.slidesharecdn.com/ed3b5569-fc5a-4be7-a70f-c7e0cf2fab6b-150908032759-lva1-app6892/95/ncu-formerly-itmu-logo-1-1-638.jpg?cb=1441682911">
+            <a:extLst>
+              <a:ext uri="{FF2B5EF4-FFF2-40B4-BE49-F238E27FC236}">
+                <a16:creationId xmlns:a16="http://schemas.microsoft.com/office/drawing/2014/main" id="{35AEA3D2-BBB9-4403-BEB8-A8D058FBA317}"/>
+              </a:ext>
+            </a:extLst>
+          </p:cNvPr>
+          <p:cNvPicPr>
+            <a:picLocks noChangeAspect="1" noChangeArrowheads="1"/>
+          </p:cNvPicPr>
+          <p:nvPr/>
+        </p:nvPicPr>
+        <p:blipFill>
+          <a:blip r:embed="rId4">
+            <a:extLst>
+              <a:ext uri="{28A0092B-C50C-407E-A947-70E740481C1C}">
+                <a14:useLocalDpi xmlns:a14="http://schemas.microsoft.com/office/drawing/2010/main" val="0"/>
+              </a:ext>
+            </a:extLst>
+          </a:blip>
+          <a:srcRect/>
+          <a:stretch>
+            <a:fillRect/>
+          </a:stretch>
+        </p:blipFill>
+        <p:spPr bwMode="auto">
+          <a:xfrm>
+            <a:off x="10991460" y="1"/>
+            <a:ext cx="1200539" cy="701882"/>
+          </a:xfrm>
+          <a:prstGeom prst="rect">
+            <a:avLst/>
+          </a:prstGeom>
+          <a:noFill/>
+          <a:extLst>
+            <a:ext uri="{909E8E84-426E-40DD-AFC4-6F175D3DCCD1}">
+              <a14:hiddenFill xmlns:a14="http://schemas.microsoft.com/office/drawing/2010/main">
+                <a:solidFill>
+                  <a:srgbClr val="FFFFFF"/>
+                </a:solidFill>
+              </a14:hiddenFill>
+            </a:ext>
+          </a:extLst>
+        </p:spPr>
+      </p:pic>
+      <p:sp>
+        <p:nvSpPr>
+          <p:cNvPr id="10" name="Date Placeholder 3">
+            <a:extLst>
+              <a:ext uri="{FF2B5EF4-FFF2-40B4-BE49-F238E27FC236}">
+                <a16:creationId xmlns:a16="http://schemas.microsoft.com/office/drawing/2014/main" id="{9DF00426-9A8B-4F8E-86F8-EFB5768E37D5}"/>
+              </a:ext>
+            </a:extLst>
+          </p:cNvPr>
+          <p:cNvSpPr txBox="1">
+            <a:spLocks/>
+          </p:cNvSpPr>
+          <p:nvPr/>
+        </p:nvSpPr>
+        <p:spPr>
+          <a:xfrm>
+            <a:off x="0" y="6491199"/>
+            <a:ext cx="2743200" cy="365125"/>
+          </a:xfrm>
+          <a:prstGeom prst="rect">
+            <a:avLst/>
+          </a:prstGeom>
+        </p:spPr>
+        <p:txBody>
+          <a:bodyPr vert="horz" lIns="91440" tIns="45720" rIns="91440" bIns="45720" rtlCol="0" anchor="ctr"/>
+          <a:lstStyle>
+            <a:defPPr>
+              <a:defRPr lang="en-US"/>
+            </a:defPPr>
+            <a:lvl1pPr marL="0" algn="l" defTabSz="914400" rtl="0" eaLnBrk="1" latinLnBrk="0" hangingPunct="1">
+              <a:defRPr sz="1200" kern="1200">
+                <a:solidFill>
+                  <a:schemeClr val="tx1">
+                    <a:tint val="75000"/>
+                  </a:schemeClr>
+                </a:solidFill>
+                <a:latin typeface="+mn-lt"/>
+                <a:ea typeface="+mn-ea"/>
+                <a:cs typeface="+mn-cs"/>
+              </a:defRPr>
+            </a:lvl1pPr>
+            <a:lvl2pPr marL="457200" algn="l" defTabSz="914400" rtl="0" eaLnBrk="1" latinLnBrk="0" hangingPunct="1">
+              <a:defRPr sz="1800" kern="1200">
+                <a:solidFill>
+                  <a:schemeClr val="tx1"/>
+                </a:solidFill>
+                <a:latin typeface="+mn-lt"/>
+                <a:ea typeface="+mn-ea"/>
+                <a:cs typeface="+mn-cs"/>
+              </a:defRPr>
+            </a:lvl2pPr>
+            <a:lvl3pPr marL="914400" algn="l" defTabSz="914400" rtl="0" eaLnBrk="1" latinLnBrk="0" hangingPunct="1">
+              <a:defRPr sz="1800" kern="1200">
+                <a:solidFill>
+                  <a:schemeClr val="tx1"/>
+                </a:solidFill>
+                <a:latin typeface="+mn-lt"/>
+                <a:ea typeface="+mn-ea"/>
+                <a:cs typeface="+mn-cs"/>
+              </a:defRPr>
+            </a:lvl3pPr>
+            <a:lvl4pPr marL="1371600" algn="l" defTabSz="914400" rtl="0" eaLnBrk="1" latinLnBrk="0" hangingPunct="1">
+              <a:defRPr sz="1800" kern="1200">
+                <a:solidFill>
+                  <a:schemeClr val="tx1"/>
+                </a:solidFill>
+                <a:latin typeface="+mn-lt"/>
+                <a:ea typeface="+mn-ea"/>
+                <a:cs typeface="+mn-cs"/>
+              </a:defRPr>
+            </a:lvl4pPr>
+            <a:lvl5pPr marL="1828800" algn="l" defTabSz="914400" rtl="0" eaLnBrk="1" latinLnBrk="0" hangingPunct="1">
+              <a:defRPr sz="1800" kern="1200">
+                <a:solidFill>
+                  <a:schemeClr val="tx1"/>
+                </a:solidFill>
+                <a:latin typeface="+mn-lt"/>
+                <a:ea typeface="+mn-ea"/>
+                <a:cs typeface="+mn-cs"/>
+              </a:defRPr>
+            </a:lvl5pPr>
+            <a:lvl6pPr marL="2286000" algn="l" defTabSz="914400" rtl="0" eaLnBrk="1" latinLnBrk="0" hangingPunct="1">
+              <a:defRPr sz="1800" kern="1200">
+                <a:solidFill>
+                  <a:schemeClr val="tx1"/>
+                </a:solidFill>
+                <a:latin typeface="+mn-lt"/>
+                <a:ea typeface="+mn-ea"/>
+                <a:cs typeface="+mn-cs"/>
+              </a:defRPr>
+            </a:lvl6pPr>
+            <a:lvl7pPr marL="2743200" algn="l" defTabSz="914400" rtl="0" eaLnBrk="1" latinLnBrk="0" hangingPunct="1">
+              <a:defRPr sz="1800" kern="1200">
+                <a:solidFill>
+                  <a:schemeClr val="tx1"/>
+                </a:solidFill>
+                <a:latin typeface="+mn-lt"/>
+                <a:ea typeface="+mn-ea"/>
+                <a:cs typeface="+mn-cs"/>
+              </a:defRPr>
+            </a:lvl7pPr>
+            <a:lvl8pPr marL="3200400" algn="l" defTabSz="914400" rtl="0" eaLnBrk="1" latinLnBrk="0" hangingPunct="1">
+              <a:defRPr sz="1800" kern="1200">
+                <a:solidFill>
+                  <a:schemeClr val="tx1"/>
+                </a:solidFill>
+                <a:latin typeface="+mn-lt"/>
+                <a:ea typeface="+mn-ea"/>
+                <a:cs typeface="+mn-cs"/>
+              </a:defRPr>
+            </a:lvl8pPr>
+            <a:lvl9pPr marL="3657600" algn="l" defTabSz="914400" rtl="0" eaLnBrk="1" latinLnBrk="0" hangingPunct="1">
+              <a:defRPr sz="1800" kern="1200">
+                <a:solidFill>
+                  <a:schemeClr val="tx1"/>
+                </a:solidFill>
+                <a:latin typeface="+mn-lt"/>
+                <a:ea typeface="+mn-ea"/>
+                <a:cs typeface="+mn-cs"/>
+              </a:defRPr>
+            </a:lvl9pPr>
+          </a:lstStyle>
+          <a:p>
+            <a:fld id="{B69E9AD6-8BEC-47A7-8DB6-67B02ECE5037}" type="datetime4">
+              <a:rPr lang="en-US" smtClean="0"/>
+              <a:pPr/>
+              <a:t>17 February, 2019</a:t>
+            </a:fld>
+            <a:endParaRPr lang="en-US" dirty="0"/>
+          </a:p>
+        </p:txBody>
+      </p:sp>
     </p:spTree>
     <p:extLst>
       <p:ext uri="{BB962C8B-B14F-4D97-AF65-F5344CB8AC3E}">
@@ -4150,6 +5322,185 @@
           </a:prstGeom>
         </p:spPr>
       </p:pic>
+      <p:pic>
+        <p:nvPicPr>
+          <p:cNvPr id="7" name="Picture 2" descr="https://image.slidesharecdn.com/ed3b5569-fc5a-4be7-a70f-c7e0cf2fab6b-150908032759-lva1-app6892/95/ncu-formerly-itmu-logo-1-1-638.jpg?cb=1441682911">
+            <a:extLst>
+              <a:ext uri="{FF2B5EF4-FFF2-40B4-BE49-F238E27FC236}">
+                <a16:creationId xmlns:a16="http://schemas.microsoft.com/office/drawing/2014/main" id="{B7A6202D-9236-4DC4-A3E8-113F204EE84B}"/>
+              </a:ext>
+            </a:extLst>
+          </p:cNvPr>
+          <p:cNvPicPr>
+            <a:picLocks noChangeAspect="1" noChangeArrowheads="1"/>
+          </p:cNvPicPr>
+          <p:nvPr/>
+        </p:nvPicPr>
+        <p:blipFill>
+          <a:blip r:embed="rId4">
+            <a:extLst>
+              <a:ext uri="{28A0092B-C50C-407E-A947-70E740481C1C}">
+                <a14:useLocalDpi xmlns:a14="http://schemas.microsoft.com/office/drawing/2010/main" val="0"/>
+              </a:ext>
+            </a:extLst>
+          </a:blip>
+          <a:srcRect/>
+          <a:stretch>
+            <a:fillRect/>
+          </a:stretch>
+        </p:blipFill>
+        <p:spPr bwMode="auto">
+          <a:xfrm>
+            <a:off x="10991460" y="1"/>
+            <a:ext cx="1200539" cy="701882"/>
+          </a:xfrm>
+          <a:prstGeom prst="rect">
+            <a:avLst/>
+          </a:prstGeom>
+          <a:noFill/>
+          <a:extLst>
+            <a:ext uri="{909E8E84-426E-40DD-AFC4-6F175D3DCCD1}">
+              <a14:hiddenFill xmlns:a14="http://schemas.microsoft.com/office/drawing/2010/main">
+                <a:solidFill>
+                  <a:srgbClr val="FFFFFF"/>
+                </a:solidFill>
+              </a14:hiddenFill>
+            </a:ext>
+          </a:extLst>
+        </p:spPr>
+      </p:pic>
+      <p:sp>
+        <p:nvSpPr>
+          <p:cNvPr id="10" name="Date Placeholder 3">
+            <a:extLst>
+              <a:ext uri="{FF2B5EF4-FFF2-40B4-BE49-F238E27FC236}">
+                <a16:creationId xmlns:a16="http://schemas.microsoft.com/office/drawing/2014/main" id="{57A9AD02-931C-4FDA-92B6-633997389C91}"/>
+              </a:ext>
+            </a:extLst>
+          </p:cNvPr>
+          <p:cNvSpPr txBox="1">
+            <a:spLocks/>
+          </p:cNvSpPr>
+          <p:nvPr/>
+        </p:nvSpPr>
+        <p:spPr>
+          <a:xfrm>
+            <a:off x="0" y="6491199"/>
+            <a:ext cx="2743200" cy="365125"/>
+          </a:xfrm>
+          <a:prstGeom prst="rect">
+            <a:avLst/>
+          </a:prstGeom>
+        </p:spPr>
+        <p:txBody>
+          <a:bodyPr vert="horz" lIns="91440" tIns="45720" rIns="91440" bIns="45720" rtlCol="0" anchor="ctr"/>
+          <a:lstStyle>
+            <a:defPPr>
+              <a:defRPr lang="en-US"/>
+            </a:defPPr>
+            <a:lvl1pPr marL="0" algn="l" defTabSz="914400" rtl="0" eaLnBrk="1" latinLnBrk="0" hangingPunct="1">
+              <a:defRPr sz="1200" kern="1200">
+                <a:solidFill>
+                  <a:schemeClr val="tx1">
+                    <a:tint val="75000"/>
+                  </a:schemeClr>
+                </a:solidFill>
+                <a:latin typeface="+mn-lt"/>
+                <a:ea typeface="+mn-ea"/>
+                <a:cs typeface="+mn-cs"/>
+              </a:defRPr>
+            </a:lvl1pPr>
+            <a:lvl2pPr marL="457200" algn="l" defTabSz="914400" rtl="0" eaLnBrk="1" latinLnBrk="0" hangingPunct="1">
+              <a:defRPr sz="1800" kern="1200">
+                <a:solidFill>
+                  <a:schemeClr val="tx1"/>
+                </a:solidFill>
+                <a:latin typeface="+mn-lt"/>
+                <a:ea typeface="+mn-ea"/>
+                <a:cs typeface="+mn-cs"/>
+              </a:defRPr>
+            </a:lvl2pPr>
+            <a:lvl3pPr marL="914400" algn="l" defTabSz="914400" rtl="0" eaLnBrk="1" latinLnBrk="0" hangingPunct="1">
+              <a:defRPr sz="1800" kern="1200">
+                <a:solidFill>
+                  <a:schemeClr val="tx1"/>
+                </a:solidFill>
+                <a:latin typeface="+mn-lt"/>
+                <a:ea typeface="+mn-ea"/>
+                <a:cs typeface="+mn-cs"/>
+              </a:defRPr>
+            </a:lvl3pPr>
+            <a:lvl4pPr marL="1371600" algn="l" defTabSz="914400" rtl="0" eaLnBrk="1" latinLnBrk="0" hangingPunct="1">
+              <a:defRPr sz="1800" kern="1200">
+                <a:solidFill>
+                  <a:schemeClr val="tx1"/>
+                </a:solidFill>
+                <a:latin typeface="+mn-lt"/>
+                <a:ea typeface="+mn-ea"/>
+                <a:cs typeface="+mn-cs"/>
+              </a:defRPr>
+            </a:lvl4pPr>
+            <a:lvl5pPr marL="1828800" algn="l" defTabSz="914400" rtl="0" eaLnBrk="1" latinLnBrk="0" hangingPunct="1">
+              <a:defRPr sz="1800" kern="1200">
+                <a:solidFill>
+                  <a:schemeClr val="tx1"/>
+                </a:solidFill>
+                <a:latin typeface="+mn-lt"/>
+                <a:ea typeface="+mn-ea"/>
+                <a:cs typeface="+mn-cs"/>
+              </a:defRPr>
+            </a:lvl5pPr>
+            <a:lvl6pPr marL="2286000" algn="l" defTabSz="914400" rtl="0" eaLnBrk="1" latinLnBrk="0" hangingPunct="1">
+              <a:defRPr sz="1800" kern="1200">
+                <a:solidFill>
+                  <a:schemeClr val="tx1"/>
+                </a:solidFill>
+                <a:latin typeface="+mn-lt"/>
+                <a:ea typeface="+mn-ea"/>
+                <a:cs typeface="+mn-cs"/>
+              </a:defRPr>
+            </a:lvl6pPr>
+            <a:lvl7pPr marL="2743200" algn="l" defTabSz="914400" rtl="0" eaLnBrk="1" latinLnBrk="0" hangingPunct="1">
+              <a:defRPr sz="1800" kern="1200">
+                <a:solidFill>
+                  <a:schemeClr val="tx1"/>
+                </a:solidFill>
+                <a:latin typeface="+mn-lt"/>
+                <a:ea typeface="+mn-ea"/>
+                <a:cs typeface="+mn-cs"/>
+              </a:defRPr>
+            </a:lvl7pPr>
+            <a:lvl8pPr marL="3200400" algn="l" defTabSz="914400" rtl="0" eaLnBrk="1" latinLnBrk="0" hangingPunct="1">
+              <a:defRPr sz="1800" kern="1200">
+                <a:solidFill>
+                  <a:schemeClr val="tx1"/>
+                </a:solidFill>
+                <a:latin typeface="+mn-lt"/>
+                <a:ea typeface="+mn-ea"/>
+                <a:cs typeface="+mn-cs"/>
+              </a:defRPr>
+            </a:lvl8pPr>
+            <a:lvl9pPr marL="3657600" algn="l" defTabSz="914400" rtl="0" eaLnBrk="1" latinLnBrk="0" hangingPunct="1">
+              <a:defRPr sz="1800" kern="1200">
+                <a:solidFill>
+                  <a:schemeClr val="tx1"/>
+                </a:solidFill>
+                <a:latin typeface="+mn-lt"/>
+                <a:ea typeface="+mn-ea"/>
+                <a:cs typeface="+mn-cs"/>
+              </a:defRPr>
+            </a:lvl9pPr>
+          </a:lstStyle>
+          <a:p>
+            <a:fld id="{B69E9AD6-8BEC-47A7-8DB6-67B02ECE5037}" type="datetime4">
+              <a:rPr lang="en-US" smtClean="0"/>
+              <a:pPr/>
+              <a:t>17 February, 2019</a:t>
+            </a:fld>
+            <a:endParaRPr lang="en-US" dirty="0"/>
+          </a:p>
+        </p:txBody>
+      </p:sp>
     </p:spTree>
     <p:extLst>
       <p:ext uri="{BB962C8B-B14F-4D97-AF65-F5344CB8AC3E}">
@@ -4234,8 +5585,8 @@
         </p:nvSpPr>
         <p:spPr>
           <a:xfrm>
-            <a:off x="838200" y="327803"/>
-            <a:ext cx="10515600" cy="1325563"/>
+            <a:off x="838200" y="-8"/>
+            <a:ext cx="10515600" cy="1168167"/>
           </a:xfrm>
         </p:spPr>
         <p:txBody>
@@ -4253,10 +5604,189 @@
       </p:sp>
       <p:pic>
         <p:nvPicPr>
-          <p:cNvPr id="5" name="Picture 4">
-            <a:extLst>
-              <a:ext uri="{FF2B5EF4-FFF2-40B4-BE49-F238E27FC236}">
-                <a16:creationId xmlns:a16="http://schemas.microsoft.com/office/drawing/2014/main" id="{DA6F3AF3-B70F-43D5-8E87-CC7A1A2D75B7}"/>
+          <p:cNvPr id="8" name="Picture 2" descr="https://image.slidesharecdn.com/ed3b5569-fc5a-4be7-a70f-c7e0cf2fab6b-150908032759-lva1-app6892/95/ncu-formerly-itmu-logo-1-1-638.jpg?cb=1441682911">
+            <a:extLst>
+              <a:ext uri="{FF2B5EF4-FFF2-40B4-BE49-F238E27FC236}">
+                <a16:creationId xmlns:a16="http://schemas.microsoft.com/office/drawing/2014/main" id="{18BAB063-D108-4729-AD6C-C72E67DD6AF1}"/>
+              </a:ext>
+            </a:extLst>
+          </p:cNvPr>
+          <p:cNvPicPr>
+            <a:picLocks noChangeAspect="1" noChangeArrowheads="1"/>
+          </p:cNvPicPr>
+          <p:nvPr/>
+        </p:nvPicPr>
+        <p:blipFill>
+          <a:blip r:embed="rId3">
+            <a:extLst>
+              <a:ext uri="{28A0092B-C50C-407E-A947-70E740481C1C}">
+                <a14:useLocalDpi xmlns:a14="http://schemas.microsoft.com/office/drawing/2010/main" val="0"/>
+              </a:ext>
+            </a:extLst>
+          </a:blip>
+          <a:srcRect/>
+          <a:stretch>
+            <a:fillRect/>
+          </a:stretch>
+        </p:blipFill>
+        <p:spPr bwMode="auto">
+          <a:xfrm>
+            <a:off x="10991460" y="1"/>
+            <a:ext cx="1200539" cy="701882"/>
+          </a:xfrm>
+          <a:prstGeom prst="rect">
+            <a:avLst/>
+          </a:prstGeom>
+          <a:noFill/>
+          <a:extLst>
+            <a:ext uri="{909E8E84-426E-40DD-AFC4-6F175D3DCCD1}">
+              <a14:hiddenFill xmlns:a14="http://schemas.microsoft.com/office/drawing/2010/main">
+                <a:solidFill>
+                  <a:srgbClr val="FFFFFF"/>
+                </a:solidFill>
+              </a14:hiddenFill>
+            </a:ext>
+          </a:extLst>
+        </p:spPr>
+      </p:pic>
+      <p:sp>
+        <p:nvSpPr>
+          <p:cNvPr id="11" name="Date Placeholder 3">
+            <a:extLst>
+              <a:ext uri="{FF2B5EF4-FFF2-40B4-BE49-F238E27FC236}">
+                <a16:creationId xmlns:a16="http://schemas.microsoft.com/office/drawing/2014/main" id="{8E6D695A-E2F1-44DD-ADC5-66EA4044C6F9}"/>
+              </a:ext>
+            </a:extLst>
+          </p:cNvPr>
+          <p:cNvSpPr txBox="1">
+            <a:spLocks/>
+          </p:cNvSpPr>
+          <p:nvPr/>
+        </p:nvSpPr>
+        <p:spPr>
+          <a:xfrm>
+            <a:off x="0" y="6491199"/>
+            <a:ext cx="2743200" cy="365125"/>
+          </a:xfrm>
+          <a:prstGeom prst="rect">
+            <a:avLst/>
+          </a:prstGeom>
+        </p:spPr>
+        <p:txBody>
+          <a:bodyPr vert="horz" lIns="91440" tIns="45720" rIns="91440" bIns="45720" rtlCol="0" anchor="ctr"/>
+          <a:lstStyle>
+            <a:defPPr>
+              <a:defRPr lang="en-US"/>
+            </a:defPPr>
+            <a:lvl1pPr marL="0" algn="l" defTabSz="914400" rtl="0" eaLnBrk="1" latinLnBrk="0" hangingPunct="1">
+              <a:defRPr sz="1200" kern="1200">
+                <a:solidFill>
+                  <a:schemeClr val="tx1">
+                    <a:tint val="75000"/>
+                  </a:schemeClr>
+                </a:solidFill>
+                <a:latin typeface="+mn-lt"/>
+                <a:ea typeface="+mn-ea"/>
+                <a:cs typeface="+mn-cs"/>
+              </a:defRPr>
+            </a:lvl1pPr>
+            <a:lvl2pPr marL="457200" algn="l" defTabSz="914400" rtl="0" eaLnBrk="1" latinLnBrk="0" hangingPunct="1">
+              <a:defRPr sz="1800" kern="1200">
+                <a:solidFill>
+                  <a:schemeClr val="tx1"/>
+                </a:solidFill>
+                <a:latin typeface="+mn-lt"/>
+                <a:ea typeface="+mn-ea"/>
+                <a:cs typeface="+mn-cs"/>
+              </a:defRPr>
+            </a:lvl2pPr>
+            <a:lvl3pPr marL="914400" algn="l" defTabSz="914400" rtl="0" eaLnBrk="1" latinLnBrk="0" hangingPunct="1">
+              <a:defRPr sz="1800" kern="1200">
+                <a:solidFill>
+                  <a:schemeClr val="tx1"/>
+                </a:solidFill>
+                <a:latin typeface="+mn-lt"/>
+                <a:ea typeface="+mn-ea"/>
+                <a:cs typeface="+mn-cs"/>
+              </a:defRPr>
+            </a:lvl3pPr>
+            <a:lvl4pPr marL="1371600" algn="l" defTabSz="914400" rtl="0" eaLnBrk="1" latinLnBrk="0" hangingPunct="1">
+              <a:defRPr sz="1800" kern="1200">
+                <a:solidFill>
+                  <a:schemeClr val="tx1"/>
+                </a:solidFill>
+                <a:latin typeface="+mn-lt"/>
+                <a:ea typeface="+mn-ea"/>
+                <a:cs typeface="+mn-cs"/>
+              </a:defRPr>
+            </a:lvl4pPr>
+            <a:lvl5pPr marL="1828800" algn="l" defTabSz="914400" rtl="0" eaLnBrk="1" latinLnBrk="0" hangingPunct="1">
+              <a:defRPr sz="1800" kern="1200">
+                <a:solidFill>
+                  <a:schemeClr val="tx1"/>
+                </a:solidFill>
+                <a:latin typeface="+mn-lt"/>
+                <a:ea typeface="+mn-ea"/>
+                <a:cs typeface="+mn-cs"/>
+              </a:defRPr>
+            </a:lvl5pPr>
+            <a:lvl6pPr marL="2286000" algn="l" defTabSz="914400" rtl="0" eaLnBrk="1" latinLnBrk="0" hangingPunct="1">
+              <a:defRPr sz="1800" kern="1200">
+                <a:solidFill>
+                  <a:schemeClr val="tx1"/>
+                </a:solidFill>
+                <a:latin typeface="+mn-lt"/>
+                <a:ea typeface="+mn-ea"/>
+                <a:cs typeface="+mn-cs"/>
+              </a:defRPr>
+            </a:lvl6pPr>
+            <a:lvl7pPr marL="2743200" algn="l" defTabSz="914400" rtl="0" eaLnBrk="1" latinLnBrk="0" hangingPunct="1">
+              <a:defRPr sz="1800" kern="1200">
+                <a:solidFill>
+                  <a:schemeClr val="tx1"/>
+                </a:solidFill>
+                <a:latin typeface="+mn-lt"/>
+                <a:ea typeface="+mn-ea"/>
+                <a:cs typeface="+mn-cs"/>
+              </a:defRPr>
+            </a:lvl7pPr>
+            <a:lvl8pPr marL="3200400" algn="l" defTabSz="914400" rtl="0" eaLnBrk="1" latinLnBrk="0" hangingPunct="1">
+              <a:defRPr sz="1800" kern="1200">
+                <a:solidFill>
+                  <a:schemeClr val="tx1"/>
+                </a:solidFill>
+                <a:latin typeface="+mn-lt"/>
+                <a:ea typeface="+mn-ea"/>
+                <a:cs typeface="+mn-cs"/>
+              </a:defRPr>
+            </a:lvl8pPr>
+            <a:lvl9pPr marL="3657600" algn="l" defTabSz="914400" rtl="0" eaLnBrk="1" latinLnBrk="0" hangingPunct="1">
+              <a:defRPr sz="1800" kern="1200">
+                <a:solidFill>
+                  <a:schemeClr val="tx1"/>
+                </a:solidFill>
+                <a:latin typeface="+mn-lt"/>
+                <a:ea typeface="+mn-ea"/>
+                <a:cs typeface="+mn-cs"/>
+              </a:defRPr>
+            </a:lvl9pPr>
+          </a:lstStyle>
+          <a:p>
+            <a:fld id="{B69E9AD6-8BEC-47A7-8DB6-67B02ECE5037}" type="datetime4">
+              <a:rPr lang="en-US" smtClean="0"/>
+              <a:pPr/>
+              <a:t>17 February, 2019</a:t>
+            </a:fld>
+            <a:endParaRPr lang="en-US" dirty="0"/>
+          </a:p>
+        </p:txBody>
+      </p:sp>
+      <p:pic>
+        <p:nvPicPr>
+          <p:cNvPr id="12" name="Picture 11">
+            <a:extLst>
+              <a:ext uri="{FF2B5EF4-FFF2-40B4-BE49-F238E27FC236}">
+                <a16:creationId xmlns:a16="http://schemas.microsoft.com/office/drawing/2014/main" id="{FAD3C610-C053-4A13-B392-03E26AD0D4C8}"/>
               </a:ext>
             </a:extLst>
           </p:cNvPr>
@@ -4265,46 +5795,15 @@
           </p:cNvPicPr>
           <p:nvPr/>
         </p:nvPicPr>
-        <p:blipFill>
-          <a:blip r:embed="rId3"/>
-          <a:stretch>
-            <a:fillRect/>
-          </a:stretch>
+        <p:blipFill rotWithShape="1">
+          <a:blip r:embed="rId4"/>
+          <a:srcRect l="2613"/>
+          <a:stretch/>
         </p:blipFill>
         <p:spPr>
           <a:xfrm>
-            <a:off x="1085850" y="1466428"/>
-            <a:ext cx="10020300" cy="5324475"/>
-          </a:xfrm>
-          <a:prstGeom prst="rect">
-            <a:avLst/>
-          </a:prstGeom>
-        </p:spPr>
-      </p:pic>
-      <p:pic>
-        <p:nvPicPr>
-          <p:cNvPr id="6" name="Picture 5">
-            <a:extLst>
-              <a:ext uri="{FF2B5EF4-FFF2-40B4-BE49-F238E27FC236}">
-                <a16:creationId xmlns:a16="http://schemas.microsoft.com/office/drawing/2014/main" id="{EC8E5CA9-43B7-4A8D-B563-0D1379F4D347}"/>
-              </a:ext>
-            </a:extLst>
-          </p:cNvPr>
-          <p:cNvPicPr>
-            <a:picLocks noChangeAspect="1"/>
-          </p:cNvPicPr>
-          <p:nvPr/>
-        </p:nvPicPr>
-        <p:blipFill>
-          <a:blip r:embed="rId4"/>
-          <a:stretch>
-            <a:fillRect/>
-          </a:stretch>
-        </p:blipFill>
-        <p:spPr>
-          <a:xfrm>
-            <a:off x="5643659" y="5044297"/>
-            <a:ext cx="5010150" cy="1485900"/>
+            <a:off x="771525" y="1240692"/>
+            <a:ext cx="10648950" cy="5076825"/>
           </a:xfrm>
           <a:prstGeom prst="rect">
             <a:avLst/>
@@ -4399,8 +5898,8 @@
           <a:lstStyle/>
           <a:p>
             <a:r>
-              <a:rPr lang="en-US" dirty="0"/>
-              <a:t>Additional Features</a:t>
+              <a:rPr lang="en-US" b="1" dirty="0"/>
+              <a:t>Additional features added</a:t>
             </a:r>
           </a:p>
         </p:txBody>
@@ -4421,14 +5920,19 @@
             <p:ph idx="1"/>
           </p:nvPr>
         </p:nvSpPr>
-        <p:spPr/>
+        <p:spPr>
+          <a:xfrm>
+            <a:off x="838200" y="2385462"/>
+            <a:ext cx="10515600" cy="4351338"/>
+          </a:xfrm>
+        </p:spPr>
         <p:txBody>
           <a:bodyPr/>
           <a:lstStyle/>
           <a:p>
             <a:r>
               <a:rPr lang="en-US" dirty="0"/>
-              <a:t>Displayed live download status bar.</a:t>
+              <a:t>Displayed live download status.</a:t>
             </a:r>
           </a:p>
           <a:p>
@@ -4445,6 +5949,185 @@
               <a:rPr lang="en-US" dirty="0"/>
               <a:t>   size, type, location, date modified.</a:t>
             </a:r>
+          </a:p>
+        </p:txBody>
+      </p:sp>
+      <p:pic>
+        <p:nvPicPr>
+          <p:cNvPr id="6" name="Picture 2" descr="https://image.slidesharecdn.com/ed3b5569-fc5a-4be7-a70f-c7e0cf2fab6b-150908032759-lva1-app6892/95/ncu-formerly-itmu-logo-1-1-638.jpg?cb=1441682911">
+            <a:extLst>
+              <a:ext uri="{FF2B5EF4-FFF2-40B4-BE49-F238E27FC236}">
+                <a16:creationId xmlns:a16="http://schemas.microsoft.com/office/drawing/2014/main" id="{8C9A0582-4C14-4440-A4BD-DE403E07B41A}"/>
+              </a:ext>
+            </a:extLst>
+          </p:cNvPr>
+          <p:cNvPicPr>
+            <a:picLocks noChangeAspect="1" noChangeArrowheads="1"/>
+          </p:cNvPicPr>
+          <p:nvPr/>
+        </p:nvPicPr>
+        <p:blipFill>
+          <a:blip r:embed="rId3">
+            <a:extLst>
+              <a:ext uri="{28A0092B-C50C-407E-A947-70E740481C1C}">
+                <a14:useLocalDpi xmlns:a14="http://schemas.microsoft.com/office/drawing/2010/main" val="0"/>
+              </a:ext>
+            </a:extLst>
+          </a:blip>
+          <a:srcRect/>
+          <a:stretch>
+            <a:fillRect/>
+          </a:stretch>
+        </p:blipFill>
+        <p:spPr bwMode="auto">
+          <a:xfrm>
+            <a:off x="10991460" y="1"/>
+            <a:ext cx="1200539" cy="701882"/>
+          </a:xfrm>
+          <a:prstGeom prst="rect">
+            <a:avLst/>
+          </a:prstGeom>
+          <a:noFill/>
+          <a:extLst>
+            <a:ext uri="{909E8E84-426E-40DD-AFC4-6F175D3DCCD1}">
+              <a14:hiddenFill xmlns:a14="http://schemas.microsoft.com/office/drawing/2010/main">
+                <a:solidFill>
+                  <a:srgbClr val="FFFFFF"/>
+                </a:solidFill>
+              </a14:hiddenFill>
+            </a:ext>
+          </a:extLst>
+        </p:spPr>
+      </p:pic>
+      <p:sp>
+        <p:nvSpPr>
+          <p:cNvPr id="10" name="Date Placeholder 3">
+            <a:extLst>
+              <a:ext uri="{FF2B5EF4-FFF2-40B4-BE49-F238E27FC236}">
+                <a16:creationId xmlns:a16="http://schemas.microsoft.com/office/drawing/2014/main" id="{F0D00760-D641-4070-B148-83730EEBD46E}"/>
+              </a:ext>
+            </a:extLst>
+          </p:cNvPr>
+          <p:cNvSpPr txBox="1">
+            <a:spLocks/>
+          </p:cNvSpPr>
+          <p:nvPr/>
+        </p:nvSpPr>
+        <p:spPr>
+          <a:xfrm>
+            <a:off x="0" y="6491199"/>
+            <a:ext cx="2743200" cy="365125"/>
+          </a:xfrm>
+          <a:prstGeom prst="rect">
+            <a:avLst/>
+          </a:prstGeom>
+        </p:spPr>
+        <p:txBody>
+          <a:bodyPr vert="horz" lIns="91440" tIns="45720" rIns="91440" bIns="45720" rtlCol="0" anchor="ctr"/>
+          <a:lstStyle>
+            <a:defPPr>
+              <a:defRPr lang="en-US"/>
+            </a:defPPr>
+            <a:lvl1pPr marL="0" algn="l" defTabSz="914400" rtl="0" eaLnBrk="1" latinLnBrk="0" hangingPunct="1">
+              <a:defRPr sz="1200" kern="1200">
+                <a:solidFill>
+                  <a:schemeClr val="tx1">
+                    <a:tint val="75000"/>
+                  </a:schemeClr>
+                </a:solidFill>
+                <a:latin typeface="+mn-lt"/>
+                <a:ea typeface="+mn-ea"/>
+                <a:cs typeface="+mn-cs"/>
+              </a:defRPr>
+            </a:lvl1pPr>
+            <a:lvl2pPr marL="457200" algn="l" defTabSz="914400" rtl="0" eaLnBrk="1" latinLnBrk="0" hangingPunct="1">
+              <a:defRPr sz="1800" kern="1200">
+                <a:solidFill>
+                  <a:schemeClr val="tx1"/>
+                </a:solidFill>
+                <a:latin typeface="+mn-lt"/>
+                <a:ea typeface="+mn-ea"/>
+                <a:cs typeface="+mn-cs"/>
+              </a:defRPr>
+            </a:lvl2pPr>
+            <a:lvl3pPr marL="914400" algn="l" defTabSz="914400" rtl="0" eaLnBrk="1" latinLnBrk="0" hangingPunct="1">
+              <a:defRPr sz="1800" kern="1200">
+                <a:solidFill>
+                  <a:schemeClr val="tx1"/>
+                </a:solidFill>
+                <a:latin typeface="+mn-lt"/>
+                <a:ea typeface="+mn-ea"/>
+                <a:cs typeface="+mn-cs"/>
+              </a:defRPr>
+            </a:lvl3pPr>
+            <a:lvl4pPr marL="1371600" algn="l" defTabSz="914400" rtl="0" eaLnBrk="1" latinLnBrk="0" hangingPunct="1">
+              <a:defRPr sz="1800" kern="1200">
+                <a:solidFill>
+                  <a:schemeClr val="tx1"/>
+                </a:solidFill>
+                <a:latin typeface="+mn-lt"/>
+                <a:ea typeface="+mn-ea"/>
+                <a:cs typeface="+mn-cs"/>
+              </a:defRPr>
+            </a:lvl4pPr>
+            <a:lvl5pPr marL="1828800" algn="l" defTabSz="914400" rtl="0" eaLnBrk="1" latinLnBrk="0" hangingPunct="1">
+              <a:defRPr sz="1800" kern="1200">
+                <a:solidFill>
+                  <a:schemeClr val="tx1"/>
+                </a:solidFill>
+                <a:latin typeface="+mn-lt"/>
+                <a:ea typeface="+mn-ea"/>
+                <a:cs typeface="+mn-cs"/>
+              </a:defRPr>
+            </a:lvl5pPr>
+            <a:lvl6pPr marL="2286000" algn="l" defTabSz="914400" rtl="0" eaLnBrk="1" latinLnBrk="0" hangingPunct="1">
+              <a:defRPr sz="1800" kern="1200">
+                <a:solidFill>
+                  <a:schemeClr val="tx1"/>
+                </a:solidFill>
+                <a:latin typeface="+mn-lt"/>
+                <a:ea typeface="+mn-ea"/>
+                <a:cs typeface="+mn-cs"/>
+              </a:defRPr>
+            </a:lvl6pPr>
+            <a:lvl7pPr marL="2743200" algn="l" defTabSz="914400" rtl="0" eaLnBrk="1" latinLnBrk="0" hangingPunct="1">
+              <a:defRPr sz="1800" kern="1200">
+                <a:solidFill>
+                  <a:schemeClr val="tx1"/>
+                </a:solidFill>
+                <a:latin typeface="+mn-lt"/>
+                <a:ea typeface="+mn-ea"/>
+                <a:cs typeface="+mn-cs"/>
+              </a:defRPr>
+            </a:lvl7pPr>
+            <a:lvl8pPr marL="3200400" algn="l" defTabSz="914400" rtl="0" eaLnBrk="1" latinLnBrk="0" hangingPunct="1">
+              <a:defRPr sz="1800" kern="1200">
+                <a:solidFill>
+                  <a:schemeClr val="tx1"/>
+                </a:solidFill>
+                <a:latin typeface="+mn-lt"/>
+                <a:ea typeface="+mn-ea"/>
+                <a:cs typeface="+mn-cs"/>
+              </a:defRPr>
+            </a:lvl8pPr>
+            <a:lvl9pPr marL="3657600" algn="l" defTabSz="914400" rtl="0" eaLnBrk="1" latinLnBrk="0" hangingPunct="1">
+              <a:defRPr sz="1800" kern="1200">
+                <a:solidFill>
+                  <a:schemeClr val="tx1"/>
+                </a:solidFill>
+                <a:latin typeface="+mn-lt"/>
+                <a:ea typeface="+mn-ea"/>
+                <a:cs typeface="+mn-cs"/>
+              </a:defRPr>
+            </a:lvl9pPr>
+          </a:lstStyle>
+          <a:p>
+            <a:fld id="{B69E9AD6-8BEC-47A7-8DB6-67B02ECE5037}" type="datetime4">
+              <a:rPr lang="en-US" smtClean="0"/>
+              <a:pPr/>
+              <a:t>17 February, 2019</a:t>
+            </a:fld>
+            <a:endParaRPr lang="en-US" dirty="0"/>
           </a:p>
         </p:txBody>
       </p:sp>
@@ -4549,6 +6232,185 @@
           </a:p>
         </p:txBody>
       </p:sp>
+      <p:pic>
+        <p:nvPicPr>
+          <p:cNvPr id="6" name="Picture 2" descr="https://image.slidesharecdn.com/ed3b5569-fc5a-4be7-a70f-c7e0cf2fab6b-150908032759-lva1-app6892/95/ncu-formerly-itmu-logo-1-1-638.jpg?cb=1441682911">
+            <a:extLst>
+              <a:ext uri="{FF2B5EF4-FFF2-40B4-BE49-F238E27FC236}">
+                <a16:creationId xmlns:a16="http://schemas.microsoft.com/office/drawing/2014/main" id="{9A4CB7BF-6655-473D-BC8F-32CEE9BC58B7}"/>
+              </a:ext>
+            </a:extLst>
+          </p:cNvPr>
+          <p:cNvPicPr>
+            <a:picLocks noChangeAspect="1" noChangeArrowheads="1"/>
+          </p:cNvPicPr>
+          <p:nvPr/>
+        </p:nvPicPr>
+        <p:blipFill>
+          <a:blip r:embed="rId3">
+            <a:extLst>
+              <a:ext uri="{28A0092B-C50C-407E-A947-70E740481C1C}">
+                <a14:useLocalDpi xmlns:a14="http://schemas.microsoft.com/office/drawing/2010/main" val="0"/>
+              </a:ext>
+            </a:extLst>
+          </a:blip>
+          <a:srcRect/>
+          <a:stretch>
+            <a:fillRect/>
+          </a:stretch>
+        </p:blipFill>
+        <p:spPr bwMode="auto">
+          <a:xfrm>
+            <a:off x="10991460" y="1"/>
+            <a:ext cx="1200539" cy="701882"/>
+          </a:xfrm>
+          <a:prstGeom prst="rect">
+            <a:avLst/>
+          </a:prstGeom>
+          <a:noFill/>
+          <a:extLst>
+            <a:ext uri="{909E8E84-426E-40DD-AFC4-6F175D3DCCD1}">
+              <a14:hiddenFill xmlns:a14="http://schemas.microsoft.com/office/drawing/2010/main">
+                <a:solidFill>
+                  <a:srgbClr val="FFFFFF"/>
+                </a:solidFill>
+              </a14:hiddenFill>
+            </a:ext>
+          </a:extLst>
+        </p:spPr>
+      </p:pic>
+      <p:sp>
+        <p:nvSpPr>
+          <p:cNvPr id="9" name="Date Placeholder 3">
+            <a:extLst>
+              <a:ext uri="{FF2B5EF4-FFF2-40B4-BE49-F238E27FC236}">
+                <a16:creationId xmlns:a16="http://schemas.microsoft.com/office/drawing/2014/main" id="{B11B1C14-D6BE-47D5-8D7F-8BD2E5895431}"/>
+              </a:ext>
+            </a:extLst>
+          </p:cNvPr>
+          <p:cNvSpPr txBox="1">
+            <a:spLocks/>
+          </p:cNvSpPr>
+          <p:nvPr/>
+        </p:nvSpPr>
+        <p:spPr>
+          <a:xfrm>
+            <a:off x="0" y="6491199"/>
+            <a:ext cx="2743200" cy="365125"/>
+          </a:xfrm>
+          <a:prstGeom prst="rect">
+            <a:avLst/>
+          </a:prstGeom>
+        </p:spPr>
+        <p:txBody>
+          <a:bodyPr vert="horz" lIns="91440" tIns="45720" rIns="91440" bIns="45720" rtlCol="0" anchor="ctr"/>
+          <a:lstStyle>
+            <a:defPPr>
+              <a:defRPr lang="en-US"/>
+            </a:defPPr>
+            <a:lvl1pPr marL="0" algn="l" defTabSz="914400" rtl="0" eaLnBrk="1" latinLnBrk="0" hangingPunct="1">
+              <a:defRPr sz="1200" kern="1200">
+                <a:solidFill>
+                  <a:schemeClr val="tx1">
+                    <a:tint val="75000"/>
+                  </a:schemeClr>
+                </a:solidFill>
+                <a:latin typeface="+mn-lt"/>
+                <a:ea typeface="+mn-ea"/>
+                <a:cs typeface="+mn-cs"/>
+              </a:defRPr>
+            </a:lvl1pPr>
+            <a:lvl2pPr marL="457200" algn="l" defTabSz="914400" rtl="0" eaLnBrk="1" latinLnBrk="0" hangingPunct="1">
+              <a:defRPr sz="1800" kern="1200">
+                <a:solidFill>
+                  <a:schemeClr val="tx1"/>
+                </a:solidFill>
+                <a:latin typeface="+mn-lt"/>
+                <a:ea typeface="+mn-ea"/>
+                <a:cs typeface="+mn-cs"/>
+              </a:defRPr>
+            </a:lvl2pPr>
+            <a:lvl3pPr marL="914400" algn="l" defTabSz="914400" rtl="0" eaLnBrk="1" latinLnBrk="0" hangingPunct="1">
+              <a:defRPr sz="1800" kern="1200">
+                <a:solidFill>
+                  <a:schemeClr val="tx1"/>
+                </a:solidFill>
+                <a:latin typeface="+mn-lt"/>
+                <a:ea typeface="+mn-ea"/>
+                <a:cs typeface="+mn-cs"/>
+              </a:defRPr>
+            </a:lvl3pPr>
+            <a:lvl4pPr marL="1371600" algn="l" defTabSz="914400" rtl="0" eaLnBrk="1" latinLnBrk="0" hangingPunct="1">
+              <a:defRPr sz="1800" kern="1200">
+                <a:solidFill>
+                  <a:schemeClr val="tx1"/>
+                </a:solidFill>
+                <a:latin typeface="+mn-lt"/>
+                <a:ea typeface="+mn-ea"/>
+                <a:cs typeface="+mn-cs"/>
+              </a:defRPr>
+            </a:lvl4pPr>
+            <a:lvl5pPr marL="1828800" algn="l" defTabSz="914400" rtl="0" eaLnBrk="1" latinLnBrk="0" hangingPunct="1">
+              <a:defRPr sz="1800" kern="1200">
+                <a:solidFill>
+                  <a:schemeClr val="tx1"/>
+                </a:solidFill>
+                <a:latin typeface="+mn-lt"/>
+                <a:ea typeface="+mn-ea"/>
+                <a:cs typeface="+mn-cs"/>
+              </a:defRPr>
+            </a:lvl5pPr>
+            <a:lvl6pPr marL="2286000" algn="l" defTabSz="914400" rtl="0" eaLnBrk="1" latinLnBrk="0" hangingPunct="1">
+              <a:defRPr sz="1800" kern="1200">
+                <a:solidFill>
+                  <a:schemeClr val="tx1"/>
+                </a:solidFill>
+                <a:latin typeface="+mn-lt"/>
+                <a:ea typeface="+mn-ea"/>
+                <a:cs typeface="+mn-cs"/>
+              </a:defRPr>
+            </a:lvl6pPr>
+            <a:lvl7pPr marL="2743200" algn="l" defTabSz="914400" rtl="0" eaLnBrk="1" latinLnBrk="0" hangingPunct="1">
+              <a:defRPr sz="1800" kern="1200">
+                <a:solidFill>
+                  <a:schemeClr val="tx1"/>
+                </a:solidFill>
+                <a:latin typeface="+mn-lt"/>
+                <a:ea typeface="+mn-ea"/>
+                <a:cs typeface="+mn-cs"/>
+              </a:defRPr>
+            </a:lvl7pPr>
+            <a:lvl8pPr marL="3200400" algn="l" defTabSz="914400" rtl="0" eaLnBrk="1" latinLnBrk="0" hangingPunct="1">
+              <a:defRPr sz="1800" kern="1200">
+                <a:solidFill>
+                  <a:schemeClr val="tx1"/>
+                </a:solidFill>
+                <a:latin typeface="+mn-lt"/>
+                <a:ea typeface="+mn-ea"/>
+                <a:cs typeface="+mn-cs"/>
+              </a:defRPr>
+            </a:lvl8pPr>
+            <a:lvl9pPr marL="3657600" algn="l" defTabSz="914400" rtl="0" eaLnBrk="1" latinLnBrk="0" hangingPunct="1">
+              <a:defRPr sz="1800" kern="1200">
+                <a:solidFill>
+                  <a:schemeClr val="tx1"/>
+                </a:solidFill>
+                <a:latin typeface="+mn-lt"/>
+                <a:ea typeface="+mn-ea"/>
+                <a:cs typeface="+mn-cs"/>
+              </a:defRPr>
+            </a:lvl9pPr>
+          </a:lstStyle>
+          <a:p>
+            <a:fld id="{B69E9AD6-8BEC-47A7-8DB6-67B02ECE5037}" type="datetime4">
+              <a:rPr lang="en-US" smtClean="0"/>
+              <a:pPr/>
+              <a:t>17 February, 2019</a:t>
+            </a:fld>
+            <a:endParaRPr lang="en-US" dirty="0"/>
+          </a:p>
+        </p:txBody>
+      </p:sp>
     </p:spTree>
     <p:extLst>
       <p:ext uri="{BB962C8B-B14F-4D97-AF65-F5344CB8AC3E}">
@@ -4631,7 +6493,12 @@
             <p:ph type="title"/>
           </p:nvPr>
         </p:nvSpPr>
-        <p:spPr/>
+        <p:spPr>
+          <a:xfrm>
+            <a:off x="0" y="2766217"/>
+            <a:ext cx="5288455" cy="1325563"/>
+          </a:xfrm>
+        </p:spPr>
         <p:txBody>
           <a:bodyPr>
             <a:normAutofit/>
@@ -4639,247 +6506,439 @@
           <a:lstStyle/>
           <a:p>
             <a:r>
-              <a:rPr lang="en-US" sz="6600" dirty="0"/>
-              <a:t>Collaborators</a:t>
-            </a:r>
-          </a:p>
-        </p:txBody>
-      </p:sp>
-      <p:sp>
-        <p:nvSpPr>
-          <p:cNvPr id="4" name="Subtitle 2">
-            <a:extLst>
-              <a:ext uri="{FF2B5EF4-FFF2-40B4-BE49-F238E27FC236}">
-                <a16:creationId xmlns:a16="http://schemas.microsoft.com/office/drawing/2014/main" id="{C65A4236-E92B-4895-984A-D4EDD7C7655E}"/>
-              </a:ext>
-            </a:extLst>
-          </p:cNvPr>
-          <p:cNvSpPr txBox="1">
-            <a:spLocks/>
-          </p:cNvSpPr>
+              <a:rPr lang="en-US" sz="6600" u="sng" dirty="0"/>
+              <a:t>Collaborators:</a:t>
+            </a:r>
+          </a:p>
+        </p:txBody>
+      </p:sp>
+      <p:pic>
+        <p:nvPicPr>
+          <p:cNvPr id="1026" name="Picture 2" descr="https://cdn3.vectorstock.com/i/1000x1000/15/32/teamwork-share-logo-vector-1111532.jpg">
+            <a:extLst>
+              <a:ext uri="{FF2B5EF4-FFF2-40B4-BE49-F238E27FC236}">
+                <a16:creationId xmlns:a16="http://schemas.microsoft.com/office/drawing/2014/main" id="{4C540047-A0A4-4B71-A7F5-28CD744988FC}"/>
+              </a:ext>
+            </a:extLst>
+          </p:cNvPr>
+          <p:cNvPicPr>
+            <a:picLocks noChangeAspect="1" noChangeArrowheads="1"/>
+          </p:cNvPicPr>
           <p:nvPr/>
-        </p:nvSpPr>
-        <p:spPr>
-          <a:xfrm>
-            <a:off x="838200" y="2358994"/>
-            <a:ext cx="9144000" cy="2724539"/>
+        </p:nvPicPr>
+        <p:blipFill rotWithShape="1">
+          <a:blip r:embed="rId3">
+            <a:extLst>
+              <a:ext uri="{BEBA8EAE-BF5A-486C-A8C5-ECC9F3942E4B}">
+                <a14:imgProps xmlns:a14="http://schemas.microsoft.com/office/drawing/2010/main">
+                  <a14:imgLayer r:embed="rId4">
+                    <a14:imgEffect>
+                      <a14:backgroundRemoval t="3625" b="92193" l="2700" r="95700">
+                        <a14:foregroundMark x1="26500" y1="24721" x2="26500" y2="24721"/>
+                        <a14:foregroundMark x1="26800" y1="23513" x2="29400" y2="21933"/>
+                        <a14:foregroundMark x1="61100" y1="15799" x2="66600" y2="20167"/>
+                        <a14:foregroundMark x1="69400" y1="4089" x2="71500" y2="6877"/>
+                        <a14:foregroundMark x1="16400" y1="12732" x2="17400" y2="14498"/>
+                        <a14:foregroundMark x1="23900" y1="26022" x2="31700" y2="12361"/>
+                        <a14:foregroundMark x1="31700" y1="12361" x2="31700" y2="11245"/>
+                        <a14:foregroundMark x1="17200" y1="53903" x2="19500" y2="68773"/>
+                        <a14:foregroundMark x1="19500" y1="68773" x2="18700" y2="72026"/>
+                        <a14:foregroundMark x1="53300" y1="70260" x2="61400" y2="76673"/>
+                        <a14:foregroundMark x1="52500" y1="67658" x2="61200" y2="78439"/>
+                        <a14:foregroundMark x1="61200" y1="78439" x2="66600" y2="77138"/>
+                        <a14:foregroundMark x1="82700" y1="43959" x2="77300" y2="56227"/>
+                        <a14:foregroundMark x1="77300" y1="56227" x2="77500" y2="56413"/>
+                        <a14:foregroundMark x1="56400" y1="19424" x2="67900" y2="20167"/>
+                        <a14:foregroundMark x1="25200" y1="20167" x2="34300" y2="23234"/>
+                        <a14:foregroundMark x1="28300" y1="31691" x2="31700" y2="19145"/>
+                        <a14:foregroundMark x1="13000" y1="14312" x2="15600" y2="14033"/>
+                        <a14:foregroundMark x1="15900" y1="11431" x2="16100" y2="12268"/>
+                        <a14:foregroundMark x1="47800" y1="66636" x2="60800" y2="74814"/>
+                        <a14:foregroundMark x1="49700" y1="74349" x2="55600" y2="65428"/>
+                        <a14:foregroundMark x1="54100" y1="86059" x2="55900" y2="85595"/>
+                        <a14:foregroundMark x1="79300" y1="28810" x2="80600" y2="32714"/>
+                        <a14:foregroundMark x1="11200" y1="41078" x2="14600" y2="51115"/>
+                        <a14:foregroundMark x1="14800" y1="36989" x2="21100" y2="38290"/>
+                        <a14:foregroundMark x1="78800" y1="45725" x2="83700" y2="50279"/>
+                        <a14:foregroundMark x1="73800" y1="33736" x2="77500" y2="33736"/>
+                        <a14:foregroundMark x1="69900" y1="8922" x2="73600" y2="5297"/>
+                        <a14:foregroundMark x1="69700" y1="34758" x2="76200" y2="34758"/>
+                        <a14:foregroundMark x1="76400" y1="47770" x2="84700" y2="42658"/>
+                        <a14:foregroundMark x1="94400" y1="53903" x2="93300" y2="51301"/>
+                        <a14:foregroundMark x1="73300" y1="50093" x2="78200" y2="50558"/>
+                        <a14:foregroundMark x1="92800" y1="52323" x2="95700" y2="50558"/>
+                        <a14:foregroundMark x1="85300" y1="44145" x2="78500" y2="45446"/>
+                        <a14:foregroundMark x1="51200" y1="74349" x2="65500" y2="74349"/>
+                        <a14:foregroundMark x1="51700" y1="71283" x2="58000" y2="74814"/>
+                        <a14:foregroundMark x1="58000" y1="86617" x2="55900" y2="86896"/>
+                        <a14:foregroundMark x1="4200" y1="39033" x2="2900" y2="38011"/>
+                        <a14:foregroundMark x1="9600" y1="63569" x2="7300" y2="62546"/>
+                        <a14:foregroundMark x1="55900" y1="73327" x2="53800" y2="66914"/>
+                        <a14:foregroundMark x1="54300" y1="76394" x2="56400" y2="71561"/>
+                        <a14:foregroundMark x1="52300" y1="71561" x2="53600" y2="66636"/>
+                        <a14:foregroundMark x1="81400" y1="43680" x2="72100" y2="53160"/>
+                        <a14:foregroundMark x1="72100" y1="53160" x2="74400" y2="55204"/>
+                        <a14:foregroundMark x1="76900" y1="43959" x2="77500" y2="47026"/>
+                        <a14:foregroundMark x1="46000" y1="73327" x2="55400" y2="74071"/>
+                        <a14:foregroundMark x1="55400" y1="75651" x2="64200" y2="77416"/>
+                        <a14:foregroundMark x1="47100" y1="76394" x2="60800" y2="76859"/>
+                        <a14:foregroundMark x1="58200" y1="70539" x2="68600" y2="78160"/>
+                        <a14:foregroundMark x1="49700" y1="71747" x2="47800" y2="74628"/>
+                        <a14:foregroundMark x1="55100" y1="67937" x2="55100" y2="67937"/>
+                        <a14:foregroundMark x1="55100" y1="67937" x2="56200" y2="68494"/>
+                        <a14:foregroundMark x1="57500" y1="69981" x2="58000" y2="70725"/>
+                        <a14:foregroundMark x1="54600" y1="87082" x2="56400" y2="86338"/>
+                        <a14:foregroundMark x1="56400" y1="86338" x2="55100" y2="86059"/>
+                        <a14:foregroundMark x1="52800" y1="88941" x2="55400" y2="84294"/>
+                        <a14:foregroundMark x1="54300" y1="74071" x2="57500" y2="76673"/>
+                        <a14:foregroundMark x1="55100" y1="70539" x2="58500" y2="75372"/>
+                        <a14:foregroundMark x1="45500" y1="17100" x2="46300" y2="20911"/>
+                        <a14:foregroundMark x1="43900" y1="74071" x2="43900" y2="74071"/>
+                        <a14:foregroundMark x1="51200" y1="71561" x2="58500" y2="73048"/>
+                        <a14:foregroundMark x1="50200" y1="73048" x2="57200" y2="76115"/>
+                        <a14:foregroundMark x1="51700" y1="69517" x2="58500" y2="73606"/>
+                        <a14:foregroundMark x1="56900" y1="73606" x2="51200" y2="73327"/>
+                        <a14:foregroundMark x1="55900" y1="92007" x2="55900" y2="92007"/>
+                        <a14:foregroundMark x1="54800" y1="92193" x2="54800" y2="92193"/>
+                        <a14:foregroundMark x1="94200" y1="48141" x2="94200" y2="48141"/>
+                        <a14:foregroundMark x1="94600" y1="48327" x2="94600" y2="48327"/>
+                        <a14:foregroundMark x1="6800" y1="66729" x2="6800" y2="66729"/>
+                        <a14:foregroundMark x1="7000" y1="65335" x2="7000" y2="65335"/>
+                        <a14:foregroundMark x1="7400" y1="64219" x2="7400" y2="64219"/>
+                        <a14:foregroundMark x1="8600" y1="62639" x2="8600" y2="62639"/>
+                      </a14:backgroundRemoval>
+                    </a14:imgEffect>
+                  </a14:imgLayer>
+                </a14:imgProps>
+              </a:ext>
+              <a:ext uri="{28A0092B-C50C-407E-A947-70E740481C1C}">
+                <a14:useLocalDpi xmlns:a14="http://schemas.microsoft.com/office/drawing/2010/main" val="0"/>
+              </a:ext>
+            </a:extLst>
+          </a:blip>
+          <a:srcRect b="6781"/>
+          <a:stretch/>
+        </p:blipFill>
+        <p:spPr bwMode="auto">
+          <a:xfrm>
+            <a:off x="6271280" y="1307691"/>
+            <a:ext cx="4642425" cy="4402202"/>
           </a:xfrm>
           <a:prstGeom prst="rect">
             <a:avLst/>
           </a:prstGeom>
-        </p:spPr>
-        <p:txBody>
-          <a:bodyPr vert="horz" lIns="91440" tIns="45720" rIns="91440" bIns="45720" rtlCol="0">
-            <a:normAutofit lnSpcReduction="10000"/>
+          <a:noFill/>
+          <a:extLst>
+            <a:ext uri="{909E8E84-426E-40DD-AFC4-6F175D3DCCD1}">
+              <a14:hiddenFill xmlns:a14="http://schemas.microsoft.com/office/drawing/2010/main">
+                <a:solidFill>
+                  <a:srgbClr val="FFFFFF"/>
+                </a:solidFill>
+              </a14:hiddenFill>
+            </a:ext>
+          </a:extLst>
+        </p:spPr>
+      </p:pic>
+      <p:sp>
+        <p:nvSpPr>
+          <p:cNvPr id="3" name="TextBox 2">
+            <a:extLst>
+              <a:ext uri="{FF2B5EF4-FFF2-40B4-BE49-F238E27FC236}">
+                <a16:creationId xmlns:a16="http://schemas.microsoft.com/office/drawing/2014/main" id="{C914C178-F31D-45DD-9521-0FE1654A4D81}"/>
+              </a:ext>
+            </a:extLst>
+          </p:cNvPr>
+          <p:cNvSpPr txBox="1"/>
+          <p:nvPr/>
+        </p:nvSpPr>
+        <p:spPr>
+          <a:xfrm>
+            <a:off x="5417418" y="1692807"/>
+            <a:ext cx="1408922" cy="769441"/>
+          </a:xfrm>
+          <a:prstGeom prst="rect">
+            <a:avLst/>
+          </a:prstGeom>
+          <a:noFill/>
+        </p:spPr>
+        <p:txBody>
+          <a:bodyPr wrap="square" rtlCol="0">
+            <a:spAutoFit/>
           </a:bodyPr>
-          <a:lstStyle>
-            <a:lvl1pPr marL="228600" indent="-228600" algn="l" defTabSz="914400" rtl="0" eaLnBrk="1" latinLnBrk="0" hangingPunct="1">
-              <a:lnSpc>
-                <a:spcPct val="90000"/>
-              </a:lnSpc>
-              <a:spcBef>
-                <a:spcPts val="1000"/>
-              </a:spcBef>
-              <a:buFont typeface="Arial" panose="020B0604020202020204" pitchFamily="34" charset="0"/>
-              <a:buChar char="•"/>
-              <a:defRPr sz="2800" kern="1200">
-                <a:solidFill>
-                  <a:schemeClr val="tx1"/>
-                </a:solidFill>
-                <a:latin typeface="+mn-lt"/>
-                <a:ea typeface="+mn-ea"/>
-                <a:cs typeface="+mn-cs"/>
-              </a:defRPr>
-            </a:lvl1pPr>
-            <a:lvl2pPr marL="685800" indent="-228600" algn="l" defTabSz="914400" rtl="0" eaLnBrk="1" latinLnBrk="0" hangingPunct="1">
-              <a:lnSpc>
-                <a:spcPct val="90000"/>
-              </a:lnSpc>
-              <a:spcBef>
-                <a:spcPts val="500"/>
-              </a:spcBef>
-              <a:buFont typeface="Arial" panose="020B0604020202020204" pitchFamily="34" charset="0"/>
-              <a:buChar char="•"/>
-              <a:defRPr sz="2400" kern="1200">
-                <a:solidFill>
-                  <a:schemeClr val="tx1"/>
-                </a:solidFill>
-                <a:latin typeface="+mn-lt"/>
-                <a:ea typeface="+mn-ea"/>
-                <a:cs typeface="+mn-cs"/>
-              </a:defRPr>
-            </a:lvl2pPr>
-            <a:lvl3pPr marL="1143000" indent="-228600" algn="l" defTabSz="914400" rtl="0" eaLnBrk="1" latinLnBrk="0" hangingPunct="1">
-              <a:lnSpc>
-                <a:spcPct val="90000"/>
-              </a:lnSpc>
-              <a:spcBef>
-                <a:spcPts val="500"/>
-              </a:spcBef>
-              <a:buFont typeface="Arial" panose="020B0604020202020204" pitchFamily="34" charset="0"/>
-              <a:buChar char="•"/>
-              <a:defRPr sz="2000" kern="1200">
-                <a:solidFill>
-                  <a:schemeClr val="tx1"/>
-                </a:solidFill>
-                <a:latin typeface="+mn-lt"/>
-                <a:ea typeface="+mn-ea"/>
-                <a:cs typeface="+mn-cs"/>
-              </a:defRPr>
-            </a:lvl3pPr>
-            <a:lvl4pPr marL="1600200" indent="-228600" algn="l" defTabSz="914400" rtl="0" eaLnBrk="1" latinLnBrk="0" hangingPunct="1">
-              <a:lnSpc>
-                <a:spcPct val="90000"/>
-              </a:lnSpc>
-              <a:spcBef>
-                <a:spcPts val="500"/>
-              </a:spcBef>
-              <a:buFont typeface="Arial" panose="020B0604020202020204" pitchFamily="34" charset="0"/>
-              <a:buChar char="•"/>
-              <a:defRPr sz="1800" kern="1200">
-                <a:solidFill>
-                  <a:schemeClr val="tx1"/>
-                </a:solidFill>
-                <a:latin typeface="+mn-lt"/>
-                <a:ea typeface="+mn-ea"/>
-                <a:cs typeface="+mn-cs"/>
-              </a:defRPr>
-            </a:lvl4pPr>
-            <a:lvl5pPr marL="2057400" indent="-228600" algn="l" defTabSz="914400" rtl="0" eaLnBrk="1" latinLnBrk="0" hangingPunct="1">
-              <a:lnSpc>
-                <a:spcPct val="90000"/>
-              </a:lnSpc>
-              <a:spcBef>
-                <a:spcPts val="500"/>
-              </a:spcBef>
-              <a:buFont typeface="Arial" panose="020B0604020202020204" pitchFamily="34" charset="0"/>
-              <a:buChar char="•"/>
-              <a:defRPr sz="1800" kern="1200">
-                <a:solidFill>
-                  <a:schemeClr val="tx1"/>
-                </a:solidFill>
-                <a:latin typeface="+mn-lt"/>
-                <a:ea typeface="+mn-ea"/>
-                <a:cs typeface="+mn-cs"/>
-              </a:defRPr>
-            </a:lvl5pPr>
-            <a:lvl6pPr marL="2514600" indent="-228600" algn="l" defTabSz="914400" rtl="0" eaLnBrk="1" latinLnBrk="0" hangingPunct="1">
-              <a:lnSpc>
-                <a:spcPct val="90000"/>
-              </a:lnSpc>
-              <a:spcBef>
-                <a:spcPts val="500"/>
-              </a:spcBef>
-              <a:buFont typeface="Arial" panose="020B0604020202020204" pitchFamily="34" charset="0"/>
-              <a:buChar char="•"/>
-              <a:defRPr sz="1800" kern="1200">
-                <a:solidFill>
-                  <a:schemeClr val="tx1"/>
-                </a:solidFill>
-                <a:latin typeface="+mn-lt"/>
-                <a:ea typeface="+mn-ea"/>
-                <a:cs typeface="+mn-cs"/>
-              </a:defRPr>
-            </a:lvl6pPr>
-            <a:lvl7pPr marL="2971800" indent="-228600" algn="l" defTabSz="914400" rtl="0" eaLnBrk="1" latinLnBrk="0" hangingPunct="1">
-              <a:lnSpc>
-                <a:spcPct val="90000"/>
-              </a:lnSpc>
-              <a:spcBef>
-                <a:spcPts val="500"/>
-              </a:spcBef>
-              <a:buFont typeface="Arial" panose="020B0604020202020204" pitchFamily="34" charset="0"/>
-              <a:buChar char="•"/>
-              <a:defRPr sz="1800" kern="1200">
-                <a:solidFill>
-                  <a:schemeClr val="tx1"/>
-                </a:solidFill>
-                <a:latin typeface="+mn-lt"/>
-                <a:ea typeface="+mn-ea"/>
-                <a:cs typeface="+mn-cs"/>
-              </a:defRPr>
-            </a:lvl7pPr>
-            <a:lvl8pPr marL="3429000" indent="-228600" algn="l" defTabSz="914400" rtl="0" eaLnBrk="1" latinLnBrk="0" hangingPunct="1">
-              <a:lnSpc>
-                <a:spcPct val="90000"/>
-              </a:lnSpc>
-              <a:spcBef>
-                <a:spcPts val="500"/>
-              </a:spcBef>
-              <a:buFont typeface="Arial" panose="020B0604020202020204" pitchFamily="34" charset="0"/>
-              <a:buChar char="•"/>
-              <a:defRPr sz="1800" kern="1200">
-                <a:solidFill>
-                  <a:schemeClr val="tx1"/>
-                </a:solidFill>
-                <a:latin typeface="+mn-lt"/>
-                <a:ea typeface="+mn-ea"/>
-                <a:cs typeface="+mn-cs"/>
-              </a:defRPr>
-            </a:lvl8pPr>
-            <a:lvl9pPr marL="3886200" indent="-228600" algn="l" defTabSz="914400" rtl="0" eaLnBrk="1" latinLnBrk="0" hangingPunct="1">
-              <a:lnSpc>
-                <a:spcPct val="90000"/>
-              </a:lnSpc>
-              <a:spcBef>
-                <a:spcPts val="500"/>
-              </a:spcBef>
-              <a:buFont typeface="Arial" panose="020B0604020202020204" pitchFamily="34" charset="0"/>
-              <a:buChar char="•"/>
-              <a:defRPr sz="1800" kern="1200">
-                <a:solidFill>
-                  <a:schemeClr val="tx1"/>
-                </a:solidFill>
-                <a:latin typeface="+mn-lt"/>
-                <a:ea typeface="+mn-ea"/>
-                <a:cs typeface="+mn-cs"/>
-              </a:defRPr>
-            </a:lvl9pPr>
-          </a:lstStyle>
-          <a:p>
-            <a:endParaRPr lang="en-US" i="1" u="sng" dirty="0"/>
-          </a:p>
-          <a:p>
-            <a:r>
-              <a:rPr lang="en-US" sz="2400" i="1" dirty="0" err="1"/>
-              <a:t>Aashima</a:t>
-            </a:r>
-            <a:r>
-              <a:rPr lang="en-US" sz="2400" i="1" dirty="0"/>
-              <a:t> Sachdeva				18CSU003</a:t>
-            </a:r>
-          </a:p>
-          <a:p>
-            <a:r>
-              <a:rPr lang="en-US" sz="2400" i="1" dirty="0"/>
-              <a:t>Aditya Choudhary				18CSU011</a:t>
-            </a:r>
-          </a:p>
-          <a:p>
-            <a:r>
-              <a:rPr lang="en-US" sz="2400" i="1" dirty="0"/>
-              <a:t>Akshay Makkar				18CSU013</a:t>
-            </a:r>
-          </a:p>
-          <a:p>
-            <a:r>
-              <a:rPr lang="en-US" sz="2400" i="1" dirty="0"/>
-              <a:t>Anmol Nagpal				18CSU023</a:t>
-            </a:r>
-          </a:p>
-          <a:p>
-            <a:r>
-              <a:rPr lang="en-US" sz="2400" i="1" dirty="0"/>
-              <a:t>Anmol </a:t>
-            </a:r>
-            <a:r>
-              <a:rPr lang="en-US" sz="2400" i="1" dirty="0" err="1"/>
-              <a:t>Sarpal</a:t>
-            </a:r>
-            <a:r>
-              <a:rPr lang="en-US" sz="2400" i="1" dirty="0"/>
-              <a:t>				18CSU024</a:t>
-            </a:r>
+          <a:lstStyle/>
+          <a:p>
+            <a:r>
+              <a:rPr lang="en-US" sz="2200" i="1" dirty="0"/>
+              <a:t>Aashima Sachdeva</a:t>
+            </a:r>
+            <a:endParaRPr lang="en-US" sz="2200" dirty="0"/>
+          </a:p>
+        </p:txBody>
+      </p:sp>
+      <p:sp>
+        <p:nvSpPr>
+          <p:cNvPr id="6" name="TextBox 5">
+            <a:extLst>
+              <a:ext uri="{FF2B5EF4-FFF2-40B4-BE49-F238E27FC236}">
+                <a16:creationId xmlns:a16="http://schemas.microsoft.com/office/drawing/2014/main" id="{0B9F10E3-233B-4715-B637-554F79ACCF47}"/>
+              </a:ext>
+            </a:extLst>
+          </p:cNvPr>
+          <p:cNvSpPr txBox="1"/>
+          <p:nvPr/>
+        </p:nvSpPr>
+        <p:spPr>
+          <a:xfrm>
+            <a:off x="9896667" y="923366"/>
+            <a:ext cx="1566544" cy="769441"/>
+          </a:xfrm>
+          <a:prstGeom prst="rect">
+            <a:avLst/>
+          </a:prstGeom>
+          <a:noFill/>
+        </p:spPr>
+        <p:txBody>
+          <a:bodyPr wrap="square" rtlCol="0">
+            <a:spAutoFit/>
+          </a:bodyPr>
+          <a:lstStyle/>
+          <a:p>
+            <a:r>
+              <a:rPr lang="en-US" sz="2200" i="1" dirty="0"/>
+              <a:t>Aditya Choudhary</a:t>
+            </a:r>
+            <a:endParaRPr lang="en-US" sz="2200" dirty="0"/>
+          </a:p>
+        </p:txBody>
+      </p:sp>
+      <p:sp>
+        <p:nvSpPr>
+          <p:cNvPr id="8" name="TextBox 7">
+            <a:extLst>
+              <a:ext uri="{FF2B5EF4-FFF2-40B4-BE49-F238E27FC236}">
+                <a16:creationId xmlns:a16="http://schemas.microsoft.com/office/drawing/2014/main" id="{C41848C1-A686-4B5D-8B90-02D1D296D1B8}"/>
+              </a:ext>
+            </a:extLst>
+          </p:cNvPr>
+          <p:cNvSpPr txBox="1"/>
+          <p:nvPr/>
+        </p:nvSpPr>
+        <p:spPr>
+          <a:xfrm>
+            <a:off x="10913705" y="3362389"/>
+            <a:ext cx="1278295" cy="769441"/>
+          </a:xfrm>
+          <a:prstGeom prst="rect">
+            <a:avLst/>
+          </a:prstGeom>
+          <a:noFill/>
+        </p:spPr>
+        <p:txBody>
+          <a:bodyPr wrap="square" rtlCol="0">
+            <a:spAutoFit/>
+          </a:bodyPr>
+          <a:lstStyle/>
+          <a:p>
+            <a:r>
+              <a:rPr lang="en-US" sz="2200" i="1" dirty="0"/>
+              <a:t>Akshay Makkar</a:t>
+            </a:r>
+            <a:endParaRPr lang="en-US" sz="2200" dirty="0"/>
+          </a:p>
+        </p:txBody>
+      </p:sp>
+      <p:sp>
+        <p:nvSpPr>
+          <p:cNvPr id="9" name="TextBox 8">
+            <a:extLst>
+              <a:ext uri="{FF2B5EF4-FFF2-40B4-BE49-F238E27FC236}">
+                <a16:creationId xmlns:a16="http://schemas.microsoft.com/office/drawing/2014/main" id="{009DBC2E-EFD0-4B8D-B30D-B584E147D805}"/>
+              </a:ext>
+            </a:extLst>
+          </p:cNvPr>
+          <p:cNvSpPr txBox="1"/>
+          <p:nvPr/>
+        </p:nvSpPr>
+        <p:spPr>
+          <a:xfrm>
+            <a:off x="9780035" y="5019990"/>
+            <a:ext cx="1278295" cy="769441"/>
+          </a:xfrm>
+          <a:prstGeom prst="rect">
+            <a:avLst/>
+          </a:prstGeom>
+          <a:noFill/>
+        </p:spPr>
+        <p:txBody>
+          <a:bodyPr wrap="square" rtlCol="0">
+            <a:spAutoFit/>
+          </a:bodyPr>
+          <a:lstStyle/>
+          <a:p>
+            <a:r>
+              <a:rPr lang="en-US" sz="2200" i="1" dirty="0"/>
+              <a:t>Anmol Nagpal</a:t>
+            </a:r>
+            <a:endParaRPr lang="en-US" sz="2200" dirty="0"/>
+          </a:p>
+        </p:txBody>
+      </p:sp>
+      <p:sp>
+        <p:nvSpPr>
+          <p:cNvPr id="10" name="TextBox 9">
+            <a:extLst>
+              <a:ext uri="{FF2B5EF4-FFF2-40B4-BE49-F238E27FC236}">
+                <a16:creationId xmlns:a16="http://schemas.microsoft.com/office/drawing/2014/main" id="{80E212EF-EC60-4192-A440-3BFEE71FB1C5}"/>
+              </a:ext>
+            </a:extLst>
+          </p:cNvPr>
+          <p:cNvSpPr txBox="1"/>
+          <p:nvPr/>
+        </p:nvSpPr>
+        <p:spPr>
+          <a:xfrm>
+            <a:off x="5566819" y="4445261"/>
+            <a:ext cx="1278295" cy="769441"/>
+          </a:xfrm>
+          <a:prstGeom prst="rect">
+            <a:avLst/>
+          </a:prstGeom>
+          <a:noFill/>
+        </p:spPr>
+        <p:txBody>
+          <a:bodyPr wrap="square" rtlCol="0">
+            <a:spAutoFit/>
+          </a:bodyPr>
+          <a:lstStyle/>
+          <a:p>
+            <a:r>
+              <a:rPr lang="en-US" sz="2200" i="1" dirty="0"/>
+              <a:t>Anmol Sarpal</a:t>
+            </a:r>
+          </a:p>
+        </p:txBody>
+      </p:sp>
+      <p:sp>
+        <p:nvSpPr>
+          <p:cNvPr id="7" name="TextBox 6">
+            <a:extLst>
+              <a:ext uri="{FF2B5EF4-FFF2-40B4-BE49-F238E27FC236}">
+                <a16:creationId xmlns:a16="http://schemas.microsoft.com/office/drawing/2014/main" id="{05A7D5DD-99CF-4529-B0D0-B8DEB37CB2DC}"/>
+              </a:ext>
+            </a:extLst>
+          </p:cNvPr>
+          <p:cNvSpPr txBox="1"/>
+          <p:nvPr/>
+        </p:nvSpPr>
+        <p:spPr>
+          <a:xfrm>
+            <a:off x="7516530" y="2916113"/>
+            <a:ext cx="2006636" cy="892552"/>
+          </a:xfrm>
+          <a:prstGeom prst="rect">
+            <a:avLst/>
+          </a:prstGeom>
+          <a:noFill/>
+        </p:spPr>
+        <p:txBody>
+          <a:bodyPr wrap="square" rtlCol="0">
+            <a:spAutoFit/>
+          </a:bodyPr>
+          <a:lstStyle/>
+          <a:p>
+            <a:pPr algn="ctr"/>
+            <a:r>
+              <a:rPr lang="en-US" sz="2600" dirty="0"/>
+              <a:t>Group</a:t>
+            </a:r>
+          </a:p>
+          <a:p>
+            <a:pPr algn="ctr"/>
+            <a:r>
+              <a:rPr lang="en-US" sz="2600" dirty="0"/>
+              <a:t>02</a:t>
+            </a:r>
+          </a:p>
+        </p:txBody>
+      </p:sp>
+      <p:pic>
+        <p:nvPicPr>
+          <p:cNvPr id="12" name="Picture 2" descr="https://image.slidesharecdn.com/ed3b5569-fc5a-4be7-a70f-c7e0cf2fab6b-150908032759-lva1-app6892/95/ncu-formerly-itmu-logo-1-1-638.jpg?cb=1441682911">
+            <a:extLst>
+              <a:ext uri="{FF2B5EF4-FFF2-40B4-BE49-F238E27FC236}">
+                <a16:creationId xmlns:a16="http://schemas.microsoft.com/office/drawing/2014/main" id="{B772E14E-FB2E-49C4-988D-D22F1B2333DB}"/>
+              </a:ext>
+            </a:extLst>
+          </p:cNvPr>
+          <p:cNvPicPr>
+            <a:picLocks noChangeAspect="1" noChangeArrowheads="1"/>
+          </p:cNvPicPr>
+          <p:nvPr/>
+        </p:nvPicPr>
+        <p:blipFill>
+          <a:blip r:embed="rId5">
+            <a:extLst>
+              <a:ext uri="{28A0092B-C50C-407E-A947-70E740481C1C}">
+                <a14:useLocalDpi xmlns:a14="http://schemas.microsoft.com/office/drawing/2010/main" val="0"/>
+              </a:ext>
+            </a:extLst>
+          </a:blip>
+          <a:srcRect/>
+          <a:stretch>
+            <a:fillRect/>
+          </a:stretch>
+        </p:blipFill>
+        <p:spPr bwMode="auto">
+          <a:xfrm>
+            <a:off x="10991460" y="1"/>
+            <a:ext cx="1200539" cy="701882"/>
+          </a:xfrm>
+          <a:prstGeom prst="rect">
+            <a:avLst/>
+          </a:prstGeom>
+          <a:noFill/>
+          <a:extLst>
+            <a:ext uri="{909E8E84-426E-40DD-AFC4-6F175D3DCCD1}">
+              <a14:hiddenFill xmlns:a14="http://schemas.microsoft.com/office/drawing/2010/main">
+                <a:solidFill>
+                  <a:srgbClr val="FFFFFF"/>
+                </a:solidFill>
+              </a14:hiddenFill>
+            </a:ext>
+          </a:extLst>
+        </p:spPr>
+      </p:pic>
+      <p:sp>
+        <p:nvSpPr>
+          <p:cNvPr id="4" name="Date Placeholder 3">
+            <a:extLst>
+              <a:ext uri="{FF2B5EF4-FFF2-40B4-BE49-F238E27FC236}">
+                <a16:creationId xmlns:a16="http://schemas.microsoft.com/office/drawing/2014/main" id="{3915D11F-FC52-46EB-A524-2AC9DB0C9FAF}"/>
+              </a:ext>
+            </a:extLst>
+          </p:cNvPr>
+          <p:cNvSpPr>
+            <a:spLocks noGrp="1"/>
+          </p:cNvSpPr>
+          <p:nvPr>
+            <p:ph type="dt" sz="half" idx="10"/>
+          </p:nvPr>
+        </p:nvSpPr>
+        <p:spPr>
+          <a:xfrm>
+            <a:off x="0" y="6491199"/>
+            <a:ext cx="2743200" cy="365125"/>
+          </a:xfrm>
+        </p:spPr>
+        <p:txBody>
+          <a:bodyPr/>
+          <a:lstStyle/>
+          <a:p>
+            <a:fld id="{B69E9AD6-8BEC-47A7-8DB6-67B02ECE5037}" type="datetime4">
+              <a:rPr lang="en-US" smtClean="0"/>
+              <a:t>17 February, 2019</a:t>
+            </a:fld>
+            <a:endParaRPr lang="en-US" dirty="0"/>
           </a:p>
         </p:txBody>
       </p:sp>
@@ -4973,7 +7032,7 @@
           <a:lstStyle/>
           <a:p>
             <a:r>
-              <a:rPr lang="en-US" sz="6600" dirty="0"/>
+              <a:rPr lang="en-US" sz="6600" u="sng" dirty="0"/>
               <a:t>Problem Statement</a:t>
             </a:r>
           </a:p>
@@ -5027,12 +7086,187 @@
             </a:pPr>
             <a:r>
               <a:rPr lang="en-US" sz="3600" i="1" dirty="0"/>
-              <a:t>The application can download the f</a:t>
-            </a:r>
-            <a:r>
-              <a:rPr lang="en-US" sz="4000" i="1" dirty="0"/>
-              <a:t>ile from the entered URL to the provided folder.</a:t>
-            </a:r>
+              <a:t>The application can download the file from the entered URL to the provided folder.</a:t>
+            </a:r>
+          </a:p>
+        </p:txBody>
+      </p:sp>
+      <p:pic>
+        <p:nvPicPr>
+          <p:cNvPr id="6" name="Picture 2" descr="https://image.slidesharecdn.com/ed3b5569-fc5a-4be7-a70f-c7e0cf2fab6b-150908032759-lva1-app6892/95/ncu-formerly-itmu-logo-1-1-638.jpg?cb=1441682911">
+            <a:extLst>
+              <a:ext uri="{FF2B5EF4-FFF2-40B4-BE49-F238E27FC236}">
+                <a16:creationId xmlns:a16="http://schemas.microsoft.com/office/drawing/2014/main" id="{7BD031AA-FA3A-4BED-A37F-E3F5D7F9630F}"/>
+              </a:ext>
+            </a:extLst>
+          </p:cNvPr>
+          <p:cNvPicPr>
+            <a:picLocks noChangeAspect="1" noChangeArrowheads="1"/>
+          </p:cNvPicPr>
+          <p:nvPr/>
+        </p:nvPicPr>
+        <p:blipFill>
+          <a:blip r:embed="rId3">
+            <a:extLst>
+              <a:ext uri="{28A0092B-C50C-407E-A947-70E740481C1C}">
+                <a14:useLocalDpi xmlns:a14="http://schemas.microsoft.com/office/drawing/2010/main" val="0"/>
+              </a:ext>
+            </a:extLst>
+          </a:blip>
+          <a:srcRect/>
+          <a:stretch>
+            <a:fillRect/>
+          </a:stretch>
+        </p:blipFill>
+        <p:spPr bwMode="auto">
+          <a:xfrm>
+            <a:off x="10991460" y="1"/>
+            <a:ext cx="1200539" cy="701882"/>
+          </a:xfrm>
+          <a:prstGeom prst="rect">
+            <a:avLst/>
+          </a:prstGeom>
+          <a:noFill/>
+          <a:extLst>
+            <a:ext uri="{909E8E84-426E-40DD-AFC4-6F175D3DCCD1}">
+              <a14:hiddenFill xmlns:a14="http://schemas.microsoft.com/office/drawing/2010/main">
+                <a:solidFill>
+                  <a:srgbClr val="FFFFFF"/>
+                </a:solidFill>
+              </a14:hiddenFill>
+            </a:ext>
+          </a:extLst>
+        </p:spPr>
+      </p:pic>
+      <p:sp>
+        <p:nvSpPr>
+          <p:cNvPr id="10" name="Date Placeholder 3">
+            <a:extLst>
+              <a:ext uri="{FF2B5EF4-FFF2-40B4-BE49-F238E27FC236}">
+                <a16:creationId xmlns:a16="http://schemas.microsoft.com/office/drawing/2014/main" id="{28CA78C4-1C53-4793-8A2B-7083EFF03D36}"/>
+              </a:ext>
+            </a:extLst>
+          </p:cNvPr>
+          <p:cNvSpPr txBox="1">
+            <a:spLocks/>
+          </p:cNvSpPr>
+          <p:nvPr/>
+        </p:nvSpPr>
+        <p:spPr>
+          <a:xfrm>
+            <a:off x="0" y="6491199"/>
+            <a:ext cx="2743200" cy="365125"/>
+          </a:xfrm>
+          <a:prstGeom prst="rect">
+            <a:avLst/>
+          </a:prstGeom>
+        </p:spPr>
+        <p:txBody>
+          <a:bodyPr vert="horz" lIns="91440" tIns="45720" rIns="91440" bIns="45720" rtlCol="0" anchor="ctr"/>
+          <a:lstStyle>
+            <a:defPPr>
+              <a:defRPr lang="en-US"/>
+            </a:defPPr>
+            <a:lvl1pPr marL="0" algn="l" defTabSz="914400" rtl="0" eaLnBrk="1" latinLnBrk="0" hangingPunct="1">
+              <a:defRPr sz="1200" kern="1200">
+                <a:solidFill>
+                  <a:schemeClr val="tx1">
+                    <a:tint val="75000"/>
+                  </a:schemeClr>
+                </a:solidFill>
+                <a:latin typeface="+mn-lt"/>
+                <a:ea typeface="+mn-ea"/>
+                <a:cs typeface="+mn-cs"/>
+              </a:defRPr>
+            </a:lvl1pPr>
+            <a:lvl2pPr marL="457200" algn="l" defTabSz="914400" rtl="0" eaLnBrk="1" latinLnBrk="0" hangingPunct="1">
+              <a:defRPr sz="1800" kern="1200">
+                <a:solidFill>
+                  <a:schemeClr val="tx1"/>
+                </a:solidFill>
+                <a:latin typeface="+mn-lt"/>
+                <a:ea typeface="+mn-ea"/>
+                <a:cs typeface="+mn-cs"/>
+              </a:defRPr>
+            </a:lvl2pPr>
+            <a:lvl3pPr marL="914400" algn="l" defTabSz="914400" rtl="0" eaLnBrk="1" latinLnBrk="0" hangingPunct="1">
+              <a:defRPr sz="1800" kern="1200">
+                <a:solidFill>
+                  <a:schemeClr val="tx1"/>
+                </a:solidFill>
+                <a:latin typeface="+mn-lt"/>
+                <a:ea typeface="+mn-ea"/>
+                <a:cs typeface="+mn-cs"/>
+              </a:defRPr>
+            </a:lvl3pPr>
+            <a:lvl4pPr marL="1371600" algn="l" defTabSz="914400" rtl="0" eaLnBrk="1" latinLnBrk="0" hangingPunct="1">
+              <a:defRPr sz="1800" kern="1200">
+                <a:solidFill>
+                  <a:schemeClr val="tx1"/>
+                </a:solidFill>
+                <a:latin typeface="+mn-lt"/>
+                <a:ea typeface="+mn-ea"/>
+                <a:cs typeface="+mn-cs"/>
+              </a:defRPr>
+            </a:lvl4pPr>
+            <a:lvl5pPr marL="1828800" algn="l" defTabSz="914400" rtl="0" eaLnBrk="1" latinLnBrk="0" hangingPunct="1">
+              <a:defRPr sz="1800" kern="1200">
+                <a:solidFill>
+                  <a:schemeClr val="tx1"/>
+                </a:solidFill>
+                <a:latin typeface="+mn-lt"/>
+                <a:ea typeface="+mn-ea"/>
+                <a:cs typeface="+mn-cs"/>
+              </a:defRPr>
+            </a:lvl5pPr>
+            <a:lvl6pPr marL="2286000" algn="l" defTabSz="914400" rtl="0" eaLnBrk="1" latinLnBrk="0" hangingPunct="1">
+              <a:defRPr sz="1800" kern="1200">
+                <a:solidFill>
+                  <a:schemeClr val="tx1"/>
+                </a:solidFill>
+                <a:latin typeface="+mn-lt"/>
+                <a:ea typeface="+mn-ea"/>
+                <a:cs typeface="+mn-cs"/>
+              </a:defRPr>
+            </a:lvl6pPr>
+            <a:lvl7pPr marL="2743200" algn="l" defTabSz="914400" rtl="0" eaLnBrk="1" latinLnBrk="0" hangingPunct="1">
+              <a:defRPr sz="1800" kern="1200">
+                <a:solidFill>
+                  <a:schemeClr val="tx1"/>
+                </a:solidFill>
+                <a:latin typeface="+mn-lt"/>
+                <a:ea typeface="+mn-ea"/>
+                <a:cs typeface="+mn-cs"/>
+              </a:defRPr>
+            </a:lvl7pPr>
+            <a:lvl8pPr marL="3200400" algn="l" defTabSz="914400" rtl="0" eaLnBrk="1" latinLnBrk="0" hangingPunct="1">
+              <a:defRPr sz="1800" kern="1200">
+                <a:solidFill>
+                  <a:schemeClr val="tx1"/>
+                </a:solidFill>
+                <a:latin typeface="+mn-lt"/>
+                <a:ea typeface="+mn-ea"/>
+                <a:cs typeface="+mn-cs"/>
+              </a:defRPr>
+            </a:lvl8pPr>
+            <a:lvl9pPr marL="3657600" algn="l" defTabSz="914400" rtl="0" eaLnBrk="1" latinLnBrk="0" hangingPunct="1">
+              <a:defRPr sz="1800" kern="1200">
+                <a:solidFill>
+                  <a:schemeClr val="tx1"/>
+                </a:solidFill>
+                <a:latin typeface="+mn-lt"/>
+                <a:ea typeface="+mn-ea"/>
+                <a:cs typeface="+mn-cs"/>
+              </a:defRPr>
+            </a:lvl9pPr>
+          </a:lstStyle>
+          <a:p>
+            <a:fld id="{B69E9AD6-8BEC-47A7-8DB6-67B02ECE5037}" type="datetime4">
+              <a:rPr lang="en-US" smtClean="0"/>
+              <a:pPr/>
+              <a:t>17 February, 2019</a:t>
+            </a:fld>
+            <a:endParaRPr lang="en-US" dirty="0"/>
           </a:p>
         </p:txBody>
       </p:sp>
@@ -5126,7 +7360,7 @@
           <a:lstStyle/>
           <a:p>
             <a:r>
-              <a:rPr lang="en-US" sz="6600" dirty="0"/>
+              <a:rPr lang="en-US" sz="6600" u="sng" dirty="0"/>
               <a:t>Definition of Done</a:t>
             </a:r>
           </a:p>
@@ -5150,17 +7384,20 @@
         </p:nvSpPr>
         <p:spPr>
           <a:xfrm>
-            <a:off x="838200" y="2141537"/>
-            <a:ext cx="10515600" cy="4351338"/>
+            <a:off x="838200" y="1923507"/>
+            <a:ext cx="10515600" cy="4514610"/>
           </a:xfrm>
         </p:spPr>
         <p:txBody>
           <a:bodyPr>
-            <a:normAutofit fontScale="85000" lnSpcReduction="20000"/>
+            <a:normAutofit fontScale="70000" lnSpcReduction="20000"/>
           </a:bodyPr>
           <a:lstStyle/>
           <a:p>
             <a:pPr marL="514350" indent="-514350">
+              <a:lnSpc>
+                <a:spcPct val="120000"/>
+              </a:lnSpc>
               <a:buFont typeface="+mj-lt"/>
               <a:buAutoNum type="arabicPeriod"/>
             </a:pPr>
@@ -5171,6 +7408,9 @@
           </a:p>
           <a:p>
             <a:pPr marL="514350" indent="-514350">
+              <a:lnSpc>
+                <a:spcPct val="120000"/>
+              </a:lnSpc>
               <a:buFont typeface="+mj-lt"/>
               <a:buAutoNum type="arabicPeriod"/>
             </a:pPr>
@@ -5181,6 +7421,9 @@
           </a:p>
           <a:p>
             <a:pPr marL="514350" indent="-514350">
+              <a:lnSpc>
+                <a:spcPct val="120000"/>
+              </a:lnSpc>
               <a:buFont typeface="+mj-lt"/>
               <a:buAutoNum type="arabicPeriod"/>
             </a:pPr>
@@ -5191,6 +7434,9 @@
           </a:p>
           <a:p>
             <a:pPr marL="514350" indent="-514350">
+              <a:lnSpc>
+                <a:spcPct val="120000"/>
+              </a:lnSpc>
               <a:buFont typeface="+mj-lt"/>
               <a:buAutoNum type="arabicPeriod"/>
             </a:pPr>
@@ -5201,6 +7447,9 @@
           </a:p>
           <a:p>
             <a:pPr marL="514350" indent="-514350">
+              <a:lnSpc>
+                <a:spcPct val="120000"/>
+              </a:lnSpc>
               <a:buFont typeface="+mj-lt"/>
               <a:buAutoNum type="arabicPeriod"/>
             </a:pPr>
@@ -5211,6 +7460,9 @@
           </a:p>
           <a:p>
             <a:pPr marL="514350" indent="-514350">
+              <a:lnSpc>
+                <a:spcPct val="120000"/>
+              </a:lnSpc>
               <a:buFont typeface="+mj-lt"/>
               <a:buAutoNum type="arabicPeriod"/>
             </a:pPr>
@@ -5221,21 +7473,195 @@
           </a:p>
           <a:p>
             <a:pPr marL="514350" indent="-514350">
+              <a:lnSpc>
+                <a:spcPct val="120000"/>
+              </a:lnSpc>
               <a:buFont typeface="+mj-lt"/>
               <a:buAutoNum type="arabicPeriod"/>
             </a:pPr>
             <a:r>
               <a:rPr lang="en-US" i="1" dirty="0"/>
-              <a:t>The system should use ‘log4-j’ for logging. Logger should use console and file </a:t>
-            </a:r>
-            <a:r>
-              <a:rPr lang="en-US" i="1" dirty="0" err="1"/>
-              <a:t>appender</a:t>
-            </a:r>
-            <a:r>
-              <a:rPr lang="en-US" i="1" dirty="0"/>
-              <a:t> for file logging.</a:t>
-            </a:r>
+              <a:t>The system should use ‘log4-j’ for logging. Logger should use console and file appender for file logging.</a:t>
+            </a:r>
+          </a:p>
+        </p:txBody>
+      </p:sp>
+      <p:pic>
+        <p:nvPicPr>
+          <p:cNvPr id="6" name="Picture 2" descr="https://image.slidesharecdn.com/ed3b5569-fc5a-4be7-a70f-c7e0cf2fab6b-150908032759-lva1-app6892/95/ncu-formerly-itmu-logo-1-1-638.jpg?cb=1441682911">
+            <a:extLst>
+              <a:ext uri="{FF2B5EF4-FFF2-40B4-BE49-F238E27FC236}">
+                <a16:creationId xmlns:a16="http://schemas.microsoft.com/office/drawing/2014/main" id="{F2C39DF8-4B39-4E0A-855C-669A95771D37}"/>
+              </a:ext>
+            </a:extLst>
+          </p:cNvPr>
+          <p:cNvPicPr>
+            <a:picLocks noChangeAspect="1" noChangeArrowheads="1"/>
+          </p:cNvPicPr>
+          <p:nvPr/>
+        </p:nvPicPr>
+        <p:blipFill>
+          <a:blip r:embed="rId3">
+            <a:extLst>
+              <a:ext uri="{28A0092B-C50C-407E-A947-70E740481C1C}">
+                <a14:useLocalDpi xmlns:a14="http://schemas.microsoft.com/office/drawing/2010/main" val="0"/>
+              </a:ext>
+            </a:extLst>
+          </a:blip>
+          <a:srcRect/>
+          <a:stretch>
+            <a:fillRect/>
+          </a:stretch>
+        </p:blipFill>
+        <p:spPr bwMode="auto">
+          <a:xfrm>
+            <a:off x="10991460" y="1"/>
+            <a:ext cx="1200539" cy="701882"/>
+          </a:xfrm>
+          <a:prstGeom prst="rect">
+            <a:avLst/>
+          </a:prstGeom>
+          <a:noFill/>
+          <a:extLst>
+            <a:ext uri="{909E8E84-426E-40DD-AFC4-6F175D3DCCD1}">
+              <a14:hiddenFill xmlns:a14="http://schemas.microsoft.com/office/drawing/2010/main">
+                <a:solidFill>
+                  <a:srgbClr val="FFFFFF"/>
+                </a:solidFill>
+              </a14:hiddenFill>
+            </a:ext>
+          </a:extLst>
+        </p:spPr>
+      </p:pic>
+      <p:sp>
+        <p:nvSpPr>
+          <p:cNvPr id="10" name="Date Placeholder 3">
+            <a:extLst>
+              <a:ext uri="{FF2B5EF4-FFF2-40B4-BE49-F238E27FC236}">
+                <a16:creationId xmlns:a16="http://schemas.microsoft.com/office/drawing/2014/main" id="{B873272F-2FF5-4E0D-97AB-6206A4E91F26}"/>
+              </a:ext>
+            </a:extLst>
+          </p:cNvPr>
+          <p:cNvSpPr txBox="1">
+            <a:spLocks/>
+          </p:cNvSpPr>
+          <p:nvPr/>
+        </p:nvSpPr>
+        <p:spPr>
+          <a:xfrm>
+            <a:off x="0" y="6491199"/>
+            <a:ext cx="2743200" cy="365125"/>
+          </a:xfrm>
+          <a:prstGeom prst="rect">
+            <a:avLst/>
+          </a:prstGeom>
+        </p:spPr>
+        <p:txBody>
+          <a:bodyPr vert="horz" lIns="91440" tIns="45720" rIns="91440" bIns="45720" rtlCol="0" anchor="ctr"/>
+          <a:lstStyle>
+            <a:defPPr>
+              <a:defRPr lang="en-US"/>
+            </a:defPPr>
+            <a:lvl1pPr marL="0" algn="l" defTabSz="914400" rtl="0" eaLnBrk="1" latinLnBrk="0" hangingPunct="1">
+              <a:defRPr sz="1200" kern="1200">
+                <a:solidFill>
+                  <a:schemeClr val="tx1">
+                    <a:tint val="75000"/>
+                  </a:schemeClr>
+                </a:solidFill>
+                <a:latin typeface="+mn-lt"/>
+                <a:ea typeface="+mn-ea"/>
+                <a:cs typeface="+mn-cs"/>
+              </a:defRPr>
+            </a:lvl1pPr>
+            <a:lvl2pPr marL="457200" algn="l" defTabSz="914400" rtl="0" eaLnBrk="1" latinLnBrk="0" hangingPunct="1">
+              <a:defRPr sz="1800" kern="1200">
+                <a:solidFill>
+                  <a:schemeClr val="tx1"/>
+                </a:solidFill>
+                <a:latin typeface="+mn-lt"/>
+                <a:ea typeface="+mn-ea"/>
+                <a:cs typeface="+mn-cs"/>
+              </a:defRPr>
+            </a:lvl2pPr>
+            <a:lvl3pPr marL="914400" algn="l" defTabSz="914400" rtl="0" eaLnBrk="1" latinLnBrk="0" hangingPunct="1">
+              <a:defRPr sz="1800" kern="1200">
+                <a:solidFill>
+                  <a:schemeClr val="tx1"/>
+                </a:solidFill>
+                <a:latin typeface="+mn-lt"/>
+                <a:ea typeface="+mn-ea"/>
+                <a:cs typeface="+mn-cs"/>
+              </a:defRPr>
+            </a:lvl3pPr>
+            <a:lvl4pPr marL="1371600" algn="l" defTabSz="914400" rtl="0" eaLnBrk="1" latinLnBrk="0" hangingPunct="1">
+              <a:defRPr sz="1800" kern="1200">
+                <a:solidFill>
+                  <a:schemeClr val="tx1"/>
+                </a:solidFill>
+                <a:latin typeface="+mn-lt"/>
+                <a:ea typeface="+mn-ea"/>
+                <a:cs typeface="+mn-cs"/>
+              </a:defRPr>
+            </a:lvl4pPr>
+            <a:lvl5pPr marL="1828800" algn="l" defTabSz="914400" rtl="0" eaLnBrk="1" latinLnBrk="0" hangingPunct="1">
+              <a:defRPr sz="1800" kern="1200">
+                <a:solidFill>
+                  <a:schemeClr val="tx1"/>
+                </a:solidFill>
+                <a:latin typeface="+mn-lt"/>
+                <a:ea typeface="+mn-ea"/>
+                <a:cs typeface="+mn-cs"/>
+              </a:defRPr>
+            </a:lvl5pPr>
+            <a:lvl6pPr marL="2286000" algn="l" defTabSz="914400" rtl="0" eaLnBrk="1" latinLnBrk="0" hangingPunct="1">
+              <a:defRPr sz="1800" kern="1200">
+                <a:solidFill>
+                  <a:schemeClr val="tx1"/>
+                </a:solidFill>
+                <a:latin typeface="+mn-lt"/>
+                <a:ea typeface="+mn-ea"/>
+                <a:cs typeface="+mn-cs"/>
+              </a:defRPr>
+            </a:lvl6pPr>
+            <a:lvl7pPr marL="2743200" algn="l" defTabSz="914400" rtl="0" eaLnBrk="1" latinLnBrk="0" hangingPunct="1">
+              <a:defRPr sz="1800" kern="1200">
+                <a:solidFill>
+                  <a:schemeClr val="tx1"/>
+                </a:solidFill>
+                <a:latin typeface="+mn-lt"/>
+                <a:ea typeface="+mn-ea"/>
+                <a:cs typeface="+mn-cs"/>
+              </a:defRPr>
+            </a:lvl7pPr>
+            <a:lvl8pPr marL="3200400" algn="l" defTabSz="914400" rtl="0" eaLnBrk="1" latinLnBrk="0" hangingPunct="1">
+              <a:defRPr sz="1800" kern="1200">
+                <a:solidFill>
+                  <a:schemeClr val="tx1"/>
+                </a:solidFill>
+                <a:latin typeface="+mn-lt"/>
+                <a:ea typeface="+mn-ea"/>
+                <a:cs typeface="+mn-cs"/>
+              </a:defRPr>
+            </a:lvl8pPr>
+            <a:lvl9pPr marL="3657600" algn="l" defTabSz="914400" rtl="0" eaLnBrk="1" latinLnBrk="0" hangingPunct="1">
+              <a:defRPr sz="1800" kern="1200">
+                <a:solidFill>
+                  <a:schemeClr val="tx1"/>
+                </a:solidFill>
+                <a:latin typeface="+mn-lt"/>
+                <a:ea typeface="+mn-ea"/>
+                <a:cs typeface="+mn-cs"/>
+              </a:defRPr>
+            </a:lvl9pPr>
+          </a:lstStyle>
+          <a:p>
+            <a:fld id="{B69E9AD6-8BEC-47A7-8DB6-67B02ECE5037}" type="datetime4">
+              <a:rPr lang="en-US" smtClean="0"/>
+              <a:pPr/>
+              <a:t>17 February, 2019</a:t>
+            </a:fld>
+            <a:endParaRPr lang="en-US" dirty="0"/>
           </a:p>
         </p:txBody>
       </p:sp>
@@ -5319,7 +7745,7 @@
         </p:nvSpPr>
         <p:spPr>
           <a:xfrm>
-            <a:off x="808652" y="1614196"/>
+            <a:off x="525617" y="1404236"/>
             <a:ext cx="2121160" cy="1054359"/>
           </a:xfrm>
           <a:prstGeom prst="rect">
@@ -5385,7 +7811,7 @@
         </p:nvSpPr>
         <p:spPr>
           <a:xfrm>
-            <a:off x="3592285" y="1884786"/>
+            <a:off x="3383895" y="1688819"/>
             <a:ext cx="765111" cy="485192"/>
           </a:xfrm>
           <a:prstGeom prst="rightArrow">
@@ -5416,7 +7842,7 @@
           <a:lstStyle/>
           <a:p>
             <a:pPr algn="ctr"/>
-            <a:endParaRPr lang="en-US"/>
+            <a:endParaRPr lang="en-US" dirty="0"/>
           </a:p>
         </p:txBody>
       </p:sp>
@@ -5434,8 +7860,8 @@
         </p:nvSpPr>
         <p:spPr>
           <a:xfrm>
-            <a:off x="5038530" y="1595537"/>
-            <a:ext cx="1828800" cy="1119674"/>
+            <a:off x="4974769" y="1404234"/>
+            <a:ext cx="2121159" cy="1054359"/>
           </a:xfrm>
           <a:prstGeom prst="rect">
             <a:avLst/>
@@ -5481,7 +7907,7 @@
                   </a:outerShdw>
                 </a:effectLst>
               </a:rPr>
-              <a:t>Enter URL</a:t>
+              <a:t>Enter URL of file to be downloaded</a:t>
             </a:r>
           </a:p>
         </p:txBody>
@@ -5500,8 +7926,8 @@
         </p:nvSpPr>
         <p:spPr>
           <a:xfrm>
-            <a:off x="9797144" y="1576875"/>
-            <a:ext cx="1660849" cy="1119674"/>
+            <a:off x="9423921" y="1404234"/>
+            <a:ext cx="2121159" cy="1054359"/>
           </a:xfrm>
           <a:prstGeom prst="ellipse">
             <a:avLst/>
@@ -5562,8 +7988,8 @@
         </p:nvSpPr>
         <p:spPr>
           <a:xfrm>
-            <a:off x="9175101" y="3788229"/>
-            <a:ext cx="2575249" cy="1119674"/>
+            <a:off x="9420037" y="3366785"/>
+            <a:ext cx="2121159" cy="1054359"/>
           </a:xfrm>
           <a:prstGeom prst="rect">
             <a:avLst/>
@@ -5609,7 +8035,7 @@
                   </a:outerShdw>
                 </a:effectLst>
               </a:rPr>
-              <a:t>Enter Path</a:t>
+              <a:t>Choose default path or enter custom path</a:t>
             </a:r>
           </a:p>
         </p:txBody>
@@ -5628,8 +8054,8 @@
         </p:nvSpPr>
         <p:spPr>
           <a:xfrm>
-            <a:off x="5159830" y="3670038"/>
-            <a:ext cx="1660849" cy="1119674"/>
+            <a:off x="4964655" y="3384699"/>
+            <a:ext cx="2121159" cy="1054360"/>
           </a:xfrm>
           <a:prstGeom prst="ellipse">
             <a:avLst/>
@@ -5690,8 +8116,8 @@
         </p:nvSpPr>
         <p:spPr>
           <a:xfrm>
-            <a:off x="777552" y="3474083"/>
-            <a:ext cx="2121160" cy="1119674"/>
+            <a:off x="525617" y="3366785"/>
+            <a:ext cx="2121160" cy="1057829"/>
           </a:xfrm>
           <a:prstGeom prst="rect">
             <a:avLst/>
@@ -5740,25 +8166,6 @@
               <a:t>Enter Filename</a:t>
             </a:r>
           </a:p>
-          <a:p>
-            <a:pPr algn="ctr"/>
-            <a:r>
-              <a:rPr lang="en-US" dirty="0">
-                <a:ln w="0"/>
-                <a:solidFill>
-                  <a:schemeClr val="tx1"/>
-                </a:solidFill>
-                <a:effectLst>
-                  <a:outerShdw blurRad="38100" dist="19050" dir="2700000" algn="tl" rotWithShape="0">
-                    <a:schemeClr val="dk1">
-                      <a:alpha val="40000"/>
-                    </a:schemeClr>
-                  </a:outerShdw>
-                </a:effectLst>
-              </a:rPr>
-              <a:t>(with extension)</a:t>
-            </a:r>
-          </a:p>
         </p:txBody>
       </p:sp>
       <p:sp>
@@ -5775,8 +8182,8 @@
         </p:nvSpPr>
         <p:spPr>
           <a:xfrm>
-            <a:off x="777552" y="5570375"/>
-            <a:ext cx="2030962" cy="1054359"/>
+            <a:off x="573831" y="5303768"/>
+            <a:ext cx="2121159" cy="1054359"/>
           </a:xfrm>
           <a:prstGeom prst="roundRect">
             <a:avLst/>
@@ -5841,8 +8248,8 @@
         </p:nvSpPr>
         <p:spPr>
           <a:xfrm>
-            <a:off x="4808375" y="5505061"/>
-            <a:ext cx="2575249" cy="1119674"/>
+            <a:off x="4988764" y="5214413"/>
+            <a:ext cx="2121159" cy="1057830"/>
           </a:xfrm>
           <a:prstGeom prst="rect">
             <a:avLst/>
@@ -5907,8 +8314,8 @@
         </p:nvSpPr>
         <p:spPr>
           <a:xfrm>
-            <a:off x="9175102" y="5523722"/>
-            <a:ext cx="2575249" cy="1119674"/>
+            <a:off x="9430141" y="5214413"/>
+            <a:ext cx="2121159" cy="1057830"/>
           </a:xfrm>
           <a:prstGeom prst="rect">
             <a:avLst/>
@@ -5973,7 +8380,7 @@
         </p:nvSpPr>
         <p:spPr>
           <a:xfrm rot="5400000">
-            <a:off x="10322765" y="2999793"/>
+            <a:off x="10101944" y="2670093"/>
             <a:ext cx="765111" cy="485192"/>
           </a:xfrm>
           <a:prstGeom prst="rightArrow">
@@ -6004,7 +8411,7 @@
           <a:lstStyle/>
           <a:p>
             <a:pPr algn="ctr"/>
-            <a:endParaRPr lang="en-US"/>
+            <a:endParaRPr lang="en-US" dirty="0"/>
           </a:p>
         </p:txBody>
       </p:sp>
@@ -6022,7 +8429,7 @@
         </p:nvSpPr>
         <p:spPr>
           <a:xfrm>
-            <a:off x="7912359" y="1912778"/>
+            <a:off x="7895252" y="1688819"/>
             <a:ext cx="765111" cy="485192"/>
           </a:xfrm>
           <a:prstGeom prst="rightArrow">
@@ -6053,7 +8460,7 @@
           <a:lstStyle/>
           <a:p>
             <a:pPr algn="ctr"/>
-            <a:endParaRPr lang="en-US"/>
+            <a:endParaRPr lang="en-US" dirty="0"/>
           </a:p>
         </p:txBody>
       </p:sp>
@@ -6071,7 +8478,7 @@
         </p:nvSpPr>
         <p:spPr>
           <a:xfrm rot="10800000">
-            <a:off x="7596672" y="4105470"/>
+            <a:off x="7895251" y="3671946"/>
             <a:ext cx="765111" cy="485192"/>
           </a:xfrm>
           <a:prstGeom prst="rightArrow">
@@ -6102,7 +8509,7 @@
           <a:lstStyle/>
           <a:p>
             <a:pPr algn="ctr"/>
-            <a:endParaRPr lang="en-US"/>
+            <a:endParaRPr lang="en-US" dirty="0"/>
           </a:p>
         </p:txBody>
       </p:sp>
@@ -6120,7 +8527,7 @@
         </p:nvSpPr>
         <p:spPr>
           <a:xfrm rot="10800000">
-            <a:off x="3712030" y="4080582"/>
+            <a:off x="3383894" y="3725866"/>
             <a:ext cx="765111" cy="485192"/>
           </a:xfrm>
           <a:prstGeom prst="rightArrow">
@@ -6151,7 +8558,7 @@
           <a:lstStyle/>
           <a:p>
             <a:pPr algn="ctr"/>
-            <a:endParaRPr lang="en-US"/>
+            <a:endParaRPr lang="en-US" dirty="0"/>
           </a:p>
         </p:txBody>
       </p:sp>
@@ -6169,7 +8576,7 @@
         </p:nvSpPr>
         <p:spPr>
           <a:xfrm>
-            <a:off x="3425889" y="5840963"/>
+            <a:off x="3383894" y="5505061"/>
             <a:ext cx="765111" cy="485192"/>
           </a:xfrm>
           <a:prstGeom prst="rightArrow">
@@ -6200,7 +8607,7 @@
           <a:lstStyle/>
           <a:p>
             <a:pPr algn="ctr"/>
-            <a:endParaRPr lang="en-US"/>
+            <a:endParaRPr lang="en-US" dirty="0"/>
           </a:p>
         </p:txBody>
       </p:sp>
@@ -6218,7 +8625,7 @@
         </p:nvSpPr>
         <p:spPr>
           <a:xfrm>
-            <a:off x="7895253" y="5812971"/>
+            <a:off x="7894082" y="5500732"/>
             <a:ext cx="765111" cy="485192"/>
           </a:xfrm>
           <a:prstGeom prst="rightArrow">
@@ -6249,7 +8656,7 @@
           <a:lstStyle/>
           <a:p>
             <a:pPr algn="ctr"/>
-            <a:endParaRPr lang="en-US"/>
+            <a:endParaRPr lang="en-US" dirty="0"/>
           </a:p>
         </p:txBody>
       </p:sp>
@@ -6267,7 +8674,7 @@
         </p:nvSpPr>
         <p:spPr>
           <a:xfrm rot="5400000">
-            <a:off x="1455576" y="4811458"/>
+            <a:off x="1203641" y="4622535"/>
             <a:ext cx="765111" cy="485192"/>
           </a:xfrm>
           <a:prstGeom prst="rightArrow">
@@ -6298,7 +8705,7 @@
           <a:lstStyle/>
           <a:p>
             <a:pPr algn="ctr"/>
-            <a:endParaRPr lang="en-US"/>
+            <a:endParaRPr lang="en-US" dirty="0"/>
           </a:p>
         </p:txBody>
       </p:sp>
@@ -6316,7 +8723,7 @@
         </p:nvSpPr>
         <p:spPr>
           <a:xfrm>
-            <a:off x="777552" y="278570"/>
+            <a:off x="525617" y="157268"/>
             <a:ext cx="6587413" cy="923330"/>
           </a:xfrm>
           <a:prstGeom prst="rect">
@@ -6331,9 +8738,188 @@
           <a:lstStyle/>
           <a:p>
             <a:r>
-              <a:rPr lang="en-US" sz="5400" dirty="0"/>
+              <a:rPr lang="en-US" sz="5400" i="1" u="sng" dirty="0"/>
               <a:t>Workflow:</a:t>
             </a:r>
+          </a:p>
+        </p:txBody>
+      </p:sp>
+      <p:pic>
+        <p:nvPicPr>
+          <p:cNvPr id="26" name="Picture 2" descr="https://image.slidesharecdn.com/ed3b5569-fc5a-4be7-a70f-c7e0cf2fab6b-150908032759-lva1-app6892/95/ncu-formerly-itmu-logo-1-1-638.jpg?cb=1441682911">
+            <a:extLst>
+              <a:ext uri="{FF2B5EF4-FFF2-40B4-BE49-F238E27FC236}">
+                <a16:creationId xmlns:a16="http://schemas.microsoft.com/office/drawing/2014/main" id="{9C915E58-A0E9-43FE-95BF-E24606A4FCED}"/>
+              </a:ext>
+            </a:extLst>
+          </p:cNvPr>
+          <p:cNvPicPr>
+            <a:picLocks noChangeAspect="1" noChangeArrowheads="1"/>
+          </p:cNvPicPr>
+          <p:nvPr/>
+        </p:nvPicPr>
+        <p:blipFill>
+          <a:blip r:embed="rId3">
+            <a:extLst>
+              <a:ext uri="{28A0092B-C50C-407E-A947-70E740481C1C}">
+                <a14:useLocalDpi xmlns:a14="http://schemas.microsoft.com/office/drawing/2010/main" val="0"/>
+              </a:ext>
+            </a:extLst>
+          </a:blip>
+          <a:srcRect/>
+          <a:stretch>
+            <a:fillRect/>
+          </a:stretch>
+        </p:blipFill>
+        <p:spPr bwMode="auto">
+          <a:xfrm>
+            <a:off x="10991460" y="1"/>
+            <a:ext cx="1200539" cy="701882"/>
+          </a:xfrm>
+          <a:prstGeom prst="rect">
+            <a:avLst/>
+          </a:prstGeom>
+          <a:noFill/>
+          <a:extLst>
+            <a:ext uri="{909E8E84-426E-40DD-AFC4-6F175D3DCCD1}">
+              <a14:hiddenFill xmlns:a14="http://schemas.microsoft.com/office/drawing/2010/main">
+                <a:solidFill>
+                  <a:srgbClr val="FFFFFF"/>
+                </a:solidFill>
+              </a14:hiddenFill>
+            </a:ext>
+          </a:extLst>
+        </p:spPr>
+      </p:pic>
+      <p:sp>
+        <p:nvSpPr>
+          <p:cNvPr id="28" name="Date Placeholder 3">
+            <a:extLst>
+              <a:ext uri="{FF2B5EF4-FFF2-40B4-BE49-F238E27FC236}">
+                <a16:creationId xmlns:a16="http://schemas.microsoft.com/office/drawing/2014/main" id="{C8D227D3-BCAC-4633-94EE-B52CA1F43F3A}"/>
+              </a:ext>
+            </a:extLst>
+          </p:cNvPr>
+          <p:cNvSpPr txBox="1">
+            <a:spLocks/>
+          </p:cNvSpPr>
+          <p:nvPr/>
+        </p:nvSpPr>
+        <p:spPr>
+          <a:xfrm>
+            <a:off x="0" y="6491199"/>
+            <a:ext cx="2743200" cy="365125"/>
+          </a:xfrm>
+          <a:prstGeom prst="rect">
+            <a:avLst/>
+          </a:prstGeom>
+        </p:spPr>
+        <p:txBody>
+          <a:bodyPr vert="horz" lIns="91440" tIns="45720" rIns="91440" bIns="45720" rtlCol="0" anchor="ctr"/>
+          <a:lstStyle>
+            <a:defPPr>
+              <a:defRPr lang="en-US"/>
+            </a:defPPr>
+            <a:lvl1pPr marL="0" algn="l" defTabSz="914400" rtl="0" eaLnBrk="1" latinLnBrk="0" hangingPunct="1">
+              <a:defRPr sz="1200" kern="1200">
+                <a:solidFill>
+                  <a:schemeClr val="tx1">
+                    <a:tint val="75000"/>
+                  </a:schemeClr>
+                </a:solidFill>
+                <a:latin typeface="+mn-lt"/>
+                <a:ea typeface="+mn-ea"/>
+                <a:cs typeface="+mn-cs"/>
+              </a:defRPr>
+            </a:lvl1pPr>
+            <a:lvl2pPr marL="457200" algn="l" defTabSz="914400" rtl="0" eaLnBrk="1" latinLnBrk="0" hangingPunct="1">
+              <a:defRPr sz="1800" kern="1200">
+                <a:solidFill>
+                  <a:schemeClr val="tx1"/>
+                </a:solidFill>
+                <a:latin typeface="+mn-lt"/>
+                <a:ea typeface="+mn-ea"/>
+                <a:cs typeface="+mn-cs"/>
+              </a:defRPr>
+            </a:lvl2pPr>
+            <a:lvl3pPr marL="914400" algn="l" defTabSz="914400" rtl="0" eaLnBrk="1" latinLnBrk="0" hangingPunct="1">
+              <a:defRPr sz="1800" kern="1200">
+                <a:solidFill>
+                  <a:schemeClr val="tx1"/>
+                </a:solidFill>
+                <a:latin typeface="+mn-lt"/>
+                <a:ea typeface="+mn-ea"/>
+                <a:cs typeface="+mn-cs"/>
+              </a:defRPr>
+            </a:lvl3pPr>
+            <a:lvl4pPr marL="1371600" algn="l" defTabSz="914400" rtl="0" eaLnBrk="1" latinLnBrk="0" hangingPunct="1">
+              <a:defRPr sz="1800" kern="1200">
+                <a:solidFill>
+                  <a:schemeClr val="tx1"/>
+                </a:solidFill>
+                <a:latin typeface="+mn-lt"/>
+                <a:ea typeface="+mn-ea"/>
+                <a:cs typeface="+mn-cs"/>
+              </a:defRPr>
+            </a:lvl4pPr>
+            <a:lvl5pPr marL="1828800" algn="l" defTabSz="914400" rtl="0" eaLnBrk="1" latinLnBrk="0" hangingPunct="1">
+              <a:defRPr sz="1800" kern="1200">
+                <a:solidFill>
+                  <a:schemeClr val="tx1"/>
+                </a:solidFill>
+                <a:latin typeface="+mn-lt"/>
+                <a:ea typeface="+mn-ea"/>
+                <a:cs typeface="+mn-cs"/>
+              </a:defRPr>
+            </a:lvl5pPr>
+            <a:lvl6pPr marL="2286000" algn="l" defTabSz="914400" rtl="0" eaLnBrk="1" latinLnBrk="0" hangingPunct="1">
+              <a:defRPr sz="1800" kern="1200">
+                <a:solidFill>
+                  <a:schemeClr val="tx1"/>
+                </a:solidFill>
+                <a:latin typeface="+mn-lt"/>
+                <a:ea typeface="+mn-ea"/>
+                <a:cs typeface="+mn-cs"/>
+              </a:defRPr>
+            </a:lvl6pPr>
+            <a:lvl7pPr marL="2743200" algn="l" defTabSz="914400" rtl="0" eaLnBrk="1" latinLnBrk="0" hangingPunct="1">
+              <a:defRPr sz="1800" kern="1200">
+                <a:solidFill>
+                  <a:schemeClr val="tx1"/>
+                </a:solidFill>
+                <a:latin typeface="+mn-lt"/>
+                <a:ea typeface="+mn-ea"/>
+                <a:cs typeface="+mn-cs"/>
+              </a:defRPr>
+            </a:lvl7pPr>
+            <a:lvl8pPr marL="3200400" algn="l" defTabSz="914400" rtl="0" eaLnBrk="1" latinLnBrk="0" hangingPunct="1">
+              <a:defRPr sz="1800" kern="1200">
+                <a:solidFill>
+                  <a:schemeClr val="tx1"/>
+                </a:solidFill>
+                <a:latin typeface="+mn-lt"/>
+                <a:ea typeface="+mn-ea"/>
+                <a:cs typeface="+mn-cs"/>
+              </a:defRPr>
+            </a:lvl8pPr>
+            <a:lvl9pPr marL="3657600" algn="l" defTabSz="914400" rtl="0" eaLnBrk="1" latinLnBrk="0" hangingPunct="1">
+              <a:defRPr sz="1800" kern="1200">
+                <a:solidFill>
+                  <a:schemeClr val="tx1"/>
+                </a:solidFill>
+                <a:latin typeface="+mn-lt"/>
+                <a:ea typeface="+mn-ea"/>
+                <a:cs typeface="+mn-cs"/>
+              </a:defRPr>
+            </a:lvl9pPr>
+          </a:lstStyle>
+          <a:p>
+            <a:fld id="{B69E9AD6-8BEC-47A7-8DB6-67B02ECE5037}" type="datetime4">
+              <a:rPr lang="en-US" smtClean="0"/>
+              <a:pPr/>
+              <a:t>17 February, 2019</a:t>
+            </a:fld>
+            <a:endParaRPr lang="en-US" dirty="0"/>
           </a:p>
         </p:txBody>
       </p:sp>
@@ -6432,7 +9018,7 @@
           <a:lstStyle/>
           <a:p>
             <a:r>
-              <a:rPr lang="en-US" dirty="0"/>
+              <a:rPr lang="en-US" i="1" dirty="0"/>
               <a:t>DoD 1:</a:t>
             </a:r>
             <a:br>
@@ -6481,6 +9067,185 @@
           </a:prstGeom>
         </p:spPr>
       </p:pic>
+      <p:pic>
+        <p:nvPicPr>
+          <p:cNvPr id="7" name="Picture 2" descr="https://image.slidesharecdn.com/ed3b5569-fc5a-4be7-a70f-c7e0cf2fab6b-150908032759-lva1-app6892/95/ncu-formerly-itmu-logo-1-1-638.jpg?cb=1441682911">
+            <a:extLst>
+              <a:ext uri="{FF2B5EF4-FFF2-40B4-BE49-F238E27FC236}">
+                <a16:creationId xmlns:a16="http://schemas.microsoft.com/office/drawing/2014/main" id="{36E254F9-AD69-43CA-AB93-DBB13F9C4F39}"/>
+              </a:ext>
+            </a:extLst>
+          </p:cNvPr>
+          <p:cNvPicPr>
+            <a:picLocks noChangeAspect="1" noChangeArrowheads="1"/>
+          </p:cNvPicPr>
+          <p:nvPr/>
+        </p:nvPicPr>
+        <p:blipFill>
+          <a:blip r:embed="rId4">
+            <a:extLst>
+              <a:ext uri="{28A0092B-C50C-407E-A947-70E740481C1C}">
+                <a14:useLocalDpi xmlns:a14="http://schemas.microsoft.com/office/drawing/2010/main" val="0"/>
+              </a:ext>
+            </a:extLst>
+          </a:blip>
+          <a:srcRect/>
+          <a:stretch>
+            <a:fillRect/>
+          </a:stretch>
+        </p:blipFill>
+        <p:spPr bwMode="auto">
+          <a:xfrm>
+            <a:off x="10991460" y="1"/>
+            <a:ext cx="1200539" cy="701882"/>
+          </a:xfrm>
+          <a:prstGeom prst="rect">
+            <a:avLst/>
+          </a:prstGeom>
+          <a:noFill/>
+          <a:extLst>
+            <a:ext uri="{909E8E84-426E-40DD-AFC4-6F175D3DCCD1}">
+              <a14:hiddenFill xmlns:a14="http://schemas.microsoft.com/office/drawing/2010/main">
+                <a:solidFill>
+                  <a:srgbClr val="FFFFFF"/>
+                </a:solidFill>
+              </a14:hiddenFill>
+            </a:ext>
+          </a:extLst>
+        </p:spPr>
+      </p:pic>
+      <p:sp>
+        <p:nvSpPr>
+          <p:cNvPr id="10" name="Date Placeholder 3">
+            <a:extLst>
+              <a:ext uri="{FF2B5EF4-FFF2-40B4-BE49-F238E27FC236}">
+                <a16:creationId xmlns:a16="http://schemas.microsoft.com/office/drawing/2014/main" id="{CF5ECB5E-9CCF-4F87-B505-6B0EEA7B49DC}"/>
+              </a:ext>
+            </a:extLst>
+          </p:cNvPr>
+          <p:cNvSpPr txBox="1">
+            <a:spLocks/>
+          </p:cNvSpPr>
+          <p:nvPr/>
+        </p:nvSpPr>
+        <p:spPr>
+          <a:xfrm>
+            <a:off x="0" y="6491199"/>
+            <a:ext cx="2743200" cy="365125"/>
+          </a:xfrm>
+          <a:prstGeom prst="rect">
+            <a:avLst/>
+          </a:prstGeom>
+        </p:spPr>
+        <p:txBody>
+          <a:bodyPr vert="horz" lIns="91440" tIns="45720" rIns="91440" bIns="45720" rtlCol="0" anchor="ctr"/>
+          <a:lstStyle>
+            <a:defPPr>
+              <a:defRPr lang="en-US"/>
+            </a:defPPr>
+            <a:lvl1pPr marL="0" algn="l" defTabSz="914400" rtl="0" eaLnBrk="1" latinLnBrk="0" hangingPunct="1">
+              <a:defRPr sz="1200" kern="1200">
+                <a:solidFill>
+                  <a:schemeClr val="tx1">
+                    <a:tint val="75000"/>
+                  </a:schemeClr>
+                </a:solidFill>
+                <a:latin typeface="+mn-lt"/>
+                <a:ea typeface="+mn-ea"/>
+                <a:cs typeface="+mn-cs"/>
+              </a:defRPr>
+            </a:lvl1pPr>
+            <a:lvl2pPr marL="457200" algn="l" defTabSz="914400" rtl="0" eaLnBrk="1" latinLnBrk="0" hangingPunct="1">
+              <a:defRPr sz="1800" kern="1200">
+                <a:solidFill>
+                  <a:schemeClr val="tx1"/>
+                </a:solidFill>
+                <a:latin typeface="+mn-lt"/>
+                <a:ea typeface="+mn-ea"/>
+                <a:cs typeface="+mn-cs"/>
+              </a:defRPr>
+            </a:lvl2pPr>
+            <a:lvl3pPr marL="914400" algn="l" defTabSz="914400" rtl="0" eaLnBrk="1" latinLnBrk="0" hangingPunct="1">
+              <a:defRPr sz="1800" kern="1200">
+                <a:solidFill>
+                  <a:schemeClr val="tx1"/>
+                </a:solidFill>
+                <a:latin typeface="+mn-lt"/>
+                <a:ea typeface="+mn-ea"/>
+                <a:cs typeface="+mn-cs"/>
+              </a:defRPr>
+            </a:lvl3pPr>
+            <a:lvl4pPr marL="1371600" algn="l" defTabSz="914400" rtl="0" eaLnBrk="1" latinLnBrk="0" hangingPunct="1">
+              <a:defRPr sz="1800" kern="1200">
+                <a:solidFill>
+                  <a:schemeClr val="tx1"/>
+                </a:solidFill>
+                <a:latin typeface="+mn-lt"/>
+                <a:ea typeface="+mn-ea"/>
+                <a:cs typeface="+mn-cs"/>
+              </a:defRPr>
+            </a:lvl4pPr>
+            <a:lvl5pPr marL="1828800" algn="l" defTabSz="914400" rtl="0" eaLnBrk="1" latinLnBrk="0" hangingPunct="1">
+              <a:defRPr sz="1800" kern="1200">
+                <a:solidFill>
+                  <a:schemeClr val="tx1"/>
+                </a:solidFill>
+                <a:latin typeface="+mn-lt"/>
+                <a:ea typeface="+mn-ea"/>
+                <a:cs typeface="+mn-cs"/>
+              </a:defRPr>
+            </a:lvl5pPr>
+            <a:lvl6pPr marL="2286000" algn="l" defTabSz="914400" rtl="0" eaLnBrk="1" latinLnBrk="0" hangingPunct="1">
+              <a:defRPr sz="1800" kern="1200">
+                <a:solidFill>
+                  <a:schemeClr val="tx1"/>
+                </a:solidFill>
+                <a:latin typeface="+mn-lt"/>
+                <a:ea typeface="+mn-ea"/>
+                <a:cs typeface="+mn-cs"/>
+              </a:defRPr>
+            </a:lvl6pPr>
+            <a:lvl7pPr marL="2743200" algn="l" defTabSz="914400" rtl="0" eaLnBrk="1" latinLnBrk="0" hangingPunct="1">
+              <a:defRPr sz="1800" kern="1200">
+                <a:solidFill>
+                  <a:schemeClr val="tx1"/>
+                </a:solidFill>
+                <a:latin typeface="+mn-lt"/>
+                <a:ea typeface="+mn-ea"/>
+                <a:cs typeface="+mn-cs"/>
+              </a:defRPr>
+            </a:lvl7pPr>
+            <a:lvl8pPr marL="3200400" algn="l" defTabSz="914400" rtl="0" eaLnBrk="1" latinLnBrk="0" hangingPunct="1">
+              <a:defRPr sz="1800" kern="1200">
+                <a:solidFill>
+                  <a:schemeClr val="tx1"/>
+                </a:solidFill>
+                <a:latin typeface="+mn-lt"/>
+                <a:ea typeface="+mn-ea"/>
+                <a:cs typeface="+mn-cs"/>
+              </a:defRPr>
+            </a:lvl8pPr>
+            <a:lvl9pPr marL="3657600" algn="l" defTabSz="914400" rtl="0" eaLnBrk="1" latinLnBrk="0" hangingPunct="1">
+              <a:defRPr sz="1800" kern="1200">
+                <a:solidFill>
+                  <a:schemeClr val="tx1"/>
+                </a:solidFill>
+                <a:latin typeface="+mn-lt"/>
+                <a:ea typeface="+mn-ea"/>
+                <a:cs typeface="+mn-cs"/>
+              </a:defRPr>
+            </a:lvl9pPr>
+          </a:lstStyle>
+          <a:p>
+            <a:fld id="{B69E9AD6-8BEC-47A7-8DB6-67B02ECE5037}" type="datetime4">
+              <a:rPr lang="en-US" smtClean="0"/>
+              <a:pPr/>
+              <a:t>17 February, 2019</a:t>
+            </a:fld>
+            <a:endParaRPr lang="en-US" dirty="0"/>
+          </a:p>
+        </p:txBody>
+      </p:sp>
     </p:spTree>
     <p:extLst>
       <p:ext uri="{BB962C8B-B14F-4D97-AF65-F5344CB8AC3E}">
@@ -6563,7 +9328,7 @@
         </p:nvSpPr>
         <p:spPr>
           <a:xfrm>
-            <a:off x="931506" y="317241"/>
+            <a:off x="894182" y="149283"/>
             <a:ext cx="10515600" cy="1806963"/>
           </a:xfrm>
           <a:prstGeom prst="rect">
@@ -6595,7 +9360,7 @@
           </a:lstStyle>
           <a:p>
             <a:r>
-              <a:rPr lang="en-US" sz="4800" dirty="0"/>
+              <a:rPr lang="en-US" sz="4800" i="1" dirty="0"/>
               <a:t>DoD 2:</a:t>
             </a:r>
             <a:br>
@@ -6634,7 +9399,7 @@
         </p:blipFill>
         <p:spPr>
           <a:xfrm>
-            <a:off x="889530" y="1765876"/>
+            <a:off x="898861" y="1588590"/>
             <a:ext cx="10599552" cy="4970825"/>
           </a:xfrm>
           <a:prstGeom prst="rect">
@@ -6642,6 +9407,185 @@
           </a:prstGeom>
         </p:spPr>
       </p:pic>
+      <p:pic>
+        <p:nvPicPr>
+          <p:cNvPr id="8" name="Picture 2" descr="https://image.slidesharecdn.com/ed3b5569-fc5a-4be7-a70f-c7e0cf2fab6b-150908032759-lva1-app6892/95/ncu-formerly-itmu-logo-1-1-638.jpg?cb=1441682911">
+            <a:extLst>
+              <a:ext uri="{FF2B5EF4-FFF2-40B4-BE49-F238E27FC236}">
+                <a16:creationId xmlns:a16="http://schemas.microsoft.com/office/drawing/2014/main" id="{4F61EA94-7787-4E67-8831-8FDF4589096F}"/>
+              </a:ext>
+            </a:extLst>
+          </p:cNvPr>
+          <p:cNvPicPr>
+            <a:picLocks noChangeAspect="1" noChangeArrowheads="1"/>
+          </p:cNvPicPr>
+          <p:nvPr/>
+        </p:nvPicPr>
+        <p:blipFill>
+          <a:blip r:embed="rId4">
+            <a:extLst>
+              <a:ext uri="{28A0092B-C50C-407E-A947-70E740481C1C}">
+                <a14:useLocalDpi xmlns:a14="http://schemas.microsoft.com/office/drawing/2010/main" val="0"/>
+              </a:ext>
+            </a:extLst>
+          </a:blip>
+          <a:srcRect/>
+          <a:stretch>
+            <a:fillRect/>
+          </a:stretch>
+        </p:blipFill>
+        <p:spPr bwMode="auto">
+          <a:xfrm>
+            <a:off x="10991460" y="1"/>
+            <a:ext cx="1200539" cy="701882"/>
+          </a:xfrm>
+          <a:prstGeom prst="rect">
+            <a:avLst/>
+          </a:prstGeom>
+          <a:noFill/>
+          <a:extLst>
+            <a:ext uri="{909E8E84-426E-40DD-AFC4-6F175D3DCCD1}">
+              <a14:hiddenFill xmlns:a14="http://schemas.microsoft.com/office/drawing/2010/main">
+                <a:solidFill>
+                  <a:srgbClr val="FFFFFF"/>
+                </a:solidFill>
+              </a14:hiddenFill>
+            </a:ext>
+          </a:extLst>
+        </p:spPr>
+      </p:pic>
+      <p:sp>
+        <p:nvSpPr>
+          <p:cNvPr id="10" name="Date Placeholder 3">
+            <a:extLst>
+              <a:ext uri="{FF2B5EF4-FFF2-40B4-BE49-F238E27FC236}">
+                <a16:creationId xmlns:a16="http://schemas.microsoft.com/office/drawing/2014/main" id="{A64ECBEC-B25F-4F86-9EAA-9D89C1B487AE}"/>
+              </a:ext>
+            </a:extLst>
+          </p:cNvPr>
+          <p:cNvSpPr txBox="1">
+            <a:spLocks/>
+          </p:cNvSpPr>
+          <p:nvPr/>
+        </p:nvSpPr>
+        <p:spPr>
+          <a:xfrm>
+            <a:off x="0" y="6491199"/>
+            <a:ext cx="2743200" cy="365125"/>
+          </a:xfrm>
+          <a:prstGeom prst="rect">
+            <a:avLst/>
+          </a:prstGeom>
+        </p:spPr>
+        <p:txBody>
+          <a:bodyPr vert="horz" lIns="91440" tIns="45720" rIns="91440" bIns="45720" rtlCol="0" anchor="ctr"/>
+          <a:lstStyle>
+            <a:defPPr>
+              <a:defRPr lang="en-US"/>
+            </a:defPPr>
+            <a:lvl1pPr marL="0" algn="l" defTabSz="914400" rtl="0" eaLnBrk="1" latinLnBrk="0" hangingPunct="1">
+              <a:defRPr sz="1200" kern="1200">
+                <a:solidFill>
+                  <a:schemeClr val="tx1">
+                    <a:tint val="75000"/>
+                  </a:schemeClr>
+                </a:solidFill>
+                <a:latin typeface="+mn-lt"/>
+                <a:ea typeface="+mn-ea"/>
+                <a:cs typeface="+mn-cs"/>
+              </a:defRPr>
+            </a:lvl1pPr>
+            <a:lvl2pPr marL="457200" algn="l" defTabSz="914400" rtl="0" eaLnBrk="1" latinLnBrk="0" hangingPunct="1">
+              <a:defRPr sz="1800" kern="1200">
+                <a:solidFill>
+                  <a:schemeClr val="tx1"/>
+                </a:solidFill>
+                <a:latin typeface="+mn-lt"/>
+                <a:ea typeface="+mn-ea"/>
+                <a:cs typeface="+mn-cs"/>
+              </a:defRPr>
+            </a:lvl2pPr>
+            <a:lvl3pPr marL="914400" algn="l" defTabSz="914400" rtl="0" eaLnBrk="1" latinLnBrk="0" hangingPunct="1">
+              <a:defRPr sz="1800" kern="1200">
+                <a:solidFill>
+                  <a:schemeClr val="tx1"/>
+                </a:solidFill>
+                <a:latin typeface="+mn-lt"/>
+                <a:ea typeface="+mn-ea"/>
+                <a:cs typeface="+mn-cs"/>
+              </a:defRPr>
+            </a:lvl3pPr>
+            <a:lvl4pPr marL="1371600" algn="l" defTabSz="914400" rtl="0" eaLnBrk="1" latinLnBrk="0" hangingPunct="1">
+              <a:defRPr sz="1800" kern="1200">
+                <a:solidFill>
+                  <a:schemeClr val="tx1"/>
+                </a:solidFill>
+                <a:latin typeface="+mn-lt"/>
+                <a:ea typeface="+mn-ea"/>
+                <a:cs typeface="+mn-cs"/>
+              </a:defRPr>
+            </a:lvl4pPr>
+            <a:lvl5pPr marL="1828800" algn="l" defTabSz="914400" rtl="0" eaLnBrk="1" latinLnBrk="0" hangingPunct="1">
+              <a:defRPr sz="1800" kern="1200">
+                <a:solidFill>
+                  <a:schemeClr val="tx1"/>
+                </a:solidFill>
+                <a:latin typeface="+mn-lt"/>
+                <a:ea typeface="+mn-ea"/>
+                <a:cs typeface="+mn-cs"/>
+              </a:defRPr>
+            </a:lvl5pPr>
+            <a:lvl6pPr marL="2286000" algn="l" defTabSz="914400" rtl="0" eaLnBrk="1" latinLnBrk="0" hangingPunct="1">
+              <a:defRPr sz="1800" kern="1200">
+                <a:solidFill>
+                  <a:schemeClr val="tx1"/>
+                </a:solidFill>
+                <a:latin typeface="+mn-lt"/>
+                <a:ea typeface="+mn-ea"/>
+                <a:cs typeface="+mn-cs"/>
+              </a:defRPr>
+            </a:lvl6pPr>
+            <a:lvl7pPr marL="2743200" algn="l" defTabSz="914400" rtl="0" eaLnBrk="1" latinLnBrk="0" hangingPunct="1">
+              <a:defRPr sz="1800" kern="1200">
+                <a:solidFill>
+                  <a:schemeClr val="tx1"/>
+                </a:solidFill>
+                <a:latin typeface="+mn-lt"/>
+                <a:ea typeface="+mn-ea"/>
+                <a:cs typeface="+mn-cs"/>
+              </a:defRPr>
+            </a:lvl7pPr>
+            <a:lvl8pPr marL="3200400" algn="l" defTabSz="914400" rtl="0" eaLnBrk="1" latinLnBrk="0" hangingPunct="1">
+              <a:defRPr sz="1800" kern="1200">
+                <a:solidFill>
+                  <a:schemeClr val="tx1"/>
+                </a:solidFill>
+                <a:latin typeface="+mn-lt"/>
+                <a:ea typeface="+mn-ea"/>
+                <a:cs typeface="+mn-cs"/>
+              </a:defRPr>
+            </a:lvl8pPr>
+            <a:lvl9pPr marL="3657600" algn="l" defTabSz="914400" rtl="0" eaLnBrk="1" latinLnBrk="0" hangingPunct="1">
+              <a:defRPr sz="1800" kern="1200">
+                <a:solidFill>
+                  <a:schemeClr val="tx1"/>
+                </a:solidFill>
+                <a:latin typeface="+mn-lt"/>
+                <a:ea typeface="+mn-ea"/>
+                <a:cs typeface="+mn-cs"/>
+              </a:defRPr>
+            </a:lvl9pPr>
+          </a:lstStyle>
+          <a:p>
+            <a:fld id="{B69E9AD6-8BEC-47A7-8DB6-67B02ECE5037}" type="datetime4">
+              <a:rPr lang="en-US" smtClean="0"/>
+              <a:pPr/>
+              <a:t>17 February, 2019</a:t>
+            </a:fld>
+            <a:endParaRPr lang="en-US" dirty="0"/>
+          </a:p>
+        </p:txBody>
+      </p:sp>
     </p:spTree>
     <p:extLst>
       <p:ext uri="{BB962C8B-B14F-4D97-AF65-F5344CB8AC3E}">
@@ -6784,6 +9728,185 @@
           </a:prstGeom>
         </p:spPr>
       </p:pic>
+      <p:pic>
+        <p:nvPicPr>
+          <p:cNvPr id="7" name="Picture 2" descr="https://image.slidesharecdn.com/ed3b5569-fc5a-4be7-a70f-c7e0cf2fab6b-150908032759-lva1-app6892/95/ncu-formerly-itmu-logo-1-1-638.jpg?cb=1441682911">
+            <a:extLst>
+              <a:ext uri="{FF2B5EF4-FFF2-40B4-BE49-F238E27FC236}">
+                <a16:creationId xmlns:a16="http://schemas.microsoft.com/office/drawing/2014/main" id="{624202A6-C147-4317-AC60-255ADDC423DF}"/>
+              </a:ext>
+            </a:extLst>
+          </p:cNvPr>
+          <p:cNvPicPr>
+            <a:picLocks noChangeAspect="1" noChangeArrowheads="1"/>
+          </p:cNvPicPr>
+          <p:nvPr/>
+        </p:nvPicPr>
+        <p:blipFill>
+          <a:blip r:embed="rId4">
+            <a:extLst>
+              <a:ext uri="{28A0092B-C50C-407E-A947-70E740481C1C}">
+                <a14:useLocalDpi xmlns:a14="http://schemas.microsoft.com/office/drawing/2010/main" val="0"/>
+              </a:ext>
+            </a:extLst>
+          </a:blip>
+          <a:srcRect/>
+          <a:stretch>
+            <a:fillRect/>
+          </a:stretch>
+        </p:blipFill>
+        <p:spPr bwMode="auto">
+          <a:xfrm>
+            <a:off x="10991460" y="1"/>
+            <a:ext cx="1200539" cy="701882"/>
+          </a:xfrm>
+          <a:prstGeom prst="rect">
+            <a:avLst/>
+          </a:prstGeom>
+          <a:noFill/>
+          <a:extLst>
+            <a:ext uri="{909E8E84-426E-40DD-AFC4-6F175D3DCCD1}">
+              <a14:hiddenFill xmlns:a14="http://schemas.microsoft.com/office/drawing/2010/main">
+                <a:solidFill>
+                  <a:srgbClr val="FFFFFF"/>
+                </a:solidFill>
+              </a14:hiddenFill>
+            </a:ext>
+          </a:extLst>
+        </p:spPr>
+      </p:pic>
+      <p:sp>
+        <p:nvSpPr>
+          <p:cNvPr id="10" name="Date Placeholder 3">
+            <a:extLst>
+              <a:ext uri="{FF2B5EF4-FFF2-40B4-BE49-F238E27FC236}">
+                <a16:creationId xmlns:a16="http://schemas.microsoft.com/office/drawing/2014/main" id="{F0363E8B-57D7-4561-A8A7-FFE3EFEA5929}"/>
+              </a:ext>
+            </a:extLst>
+          </p:cNvPr>
+          <p:cNvSpPr txBox="1">
+            <a:spLocks/>
+          </p:cNvSpPr>
+          <p:nvPr/>
+        </p:nvSpPr>
+        <p:spPr>
+          <a:xfrm>
+            <a:off x="0" y="6491199"/>
+            <a:ext cx="2743200" cy="365125"/>
+          </a:xfrm>
+          <a:prstGeom prst="rect">
+            <a:avLst/>
+          </a:prstGeom>
+        </p:spPr>
+        <p:txBody>
+          <a:bodyPr vert="horz" lIns="91440" tIns="45720" rIns="91440" bIns="45720" rtlCol="0" anchor="ctr"/>
+          <a:lstStyle>
+            <a:defPPr>
+              <a:defRPr lang="en-US"/>
+            </a:defPPr>
+            <a:lvl1pPr marL="0" algn="l" defTabSz="914400" rtl="0" eaLnBrk="1" latinLnBrk="0" hangingPunct="1">
+              <a:defRPr sz="1200" kern="1200">
+                <a:solidFill>
+                  <a:schemeClr val="tx1">
+                    <a:tint val="75000"/>
+                  </a:schemeClr>
+                </a:solidFill>
+                <a:latin typeface="+mn-lt"/>
+                <a:ea typeface="+mn-ea"/>
+                <a:cs typeface="+mn-cs"/>
+              </a:defRPr>
+            </a:lvl1pPr>
+            <a:lvl2pPr marL="457200" algn="l" defTabSz="914400" rtl="0" eaLnBrk="1" latinLnBrk="0" hangingPunct="1">
+              <a:defRPr sz="1800" kern="1200">
+                <a:solidFill>
+                  <a:schemeClr val="tx1"/>
+                </a:solidFill>
+                <a:latin typeface="+mn-lt"/>
+                <a:ea typeface="+mn-ea"/>
+                <a:cs typeface="+mn-cs"/>
+              </a:defRPr>
+            </a:lvl2pPr>
+            <a:lvl3pPr marL="914400" algn="l" defTabSz="914400" rtl="0" eaLnBrk="1" latinLnBrk="0" hangingPunct="1">
+              <a:defRPr sz="1800" kern="1200">
+                <a:solidFill>
+                  <a:schemeClr val="tx1"/>
+                </a:solidFill>
+                <a:latin typeface="+mn-lt"/>
+                <a:ea typeface="+mn-ea"/>
+                <a:cs typeface="+mn-cs"/>
+              </a:defRPr>
+            </a:lvl3pPr>
+            <a:lvl4pPr marL="1371600" algn="l" defTabSz="914400" rtl="0" eaLnBrk="1" latinLnBrk="0" hangingPunct="1">
+              <a:defRPr sz="1800" kern="1200">
+                <a:solidFill>
+                  <a:schemeClr val="tx1"/>
+                </a:solidFill>
+                <a:latin typeface="+mn-lt"/>
+                <a:ea typeface="+mn-ea"/>
+                <a:cs typeface="+mn-cs"/>
+              </a:defRPr>
+            </a:lvl4pPr>
+            <a:lvl5pPr marL="1828800" algn="l" defTabSz="914400" rtl="0" eaLnBrk="1" latinLnBrk="0" hangingPunct="1">
+              <a:defRPr sz="1800" kern="1200">
+                <a:solidFill>
+                  <a:schemeClr val="tx1"/>
+                </a:solidFill>
+                <a:latin typeface="+mn-lt"/>
+                <a:ea typeface="+mn-ea"/>
+                <a:cs typeface="+mn-cs"/>
+              </a:defRPr>
+            </a:lvl5pPr>
+            <a:lvl6pPr marL="2286000" algn="l" defTabSz="914400" rtl="0" eaLnBrk="1" latinLnBrk="0" hangingPunct="1">
+              <a:defRPr sz="1800" kern="1200">
+                <a:solidFill>
+                  <a:schemeClr val="tx1"/>
+                </a:solidFill>
+                <a:latin typeface="+mn-lt"/>
+                <a:ea typeface="+mn-ea"/>
+                <a:cs typeface="+mn-cs"/>
+              </a:defRPr>
+            </a:lvl6pPr>
+            <a:lvl7pPr marL="2743200" algn="l" defTabSz="914400" rtl="0" eaLnBrk="1" latinLnBrk="0" hangingPunct="1">
+              <a:defRPr sz="1800" kern="1200">
+                <a:solidFill>
+                  <a:schemeClr val="tx1"/>
+                </a:solidFill>
+                <a:latin typeface="+mn-lt"/>
+                <a:ea typeface="+mn-ea"/>
+                <a:cs typeface="+mn-cs"/>
+              </a:defRPr>
+            </a:lvl7pPr>
+            <a:lvl8pPr marL="3200400" algn="l" defTabSz="914400" rtl="0" eaLnBrk="1" latinLnBrk="0" hangingPunct="1">
+              <a:defRPr sz="1800" kern="1200">
+                <a:solidFill>
+                  <a:schemeClr val="tx1"/>
+                </a:solidFill>
+                <a:latin typeface="+mn-lt"/>
+                <a:ea typeface="+mn-ea"/>
+                <a:cs typeface="+mn-cs"/>
+              </a:defRPr>
+            </a:lvl8pPr>
+            <a:lvl9pPr marL="3657600" algn="l" defTabSz="914400" rtl="0" eaLnBrk="1" latinLnBrk="0" hangingPunct="1">
+              <a:defRPr sz="1800" kern="1200">
+                <a:solidFill>
+                  <a:schemeClr val="tx1"/>
+                </a:solidFill>
+                <a:latin typeface="+mn-lt"/>
+                <a:ea typeface="+mn-ea"/>
+                <a:cs typeface="+mn-cs"/>
+              </a:defRPr>
+            </a:lvl9pPr>
+          </a:lstStyle>
+          <a:p>
+            <a:fld id="{B69E9AD6-8BEC-47A7-8DB6-67B02ECE5037}" type="datetime4">
+              <a:rPr lang="en-US" smtClean="0"/>
+              <a:pPr/>
+              <a:t>17 February, 2019</a:t>
+            </a:fld>
+            <a:endParaRPr lang="en-US" dirty="0"/>
+          </a:p>
+        </p:txBody>
+      </p:sp>
     </p:spTree>
     <p:extLst>
       <p:ext uri="{BB962C8B-B14F-4D97-AF65-F5344CB8AC3E}">
@@ -6866,7 +9989,12 @@
             <p:ph type="title"/>
           </p:nvPr>
         </p:nvSpPr>
-        <p:spPr/>
+        <p:spPr>
+          <a:xfrm>
+            <a:off x="838200" y="113202"/>
+            <a:ext cx="10515600" cy="1325563"/>
+          </a:xfrm>
+        </p:spPr>
         <p:txBody>
           <a:bodyPr>
             <a:normAutofit fontScale="90000"/>
@@ -6910,7 +10038,7 @@
         </p:blipFill>
         <p:spPr>
           <a:xfrm>
-            <a:off x="1066022" y="1762847"/>
+            <a:off x="1066022" y="1548234"/>
             <a:ext cx="10059955" cy="4979435"/>
           </a:xfrm>
           <a:prstGeom prst="rect">
@@ -6918,6 +10046,185 @@
           </a:prstGeom>
         </p:spPr>
       </p:pic>
+      <p:pic>
+        <p:nvPicPr>
+          <p:cNvPr id="7" name="Picture 2" descr="https://image.slidesharecdn.com/ed3b5569-fc5a-4be7-a70f-c7e0cf2fab6b-150908032759-lva1-app6892/95/ncu-formerly-itmu-logo-1-1-638.jpg?cb=1441682911">
+            <a:extLst>
+              <a:ext uri="{FF2B5EF4-FFF2-40B4-BE49-F238E27FC236}">
+                <a16:creationId xmlns:a16="http://schemas.microsoft.com/office/drawing/2014/main" id="{66868E08-7D66-4E03-BE84-3256366E965F}"/>
+              </a:ext>
+            </a:extLst>
+          </p:cNvPr>
+          <p:cNvPicPr>
+            <a:picLocks noChangeAspect="1" noChangeArrowheads="1"/>
+          </p:cNvPicPr>
+          <p:nvPr/>
+        </p:nvPicPr>
+        <p:blipFill>
+          <a:blip r:embed="rId4">
+            <a:extLst>
+              <a:ext uri="{28A0092B-C50C-407E-A947-70E740481C1C}">
+                <a14:useLocalDpi xmlns:a14="http://schemas.microsoft.com/office/drawing/2010/main" val="0"/>
+              </a:ext>
+            </a:extLst>
+          </a:blip>
+          <a:srcRect/>
+          <a:stretch>
+            <a:fillRect/>
+          </a:stretch>
+        </p:blipFill>
+        <p:spPr bwMode="auto">
+          <a:xfrm>
+            <a:off x="10991460" y="1"/>
+            <a:ext cx="1200539" cy="701882"/>
+          </a:xfrm>
+          <a:prstGeom prst="rect">
+            <a:avLst/>
+          </a:prstGeom>
+          <a:noFill/>
+          <a:extLst>
+            <a:ext uri="{909E8E84-426E-40DD-AFC4-6F175D3DCCD1}">
+              <a14:hiddenFill xmlns:a14="http://schemas.microsoft.com/office/drawing/2010/main">
+                <a:solidFill>
+                  <a:srgbClr val="FFFFFF"/>
+                </a:solidFill>
+              </a14:hiddenFill>
+            </a:ext>
+          </a:extLst>
+        </p:spPr>
+      </p:pic>
+      <p:sp>
+        <p:nvSpPr>
+          <p:cNvPr id="10" name="Date Placeholder 3">
+            <a:extLst>
+              <a:ext uri="{FF2B5EF4-FFF2-40B4-BE49-F238E27FC236}">
+                <a16:creationId xmlns:a16="http://schemas.microsoft.com/office/drawing/2014/main" id="{1F16752A-8126-415C-B461-6601B6A78E00}"/>
+              </a:ext>
+            </a:extLst>
+          </p:cNvPr>
+          <p:cNvSpPr txBox="1">
+            <a:spLocks/>
+          </p:cNvSpPr>
+          <p:nvPr/>
+        </p:nvSpPr>
+        <p:spPr>
+          <a:xfrm>
+            <a:off x="0" y="6491199"/>
+            <a:ext cx="2743200" cy="365125"/>
+          </a:xfrm>
+          <a:prstGeom prst="rect">
+            <a:avLst/>
+          </a:prstGeom>
+        </p:spPr>
+        <p:txBody>
+          <a:bodyPr vert="horz" lIns="91440" tIns="45720" rIns="91440" bIns="45720" rtlCol="0" anchor="ctr"/>
+          <a:lstStyle>
+            <a:defPPr>
+              <a:defRPr lang="en-US"/>
+            </a:defPPr>
+            <a:lvl1pPr marL="0" algn="l" defTabSz="914400" rtl="0" eaLnBrk="1" latinLnBrk="0" hangingPunct="1">
+              <a:defRPr sz="1200" kern="1200">
+                <a:solidFill>
+                  <a:schemeClr val="tx1">
+                    <a:tint val="75000"/>
+                  </a:schemeClr>
+                </a:solidFill>
+                <a:latin typeface="+mn-lt"/>
+                <a:ea typeface="+mn-ea"/>
+                <a:cs typeface="+mn-cs"/>
+              </a:defRPr>
+            </a:lvl1pPr>
+            <a:lvl2pPr marL="457200" algn="l" defTabSz="914400" rtl="0" eaLnBrk="1" latinLnBrk="0" hangingPunct="1">
+              <a:defRPr sz="1800" kern="1200">
+                <a:solidFill>
+                  <a:schemeClr val="tx1"/>
+                </a:solidFill>
+                <a:latin typeface="+mn-lt"/>
+                <a:ea typeface="+mn-ea"/>
+                <a:cs typeface="+mn-cs"/>
+              </a:defRPr>
+            </a:lvl2pPr>
+            <a:lvl3pPr marL="914400" algn="l" defTabSz="914400" rtl="0" eaLnBrk="1" latinLnBrk="0" hangingPunct="1">
+              <a:defRPr sz="1800" kern="1200">
+                <a:solidFill>
+                  <a:schemeClr val="tx1"/>
+                </a:solidFill>
+                <a:latin typeface="+mn-lt"/>
+                <a:ea typeface="+mn-ea"/>
+                <a:cs typeface="+mn-cs"/>
+              </a:defRPr>
+            </a:lvl3pPr>
+            <a:lvl4pPr marL="1371600" algn="l" defTabSz="914400" rtl="0" eaLnBrk="1" latinLnBrk="0" hangingPunct="1">
+              <a:defRPr sz="1800" kern="1200">
+                <a:solidFill>
+                  <a:schemeClr val="tx1"/>
+                </a:solidFill>
+                <a:latin typeface="+mn-lt"/>
+                <a:ea typeface="+mn-ea"/>
+                <a:cs typeface="+mn-cs"/>
+              </a:defRPr>
+            </a:lvl4pPr>
+            <a:lvl5pPr marL="1828800" algn="l" defTabSz="914400" rtl="0" eaLnBrk="1" latinLnBrk="0" hangingPunct="1">
+              <a:defRPr sz="1800" kern="1200">
+                <a:solidFill>
+                  <a:schemeClr val="tx1"/>
+                </a:solidFill>
+                <a:latin typeface="+mn-lt"/>
+                <a:ea typeface="+mn-ea"/>
+                <a:cs typeface="+mn-cs"/>
+              </a:defRPr>
+            </a:lvl5pPr>
+            <a:lvl6pPr marL="2286000" algn="l" defTabSz="914400" rtl="0" eaLnBrk="1" latinLnBrk="0" hangingPunct="1">
+              <a:defRPr sz="1800" kern="1200">
+                <a:solidFill>
+                  <a:schemeClr val="tx1"/>
+                </a:solidFill>
+                <a:latin typeface="+mn-lt"/>
+                <a:ea typeface="+mn-ea"/>
+                <a:cs typeface="+mn-cs"/>
+              </a:defRPr>
+            </a:lvl6pPr>
+            <a:lvl7pPr marL="2743200" algn="l" defTabSz="914400" rtl="0" eaLnBrk="1" latinLnBrk="0" hangingPunct="1">
+              <a:defRPr sz="1800" kern="1200">
+                <a:solidFill>
+                  <a:schemeClr val="tx1"/>
+                </a:solidFill>
+                <a:latin typeface="+mn-lt"/>
+                <a:ea typeface="+mn-ea"/>
+                <a:cs typeface="+mn-cs"/>
+              </a:defRPr>
+            </a:lvl7pPr>
+            <a:lvl8pPr marL="3200400" algn="l" defTabSz="914400" rtl="0" eaLnBrk="1" latinLnBrk="0" hangingPunct="1">
+              <a:defRPr sz="1800" kern="1200">
+                <a:solidFill>
+                  <a:schemeClr val="tx1"/>
+                </a:solidFill>
+                <a:latin typeface="+mn-lt"/>
+                <a:ea typeface="+mn-ea"/>
+                <a:cs typeface="+mn-cs"/>
+              </a:defRPr>
+            </a:lvl8pPr>
+            <a:lvl9pPr marL="3657600" algn="l" defTabSz="914400" rtl="0" eaLnBrk="1" latinLnBrk="0" hangingPunct="1">
+              <a:defRPr sz="1800" kern="1200">
+                <a:solidFill>
+                  <a:schemeClr val="tx1"/>
+                </a:solidFill>
+                <a:latin typeface="+mn-lt"/>
+                <a:ea typeface="+mn-ea"/>
+                <a:cs typeface="+mn-cs"/>
+              </a:defRPr>
+            </a:lvl9pPr>
+          </a:lstStyle>
+          <a:p>
+            <a:fld id="{B69E9AD6-8BEC-47A7-8DB6-67B02ECE5037}" type="datetime4">
+              <a:rPr lang="en-US" smtClean="0"/>
+              <a:pPr/>
+              <a:t>17 February, 2019</a:t>
+            </a:fld>
+            <a:endParaRPr lang="en-US" dirty="0"/>
+          </a:p>
+        </p:txBody>
+      </p:sp>
     </p:spTree>
     <p:extLst>
       <p:ext uri="{BB962C8B-B14F-4D97-AF65-F5344CB8AC3E}">
@@ -7224,4 +10531,299 @@
     </a:ext>
   </a:extLst>
 </a:theme>
+</file>
+
+<file path=ppt/theme/theme2.xml><?xml version="1.0" encoding="utf-8"?>
+<a:theme xmlns:a="http://schemas.openxmlformats.org/drawingml/2006/main" name="Office Theme">
+  <a:themeElements>
+    <a:clrScheme name="Office">
+      <a:dk1>
+        <a:sysClr val="windowText" lastClr="000000"/>
+      </a:dk1>
+      <a:lt1>
+        <a:sysClr val="window" lastClr="FFFFFF"/>
+      </a:lt1>
+      <a:dk2>
+        <a:srgbClr val="44546A"/>
+      </a:dk2>
+      <a:lt2>
+        <a:srgbClr val="E7E6E6"/>
+      </a:lt2>
+      <a:accent1>
+        <a:srgbClr val="4472C4"/>
+      </a:accent1>
+      <a:accent2>
+        <a:srgbClr val="ED7D31"/>
+      </a:accent2>
+      <a:accent3>
+        <a:srgbClr val="A5A5A5"/>
+      </a:accent3>
+      <a:accent4>
+        <a:srgbClr val="FFC000"/>
+      </a:accent4>
+      <a:accent5>
+        <a:srgbClr val="5B9BD5"/>
+      </a:accent5>
+      <a:accent6>
+        <a:srgbClr val="70AD47"/>
+      </a:accent6>
+      <a:hlink>
+        <a:srgbClr val="0563C1"/>
+      </a:hlink>
+      <a:folHlink>
+        <a:srgbClr val="954F72"/>
+      </a:folHlink>
+    </a:clrScheme>
+    <a:fontScheme name="Office">
+      <a:majorFont>
+        <a:latin typeface="Calibri Light" panose="020F0302020204030204"/>
+        <a:ea typeface=""/>
+        <a:cs typeface=""/>
+        <a:font script="Jpan" typeface="游ゴシック Light"/>
+        <a:font script="Hang" typeface="맑은 고딕"/>
+        <a:font script="Hans" typeface="等线 Light"/>
+        <a:font script="Hant" typeface="新細明體"/>
+        <a:font script="Arab" typeface="Times New Roman"/>
+        <a:font script="Hebr" typeface="Times New Roman"/>
+        <a:font script="Thai" typeface="Angsana New"/>
+        <a:font script="Ethi" typeface="Nyala"/>
+        <a:font script="Beng" typeface="Vrinda"/>
+        <a:font script="Gujr" typeface="Shruti"/>
+        <a:font script="Khmr" typeface="MoolBoran"/>
+        <a:font script="Knda" typeface="Tunga"/>
+        <a:font script="Guru" typeface="Raavi"/>
+        <a:font script="Cans" typeface="Euphemia"/>
+        <a:font script="Cher" typeface="Plantagenet Cherokee"/>
+        <a:font script="Yiii" typeface="Microsoft Yi Baiti"/>
+        <a:font script="Tibt" typeface="Microsoft Himalaya"/>
+        <a:font script="Thaa" typeface="MV Boli"/>
+        <a:font script="Deva" typeface="Mangal"/>
+        <a:font script="Telu" typeface="Gautami"/>
+        <a:font script="Taml" typeface="Latha"/>
+        <a:font script="Syrc" typeface="Estrangelo Edessa"/>
+        <a:font script="Orya" typeface="Kalinga"/>
+        <a:font script="Mlym" typeface="Kartika"/>
+        <a:font script="Laoo" typeface="DokChampa"/>
+        <a:font script="Sinh" typeface="Iskoola Pota"/>
+        <a:font script="Mong" typeface="Mongolian Baiti"/>
+        <a:font script="Viet" typeface="Times New Roman"/>
+        <a:font script="Uigh" typeface="Microsoft Uighur"/>
+        <a:font script="Geor" typeface="Sylfaen"/>
+        <a:font script="Armn" typeface="Arial"/>
+        <a:font script="Bugi" typeface="Leelawadee UI"/>
+        <a:font script="Bopo" typeface="Microsoft JhengHei"/>
+        <a:font script="Java" typeface="Javanese Text"/>
+        <a:font script="Lisu" typeface="Segoe UI"/>
+        <a:font script="Mymr" typeface="Myanmar Text"/>
+        <a:font script="Nkoo" typeface="Ebrima"/>
+        <a:font script="Olck" typeface="Nirmala UI"/>
+        <a:font script="Osma" typeface="Ebrima"/>
+        <a:font script="Phag" typeface="Phagspa"/>
+        <a:font script="Syrn" typeface="Estrangelo Edessa"/>
+        <a:font script="Syrj" typeface="Estrangelo Edessa"/>
+        <a:font script="Syre" typeface="Estrangelo Edessa"/>
+        <a:font script="Sora" typeface="Nirmala UI"/>
+        <a:font script="Tale" typeface="Microsoft Tai Le"/>
+        <a:font script="Talu" typeface="Microsoft New Tai Lue"/>
+        <a:font script="Tfng" typeface="Ebrima"/>
+      </a:majorFont>
+      <a:minorFont>
+        <a:latin typeface="Calibri" panose="020F0502020204030204"/>
+        <a:ea typeface=""/>
+        <a:cs typeface=""/>
+        <a:font script="Jpan" typeface="游ゴシック"/>
+        <a:font script="Hang" typeface="맑은 고딕"/>
+        <a:font script="Hans" typeface="等线"/>
+        <a:font script="Hant" typeface="新細明體"/>
+        <a:font script="Arab" typeface="Arial"/>
+        <a:font script="Hebr" typeface="Arial"/>
+        <a:font script="Thai" typeface="Cordia New"/>
+        <a:font script="Ethi" typeface="Nyala"/>
+        <a:font script="Beng" typeface="Vrinda"/>
+        <a:font script="Gujr" typeface="Shruti"/>
+        <a:font script="Khmr" typeface="DaunPenh"/>
+        <a:font script="Knda" typeface="Tunga"/>
+        <a:font script="Guru" typeface="Raavi"/>
+        <a:font script="Cans" typeface="Euphemia"/>
+        <a:font script="Cher" typeface="Plantagenet Cherokee"/>
+        <a:font script="Yiii" typeface="Microsoft Yi Baiti"/>
+        <a:font script="Tibt" typeface="Microsoft Himalaya"/>
+        <a:font script="Thaa" typeface="MV Boli"/>
+        <a:font script="Deva" typeface="Mangal"/>
+        <a:font script="Telu" typeface="Gautami"/>
+        <a:font script="Taml" typeface="Latha"/>
+        <a:font script="Syrc" typeface="Estrangelo Edessa"/>
+        <a:font script="Orya" typeface="Kalinga"/>
+        <a:font script="Mlym" typeface="Kartika"/>
+        <a:font script="Laoo" typeface="DokChampa"/>
+        <a:font script="Sinh" typeface="Iskoola Pota"/>
+        <a:font script="Mong" typeface="Mongolian Baiti"/>
+        <a:font script="Viet" typeface="Arial"/>
+        <a:font script="Uigh" typeface="Microsoft Uighur"/>
+        <a:font script="Geor" typeface="Sylfaen"/>
+        <a:font script="Armn" typeface="Arial"/>
+        <a:font script="Bugi" typeface="Leelawadee UI"/>
+        <a:font script="Bopo" typeface="Microsoft JhengHei"/>
+        <a:font script="Java" typeface="Javanese Text"/>
+        <a:font script="Lisu" typeface="Segoe UI"/>
+        <a:font script="Mymr" typeface="Myanmar Text"/>
+        <a:font script="Nkoo" typeface="Ebrima"/>
+        <a:font script="Olck" typeface="Nirmala UI"/>
+        <a:font script="Osma" typeface="Ebrima"/>
+        <a:font script="Phag" typeface="Phagspa"/>
+        <a:font script="Syrn" typeface="Estrangelo Edessa"/>
+        <a:font script="Syrj" typeface="Estrangelo Edessa"/>
+        <a:font script="Syre" typeface="Estrangelo Edessa"/>
+        <a:font script="Sora" typeface="Nirmala UI"/>
+        <a:font script="Tale" typeface="Microsoft Tai Le"/>
+        <a:font script="Talu" typeface="Microsoft New Tai Lue"/>
+        <a:font script="Tfng" typeface="Ebrima"/>
+      </a:minorFont>
+    </a:fontScheme>
+    <a:fmtScheme name="Office">
+      <a:fillStyleLst>
+        <a:solidFill>
+          <a:schemeClr val="phClr"/>
+        </a:solidFill>
+        <a:gradFill rotWithShape="1">
+          <a:gsLst>
+            <a:gs pos="0">
+              <a:schemeClr val="phClr">
+                <a:lumMod val="110000"/>
+                <a:satMod val="105000"/>
+                <a:tint val="67000"/>
+              </a:schemeClr>
+            </a:gs>
+            <a:gs pos="50000">
+              <a:schemeClr val="phClr">
+                <a:lumMod val="105000"/>
+                <a:satMod val="103000"/>
+                <a:tint val="73000"/>
+              </a:schemeClr>
+            </a:gs>
+            <a:gs pos="100000">
+              <a:schemeClr val="phClr">
+                <a:lumMod val="105000"/>
+                <a:satMod val="109000"/>
+                <a:tint val="81000"/>
+              </a:schemeClr>
+            </a:gs>
+          </a:gsLst>
+          <a:lin ang="5400000" scaled="0"/>
+        </a:gradFill>
+        <a:gradFill rotWithShape="1">
+          <a:gsLst>
+            <a:gs pos="0">
+              <a:schemeClr val="phClr">
+                <a:satMod val="103000"/>
+                <a:lumMod val="102000"/>
+                <a:tint val="94000"/>
+              </a:schemeClr>
+            </a:gs>
+            <a:gs pos="50000">
+              <a:schemeClr val="phClr">
+                <a:satMod val="110000"/>
+                <a:lumMod val="100000"/>
+                <a:shade val="100000"/>
+              </a:schemeClr>
+            </a:gs>
+            <a:gs pos="100000">
+              <a:schemeClr val="phClr">
+                <a:lumMod val="99000"/>
+                <a:satMod val="120000"/>
+                <a:shade val="78000"/>
+              </a:schemeClr>
+            </a:gs>
+          </a:gsLst>
+          <a:lin ang="5400000" scaled="0"/>
+        </a:gradFill>
+      </a:fillStyleLst>
+      <a:lnStyleLst>
+        <a:ln w="6350" cap="flat" cmpd="sng" algn="ctr">
+          <a:solidFill>
+            <a:schemeClr val="phClr"/>
+          </a:solidFill>
+          <a:prstDash val="solid"/>
+          <a:miter lim="800000"/>
+        </a:ln>
+        <a:ln w="12700" cap="flat" cmpd="sng" algn="ctr">
+          <a:solidFill>
+            <a:schemeClr val="phClr"/>
+          </a:solidFill>
+          <a:prstDash val="solid"/>
+          <a:miter lim="800000"/>
+        </a:ln>
+        <a:ln w="19050" cap="flat" cmpd="sng" algn="ctr">
+          <a:solidFill>
+            <a:schemeClr val="phClr"/>
+          </a:solidFill>
+          <a:prstDash val="solid"/>
+          <a:miter lim="800000"/>
+        </a:ln>
+      </a:lnStyleLst>
+      <a:effectStyleLst>
+        <a:effectStyle>
+          <a:effectLst/>
+        </a:effectStyle>
+        <a:effectStyle>
+          <a:effectLst/>
+        </a:effectStyle>
+        <a:effectStyle>
+          <a:effectLst>
+            <a:outerShdw blurRad="57150" dist="19050" dir="5400000" algn="ctr" rotWithShape="0">
+              <a:srgbClr val="000000">
+                <a:alpha val="63000"/>
+              </a:srgbClr>
+            </a:outerShdw>
+          </a:effectLst>
+        </a:effectStyle>
+      </a:effectStyleLst>
+      <a:bgFillStyleLst>
+        <a:solidFill>
+          <a:schemeClr val="phClr"/>
+        </a:solidFill>
+        <a:solidFill>
+          <a:schemeClr val="phClr">
+            <a:tint val="95000"/>
+            <a:satMod val="170000"/>
+          </a:schemeClr>
+        </a:solidFill>
+        <a:gradFill rotWithShape="1">
+          <a:gsLst>
+            <a:gs pos="0">
+              <a:schemeClr val="phClr">
+                <a:tint val="93000"/>
+                <a:satMod val="150000"/>
+                <a:shade val="98000"/>
+                <a:lumMod val="102000"/>
+              </a:schemeClr>
+            </a:gs>
+            <a:gs pos="50000">
+              <a:schemeClr val="phClr">
+                <a:tint val="98000"/>
+                <a:satMod val="130000"/>
+                <a:shade val="90000"/>
+                <a:lumMod val="103000"/>
+              </a:schemeClr>
+            </a:gs>
+            <a:gs pos="100000">
+              <a:schemeClr val="phClr">
+                <a:shade val="63000"/>
+                <a:satMod val="120000"/>
+              </a:schemeClr>
+            </a:gs>
+          </a:gsLst>
+          <a:lin ang="5400000" scaled="0"/>
+        </a:gradFill>
+      </a:bgFillStyleLst>
+    </a:fmtScheme>
+  </a:themeElements>
+  <a:objectDefaults/>
+  <a:extraClrSchemeLst/>
+  <a:extLst>
+    <a:ext uri="{05A4C25C-085E-4340-85A3-A5531E510DB2}">
+      <thm15:themeFamily xmlns:thm15="http://schemas.microsoft.com/office/thememl/2012/main" name="Office Theme" id="{62F939B6-93AF-4DB8-9C6B-D6C7DFDC589F}" vid="{4A3C46E8-61CC-4603-A589-7422A47A8E4A}"/>
+    </a:ext>
+  </a:extLst>
+</a:theme>
 </file>
--- a/FinalPresentation.pptx
+++ b/FinalPresentation.pptx
@@ -5,7 +5,7 @@
     <p:sldMasterId id="2147483648" r:id="rId1"/>
   </p:sldMasterIdLst>
   <p:notesMasterIdLst>
-    <p:notesMasterId r:id="rId19"/>
+    <p:notesMasterId r:id="rId24"/>
   </p:notesMasterIdLst>
   <p:sldIdLst>
     <p:sldId id="256" r:id="rId2"/>
@@ -13,18 +13,23 @@
     <p:sldId id="258" r:id="rId4"/>
     <p:sldId id="259" r:id="rId5"/>
     <p:sldId id="270" r:id="rId6"/>
-    <p:sldId id="260" r:id="rId7"/>
-    <p:sldId id="261" r:id="rId8"/>
-    <p:sldId id="262" r:id="rId9"/>
-    <p:sldId id="263" r:id="rId10"/>
-    <p:sldId id="264" r:id="rId11"/>
-    <p:sldId id="265" r:id="rId12"/>
-    <p:sldId id="266" r:id="rId13"/>
-    <p:sldId id="267" r:id="rId14"/>
-    <p:sldId id="268" r:id="rId15"/>
-    <p:sldId id="272" r:id="rId16"/>
+    <p:sldId id="273" r:id="rId7"/>
+    <p:sldId id="265" r:id="rId8"/>
+    <p:sldId id="260" r:id="rId9"/>
+    <p:sldId id="261" r:id="rId10"/>
+    <p:sldId id="266" r:id="rId11"/>
+    <p:sldId id="268" r:id="rId12"/>
+    <p:sldId id="263" r:id="rId13"/>
+    <p:sldId id="262" r:id="rId14"/>
+    <p:sldId id="276" r:id="rId15"/>
+    <p:sldId id="274" r:id="rId16"/>
     <p:sldId id="269" r:id="rId17"/>
-    <p:sldId id="271" r:id="rId18"/>
+    <p:sldId id="275" r:id="rId18"/>
+    <p:sldId id="279" r:id="rId19"/>
+    <p:sldId id="272" r:id="rId20"/>
+    <p:sldId id="280" r:id="rId21"/>
+    <p:sldId id="277" r:id="rId22"/>
+    <p:sldId id="271" r:id="rId23"/>
   </p:sldIdLst>
   <p:sldSz cx="12192000" cy="6858000"/>
   <p:notesSz cx="6858000" cy="9144000"/>
@@ -224,7 +229,7 @@
           <a:p>
             <a:fld id="{695CCC4B-36C6-4526-8999-7A71FBDF4641}" type="datetimeFigureOut">
               <a:rPr lang="en-US" smtClean="0"/>
-              <a:t>17-Feb-19</a:t>
+              <a:t>18-Feb-19</a:t>
             </a:fld>
             <a:endParaRPr lang="en-US"/>
           </a:p>
@@ -491,6 +496,90 @@
 </p:notesMaster>
 </file>
 
+<file path=ppt/notesSlides/notesSlide1.xml><?xml version="1.0" encoding="utf-8"?>
+<p:notes xmlns:a="http://schemas.openxmlformats.org/drawingml/2006/main" xmlns:r="http://schemas.openxmlformats.org/officeDocument/2006/relationships" xmlns:p="http://schemas.openxmlformats.org/presentationml/2006/main">
+  <p:cSld>
+    <p:spTree>
+      <p:nvGrpSpPr>
+        <p:cNvPr id="1" name=""/>
+        <p:cNvGrpSpPr/>
+        <p:nvPr/>
+      </p:nvGrpSpPr>
+      <p:grpSpPr>
+        <a:xfrm>
+          <a:off x="0" y="0"/>
+          <a:ext cx="0" cy="0"/>
+          <a:chOff x="0" y="0"/>
+          <a:chExt cx="0" cy="0"/>
+        </a:xfrm>
+      </p:grpSpPr>
+      <p:sp>
+        <p:nvSpPr>
+          <p:cNvPr id="2" name="Slide Image Placeholder 1"/>
+          <p:cNvSpPr>
+            <a:spLocks noGrp="1" noRot="1" noChangeAspect="1"/>
+          </p:cNvSpPr>
+          <p:nvPr>
+            <p:ph type="sldImg"/>
+          </p:nvPr>
+        </p:nvSpPr>
+        <p:spPr/>
+      </p:sp>
+      <p:sp>
+        <p:nvSpPr>
+          <p:cNvPr id="3" name="Notes Placeholder 2"/>
+          <p:cNvSpPr>
+            <a:spLocks noGrp="1"/>
+          </p:cNvSpPr>
+          <p:nvPr>
+            <p:ph type="body" idx="1"/>
+          </p:nvPr>
+        </p:nvSpPr>
+        <p:spPr/>
+        <p:txBody>
+          <a:bodyPr/>
+          <a:lstStyle/>
+          <a:p>
+            <a:endParaRPr lang="en-US" dirty="0"/>
+          </a:p>
+        </p:txBody>
+      </p:sp>
+      <p:sp>
+        <p:nvSpPr>
+          <p:cNvPr id="4" name="Slide Number Placeholder 3"/>
+          <p:cNvSpPr>
+            <a:spLocks noGrp="1"/>
+          </p:cNvSpPr>
+          <p:nvPr>
+            <p:ph type="sldNum" sz="quarter" idx="5"/>
+          </p:nvPr>
+        </p:nvSpPr>
+        <p:spPr/>
+        <p:txBody>
+          <a:bodyPr/>
+          <a:lstStyle/>
+          <a:p>
+            <a:fld id="{28D7FC0F-3157-4A3E-A1E3-F91008091477}" type="slidenum">
+              <a:rPr lang="en-US" smtClean="0"/>
+              <a:t>1</a:t>
+            </a:fld>
+            <a:endParaRPr lang="en-US"/>
+          </a:p>
+        </p:txBody>
+      </p:sp>
+    </p:spTree>
+    <p:extLst>
+      <p:ext uri="{BB962C8B-B14F-4D97-AF65-F5344CB8AC3E}">
+        <p14:creationId xmlns:p14="http://schemas.microsoft.com/office/powerpoint/2010/main" val="2051429784"/>
+      </p:ext>
+    </p:extLst>
+  </p:cSld>
+  <p:clrMapOvr>
+    <a:masterClrMapping/>
+  </p:clrMapOvr>
+</p:notes>
+</file>
+
 <file path=ppt/slideLayouts/slideLayout1.xml><?xml version="1.0" encoding="utf-8"?>
 <p:sldLayout xmlns:a="http://schemas.openxmlformats.org/drawingml/2006/main" xmlns:r="http://schemas.openxmlformats.org/officeDocument/2006/relationships" xmlns:p="http://schemas.openxmlformats.org/presentationml/2006/main" type="title" preserve="1">
   <p:cSld name="Title Slide">
@@ -638,7 +727,7 @@
           <a:p>
             <a:fld id="{D9E473BB-1360-4008-9A42-962C5530629D}" type="datetime4">
               <a:rPr lang="en-US" smtClean="0"/>
-              <a:t>17 February, 2019</a:t>
+              <a:t>18 February, 2019</a:t>
             </a:fld>
             <a:endParaRPr lang="en-US" dirty="0"/>
           </a:p>
@@ -840,7 +929,7 @@
           <a:p>
             <a:fld id="{B7DB90A5-DAB2-44EE-9E16-B47BA1C0611A}" type="datetime4">
               <a:rPr lang="en-US" smtClean="0"/>
-              <a:t>17 February, 2019</a:t>
+              <a:t>18 February, 2019</a:t>
             </a:fld>
             <a:endParaRPr lang="en-US" dirty="0"/>
           </a:p>
@@ -1052,7 +1141,7 @@
           <a:p>
             <a:fld id="{5129E131-AE7A-4AEE-811A-FBC8E1AB94BC}" type="datetime4">
               <a:rPr lang="en-US" smtClean="0"/>
-              <a:t>17 February, 2019</a:t>
+              <a:t>18 February, 2019</a:t>
             </a:fld>
             <a:endParaRPr lang="en-US" dirty="0"/>
           </a:p>
@@ -1254,7 +1343,7 @@
           <a:p>
             <a:fld id="{753AEF97-EF3E-4B81-9A5D-F2DF3F089B1F}" type="datetime4">
               <a:rPr lang="en-US" smtClean="0"/>
-              <a:t>17 February, 2019</a:t>
+              <a:t>18 February, 2019</a:t>
             </a:fld>
             <a:endParaRPr lang="en-US" dirty="0"/>
           </a:p>
@@ -1533,7 +1622,7 @@
           <a:p>
             <a:fld id="{6119E89E-2DDC-4F88-8FA9-BBF729FCC44E}" type="datetime4">
               <a:rPr lang="en-US" smtClean="0"/>
-              <a:t>17 February, 2019</a:t>
+              <a:t>18 February, 2019</a:t>
             </a:fld>
             <a:endParaRPr lang="en-US" dirty="0"/>
           </a:p>
@@ -1802,7 +1891,7 @@
           <a:p>
             <a:fld id="{21661F34-E73A-4D55-8880-D84E0C9E6B85}" type="datetime4">
               <a:rPr lang="en-US" smtClean="0"/>
-              <a:t>17 February, 2019</a:t>
+              <a:t>18 February, 2019</a:t>
             </a:fld>
             <a:endParaRPr lang="en-US" dirty="0"/>
           </a:p>
@@ -2218,7 +2307,7 @@
           <a:p>
             <a:fld id="{767A3BCD-748B-4DA0-9506-B96098ED9483}" type="datetime4">
               <a:rPr lang="en-US" smtClean="0"/>
-              <a:t>17 February, 2019</a:t>
+              <a:t>18 February, 2019</a:t>
             </a:fld>
             <a:endParaRPr lang="en-US" dirty="0"/>
           </a:p>
@@ -2363,7 +2452,7 @@
           <a:p>
             <a:fld id="{341EFE01-5816-4990-96AE-88BF048F8BEF}" type="datetime4">
               <a:rPr lang="en-US" smtClean="0"/>
-              <a:t>17 February, 2019</a:t>
+              <a:t>18 February, 2019</a:t>
             </a:fld>
             <a:endParaRPr lang="en-US" dirty="0"/>
           </a:p>
@@ -2480,7 +2569,7 @@
           <a:p>
             <a:fld id="{E300282F-8A56-4BE2-92C1-388156423DA7}" type="datetime4">
               <a:rPr lang="en-US" smtClean="0"/>
-              <a:t>17 February, 2019</a:t>
+              <a:t>18 February, 2019</a:t>
             </a:fld>
             <a:endParaRPr lang="en-US" dirty="0"/>
           </a:p>
@@ -2795,7 +2884,7 @@
           <a:p>
             <a:fld id="{40987446-AB88-4064-928C-C918EDF1F646}" type="datetime4">
               <a:rPr lang="en-US" smtClean="0"/>
-              <a:t>17 February, 2019</a:t>
+              <a:t>18 February, 2019</a:t>
             </a:fld>
             <a:endParaRPr lang="en-US" dirty="0"/>
           </a:p>
@@ -3087,7 +3176,7 @@
           <a:p>
             <a:fld id="{BF129968-0A3F-4A8A-94DA-4C2A704558E8}" type="datetime4">
               <a:rPr lang="en-US" smtClean="0"/>
-              <a:t>17 February, 2019</a:t>
+              <a:t>18 February, 2019</a:t>
             </a:fld>
             <a:endParaRPr lang="en-US" dirty="0"/>
           </a:p>
@@ -3332,7 +3421,7 @@
           <a:p>
             <a:fld id="{6FDC2ABB-C2D8-4C01-ACC7-AD3F725A1179}" type="datetime4">
               <a:rPr lang="en-US" smtClean="0"/>
-              <a:t>17 February, 2019</a:t>
+              <a:t>18 February, 2019</a:t>
             </a:fld>
             <a:endParaRPr lang="en-US" dirty="0"/>
           </a:p>
@@ -3769,7 +3858,7 @@
           <p:nvPr/>
         </p:nvPicPr>
         <p:blipFill>
-          <a:blip r:embed="rId2">
+          <a:blip r:embed="rId3">
             <a:extLst>
               <a:ext uri="{28A0092B-C50C-407E-A947-70E740481C1C}">
                 <a14:useLocalDpi xmlns:a14="http://schemas.microsoft.com/office/drawing/2010/main" val="0"/>
@@ -3782,7 +3871,7 @@
         </p:blipFill>
         <p:spPr>
           <a:xfrm>
-            <a:off x="0" y="1673"/>
+            <a:off x="93307" y="1673"/>
             <a:ext cx="12192000" cy="6854653"/>
           </a:xfrm>
           <a:prstGeom prst="rect">
@@ -3808,7 +3897,7 @@
         </p:nvSpPr>
         <p:spPr>
           <a:xfrm>
-            <a:off x="1524000" y="863082"/>
+            <a:off x="1524000" y="950048"/>
             <a:ext cx="9144000" cy="3937518"/>
           </a:xfrm>
         </p:spPr>
@@ -3856,7 +3945,7 @@
           <p:nvPr/>
         </p:nvPicPr>
         <p:blipFill>
-          <a:blip r:embed="rId3">
+          <a:blip r:embed="rId4">
             <a:extLst>
               <a:ext uri="{28A0092B-C50C-407E-A947-70E740481C1C}">
                 <a14:useLocalDpi xmlns:a14="http://schemas.microsoft.com/office/drawing/2010/main" val="0"/>
@@ -3888,6 +3977,75 @@
           </a:extLst>
         </p:spPr>
       </p:pic>
+      <p:sp>
+        <p:nvSpPr>
+          <p:cNvPr id="5" name="Date Placeholder 3">
+            <a:extLst>
+              <a:ext uri="{FF2B5EF4-FFF2-40B4-BE49-F238E27FC236}">
+                <a16:creationId xmlns:a16="http://schemas.microsoft.com/office/drawing/2014/main" id="{542EDA69-CBDC-4D9E-B5CB-6CCC1F6E09B6}"/>
+              </a:ext>
+            </a:extLst>
+          </p:cNvPr>
+          <p:cNvSpPr>
+            <a:spLocks noGrp="1"/>
+          </p:cNvSpPr>
+          <p:nvPr>
+            <p:ph type="dt" sz="half" idx="10"/>
+          </p:nvPr>
+        </p:nvSpPr>
+        <p:spPr>
+          <a:xfrm>
+            <a:off x="0" y="6491199"/>
+            <a:ext cx="2743200" cy="365125"/>
+          </a:xfrm>
+        </p:spPr>
+        <p:txBody>
+          <a:bodyPr/>
+          <a:lstStyle/>
+          <a:p>
+            <a:fld id="{B69E9AD6-8BEC-47A7-8DB6-67B02ECE5037}" type="datetime4">
+              <a:rPr lang="en-US" smtClean="0"/>
+              <a:t>18 February, 2019</a:t>
+            </a:fld>
+            <a:endParaRPr lang="en-US" dirty="0"/>
+          </a:p>
+        </p:txBody>
+      </p:sp>
+      <p:sp>
+        <p:nvSpPr>
+          <p:cNvPr id="3" name="TextBox 2">
+            <a:extLst>
+              <a:ext uri="{FF2B5EF4-FFF2-40B4-BE49-F238E27FC236}">
+                <a16:creationId xmlns:a16="http://schemas.microsoft.com/office/drawing/2014/main" id="{509E3340-CFAF-44EA-ABCF-5F4F23C5063B}"/>
+              </a:ext>
+            </a:extLst>
+          </p:cNvPr>
+          <p:cNvSpPr txBox="1"/>
+          <p:nvPr/>
+        </p:nvSpPr>
+        <p:spPr>
+          <a:xfrm>
+            <a:off x="5078963" y="2549475"/>
+            <a:ext cx="2034073" cy="369332"/>
+          </a:xfrm>
+          <a:prstGeom prst="rect">
+            <a:avLst/>
+          </a:prstGeom>
+          <a:noFill/>
+        </p:spPr>
+        <p:txBody>
+          <a:bodyPr wrap="square" rtlCol="0">
+            <a:spAutoFit/>
+          </a:bodyPr>
+          <a:lstStyle/>
+          <a:p>
+            <a:r>
+              <a:rPr lang="en-US" dirty="0"/>
+              <a:t>FOCP-II (CSL-108)</a:t>
+            </a:r>
+          </a:p>
+        </p:txBody>
+      </p:sp>
     </p:spTree>
     <p:extLst>
       <p:ext uri="{BB962C8B-B14F-4D97-AF65-F5344CB8AC3E}">
@@ -3923,7 +4081,7 @@
           <p:cNvPr id="6" name="Picture 5">
             <a:extLst>
               <a:ext uri="{FF2B5EF4-FFF2-40B4-BE49-F238E27FC236}">
-                <a16:creationId xmlns:a16="http://schemas.microsoft.com/office/drawing/2014/main" id="{8F222E2A-4111-48A1-852F-BF481648C05B}"/>
+                <a16:creationId xmlns:a16="http://schemas.microsoft.com/office/drawing/2014/main" id="{465FB2A0-7708-4A54-B13C-3DF6DA8B3DFD}"/>
               </a:ext>
             </a:extLst>
           </p:cNvPr>
@@ -3954,12 +4112,107 @@
           </a:prstGeom>
         </p:spPr>
       </p:pic>
+      <p:sp>
+        <p:nvSpPr>
+          <p:cNvPr id="2" name="Title 1">
+            <a:extLst>
+              <a:ext uri="{FF2B5EF4-FFF2-40B4-BE49-F238E27FC236}">
+                <a16:creationId xmlns:a16="http://schemas.microsoft.com/office/drawing/2014/main" id="{E47B6CC3-1FE0-4ECD-AC5F-AA018DC183A9}"/>
+              </a:ext>
+            </a:extLst>
+          </p:cNvPr>
+          <p:cNvSpPr>
+            <a:spLocks noGrp="1"/>
+          </p:cNvSpPr>
+          <p:nvPr>
+            <p:ph type="title"/>
+          </p:nvPr>
+        </p:nvSpPr>
+        <p:spPr>
+          <a:xfrm>
+            <a:off x="838200" y="565379"/>
+            <a:ext cx="10515600" cy="1325563"/>
+          </a:xfrm>
+        </p:spPr>
+        <p:txBody>
+          <a:bodyPr>
+            <a:normAutofit fontScale="90000"/>
+          </a:bodyPr>
+          <a:lstStyle/>
+          <a:p>
+            <a:pPr>
+              <a:lnSpc>
+                <a:spcPct val="100000"/>
+              </a:lnSpc>
+            </a:pPr>
+            <a:r>
+              <a:rPr lang="en-US" i="1" dirty="0"/>
+              <a:t>DoD:</a:t>
+            </a:r>
+            <a:br>
+              <a:rPr lang="en-US" i="1" dirty="0"/>
+            </a:br>
+            <a:r>
+              <a:rPr lang="en-US" sz="3100" i="1" dirty="0"/>
+              <a:t>All configuration data should be kept in properties file. It should include maintainable data based on different categories.</a:t>
+            </a:r>
+            <a:br>
+              <a:rPr lang="en-US" sz="3100" i="1" dirty="0"/>
+            </a:br>
+            <a:r>
+              <a:rPr lang="en-US" sz="3100" i="1" dirty="0"/>
+              <a:t>The system should use ‘log4-j’ for logging. Logger should use console and file </a:t>
+            </a:r>
+            <a:r>
+              <a:rPr lang="en-US" sz="3100" i="1" dirty="0" err="1"/>
+              <a:t>appender</a:t>
+            </a:r>
+            <a:r>
+              <a:rPr lang="en-US" sz="3100" i="1" dirty="0"/>
+              <a:t> for file logging.</a:t>
+            </a:r>
+            <a:endParaRPr lang="en-US" dirty="0"/>
+          </a:p>
+        </p:txBody>
+      </p:sp>
       <p:pic>
         <p:nvPicPr>
           <p:cNvPr id="4" name="Picture 3">
-            <a:extLst>
-              <a:ext uri="{FF2B5EF4-FFF2-40B4-BE49-F238E27FC236}">
-                <a16:creationId xmlns:a16="http://schemas.microsoft.com/office/drawing/2014/main" id="{D53EFA57-29C3-41E3-B235-50139F672B1B}"/>
+            <a:hlinkClick r:id="rId3" action="ppaction://hlinkfile"/>
+            <a:extLst>
+              <a:ext uri="{FF2B5EF4-FFF2-40B4-BE49-F238E27FC236}">
+                <a16:creationId xmlns:a16="http://schemas.microsoft.com/office/drawing/2014/main" id="{B15B9D60-7797-4DCC-B3DD-18780291ED2E}"/>
+              </a:ext>
+            </a:extLst>
+          </p:cNvPr>
+          <p:cNvPicPr>
+            <a:picLocks noChangeAspect="1"/>
+          </p:cNvPicPr>
+          <p:nvPr/>
+        </p:nvPicPr>
+        <p:blipFill>
+          <a:blip r:embed="rId4"/>
+          <a:stretch>
+            <a:fillRect/>
+          </a:stretch>
+        </p:blipFill>
+        <p:spPr>
+          <a:xfrm>
+            <a:off x="2767848" y="3238030"/>
+            <a:ext cx="6656303" cy="3327817"/>
+          </a:xfrm>
+          <a:prstGeom prst="rect">
+            <a:avLst/>
+          </a:prstGeom>
+        </p:spPr>
+      </p:pic>
+      <p:pic>
+        <p:nvPicPr>
+          <p:cNvPr id="5" name="Picture 4">
+            <a:hlinkClick r:id="rId5" action="ppaction://hlinkfile"/>
+            <a:extLst>
+              <a:ext uri="{FF2B5EF4-FFF2-40B4-BE49-F238E27FC236}">
+                <a16:creationId xmlns:a16="http://schemas.microsoft.com/office/drawing/2014/main" id="{2462BE91-C76B-47C5-9C96-8062D60B3E9E}"/>
               </a:ext>
             </a:extLst>
           </p:cNvPr>
@@ -3969,61 +4222,26 @@
           <p:nvPr/>
         </p:nvPicPr>
         <p:blipFill rotWithShape="1">
-          <a:blip r:embed="rId3"/>
-          <a:srcRect l="1657" t="24837"/>
+          <a:blip r:embed="rId6"/>
+          <a:srcRect b="34264"/>
           <a:stretch/>
         </p:blipFill>
         <p:spPr>
           <a:xfrm>
-            <a:off x="635790" y="2603241"/>
-            <a:ext cx="10920420" cy="2481943"/>
+            <a:off x="1881207" y="2466972"/>
+            <a:ext cx="8429586" cy="644915"/>
           </a:xfrm>
           <a:prstGeom prst="rect">
             <a:avLst/>
           </a:prstGeom>
         </p:spPr>
       </p:pic>
-      <p:sp>
-        <p:nvSpPr>
-          <p:cNvPr id="5" name="Title 1">
-            <a:extLst>
-              <a:ext uri="{FF2B5EF4-FFF2-40B4-BE49-F238E27FC236}">
-                <a16:creationId xmlns:a16="http://schemas.microsoft.com/office/drawing/2014/main" id="{F444265C-948B-4D89-AEDC-09908CF800D7}"/>
-              </a:ext>
-            </a:extLst>
-          </p:cNvPr>
-          <p:cNvSpPr>
-            <a:spLocks noGrp="1"/>
-          </p:cNvSpPr>
-          <p:nvPr>
-            <p:ph type="title"/>
-          </p:nvPr>
-        </p:nvSpPr>
-        <p:spPr>
-          <a:xfrm>
-            <a:off x="838200" y="365125"/>
-            <a:ext cx="10515600" cy="1325563"/>
-          </a:xfrm>
-        </p:spPr>
-        <p:txBody>
-          <a:bodyPr>
-            <a:normAutofit/>
-          </a:bodyPr>
-          <a:lstStyle/>
-          <a:p>
-            <a:r>
-              <a:rPr lang="en-US" sz="4800" dirty="0"/>
-              <a:t>Maintained List</a:t>
-            </a:r>
-          </a:p>
-        </p:txBody>
-      </p:sp>
       <p:pic>
         <p:nvPicPr>
           <p:cNvPr id="8" name="Picture 2" descr="https://image.slidesharecdn.com/ed3b5569-fc5a-4be7-a70f-c7e0cf2fab6b-150908032759-lva1-app6892/95/ncu-formerly-itmu-logo-1-1-638.jpg?cb=1441682911">
             <a:extLst>
               <a:ext uri="{FF2B5EF4-FFF2-40B4-BE49-F238E27FC236}">
-                <a16:creationId xmlns:a16="http://schemas.microsoft.com/office/drawing/2014/main" id="{CD68B424-8E2A-44DF-9C1C-20712A3AECA0}"/>
+                <a16:creationId xmlns:a16="http://schemas.microsoft.com/office/drawing/2014/main" id="{DB3A49AF-C437-4B02-AB13-A2A2E96E863E}"/>
               </a:ext>
             </a:extLst>
           </p:cNvPr>
@@ -4033,7 +4251,7 @@
           <p:nvPr/>
         </p:nvPicPr>
         <p:blipFill>
-          <a:blip r:embed="rId4">
+          <a:blip r:embed="rId7">
             <a:extLst>
               <a:ext uri="{28A0092B-C50C-407E-A947-70E740481C1C}">
                 <a14:useLocalDpi xmlns:a14="http://schemas.microsoft.com/office/drawing/2010/main" val="0"/>
@@ -4067,10 +4285,10 @@
       </p:pic>
       <p:sp>
         <p:nvSpPr>
-          <p:cNvPr id="10" name="Date Placeholder 3">
-            <a:extLst>
-              <a:ext uri="{FF2B5EF4-FFF2-40B4-BE49-F238E27FC236}">
-                <a16:creationId xmlns:a16="http://schemas.microsoft.com/office/drawing/2014/main" id="{F7602405-347C-4814-BAAA-B93584BD3C72}"/>
+          <p:cNvPr id="11" name="Date Placeholder 3">
+            <a:extLst>
+              <a:ext uri="{FF2B5EF4-FFF2-40B4-BE49-F238E27FC236}">
+                <a16:creationId xmlns:a16="http://schemas.microsoft.com/office/drawing/2014/main" id="{2D475563-E02A-45D9-BC38-64B886C573F4}"/>
               </a:ext>
             </a:extLst>
           </p:cNvPr>
@@ -4191,7 +4409,7 @@
             <a:fld id="{B69E9AD6-8BEC-47A7-8DB6-67B02ECE5037}" type="datetime4">
               <a:rPr lang="en-US" smtClean="0"/>
               <a:pPr/>
-              <a:t>17 February, 2019</a:t>
+              <a:t>18 February, 2019</a:t>
             </a:fld>
             <a:endParaRPr lang="en-US" dirty="0"/>
           </a:p>
@@ -4200,7 +4418,7 @@
     </p:spTree>
     <p:extLst>
       <p:ext uri="{BB962C8B-B14F-4D97-AF65-F5344CB8AC3E}">
-        <p14:creationId xmlns:p14="http://schemas.microsoft.com/office/powerpoint/2010/main" val="3109506203"/>
+        <p14:creationId xmlns:p14="http://schemas.microsoft.com/office/powerpoint/2010/main" val="2986286092"/>
       </p:ext>
     </p:extLst>
   </p:cSld>
@@ -4232,7 +4450,7 @@
           <p:cNvPr id="5" name="Picture 4">
             <a:extLst>
               <a:ext uri="{FF2B5EF4-FFF2-40B4-BE49-F238E27FC236}">
-                <a16:creationId xmlns:a16="http://schemas.microsoft.com/office/drawing/2014/main" id="{5479BF44-5648-406D-A99E-A25CA5C1A6C1}"/>
+                <a16:creationId xmlns:a16="http://schemas.microsoft.com/office/drawing/2014/main" id="{685E7764-4408-4B90-8EAC-DCBBC5469FF8}"/>
               </a:ext>
             </a:extLst>
           </p:cNvPr>
@@ -4268,7 +4486,7 @@
           <p:cNvPr id="2" name="Title 1">
             <a:extLst>
               <a:ext uri="{FF2B5EF4-FFF2-40B4-BE49-F238E27FC236}">
-                <a16:creationId xmlns:a16="http://schemas.microsoft.com/office/drawing/2014/main" id="{227EB92C-B564-4932-B0D9-4C351036DDE7}"/>
+                <a16:creationId xmlns:a16="http://schemas.microsoft.com/office/drawing/2014/main" id="{555CFC10-E578-4F03-8E5B-E61FF84407D0}"/>
               </a:ext>
             </a:extLst>
           </p:cNvPr>
@@ -4281,44 +4499,28 @@
         </p:nvSpPr>
         <p:spPr>
           <a:xfrm>
-            <a:off x="6307494" y="2464513"/>
-            <a:ext cx="5036976" cy="1325563"/>
-          </a:xfrm>
-        </p:spPr>
-        <p:txBody>
-          <a:bodyPr>
-            <a:normAutofit fontScale="90000"/>
-          </a:bodyPr>
+            <a:off x="838200" y="297656"/>
+            <a:ext cx="10515600" cy="1325563"/>
+          </a:xfrm>
+        </p:spPr>
+        <p:txBody>
+          <a:bodyPr/>
           <a:lstStyle/>
           <a:p>
-            <a:pPr algn="r"/>
-            <a:br>
-              <a:rPr lang="en-US" i="1" dirty="0"/>
-            </a:br>
-            <a:r>
-              <a:rPr lang="en-US" i="1" dirty="0"/>
-              <a:t>DoD 5:</a:t>
-            </a:r>
-            <a:br>
-              <a:rPr lang="en-US" i="1" dirty="0"/>
-            </a:br>
-            <a:r>
-              <a:rPr lang="en-US" sz="3100" i="1" dirty="0"/>
-              <a:t>The project directory structure should explain about all subdirectories and what kind of files to be kept in particular subdirectory.</a:t>
-            </a:r>
-            <a:br>
-              <a:rPr lang="en-US" sz="3100" i="1" dirty="0"/>
-            </a:br>
-            <a:endParaRPr lang="en-US" dirty="0"/>
+            <a:r>
+              <a:rPr lang="en-US" dirty="0"/>
+              <a:t>Created Logs</a:t>
+            </a:r>
           </a:p>
         </p:txBody>
       </p:sp>
       <p:pic>
         <p:nvPicPr>
           <p:cNvPr id="4" name="Picture 3">
-            <a:extLst>
-              <a:ext uri="{FF2B5EF4-FFF2-40B4-BE49-F238E27FC236}">
-                <a16:creationId xmlns:a16="http://schemas.microsoft.com/office/drawing/2014/main" id="{989FE517-0C11-4F32-904C-7E82D4301C5C}"/>
+            <a:hlinkClick r:id="rId3" action="ppaction://hlinkfile"/>
+            <a:extLst>
+              <a:ext uri="{FF2B5EF4-FFF2-40B4-BE49-F238E27FC236}">
+                <a16:creationId xmlns:a16="http://schemas.microsoft.com/office/drawing/2014/main" id="{2CD09EC3-C1EA-49A6-8BAA-5ACF6E66A1AD}"/>
               </a:ext>
             </a:extLst>
           </p:cNvPr>
@@ -4328,15 +4530,15 @@
           <p:nvPr/>
         </p:nvPicPr>
         <p:blipFill>
-          <a:blip r:embed="rId3"/>
+          <a:blip r:embed="rId4"/>
           <a:stretch>
             <a:fillRect/>
           </a:stretch>
         </p:blipFill>
         <p:spPr>
           <a:xfrm>
-            <a:off x="1664910" y="0"/>
-            <a:ext cx="2963074" cy="6858000"/>
+            <a:off x="1086238" y="1623219"/>
+            <a:ext cx="10019523" cy="4795364"/>
           </a:xfrm>
           <a:prstGeom prst="rect">
             <a:avLst/>
@@ -4348,7 +4550,7 @@
           <p:cNvPr id="7" name="Picture 2" descr="https://image.slidesharecdn.com/ed3b5569-fc5a-4be7-a70f-c7e0cf2fab6b-150908032759-lva1-app6892/95/ncu-formerly-itmu-logo-1-1-638.jpg?cb=1441682911">
             <a:extLst>
               <a:ext uri="{FF2B5EF4-FFF2-40B4-BE49-F238E27FC236}">
-                <a16:creationId xmlns:a16="http://schemas.microsoft.com/office/drawing/2014/main" id="{FA036C45-F6F5-4F69-A3AE-1FA4AB4F6EF3}"/>
+                <a16:creationId xmlns:a16="http://schemas.microsoft.com/office/drawing/2014/main" id="{B7A6202D-9236-4DC4-A3E8-113F204EE84B}"/>
               </a:ext>
             </a:extLst>
           </p:cNvPr>
@@ -4358,7 +4560,7 @@
           <p:nvPr/>
         </p:nvPicPr>
         <p:blipFill>
-          <a:blip r:embed="rId4">
+          <a:blip r:embed="rId5">
             <a:extLst>
               <a:ext uri="{28A0092B-C50C-407E-A947-70E740481C1C}">
                 <a14:useLocalDpi xmlns:a14="http://schemas.microsoft.com/office/drawing/2010/main" val="0"/>
@@ -4395,7 +4597,7 @@
           <p:cNvPr id="10" name="Date Placeholder 3">
             <a:extLst>
               <a:ext uri="{FF2B5EF4-FFF2-40B4-BE49-F238E27FC236}">
-                <a16:creationId xmlns:a16="http://schemas.microsoft.com/office/drawing/2014/main" id="{375BEAAD-68D5-4628-92C1-1A6B25B1F364}"/>
+                <a16:creationId xmlns:a16="http://schemas.microsoft.com/office/drawing/2014/main" id="{57A9AD02-931C-4FDA-92B6-633997389C91}"/>
               </a:ext>
             </a:extLst>
           </p:cNvPr>
@@ -4516,7 +4718,7 @@
             <a:fld id="{B69E9AD6-8BEC-47A7-8DB6-67B02ECE5037}" type="datetime4">
               <a:rPr lang="en-US" smtClean="0"/>
               <a:pPr/>
-              <a:t>17 February, 2019</a:t>
+              <a:t>18 February, 2019</a:t>
             </a:fld>
             <a:endParaRPr lang="en-US" dirty="0"/>
           </a:p>
@@ -4525,7 +4727,7 @@
     </p:spTree>
     <p:extLst>
       <p:ext uri="{BB962C8B-B14F-4D97-AF65-F5344CB8AC3E}">
-        <p14:creationId xmlns:p14="http://schemas.microsoft.com/office/powerpoint/2010/main" val="197415087"/>
+        <p14:creationId xmlns:p14="http://schemas.microsoft.com/office/powerpoint/2010/main" val="2775650279"/>
       </p:ext>
     </p:extLst>
   </p:cSld>
@@ -4554,10 +4756,10 @@
       </p:grpSpPr>
       <p:pic>
         <p:nvPicPr>
-          <p:cNvPr id="6" name="Picture 5">
-            <a:extLst>
-              <a:ext uri="{FF2B5EF4-FFF2-40B4-BE49-F238E27FC236}">
-                <a16:creationId xmlns:a16="http://schemas.microsoft.com/office/drawing/2014/main" id="{465FB2A0-7708-4A54-B13C-3DF6DA8B3DFD}"/>
+          <p:cNvPr id="5" name="Picture 4">
+            <a:extLst>
+              <a:ext uri="{FF2B5EF4-FFF2-40B4-BE49-F238E27FC236}">
+                <a16:creationId xmlns:a16="http://schemas.microsoft.com/office/drawing/2014/main" id="{42B5BD69-DED5-4D62-BD88-4E9631F2DA48}"/>
               </a:ext>
             </a:extLst>
           </p:cNvPr>
@@ -4593,7 +4795,7 @@
           <p:cNvPr id="2" name="Title 1">
             <a:extLst>
               <a:ext uri="{FF2B5EF4-FFF2-40B4-BE49-F238E27FC236}">
-                <a16:creationId xmlns:a16="http://schemas.microsoft.com/office/drawing/2014/main" id="{E47B6CC3-1FE0-4ECD-AC5F-AA018DC183A9}"/>
+                <a16:creationId xmlns:a16="http://schemas.microsoft.com/office/drawing/2014/main" id="{5EF62169-93F2-497A-82B4-0213FEEB3682}"/>
               </a:ext>
             </a:extLst>
           </p:cNvPr>
@@ -4606,7 +4808,7 @@
         </p:nvSpPr>
         <p:spPr>
           <a:xfrm>
-            <a:off x="838200" y="500062"/>
+            <a:off x="838200" y="113202"/>
             <a:ext cx="10515600" cy="1325563"/>
           </a:xfrm>
         </p:spPr>
@@ -4617,19 +4819,16 @@
           <a:lstStyle/>
           <a:p>
             <a:r>
-              <a:rPr lang="en-US" i="1" dirty="0"/>
-              <a:t>DoD 6:</a:t>
+              <a:rPr lang="en-US" sz="4800" i="1" dirty="0"/>
+              <a:t>DoD:</a:t>
             </a:r>
             <a:br>
               <a:rPr lang="en-US" i="1" dirty="0"/>
             </a:br>
             <a:r>
               <a:rPr lang="en-US" sz="3100" i="1" dirty="0"/>
-              <a:t>All configuration data should be kept in properties file. It should include maintainable data based on different categories.</a:t>
-            </a:r>
-            <a:br>
-              <a:rPr lang="en-US" i="1" dirty="0"/>
-            </a:br>
+              <a:t>The system should maintain the list of downloads requested and its status.</a:t>
+            </a:r>
             <a:endParaRPr lang="en-US" dirty="0"/>
           </a:p>
         </p:txBody>
@@ -4637,9 +4836,10 @@
       <p:pic>
         <p:nvPicPr>
           <p:cNvPr id="4" name="Picture 3">
-            <a:extLst>
-              <a:ext uri="{FF2B5EF4-FFF2-40B4-BE49-F238E27FC236}">
-                <a16:creationId xmlns:a16="http://schemas.microsoft.com/office/drawing/2014/main" id="{B15B9D60-7797-4DCC-B3DD-18780291ED2E}"/>
+            <a:hlinkClick r:id="rId3" action="ppaction://hlinkfile"/>
+            <a:extLst>
+              <a:ext uri="{FF2B5EF4-FFF2-40B4-BE49-F238E27FC236}">
+                <a16:creationId xmlns:a16="http://schemas.microsoft.com/office/drawing/2014/main" id="{72A60EA2-A304-47B2-86A2-F5124B42889E}"/>
               </a:ext>
             </a:extLst>
           </p:cNvPr>
@@ -4649,15 +4849,15 @@
           <p:nvPr/>
         </p:nvPicPr>
         <p:blipFill>
-          <a:blip r:embed="rId3"/>
+          <a:blip r:embed="rId4"/>
           <a:stretch>
             <a:fillRect/>
           </a:stretch>
         </p:blipFill>
         <p:spPr>
           <a:xfrm>
-            <a:off x="2477909" y="2829507"/>
-            <a:ext cx="7236182" cy="3886200"/>
+            <a:off x="1066022" y="1548234"/>
+            <a:ext cx="10059955" cy="4979435"/>
           </a:xfrm>
           <a:prstGeom prst="rect">
             <a:avLst/>
@@ -4666,39 +4866,10 @@
       </p:pic>
       <p:pic>
         <p:nvPicPr>
-          <p:cNvPr id="5" name="Picture 4">
-            <a:extLst>
-              <a:ext uri="{FF2B5EF4-FFF2-40B4-BE49-F238E27FC236}">
-                <a16:creationId xmlns:a16="http://schemas.microsoft.com/office/drawing/2014/main" id="{2462BE91-C76B-47C5-9C96-8062D60B3E9E}"/>
-              </a:ext>
-            </a:extLst>
-          </p:cNvPr>
-          <p:cNvPicPr>
-            <a:picLocks noChangeAspect="1"/>
-          </p:cNvPicPr>
-          <p:nvPr/>
-        </p:nvPicPr>
-        <p:blipFill rotWithShape="1">
-          <a:blip r:embed="rId4"/>
-          <a:srcRect b="34264"/>
-          <a:stretch/>
-        </p:blipFill>
-        <p:spPr>
-          <a:xfrm>
-            <a:off x="1966426" y="1825625"/>
-            <a:ext cx="8259147" cy="644915"/>
-          </a:xfrm>
-          <a:prstGeom prst="rect">
-            <a:avLst/>
-          </a:prstGeom>
-        </p:spPr>
-      </p:pic>
-      <p:pic>
-        <p:nvPicPr>
-          <p:cNvPr id="8" name="Picture 2" descr="https://image.slidesharecdn.com/ed3b5569-fc5a-4be7-a70f-c7e0cf2fab6b-150908032759-lva1-app6892/95/ncu-formerly-itmu-logo-1-1-638.jpg?cb=1441682911">
-            <a:extLst>
-              <a:ext uri="{FF2B5EF4-FFF2-40B4-BE49-F238E27FC236}">
-                <a16:creationId xmlns:a16="http://schemas.microsoft.com/office/drawing/2014/main" id="{DB3A49AF-C437-4B02-AB13-A2A2E96E863E}"/>
+          <p:cNvPr id="7" name="Picture 2" descr="https://image.slidesharecdn.com/ed3b5569-fc5a-4be7-a70f-c7e0cf2fab6b-150908032759-lva1-app6892/95/ncu-formerly-itmu-logo-1-1-638.jpg?cb=1441682911">
+            <a:extLst>
+              <a:ext uri="{FF2B5EF4-FFF2-40B4-BE49-F238E27FC236}">
+                <a16:creationId xmlns:a16="http://schemas.microsoft.com/office/drawing/2014/main" id="{66868E08-7D66-4E03-BE84-3256366E965F}"/>
               </a:ext>
             </a:extLst>
           </p:cNvPr>
@@ -4742,10 +4913,10 @@
       </p:pic>
       <p:sp>
         <p:nvSpPr>
-          <p:cNvPr id="11" name="Date Placeholder 3">
-            <a:extLst>
-              <a:ext uri="{FF2B5EF4-FFF2-40B4-BE49-F238E27FC236}">
-                <a16:creationId xmlns:a16="http://schemas.microsoft.com/office/drawing/2014/main" id="{2D475563-E02A-45D9-BC38-64B886C573F4}"/>
+          <p:cNvPr id="10" name="Date Placeholder 3">
+            <a:extLst>
+              <a:ext uri="{FF2B5EF4-FFF2-40B4-BE49-F238E27FC236}">
+                <a16:creationId xmlns:a16="http://schemas.microsoft.com/office/drawing/2014/main" id="{1F16752A-8126-415C-B461-6601B6A78E00}"/>
               </a:ext>
             </a:extLst>
           </p:cNvPr>
@@ -4866,7 +5037,7 @@
             <a:fld id="{B69E9AD6-8BEC-47A7-8DB6-67B02ECE5037}" type="datetime4">
               <a:rPr lang="en-US" smtClean="0"/>
               <a:pPr/>
-              <a:t>17 February, 2019</a:t>
+              <a:t>18 February, 2019</a:t>
             </a:fld>
             <a:endParaRPr lang="en-US" dirty="0"/>
           </a:p>
@@ -4875,7 +5046,7 @@
     </p:spTree>
     <p:extLst>
       <p:ext uri="{BB962C8B-B14F-4D97-AF65-F5344CB8AC3E}">
-        <p14:creationId xmlns:p14="http://schemas.microsoft.com/office/powerpoint/2010/main" val="1993304617"/>
+        <p14:creationId xmlns:p14="http://schemas.microsoft.com/office/powerpoint/2010/main" val="1645432577"/>
       </p:ext>
     </p:extLst>
   </p:cSld>
@@ -4904,10 +5075,10 @@
       </p:grpSpPr>
       <p:pic>
         <p:nvPicPr>
-          <p:cNvPr id="6" name="Picture 5">
-            <a:extLst>
-              <a:ext uri="{FF2B5EF4-FFF2-40B4-BE49-F238E27FC236}">
-                <a16:creationId xmlns:a16="http://schemas.microsoft.com/office/drawing/2014/main" id="{54BAF65E-EC72-4F55-8F1A-C3BB610C8083}"/>
+          <p:cNvPr id="5" name="Picture 4">
+            <a:extLst>
+              <a:ext uri="{FF2B5EF4-FFF2-40B4-BE49-F238E27FC236}">
+                <a16:creationId xmlns:a16="http://schemas.microsoft.com/office/drawing/2014/main" id="{6D3519C1-8457-45DF-BC53-3109F7EF4CEA}"/>
               </a:ext>
             </a:extLst>
           </p:cNvPr>
@@ -4943,7 +5114,7 @@
           <p:cNvPr id="2" name="Title 1">
             <a:extLst>
               <a:ext uri="{FF2B5EF4-FFF2-40B4-BE49-F238E27FC236}">
-                <a16:creationId xmlns:a16="http://schemas.microsoft.com/office/drawing/2014/main" id="{9DCDDEA1-8562-4523-BEBB-6E19780FFEF9}"/>
+                <a16:creationId xmlns:a16="http://schemas.microsoft.com/office/drawing/2014/main" id="{BDA3F43D-7656-471E-9239-3A1B9E691E39}"/>
               </a:ext>
             </a:extLst>
           </p:cNvPr>
@@ -4968,14 +5139,14 @@
           <a:p>
             <a:r>
               <a:rPr lang="en-US" i="1" dirty="0"/>
-              <a:t>DoD 7:</a:t>
+              <a:t>DoD:</a:t>
             </a:r>
             <a:br>
               <a:rPr lang="en-US" i="1" dirty="0"/>
             </a:br>
             <a:r>
               <a:rPr lang="en-US" sz="3100" i="1" dirty="0"/>
-              <a:t>The system should use ‘log4-j’ for logging. Logger should use console and file appender for file logging.</a:t>
+              <a:t>The system should download the file from the provided URL and save it in the output folder and display the status.</a:t>
             </a:r>
             <a:br>
               <a:rPr lang="en-US" i="1" dirty="0"/>
@@ -4986,40 +5157,10 @@
       </p:sp>
       <p:pic>
         <p:nvPicPr>
-          <p:cNvPr id="4" name="Picture 3">
-            <a:extLst>
-              <a:ext uri="{FF2B5EF4-FFF2-40B4-BE49-F238E27FC236}">
-                <a16:creationId xmlns:a16="http://schemas.microsoft.com/office/drawing/2014/main" id="{E33424BA-21B1-48DA-BCA6-14EA18BED853}"/>
-              </a:ext>
-            </a:extLst>
-          </p:cNvPr>
-          <p:cNvPicPr>
-            <a:picLocks noChangeAspect="1"/>
-          </p:cNvPicPr>
-          <p:nvPr/>
-        </p:nvPicPr>
-        <p:blipFill>
-          <a:blip r:embed="rId3"/>
-          <a:stretch>
-            <a:fillRect/>
-          </a:stretch>
-        </p:blipFill>
-        <p:spPr>
-          <a:xfrm>
-            <a:off x="1624619" y="2111049"/>
-            <a:ext cx="8942761" cy="4532125"/>
-          </a:xfrm>
-          <a:prstGeom prst="rect">
-            <a:avLst/>
-          </a:prstGeom>
-        </p:spPr>
-      </p:pic>
-      <p:pic>
-        <p:nvPicPr>
           <p:cNvPr id="7" name="Picture 2" descr="https://image.slidesharecdn.com/ed3b5569-fc5a-4be7-a70f-c7e0cf2fab6b-150908032759-lva1-app6892/95/ncu-formerly-itmu-logo-1-1-638.jpg?cb=1441682911">
             <a:extLst>
               <a:ext uri="{FF2B5EF4-FFF2-40B4-BE49-F238E27FC236}">
-                <a16:creationId xmlns:a16="http://schemas.microsoft.com/office/drawing/2014/main" id="{35AEA3D2-BBB9-4403-BEB8-A8D058FBA317}"/>
+                <a16:creationId xmlns:a16="http://schemas.microsoft.com/office/drawing/2014/main" id="{624202A6-C147-4317-AC60-255ADDC423DF}"/>
               </a:ext>
             </a:extLst>
           </p:cNvPr>
@@ -5029,7 +5170,7 @@
           <p:nvPr/>
         </p:nvPicPr>
         <p:blipFill>
-          <a:blip r:embed="rId4">
+          <a:blip r:embed="rId3">
             <a:extLst>
               <a:ext uri="{28A0092B-C50C-407E-A947-70E740481C1C}">
                 <a14:useLocalDpi xmlns:a14="http://schemas.microsoft.com/office/drawing/2010/main" val="0"/>
@@ -5066,7 +5207,7 @@
           <p:cNvPr id="10" name="Date Placeholder 3">
             <a:extLst>
               <a:ext uri="{FF2B5EF4-FFF2-40B4-BE49-F238E27FC236}">
-                <a16:creationId xmlns:a16="http://schemas.microsoft.com/office/drawing/2014/main" id="{9DF00426-9A8B-4F8E-86F8-EFB5768E37D5}"/>
+                <a16:creationId xmlns:a16="http://schemas.microsoft.com/office/drawing/2014/main" id="{F0363E8B-57D7-4561-A8A7-FFE3EFEA5929}"/>
               </a:ext>
             </a:extLst>
           </p:cNvPr>
@@ -5078,7 +5219,7 @@
         <p:spPr>
           <a:xfrm>
             <a:off x="0" y="6491199"/>
-            <a:ext cx="2743200" cy="365125"/>
+            <a:ext cx="1660849" cy="365125"/>
           </a:xfrm>
           <a:prstGeom prst="rect">
             <a:avLst/>
@@ -5187,16 +5328,47 @@
             <a:fld id="{B69E9AD6-8BEC-47A7-8DB6-67B02ECE5037}" type="datetime4">
               <a:rPr lang="en-US" smtClean="0"/>
               <a:pPr/>
-              <a:t>17 February, 2019</a:t>
+              <a:t>18 February, 2019</a:t>
             </a:fld>
             <a:endParaRPr lang="en-US" dirty="0"/>
           </a:p>
         </p:txBody>
       </p:sp>
+      <p:pic>
+        <p:nvPicPr>
+          <p:cNvPr id="3" name="Picture 2">
+            <a:hlinkClick r:id="rId4" action="ppaction://hlinkfile"/>
+            <a:extLst>
+              <a:ext uri="{FF2B5EF4-FFF2-40B4-BE49-F238E27FC236}">
+                <a16:creationId xmlns:a16="http://schemas.microsoft.com/office/drawing/2014/main" id="{286F0FEA-4169-418B-AA78-92AC211878BC}"/>
+              </a:ext>
+            </a:extLst>
+          </p:cNvPr>
+          <p:cNvPicPr>
+            <a:picLocks noChangeAspect="1"/>
+          </p:cNvPicPr>
+          <p:nvPr/>
+        </p:nvPicPr>
+        <p:blipFill>
+          <a:blip r:embed="rId5"/>
+          <a:stretch>
+            <a:fillRect/>
+          </a:stretch>
+        </p:blipFill>
+        <p:spPr>
+          <a:xfrm>
+            <a:off x="2652299" y="1684574"/>
+            <a:ext cx="6868740" cy="4890602"/>
+          </a:xfrm>
+          <a:prstGeom prst="rect">
+            <a:avLst/>
+          </a:prstGeom>
+        </p:spPr>
+      </p:pic>
     </p:spTree>
     <p:extLst>
       <p:ext uri="{BB962C8B-B14F-4D97-AF65-F5344CB8AC3E}">
-        <p14:creationId xmlns:p14="http://schemas.microsoft.com/office/powerpoint/2010/main" val="483037901"/>
+        <p14:creationId xmlns:p14="http://schemas.microsoft.com/office/powerpoint/2010/main" val="410984502"/>
       </p:ext>
     </p:extLst>
   </p:cSld>
@@ -5228,7 +5400,7 @@
           <p:cNvPr id="5" name="Picture 4">
             <a:extLst>
               <a:ext uri="{FF2B5EF4-FFF2-40B4-BE49-F238E27FC236}">
-                <a16:creationId xmlns:a16="http://schemas.microsoft.com/office/drawing/2014/main" id="{685E7764-4408-4B90-8EAC-DCBBC5469FF8}"/>
+                <a16:creationId xmlns:a16="http://schemas.microsoft.com/office/drawing/2014/main" id="{A3BDF547-EFAB-40AA-A606-4B3D2A44DF9D}"/>
               </a:ext>
             </a:extLst>
           </p:cNvPr>
@@ -5264,7 +5436,7 @@
           <p:cNvPr id="2" name="Title 1">
             <a:extLst>
               <a:ext uri="{FF2B5EF4-FFF2-40B4-BE49-F238E27FC236}">
-                <a16:creationId xmlns:a16="http://schemas.microsoft.com/office/drawing/2014/main" id="{555CFC10-E578-4F03-8E5B-E61FF84407D0}"/>
+                <a16:creationId xmlns:a16="http://schemas.microsoft.com/office/drawing/2014/main" id="{8EE2C863-EB49-465C-8E85-4251D72F02F8}"/>
               </a:ext>
             </a:extLst>
           </p:cNvPr>
@@ -5277,57 +5449,29 @@
         </p:nvSpPr>
         <p:spPr>
           <a:xfrm>
-            <a:off x="838200" y="297656"/>
-            <a:ext cx="10515600" cy="1325563"/>
-          </a:xfrm>
-        </p:spPr>
-        <p:txBody>
-          <a:bodyPr/>
+            <a:off x="325016" y="2621901"/>
+            <a:ext cx="2334208" cy="1614196"/>
+          </a:xfrm>
+        </p:spPr>
+        <p:txBody>
+          <a:bodyPr>
+            <a:normAutofit/>
+          </a:bodyPr>
           <a:lstStyle/>
           <a:p>
             <a:r>
-              <a:rPr lang="en-US" dirty="0"/>
-              <a:t>Created Logs</a:t>
+              <a:rPr lang="en-US" b="1" i="1" u="sng" dirty="0"/>
+              <a:t>Driver:</a:t>
             </a:r>
           </a:p>
         </p:txBody>
       </p:sp>
       <p:pic>
         <p:nvPicPr>
-          <p:cNvPr id="4" name="Picture 3">
-            <a:extLst>
-              <a:ext uri="{FF2B5EF4-FFF2-40B4-BE49-F238E27FC236}">
-                <a16:creationId xmlns:a16="http://schemas.microsoft.com/office/drawing/2014/main" id="{2CD09EC3-C1EA-49A6-8BAA-5ACF6E66A1AD}"/>
-              </a:ext>
-            </a:extLst>
-          </p:cNvPr>
-          <p:cNvPicPr>
-            <a:picLocks noChangeAspect="1"/>
-          </p:cNvPicPr>
-          <p:nvPr/>
-        </p:nvPicPr>
-        <p:blipFill>
-          <a:blip r:embed="rId3"/>
-          <a:stretch>
-            <a:fillRect/>
-          </a:stretch>
-        </p:blipFill>
-        <p:spPr>
-          <a:xfrm>
-            <a:off x="1086238" y="1623219"/>
-            <a:ext cx="10019523" cy="4795364"/>
-          </a:xfrm>
-          <a:prstGeom prst="rect">
-            <a:avLst/>
-          </a:prstGeom>
-        </p:spPr>
-      </p:pic>
-      <p:pic>
-        <p:nvPicPr>
-          <p:cNvPr id="7" name="Picture 2" descr="https://image.slidesharecdn.com/ed3b5569-fc5a-4be7-a70f-c7e0cf2fab6b-150908032759-lva1-app6892/95/ncu-formerly-itmu-logo-1-1-638.jpg?cb=1441682911">
-            <a:extLst>
-              <a:ext uri="{FF2B5EF4-FFF2-40B4-BE49-F238E27FC236}">
-                <a16:creationId xmlns:a16="http://schemas.microsoft.com/office/drawing/2014/main" id="{B7A6202D-9236-4DC4-A3E8-113F204EE84B}"/>
+          <p:cNvPr id="6" name="Picture 2" descr="https://image.slidesharecdn.com/ed3b5569-fc5a-4be7-a70f-c7e0cf2fab6b-150908032759-lva1-app6892/95/ncu-formerly-itmu-logo-1-1-638.jpg?cb=1441682911">
+            <a:extLst>
+              <a:ext uri="{FF2B5EF4-FFF2-40B4-BE49-F238E27FC236}">
+                <a16:creationId xmlns:a16="http://schemas.microsoft.com/office/drawing/2014/main" id="{F2ADF908-86CA-4F4C-8DF2-C004F1AAAD97}"/>
               </a:ext>
             </a:extLst>
           </p:cNvPr>
@@ -5337,7 +5481,7 @@
           <p:nvPr/>
         </p:nvPicPr>
         <p:blipFill>
-          <a:blip r:embed="rId4">
+          <a:blip r:embed="rId3">
             <a:extLst>
               <a:ext uri="{28A0092B-C50C-407E-A947-70E740481C1C}">
                 <a14:useLocalDpi xmlns:a14="http://schemas.microsoft.com/office/drawing/2010/main" val="0"/>
@@ -5369,12 +5513,43 @@
           </a:extLst>
         </p:spPr>
       </p:pic>
-      <p:sp>
-        <p:nvSpPr>
-          <p:cNvPr id="10" name="Date Placeholder 3">
-            <a:extLst>
-              <a:ext uri="{FF2B5EF4-FFF2-40B4-BE49-F238E27FC236}">
-                <a16:creationId xmlns:a16="http://schemas.microsoft.com/office/drawing/2014/main" id="{57A9AD02-931C-4FDA-92B6-633997389C91}"/>
+      <p:pic>
+        <p:nvPicPr>
+          <p:cNvPr id="7" name="Picture 6">
+            <a:hlinkClick r:id="rId4" action="ppaction://hlinkfile"/>
+            <a:extLst>
+              <a:ext uri="{FF2B5EF4-FFF2-40B4-BE49-F238E27FC236}">
+                <a16:creationId xmlns:a16="http://schemas.microsoft.com/office/drawing/2014/main" id="{BB57DA64-289E-4B9B-B3C0-1871EE1A347A}"/>
+              </a:ext>
+            </a:extLst>
+          </p:cNvPr>
+          <p:cNvPicPr>
+            <a:picLocks noChangeAspect="1"/>
+          </p:cNvPicPr>
+          <p:nvPr/>
+        </p:nvPicPr>
+        <p:blipFill>
+          <a:blip r:embed="rId5"/>
+          <a:stretch>
+            <a:fillRect/>
+          </a:stretch>
+        </p:blipFill>
+        <p:spPr>
+          <a:xfrm>
+            <a:off x="2491272" y="221033"/>
+            <a:ext cx="8362421" cy="6270163"/>
+          </a:xfrm>
+          <a:prstGeom prst="rect">
+            <a:avLst/>
+          </a:prstGeom>
+        </p:spPr>
+      </p:pic>
+      <p:sp>
+        <p:nvSpPr>
+          <p:cNvPr id="8" name="Date Placeholder 3">
+            <a:extLst>
+              <a:ext uri="{FF2B5EF4-FFF2-40B4-BE49-F238E27FC236}">
+                <a16:creationId xmlns:a16="http://schemas.microsoft.com/office/drawing/2014/main" id="{2AE28360-7FB0-478F-8E7B-A75C34E34985}"/>
               </a:ext>
             </a:extLst>
           </p:cNvPr>
@@ -5495,7 +5670,7 @@
             <a:fld id="{B69E9AD6-8BEC-47A7-8DB6-67B02ECE5037}" type="datetime4">
               <a:rPr lang="en-US" smtClean="0"/>
               <a:pPr/>
-              <a:t>17 February, 2019</a:t>
+              <a:t>18 February, 2019</a:t>
             </a:fld>
             <a:endParaRPr lang="en-US" dirty="0"/>
           </a:p>
@@ -5504,7 +5679,7 @@
     </p:spTree>
     <p:extLst>
       <p:ext uri="{BB962C8B-B14F-4D97-AF65-F5344CB8AC3E}">
-        <p14:creationId xmlns:p14="http://schemas.microsoft.com/office/powerpoint/2010/main" val="1201806030"/>
+        <p14:creationId xmlns:p14="http://schemas.microsoft.com/office/powerpoint/2010/main" val="4793000"/>
       </p:ext>
     </p:extLst>
   </p:cSld>
@@ -5533,10 +5708,10 @@
       </p:grpSpPr>
       <p:pic>
         <p:nvPicPr>
-          <p:cNvPr id="4" name="Picture 3">
-            <a:extLst>
-              <a:ext uri="{FF2B5EF4-FFF2-40B4-BE49-F238E27FC236}">
-                <a16:creationId xmlns:a16="http://schemas.microsoft.com/office/drawing/2014/main" id="{1DD6EBEC-EC8B-4377-ACD0-7E7AA0641D48}"/>
+          <p:cNvPr id="5" name="Picture 4">
+            <a:extLst>
+              <a:ext uri="{FF2B5EF4-FFF2-40B4-BE49-F238E27FC236}">
+                <a16:creationId xmlns:a16="http://schemas.microsoft.com/office/drawing/2014/main" id="{49C09B22-E297-42F7-9F68-82D70BAB992E}"/>
               </a:ext>
             </a:extLst>
           </p:cNvPr>
@@ -5572,7 +5747,7 @@
           <p:cNvPr id="2" name="Title 1">
             <a:extLst>
               <a:ext uri="{FF2B5EF4-FFF2-40B4-BE49-F238E27FC236}">
-                <a16:creationId xmlns:a16="http://schemas.microsoft.com/office/drawing/2014/main" id="{A84DC8B9-1D8F-427C-889E-A577DDBF967A}"/>
+                <a16:creationId xmlns:a16="http://schemas.microsoft.com/office/drawing/2014/main" id="{2AA954CE-1484-419C-89E9-7C3DBDE8F16C}"/>
               </a:ext>
             </a:extLst>
           </p:cNvPr>
@@ -5585,29 +5760,28 @@
         </p:nvSpPr>
         <p:spPr>
           <a:xfrm>
-            <a:off x="838200" y="-8"/>
-            <a:ext cx="10515600" cy="1168167"/>
-          </a:xfrm>
-        </p:spPr>
-        <p:txBody>
-          <a:bodyPr>
-            <a:normAutofit/>
-          </a:bodyPr>
+            <a:off x="838200" y="2103437"/>
+            <a:ext cx="10515600" cy="1325563"/>
+          </a:xfrm>
+        </p:spPr>
+        <p:txBody>
+          <a:bodyPr/>
           <a:lstStyle/>
           <a:p>
             <a:r>
-              <a:rPr lang="en-US" sz="5400" b="1" dirty="0"/>
-              <a:t>Demo Successful Execution</a:t>
-            </a:r>
+              <a:rPr lang="en-US" sz="6600" b="1" u="sng" dirty="0"/>
+              <a:t>Additional features added:</a:t>
+            </a:r>
+            <a:endParaRPr lang="en-US" b="1" u="sng" dirty="0"/>
           </a:p>
         </p:txBody>
       </p:sp>
       <p:pic>
         <p:nvPicPr>
-          <p:cNvPr id="8" name="Picture 2" descr="https://image.slidesharecdn.com/ed3b5569-fc5a-4be7-a70f-c7e0cf2fab6b-150908032759-lva1-app6892/95/ncu-formerly-itmu-logo-1-1-638.jpg?cb=1441682911">
-            <a:extLst>
-              <a:ext uri="{FF2B5EF4-FFF2-40B4-BE49-F238E27FC236}">
-                <a16:creationId xmlns:a16="http://schemas.microsoft.com/office/drawing/2014/main" id="{18BAB063-D108-4729-AD6C-C72E67DD6AF1}"/>
+          <p:cNvPr id="6" name="Picture 2" descr="https://image.slidesharecdn.com/ed3b5569-fc5a-4be7-a70f-c7e0cf2fab6b-150908032759-lva1-app6892/95/ncu-formerly-itmu-logo-1-1-638.jpg?cb=1441682911">
+            <a:extLst>
+              <a:ext uri="{FF2B5EF4-FFF2-40B4-BE49-F238E27FC236}">
+                <a16:creationId xmlns:a16="http://schemas.microsoft.com/office/drawing/2014/main" id="{91D73F3F-B2A5-494A-9151-2DEDEB2846A7}"/>
               </a:ext>
             </a:extLst>
           </p:cNvPr>
@@ -5651,10 +5825,10 @@
       </p:pic>
       <p:sp>
         <p:nvSpPr>
-          <p:cNvPr id="11" name="Date Placeholder 3">
-            <a:extLst>
-              <a:ext uri="{FF2B5EF4-FFF2-40B4-BE49-F238E27FC236}">
-                <a16:creationId xmlns:a16="http://schemas.microsoft.com/office/drawing/2014/main" id="{8E6D695A-E2F1-44DD-ADC5-66EA4044C6F9}"/>
+          <p:cNvPr id="7" name="Date Placeholder 3">
+            <a:extLst>
+              <a:ext uri="{FF2B5EF4-FFF2-40B4-BE49-F238E27FC236}">
+                <a16:creationId xmlns:a16="http://schemas.microsoft.com/office/drawing/2014/main" id="{DA25E75D-A4F1-431D-8304-0C3100A7CCA6}"/>
               </a:ext>
             </a:extLst>
           </p:cNvPr>
@@ -5775,45 +5949,16 @@
             <a:fld id="{B69E9AD6-8BEC-47A7-8DB6-67B02ECE5037}" type="datetime4">
               <a:rPr lang="en-US" smtClean="0"/>
               <a:pPr/>
-              <a:t>17 February, 2019</a:t>
+              <a:t>18 February, 2019</a:t>
             </a:fld>
             <a:endParaRPr lang="en-US" dirty="0"/>
           </a:p>
         </p:txBody>
       </p:sp>
-      <p:pic>
-        <p:nvPicPr>
-          <p:cNvPr id="12" name="Picture 11">
-            <a:extLst>
-              <a:ext uri="{FF2B5EF4-FFF2-40B4-BE49-F238E27FC236}">
-                <a16:creationId xmlns:a16="http://schemas.microsoft.com/office/drawing/2014/main" id="{FAD3C610-C053-4A13-B392-03E26AD0D4C8}"/>
-              </a:ext>
-            </a:extLst>
-          </p:cNvPr>
-          <p:cNvPicPr>
-            <a:picLocks noChangeAspect="1"/>
-          </p:cNvPicPr>
-          <p:nvPr/>
-        </p:nvPicPr>
-        <p:blipFill rotWithShape="1">
-          <a:blip r:embed="rId4"/>
-          <a:srcRect l="2613"/>
-          <a:stretch/>
-        </p:blipFill>
-        <p:spPr>
-          <a:xfrm>
-            <a:off x="771525" y="1240692"/>
-            <a:ext cx="10648950" cy="5076825"/>
-          </a:xfrm>
-          <a:prstGeom prst="rect">
-            <a:avLst/>
-          </a:prstGeom>
-        </p:spPr>
-      </p:pic>
     </p:spTree>
     <p:extLst>
       <p:ext uri="{BB962C8B-B14F-4D97-AF65-F5344CB8AC3E}">
-        <p14:creationId xmlns:p14="http://schemas.microsoft.com/office/powerpoint/2010/main" val="1804932483"/>
+        <p14:creationId xmlns:p14="http://schemas.microsoft.com/office/powerpoint/2010/main" val="2000625793"/>
       </p:ext>
     </p:extLst>
   </p:cSld>
@@ -5868,7 +6013,7 @@
         </p:blipFill>
         <p:spPr>
           <a:xfrm>
-            <a:off x="0" y="1673"/>
+            <a:off x="0" y="3347"/>
             <a:ext cx="12192000" cy="6854653"/>
           </a:xfrm>
           <a:prstGeom prst="rect">
@@ -5876,34 +6021,6 @@
           </a:prstGeom>
         </p:spPr>
       </p:pic>
-      <p:sp>
-        <p:nvSpPr>
-          <p:cNvPr id="2" name="Title 1">
-            <a:extLst>
-              <a:ext uri="{FF2B5EF4-FFF2-40B4-BE49-F238E27FC236}">
-                <a16:creationId xmlns:a16="http://schemas.microsoft.com/office/drawing/2014/main" id="{8BD482DF-951F-463F-9ECF-12698E647AED}"/>
-              </a:ext>
-            </a:extLst>
-          </p:cNvPr>
-          <p:cNvSpPr>
-            <a:spLocks noGrp="1"/>
-          </p:cNvSpPr>
-          <p:nvPr>
-            <p:ph type="title"/>
-          </p:nvPr>
-        </p:nvSpPr>
-        <p:spPr/>
-        <p:txBody>
-          <a:bodyPr/>
-          <a:lstStyle/>
-          <a:p>
-            <a:r>
-              <a:rPr lang="en-US" b="1" dirty="0"/>
-              <a:t>Additional features added</a:t>
-            </a:r>
-          </a:p>
-        </p:txBody>
-      </p:sp>
       <p:sp>
         <p:nvSpPr>
           <p:cNvPr id="3" name="Content Placeholder 2">
@@ -5922,7 +6039,7 @@
         </p:nvSpPr>
         <p:spPr>
           <a:xfrm>
-            <a:off x="838200" y="2385462"/>
+            <a:off x="838200" y="845911"/>
             <a:ext cx="10515600" cy="4351338"/>
           </a:xfrm>
         </p:spPr>
@@ -5930,25 +6047,29 @@
           <a:bodyPr/>
           <a:lstStyle/>
           <a:p>
+            <a:pPr>
+              <a:buFont typeface="Wingdings" panose="05000000000000000000" pitchFamily="2" charset="2"/>
+              <a:buChar char="Ø"/>
+            </a:pPr>
             <a:r>
               <a:rPr lang="en-US" dirty="0"/>
               <a:t>Displayed live download status.</a:t>
             </a:r>
           </a:p>
           <a:p>
-            <a:r>
-              <a:rPr lang="en-US" dirty="0"/>
-              <a:t>Added different features of file in the maintained list:</a:t>
-            </a:r>
-          </a:p>
-          <a:p>
-            <a:pPr marL="0" indent="0">
-              <a:buNone/>
-            </a:pPr>
-            <a:r>
-              <a:rPr lang="en-US" dirty="0"/>
-              <a:t>   size, type, location, date modified.</a:t>
-            </a:r>
+            <a:endParaRPr lang="en-US" dirty="0"/>
+          </a:p>
+          <a:p>
+            <a:endParaRPr lang="en-US" dirty="0"/>
+          </a:p>
+          <a:p>
+            <a:endParaRPr lang="en-US" dirty="0"/>
+          </a:p>
+          <a:p>
+            <a:endParaRPr lang="en-US" dirty="0"/>
+          </a:p>
+          <a:p>
+            <a:endParaRPr lang="en-US" dirty="0"/>
           </a:p>
         </p:txBody>
       </p:sp>
@@ -6125,12 +6246,86 @@
             <a:fld id="{B69E9AD6-8BEC-47A7-8DB6-67B02ECE5037}" type="datetime4">
               <a:rPr lang="en-US" smtClean="0"/>
               <a:pPr/>
-              <a:t>17 February, 2019</a:t>
+              <a:t>18 February, 2019</a:t>
             </a:fld>
             <a:endParaRPr lang="en-US" dirty="0"/>
           </a:p>
         </p:txBody>
       </p:sp>
+      <p:pic>
+        <p:nvPicPr>
+          <p:cNvPr id="5" name="Picture 4">
+            <a:hlinkClick r:id="rId4" action="ppaction://hlinkfile"/>
+            <a:extLst>
+              <a:ext uri="{FF2B5EF4-FFF2-40B4-BE49-F238E27FC236}">
+                <a16:creationId xmlns:a16="http://schemas.microsoft.com/office/drawing/2014/main" id="{C9E46C13-0DDE-486E-B561-D377478666A2}"/>
+              </a:ext>
+            </a:extLst>
+          </p:cNvPr>
+          <p:cNvPicPr>
+            <a:picLocks noChangeAspect="1"/>
+          </p:cNvPicPr>
+          <p:nvPr/>
+        </p:nvPicPr>
+        <p:blipFill>
+          <a:blip r:embed="rId5"/>
+          <a:stretch>
+            <a:fillRect/>
+          </a:stretch>
+        </p:blipFill>
+        <p:spPr>
+          <a:xfrm>
+            <a:off x="2511490" y="1563839"/>
+            <a:ext cx="7169019" cy="2867025"/>
+          </a:xfrm>
+          <a:prstGeom prst="rect">
+            <a:avLst/>
+          </a:prstGeom>
+        </p:spPr>
+      </p:pic>
+      <p:pic>
+        <p:nvPicPr>
+          <p:cNvPr id="2" name="Picture 1">
+            <a:extLst>
+              <a:ext uri="{FF2B5EF4-FFF2-40B4-BE49-F238E27FC236}">
+                <a16:creationId xmlns:a16="http://schemas.microsoft.com/office/drawing/2014/main" id="{98048BA8-9B31-4ED4-8197-6C740D4746AA}"/>
+              </a:ext>
+            </a:extLst>
+          </p:cNvPr>
+          <p:cNvPicPr>
+            <a:picLocks noChangeAspect="1"/>
+          </p:cNvPicPr>
+          <p:nvPr/>
+        </p:nvPicPr>
+        <p:blipFill rotWithShape="1">
+          <a:blip r:embed="rId6"/>
+          <a:srcRect l="2101" t="3541" r="5276" b="15927"/>
+          <a:stretch/>
+        </p:blipFill>
+        <p:spPr>
+          <a:xfrm>
+            <a:off x="3442995" y="4991878"/>
+            <a:ext cx="4534677" cy="1020212"/>
+          </a:xfrm>
+          <a:prstGeom prst="rect">
+            <a:avLst/>
+          </a:prstGeom>
+          <a:ln w="38100" cap="sq">
+            <a:solidFill>
+              <a:srgbClr val="000000"/>
+            </a:solidFill>
+            <a:prstDash val="solid"/>
+            <a:miter lim="800000"/>
+          </a:ln>
+          <a:effectLst>
+            <a:outerShdw blurRad="50800" dist="38100" dir="2700000" algn="tl" rotWithShape="0">
+              <a:srgbClr val="000000">
+                <a:alpha val="43000"/>
+              </a:srgbClr>
+            </a:outerShdw>
+          </a:effectLst>
+        </p:spPr>
+      </p:pic>
     </p:spTree>
     <p:extLst>
       <p:ext uri="{BB962C8B-B14F-4D97-AF65-F5344CB8AC3E}">
@@ -6163,10 +6358,10 @@
       </p:grpSpPr>
       <p:pic>
         <p:nvPicPr>
-          <p:cNvPr id="4" name="Picture 3">
-            <a:extLst>
-              <a:ext uri="{FF2B5EF4-FFF2-40B4-BE49-F238E27FC236}">
-                <a16:creationId xmlns:a16="http://schemas.microsoft.com/office/drawing/2014/main" id="{C1422A81-96AB-42C7-9366-01E77E0A7F69}"/>
+          <p:cNvPr id="5" name="Picture 4">
+            <a:extLst>
+              <a:ext uri="{FF2B5EF4-FFF2-40B4-BE49-F238E27FC236}">
+                <a16:creationId xmlns:a16="http://schemas.microsoft.com/office/drawing/2014/main" id="{18E39DCB-C521-47B1-9480-AA0E3100B1F6}"/>
               </a:ext>
             </a:extLst>
           </p:cNvPr>
@@ -6199,10 +6394,366 @@
       </p:pic>
       <p:sp>
         <p:nvSpPr>
+          <p:cNvPr id="3" name="Content Placeholder 2">
+            <a:extLst>
+              <a:ext uri="{FF2B5EF4-FFF2-40B4-BE49-F238E27FC236}">
+                <a16:creationId xmlns:a16="http://schemas.microsoft.com/office/drawing/2014/main" id="{9C736509-5623-43A8-9D50-4A8CAD9B794F}"/>
+              </a:ext>
+            </a:extLst>
+          </p:cNvPr>
+          <p:cNvSpPr>
+            <a:spLocks noGrp="1"/>
+          </p:cNvSpPr>
+          <p:nvPr>
+            <p:ph idx="1"/>
+          </p:nvPr>
+        </p:nvSpPr>
+        <p:spPr>
+          <a:xfrm>
+            <a:off x="838200" y="705952"/>
+            <a:ext cx="10515600" cy="4351338"/>
+          </a:xfrm>
+        </p:spPr>
+        <p:txBody>
+          <a:bodyPr/>
+          <a:lstStyle/>
+          <a:p>
+            <a:pPr>
+              <a:buFont typeface="Wingdings" panose="05000000000000000000" pitchFamily="2" charset="2"/>
+              <a:buChar char="Ø"/>
+            </a:pPr>
+            <a:r>
+              <a:rPr lang="en-US" dirty="0"/>
+              <a:t>Added different features of file in the maintained list:</a:t>
+            </a:r>
+          </a:p>
+          <a:p>
+            <a:pPr marL="0" indent="0">
+              <a:buNone/>
+            </a:pPr>
+            <a:r>
+              <a:rPr lang="en-US" dirty="0"/>
+              <a:t>   size, type, location, date modified.</a:t>
+            </a:r>
+          </a:p>
+          <a:p>
+            <a:endParaRPr lang="en-US" dirty="0"/>
+          </a:p>
+        </p:txBody>
+      </p:sp>
+      <p:pic>
+        <p:nvPicPr>
+          <p:cNvPr id="6" name="Picture 5">
+            <a:hlinkClick r:id="rId3" action="ppaction://hlinkfile"/>
+            <a:extLst>
+              <a:ext uri="{FF2B5EF4-FFF2-40B4-BE49-F238E27FC236}">
+                <a16:creationId xmlns:a16="http://schemas.microsoft.com/office/drawing/2014/main" id="{88057A6A-BCAA-4DFE-A64B-8C9009BD9383}"/>
+              </a:ext>
+            </a:extLst>
+          </p:cNvPr>
+          <p:cNvPicPr>
+            <a:picLocks noChangeAspect="1"/>
+          </p:cNvPicPr>
+          <p:nvPr/>
+        </p:nvPicPr>
+        <p:blipFill>
+          <a:blip r:embed="rId4"/>
+          <a:stretch>
+            <a:fillRect/>
+          </a:stretch>
+        </p:blipFill>
+        <p:spPr>
+          <a:xfrm>
+            <a:off x="838200" y="3954763"/>
+            <a:ext cx="10515600" cy="2418052"/>
+          </a:xfrm>
+          <a:prstGeom prst="rect">
+            <a:avLst/>
+          </a:prstGeom>
+        </p:spPr>
+      </p:pic>
+      <p:pic>
+        <p:nvPicPr>
+          <p:cNvPr id="7" name="Picture 6">
+            <a:hlinkClick r:id="rId5" action="ppaction://hlinkfile"/>
+            <a:extLst>
+              <a:ext uri="{FF2B5EF4-FFF2-40B4-BE49-F238E27FC236}">
+                <a16:creationId xmlns:a16="http://schemas.microsoft.com/office/drawing/2014/main" id="{49370F89-F082-435F-91BF-0D88B44681E6}"/>
+              </a:ext>
+            </a:extLst>
+          </p:cNvPr>
+          <p:cNvPicPr>
+            <a:picLocks noChangeAspect="1"/>
+          </p:cNvPicPr>
+          <p:nvPr/>
+        </p:nvPicPr>
+        <p:blipFill>
+          <a:blip r:embed="rId6"/>
+          <a:stretch>
+            <a:fillRect/>
+          </a:stretch>
+        </p:blipFill>
+        <p:spPr>
+          <a:xfrm>
+            <a:off x="3581400" y="1942905"/>
+            <a:ext cx="4365852" cy="1983865"/>
+          </a:xfrm>
+          <a:prstGeom prst="rect">
+            <a:avLst/>
+          </a:prstGeom>
+        </p:spPr>
+      </p:pic>
+      <p:pic>
+        <p:nvPicPr>
+          <p:cNvPr id="8" name="Picture 2" descr="https://image.slidesharecdn.com/ed3b5569-fc5a-4be7-a70f-c7e0cf2fab6b-150908032759-lva1-app6892/95/ncu-formerly-itmu-logo-1-1-638.jpg?cb=1441682911">
+            <a:extLst>
+              <a:ext uri="{FF2B5EF4-FFF2-40B4-BE49-F238E27FC236}">
+                <a16:creationId xmlns:a16="http://schemas.microsoft.com/office/drawing/2014/main" id="{D604B965-D27B-480A-BECC-49F6DEA547FE}"/>
+              </a:ext>
+            </a:extLst>
+          </p:cNvPr>
+          <p:cNvPicPr>
+            <a:picLocks noChangeAspect="1" noChangeArrowheads="1"/>
+          </p:cNvPicPr>
+          <p:nvPr/>
+        </p:nvPicPr>
+        <p:blipFill>
+          <a:blip r:embed="rId7">
+            <a:extLst>
+              <a:ext uri="{28A0092B-C50C-407E-A947-70E740481C1C}">
+                <a14:useLocalDpi xmlns:a14="http://schemas.microsoft.com/office/drawing/2010/main" val="0"/>
+              </a:ext>
+            </a:extLst>
+          </a:blip>
+          <a:srcRect/>
+          <a:stretch>
+            <a:fillRect/>
+          </a:stretch>
+        </p:blipFill>
+        <p:spPr bwMode="auto">
+          <a:xfrm>
+            <a:off x="10991460" y="1"/>
+            <a:ext cx="1200539" cy="701882"/>
+          </a:xfrm>
+          <a:prstGeom prst="rect">
+            <a:avLst/>
+          </a:prstGeom>
+          <a:noFill/>
+          <a:extLst>
+            <a:ext uri="{909E8E84-426E-40DD-AFC4-6F175D3DCCD1}">
+              <a14:hiddenFill xmlns:a14="http://schemas.microsoft.com/office/drawing/2010/main">
+                <a:solidFill>
+                  <a:srgbClr val="FFFFFF"/>
+                </a:solidFill>
+              </a14:hiddenFill>
+            </a:ext>
+          </a:extLst>
+        </p:spPr>
+      </p:pic>
+      <p:sp>
+        <p:nvSpPr>
+          <p:cNvPr id="9" name="Date Placeholder 3">
+            <a:extLst>
+              <a:ext uri="{FF2B5EF4-FFF2-40B4-BE49-F238E27FC236}">
+                <a16:creationId xmlns:a16="http://schemas.microsoft.com/office/drawing/2014/main" id="{7D4F5D01-55A9-4DF1-91BA-D01A17700ED8}"/>
+              </a:ext>
+            </a:extLst>
+          </p:cNvPr>
+          <p:cNvSpPr txBox="1">
+            <a:spLocks/>
+          </p:cNvSpPr>
+          <p:nvPr/>
+        </p:nvSpPr>
+        <p:spPr>
+          <a:xfrm>
+            <a:off x="0" y="6491199"/>
+            <a:ext cx="2743200" cy="365125"/>
+          </a:xfrm>
+          <a:prstGeom prst="rect">
+            <a:avLst/>
+          </a:prstGeom>
+        </p:spPr>
+        <p:txBody>
+          <a:bodyPr vert="horz" lIns="91440" tIns="45720" rIns="91440" bIns="45720" rtlCol="0" anchor="ctr"/>
+          <a:lstStyle>
+            <a:defPPr>
+              <a:defRPr lang="en-US"/>
+            </a:defPPr>
+            <a:lvl1pPr marL="0" algn="l" defTabSz="914400" rtl="0" eaLnBrk="1" latinLnBrk="0" hangingPunct="1">
+              <a:defRPr sz="1200" kern="1200">
+                <a:solidFill>
+                  <a:schemeClr val="tx1">
+                    <a:tint val="75000"/>
+                  </a:schemeClr>
+                </a:solidFill>
+                <a:latin typeface="+mn-lt"/>
+                <a:ea typeface="+mn-ea"/>
+                <a:cs typeface="+mn-cs"/>
+              </a:defRPr>
+            </a:lvl1pPr>
+            <a:lvl2pPr marL="457200" algn="l" defTabSz="914400" rtl="0" eaLnBrk="1" latinLnBrk="0" hangingPunct="1">
+              <a:defRPr sz="1800" kern="1200">
+                <a:solidFill>
+                  <a:schemeClr val="tx1"/>
+                </a:solidFill>
+                <a:latin typeface="+mn-lt"/>
+                <a:ea typeface="+mn-ea"/>
+                <a:cs typeface="+mn-cs"/>
+              </a:defRPr>
+            </a:lvl2pPr>
+            <a:lvl3pPr marL="914400" algn="l" defTabSz="914400" rtl="0" eaLnBrk="1" latinLnBrk="0" hangingPunct="1">
+              <a:defRPr sz="1800" kern="1200">
+                <a:solidFill>
+                  <a:schemeClr val="tx1"/>
+                </a:solidFill>
+                <a:latin typeface="+mn-lt"/>
+                <a:ea typeface="+mn-ea"/>
+                <a:cs typeface="+mn-cs"/>
+              </a:defRPr>
+            </a:lvl3pPr>
+            <a:lvl4pPr marL="1371600" algn="l" defTabSz="914400" rtl="0" eaLnBrk="1" latinLnBrk="0" hangingPunct="1">
+              <a:defRPr sz="1800" kern="1200">
+                <a:solidFill>
+                  <a:schemeClr val="tx1"/>
+                </a:solidFill>
+                <a:latin typeface="+mn-lt"/>
+                <a:ea typeface="+mn-ea"/>
+                <a:cs typeface="+mn-cs"/>
+              </a:defRPr>
+            </a:lvl4pPr>
+            <a:lvl5pPr marL="1828800" algn="l" defTabSz="914400" rtl="0" eaLnBrk="1" latinLnBrk="0" hangingPunct="1">
+              <a:defRPr sz="1800" kern="1200">
+                <a:solidFill>
+                  <a:schemeClr val="tx1"/>
+                </a:solidFill>
+                <a:latin typeface="+mn-lt"/>
+                <a:ea typeface="+mn-ea"/>
+                <a:cs typeface="+mn-cs"/>
+              </a:defRPr>
+            </a:lvl5pPr>
+            <a:lvl6pPr marL="2286000" algn="l" defTabSz="914400" rtl="0" eaLnBrk="1" latinLnBrk="0" hangingPunct="1">
+              <a:defRPr sz="1800" kern="1200">
+                <a:solidFill>
+                  <a:schemeClr val="tx1"/>
+                </a:solidFill>
+                <a:latin typeface="+mn-lt"/>
+                <a:ea typeface="+mn-ea"/>
+                <a:cs typeface="+mn-cs"/>
+              </a:defRPr>
+            </a:lvl6pPr>
+            <a:lvl7pPr marL="2743200" algn="l" defTabSz="914400" rtl="0" eaLnBrk="1" latinLnBrk="0" hangingPunct="1">
+              <a:defRPr sz="1800" kern="1200">
+                <a:solidFill>
+                  <a:schemeClr val="tx1"/>
+                </a:solidFill>
+                <a:latin typeface="+mn-lt"/>
+                <a:ea typeface="+mn-ea"/>
+                <a:cs typeface="+mn-cs"/>
+              </a:defRPr>
+            </a:lvl7pPr>
+            <a:lvl8pPr marL="3200400" algn="l" defTabSz="914400" rtl="0" eaLnBrk="1" latinLnBrk="0" hangingPunct="1">
+              <a:defRPr sz="1800" kern="1200">
+                <a:solidFill>
+                  <a:schemeClr val="tx1"/>
+                </a:solidFill>
+                <a:latin typeface="+mn-lt"/>
+                <a:ea typeface="+mn-ea"/>
+                <a:cs typeface="+mn-cs"/>
+              </a:defRPr>
+            </a:lvl8pPr>
+            <a:lvl9pPr marL="3657600" algn="l" defTabSz="914400" rtl="0" eaLnBrk="1" latinLnBrk="0" hangingPunct="1">
+              <a:defRPr sz="1800" kern="1200">
+                <a:solidFill>
+                  <a:schemeClr val="tx1"/>
+                </a:solidFill>
+                <a:latin typeface="+mn-lt"/>
+                <a:ea typeface="+mn-ea"/>
+                <a:cs typeface="+mn-cs"/>
+              </a:defRPr>
+            </a:lvl9pPr>
+          </a:lstStyle>
+          <a:p>
+            <a:fld id="{B69E9AD6-8BEC-47A7-8DB6-67B02ECE5037}" type="datetime4">
+              <a:rPr lang="en-US" smtClean="0"/>
+              <a:pPr/>
+              <a:t>18 February, 2019</a:t>
+            </a:fld>
+            <a:endParaRPr lang="en-US" dirty="0"/>
+          </a:p>
+        </p:txBody>
+      </p:sp>
+    </p:spTree>
+    <p:extLst>
+      <p:ext uri="{BB962C8B-B14F-4D97-AF65-F5344CB8AC3E}">
+        <p14:creationId xmlns:p14="http://schemas.microsoft.com/office/powerpoint/2010/main" val="2499269901"/>
+      </p:ext>
+    </p:extLst>
+  </p:cSld>
+  <p:clrMapOvr>
+    <a:masterClrMapping/>
+  </p:clrMapOvr>
+</p:sld>
+</file>
+
+<file path=ppt/slides/slide18.xml><?xml version="1.0" encoding="utf-8"?>
+<p:sld xmlns:a="http://schemas.openxmlformats.org/drawingml/2006/main" xmlns:r="http://schemas.openxmlformats.org/officeDocument/2006/relationships" xmlns:p="http://schemas.openxmlformats.org/presentationml/2006/main">
+  <p:cSld>
+    <p:spTree>
+      <p:nvGrpSpPr>
+        <p:cNvPr id="1" name=""/>
+        <p:cNvGrpSpPr/>
+        <p:nvPr/>
+      </p:nvGrpSpPr>
+      <p:grpSpPr>
+        <a:xfrm>
+          <a:off x="0" y="0"/>
+          <a:ext cx="0" cy="0"/>
+          <a:chOff x="0" y="0"/>
+          <a:chExt cx="0" cy="0"/>
+        </a:xfrm>
+      </p:grpSpPr>
+      <p:pic>
+        <p:nvPicPr>
+          <p:cNvPr id="5" name="Picture 4">
+            <a:extLst>
+              <a:ext uri="{FF2B5EF4-FFF2-40B4-BE49-F238E27FC236}">
+                <a16:creationId xmlns:a16="http://schemas.microsoft.com/office/drawing/2014/main" id="{49C09B22-E297-42F7-9F68-82D70BAB992E}"/>
+              </a:ext>
+            </a:extLst>
+          </p:cNvPr>
+          <p:cNvPicPr>
+            <a:picLocks noChangeAspect="1"/>
+          </p:cNvPicPr>
+          <p:nvPr/>
+        </p:nvPicPr>
+        <p:blipFill>
+          <a:blip r:embed="rId2">
+            <a:extLst>
+              <a:ext uri="{28A0092B-C50C-407E-A947-70E740481C1C}">
+                <a14:useLocalDpi xmlns:a14="http://schemas.microsoft.com/office/drawing/2010/main" val="0"/>
+              </a:ext>
+            </a:extLst>
+          </a:blip>
+          <a:stretch>
+            <a:fillRect/>
+          </a:stretch>
+        </p:blipFill>
+        <p:spPr>
+          <a:xfrm>
+            <a:off x="0" y="1673"/>
+            <a:ext cx="12192000" cy="6854653"/>
+          </a:xfrm>
+          <a:prstGeom prst="rect">
+            <a:avLst/>
+          </a:prstGeom>
+        </p:spPr>
+      </p:pic>
+      <p:sp>
+        <p:nvSpPr>
           <p:cNvPr id="2" name="Title 1">
             <a:extLst>
               <a:ext uri="{FF2B5EF4-FFF2-40B4-BE49-F238E27FC236}">
-                <a16:creationId xmlns:a16="http://schemas.microsoft.com/office/drawing/2014/main" id="{8BD482DF-951F-463F-9ECF-12698E647AED}"/>
+                <a16:creationId xmlns:a16="http://schemas.microsoft.com/office/drawing/2014/main" id="{2AA954CE-1484-419C-89E9-7C3DBDE8F16C}"/>
               </a:ext>
             </a:extLst>
           </p:cNvPr>
@@ -6215,20 +6766,19 @@
         </p:nvSpPr>
         <p:spPr>
           <a:xfrm>
-            <a:off x="2871496" y="1982705"/>
-            <a:ext cx="6449008" cy="2892587"/>
-          </a:xfrm>
-        </p:spPr>
-        <p:txBody>
-          <a:bodyPr>
-            <a:normAutofit/>
-          </a:bodyPr>
+            <a:off x="256301" y="125347"/>
+            <a:ext cx="10515600" cy="1325563"/>
+          </a:xfrm>
+        </p:spPr>
+        <p:txBody>
+          <a:bodyPr/>
           <a:lstStyle/>
           <a:p>
             <a:r>
-              <a:rPr lang="en-US" sz="11500" b="1" u="sng" dirty="0"/>
-              <a:t>Thank You</a:t>
-            </a:r>
+              <a:rPr lang="en-US" sz="6600" i="1" dirty="0"/>
+              <a:t>Maintained List:</a:t>
+            </a:r>
+            <a:endParaRPr lang="en-US" i="1" dirty="0"/>
           </a:p>
         </p:txBody>
       </p:sp>
@@ -6237,7 +6787,7 @@
           <p:cNvPr id="6" name="Picture 2" descr="https://image.slidesharecdn.com/ed3b5569-fc5a-4be7-a70f-c7e0cf2fab6b-150908032759-lva1-app6892/95/ncu-formerly-itmu-logo-1-1-638.jpg?cb=1441682911">
             <a:extLst>
               <a:ext uri="{FF2B5EF4-FFF2-40B4-BE49-F238E27FC236}">
-                <a16:creationId xmlns:a16="http://schemas.microsoft.com/office/drawing/2014/main" id="{9A4CB7BF-6655-473D-BC8F-32CEE9BC58B7}"/>
+                <a16:creationId xmlns:a16="http://schemas.microsoft.com/office/drawing/2014/main" id="{91D73F3F-B2A5-494A-9151-2DEDEB2846A7}"/>
               </a:ext>
             </a:extLst>
           </p:cNvPr>
@@ -6281,10 +6831,10 @@
       </p:pic>
       <p:sp>
         <p:nvSpPr>
-          <p:cNvPr id="9" name="Date Placeholder 3">
-            <a:extLst>
-              <a:ext uri="{FF2B5EF4-FFF2-40B4-BE49-F238E27FC236}">
-                <a16:creationId xmlns:a16="http://schemas.microsoft.com/office/drawing/2014/main" id="{B11B1C14-D6BE-47D5-8D7F-8BD2E5895431}"/>
+          <p:cNvPr id="7" name="Date Placeholder 3">
+            <a:extLst>
+              <a:ext uri="{FF2B5EF4-FFF2-40B4-BE49-F238E27FC236}">
+                <a16:creationId xmlns:a16="http://schemas.microsoft.com/office/drawing/2014/main" id="{DA25E75D-A4F1-431D-8304-0C3100A7CCA6}"/>
               </a:ext>
             </a:extLst>
           </p:cNvPr>
@@ -6405,16 +6955,455 @@
             <a:fld id="{B69E9AD6-8BEC-47A7-8DB6-67B02ECE5037}" type="datetime4">
               <a:rPr lang="en-US" smtClean="0"/>
               <a:pPr/>
-              <a:t>17 February, 2019</a:t>
+              <a:t>18 February, 2019</a:t>
             </a:fld>
             <a:endParaRPr lang="en-US" dirty="0"/>
+          </a:p>
+        </p:txBody>
+      </p:sp>
+      <p:pic>
+        <p:nvPicPr>
+          <p:cNvPr id="3" name="Picture 2">
+            <a:extLst>
+              <a:ext uri="{FF2B5EF4-FFF2-40B4-BE49-F238E27FC236}">
+                <a16:creationId xmlns:a16="http://schemas.microsoft.com/office/drawing/2014/main" id="{7AB13402-6871-476F-A8DA-E1C38F0D882A}"/>
+              </a:ext>
+            </a:extLst>
+          </p:cNvPr>
+          <p:cNvPicPr>
+            <a:picLocks noChangeAspect="1"/>
+          </p:cNvPicPr>
+          <p:nvPr/>
+        </p:nvPicPr>
+        <p:blipFill>
+          <a:blip r:embed="rId4"/>
+          <a:stretch>
+            <a:fillRect/>
+          </a:stretch>
+        </p:blipFill>
+        <p:spPr>
+          <a:xfrm>
+            <a:off x="5413309" y="1574584"/>
+            <a:ext cx="6178420" cy="3924300"/>
+          </a:xfrm>
+          <a:prstGeom prst="rect">
+            <a:avLst/>
+          </a:prstGeom>
+        </p:spPr>
+      </p:pic>
+      <p:pic>
+        <p:nvPicPr>
+          <p:cNvPr id="4" name="Picture 3">
+            <a:extLst>
+              <a:ext uri="{FF2B5EF4-FFF2-40B4-BE49-F238E27FC236}">
+                <a16:creationId xmlns:a16="http://schemas.microsoft.com/office/drawing/2014/main" id="{BABDBC6B-BBA4-4AF6-8179-58E82E226249}"/>
+              </a:ext>
+            </a:extLst>
+          </p:cNvPr>
+          <p:cNvPicPr>
+            <a:picLocks noChangeAspect="1"/>
+          </p:cNvPicPr>
+          <p:nvPr/>
+        </p:nvPicPr>
+        <p:blipFill>
+          <a:blip r:embed="rId5"/>
+          <a:stretch>
+            <a:fillRect/>
+          </a:stretch>
+        </p:blipFill>
+        <p:spPr>
+          <a:xfrm>
+            <a:off x="256301" y="1574585"/>
+            <a:ext cx="5080809" cy="3924300"/>
+          </a:xfrm>
+          <a:prstGeom prst="rect">
+            <a:avLst/>
+          </a:prstGeom>
+        </p:spPr>
+      </p:pic>
+      <p:sp>
+        <p:nvSpPr>
+          <p:cNvPr id="8" name="TextBox 7">
+            <a:extLst>
+              <a:ext uri="{FF2B5EF4-FFF2-40B4-BE49-F238E27FC236}">
+                <a16:creationId xmlns:a16="http://schemas.microsoft.com/office/drawing/2014/main" id="{2A888FFE-2AF6-43BB-BD82-CDA8EDD383D8}"/>
+              </a:ext>
+            </a:extLst>
+          </p:cNvPr>
+          <p:cNvSpPr txBox="1"/>
+          <p:nvPr/>
+        </p:nvSpPr>
+        <p:spPr>
+          <a:xfrm>
+            <a:off x="1765672" y="5625710"/>
+            <a:ext cx="2062065" cy="369332"/>
+          </a:xfrm>
+          <a:prstGeom prst="rect">
+            <a:avLst/>
+          </a:prstGeom>
+          <a:noFill/>
+        </p:spPr>
+        <p:txBody>
+          <a:bodyPr wrap="square" rtlCol="0">
+            <a:spAutoFit/>
+          </a:bodyPr>
+          <a:lstStyle/>
+          <a:p>
+            <a:r>
+              <a:rPr lang="en-US" dirty="0"/>
+              <a:t>As seen in notepad</a:t>
+            </a:r>
+          </a:p>
+        </p:txBody>
+      </p:sp>
+      <p:sp>
+        <p:nvSpPr>
+          <p:cNvPr id="9" name="TextBox 8">
+            <a:extLst>
+              <a:ext uri="{FF2B5EF4-FFF2-40B4-BE49-F238E27FC236}">
+                <a16:creationId xmlns:a16="http://schemas.microsoft.com/office/drawing/2014/main" id="{2334230A-BE5D-4D64-AF3A-DD76FB36C1BB}"/>
+              </a:ext>
+            </a:extLst>
+          </p:cNvPr>
+          <p:cNvSpPr txBox="1"/>
+          <p:nvPr/>
+        </p:nvSpPr>
+        <p:spPr>
+          <a:xfrm>
+            <a:off x="7251050" y="5625710"/>
+            <a:ext cx="2502938" cy="369332"/>
+          </a:xfrm>
+          <a:prstGeom prst="rect">
+            <a:avLst/>
+          </a:prstGeom>
+          <a:noFill/>
+        </p:spPr>
+        <p:txBody>
+          <a:bodyPr wrap="square" rtlCol="0">
+            <a:spAutoFit/>
+          </a:bodyPr>
+          <a:lstStyle/>
+          <a:p>
+            <a:r>
+              <a:rPr lang="en-US" dirty="0"/>
+              <a:t>As seen in spreadsheet</a:t>
+            </a:r>
           </a:p>
         </p:txBody>
       </p:sp>
     </p:spTree>
     <p:extLst>
       <p:ext uri="{BB962C8B-B14F-4D97-AF65-F5344CB8AC3E}">
-        <p14:creationId xmlns:p14="http://schemas.microsoft.com/office/powerpoint/2010/main" val="3137403763"/>
+        <p14:creationId xmlns:p14="http://schemas.microsoft.com/office/powerpoint/2010/main" val="3407190889"/>
+      </p:ext>
+    </p:extLst>
+  </p:cSld>
+  <p:clrMapOvr>
+    <a:masterClrMapping/>
+  </p:clrMapOvr>
+</p:sld>
+</file>
+
+<file path=ppt/slides/slide19.xml><?xml version="1.0" encoding="utf-8"?>
+<p:sld xmlns:a="http://schemas.openxmlformats.org/drawingml/2006/main" xmlns:r="http://schemas.openxmlformats.org/officeDocument/2006/relationships" xmlns:p="http://schemas.openxmlformats.org/presentationml/2006/main">
+  <p:cSld>
+    <p:spTree>
+      <p:nvGrpSpPr>
+        <p:cNvPr id="1" name=""/>
+        <p:cNvGrpSpPr/>
+        <p:nvPr/>
+      </p:nvGrpSpPr>
+      <p:grpSpPr>
+        <a:xfrm>
+          <a:off x="0" y="0"/>
+          <a:ext cx="0" cy="0"/>
+          <a:chOff x="0" y="0"/>
+          <a:chExt cx="0" cy="0"/>
+        </a:xfrm>
+      </p:grpSpPr>
+      <p:pic>
+        <p:nvPicPr>
+          <p:cNvPr id="4" name="Picture 3">
+            <a:extLst>
+              <a:ext uri="{FF2B5EF4-FFF2-40B4-BE49-F238E27FC236}">
+                <a16:creationId xmlns:a16="http://schemas.microsoft.com/office/drawing/2014/main" id="{1DD6EBEC-EC8B-4377-ACD0-7E7AA0641D48}"/>
+              </a:ext>
+            </a:extLst>
+          </p:cNvPr>
+          <p:cNvPicPr>
+            <a:picLocks noChangeAspect="1"/>
+          </p:cNvPicPr>
+          <p:nvPr/>
+        </p:nvPicPr>
+        <p:blipFill>
+          <a:blip r:embed="rId2">
+            <a:extLst>
+              <a:ext uri="{28A0092B-C50C-407E-A947-70E740481C1C}">
+                <a14:useLocalDpi xmlns:a14="http://schemas.microsoft.com/office/drawing/2010/main" val="0"/>
+              </a:ext>
+            </a:extLst>
+          </a:blip>
+          <a:stretch>
+            <a:fillRect/>
+          </a:stretch>
+        </p:blipFill>
+        <p:spPr>
+          <a:xfrm>
+            <a:off x="0" y="1673"/>
+            <a:ext cx="12192000" cy="6854653"/>
+          </a:xfrm>
+          <a:prstGeom prst="rect">
+            <a:avLst/>
+          </a:prstGeom>
+        </p:spPr>
+      </p:pic>
+      <p:sp>
+        <p:nvSpPr>
+          <p:cNvPr id="2" name="Title 1">
+            <a:extLst>
+              <a:ext uri="{FF2B5EF4-FFF2-40B4-BE49-F238E27FC236}">
+                <a16:creationId xmlns:a16="http://schemas.microsoft.com/office/drawing/2014/main" id="{A84DC8B9-1D8F-427C-889E-A577DDBF967A}"/>
+              </a:ext>
+            </a:extLst>
+          </p:cNvPr>
+          <p:cNvSpPr>
+            <a:spLocks noGrp="1"/>
+          </p:cNvSpPr>
+          <p:nvPr>
+            <p:ph type="title"/>
+          </p:nvPr>
+        </p:nvSpPr>
+        <p:spPr>
+          <a:xfrm>
+            <a:off x="838200" y="-8"/>
+            <a:ext cx="10515600" cy="1168167"/>
+          </a:xfrm>
+        </p:spPr>
+        <p:txBody>
+          <a:bodyPr>
+            <a:normAutofit/>
+          </a:bodyPr>
+          <a:lstStyle/>
+          <a:p>
+            <a:r>
+              <a:rPr lang="en-US" sz="5400" b="1" dirty="0"/>
+              <a:t>Demo Successful Execution</a:t>
+            </a:r>
+          </a:p>
+        </p:txBody>
+      </p:sp>
+      <p:pic>
+        <p:nvPicPr>
+          <p:cNvPr id="8" name="Picture 2" descr="https://image.slidesharecdn.com/ed3b5569-fc5a-4be7-a70f-c7e0cf2fab6b-150908032759-lva1-app6892/95/ncu-formerly-itmu-logo-1-1-638.jpg?cb=1441682911">
+            <a:extLst>
+              <a:ext uri="{FF2B5EF4-FFF2-40B4-BE49-F238E27FC236}">
+                <a16:creationId xmlns:a16="http://schemas.microsoft.com/office/drawing/2014/main" id="{18BAB063-D108-4729-AD6C-C72E67DD6AF1}"/>
+              </a:ext>
+            </a:extLst>
+          </p:cNvPr>
+          <p:cNvPicPr>
+            <a:picLocks noChangeAspect="1" noChangeArrowheads="1"/>
+          </p:cNvPicPr>
+          <p:nvPr/>
+        </p:nvPicPr>
+        <p:blipFill>
+          <a:blip r:embed="rId3">
+            <a:extLst>
+              <a:ext uri="{28A0092B-C50C-407E-A947-70E740481C1C}">
+                <a14:useLocalDpi xmlns:a14="http://schemas.microsoft.com/office/drawing/2010/main" val="0"/>
+              </a:ext>
+            </a:extLst>
+          </a:blip>
+          <a:srcRect/>
+          <a:stretch>
+            <a:fillRect/>
+          </a:stretch>
+        </p:blipFill>
+        <p:spPr bwMode="auto">
+          <a:xfrm>
+            <a:off x="10991460" y="1"/>
+            <a:ext cx="1200539" cy="701882"/>
+          </a:xfrm>
+          <a:prstGeom prst="rect">
+            <a:avLst/>
+          </a:prstGeom>
+          <a:noFill/>
+          <a:extLst>
+            <a:ext uri="{909E8E84-426E-40DD-AFC4-6F175D3DCCD1}">
+              <a14:hiddenFill xmlns:a14="http://schemas.microsoft.com/office/drawing/2010/main">
+                <a:solidFill>
+                  <a:srgbClr val="FFFFFF"/>
+                </a:solidFill>
+              </a14:hiddenFill>
+            </a:ext>
+          </a:extLst>
+        </p:spPr>
+      </p:pic>
+      <p:sp>
+        <p:nvSpPr>
+          <p:cNvPr id="11" name="Date Placeholder 3">
+            <a:extLst>
+              <a:ext uri="{FF2B5EF4-FFF2-40B4-BE49-F238E27FC236}">
+                <a16:creationId xmlns:a16="http://schemas.microsoft.com/office/drawing/2014/main" id="{8E6D695A-E2F1-44DD-ADC5-66EA4044C6F9}"/>
+              </a:ext>
+            </a:extLst>
+          </p:cNvPr>
+          <p:cNvSpPr txBox="1">
+            <a:spLocks/>
+          </p:cNvSpPr>
+          <p:nvPr/>
+        </p:nvSpPr>
+        <p:spPr>
+          <a:xfrm>
+            <a:off x="0" y="6491199"/>
+            <a:ext cx="2743200" cy="365125"/>
+          </a:xfrm>
+          <a:prstGeom prst="rect">
+            <a:avLst/>
+          </a:prstGeom>
+        </p:spPr>
+        <p:txBody>
+          <a:bodyPr vert="horz" lIns="91440" tIns="45720" rIns="91440" bIns="45720" rtlCol="0" anchor="ctr"/>
+          <a:lstStyle>
+            <a:defPPr>
+              <a:defRPr lang="en-US"/>
+            </a:defPPr>
+            <a:lvl1pPr marL="0" algn="l" defTabSz="914400" rtl="0" eaLnBrk="1" latinLnBrk="0" hangingPunct="1">
+              <a:defRPr sz="1200" kern="1200">
+                <a:solidFill>
+                  <a:schemeClr val="tx1">
+                    <a:tint val="75000"/>
+                  </a:schemeClr>
+                </a:solidFill>
+                <a:latin typeface="+mn-lt"/>
+                <a:ea typeface="+mn-ea"/>
+                <a:cs typeface="+mn-cs"/>
+              </a:defRPr>
+            </a:lvl1pPr>
+            <a:lvl2pPr marL="457200" algn="l" defTabSz="914400" rtl="0" eaLnBrk="1" latinLnBrk="0" hangingPunct="1">
+              <a:defRPr sz="1800" kern="1200">
+                <a:solidFill>
+                  <a:schemeClr val="tx1"/>
+                </a:solidFill>
+                <a:latin typeface="+mn-lt"/>
+                <a:ea typeface="+mn-ea"/>
+                <a:cs typeface="+mn-cs"/>
+              </a:defRPr>
+            </a:lvl2pPr>
+            <a:lvl3pPr marL="914400" algn="l" defTabSz="914400" rtl="0" eaLnBrk="1" latinLnBrk="0" hangingPunct="1">
+              <a:defRPr sz="1800" kern="1200">
+                <a:solidFill>
+                  <a:schemeClr val="tx1"/>
+                </a:solidFill>
+                <a:latin typeface="+mn-lt"/>
+                <a:ea typeface="+mn-ea"/>
+                <a:cs typeface="+mn-cs"/>
+              </a:defRPr>
+            </a:lvl3pPr>
+            <a:lvl4pPr marL="1371600" algn="l" defTabSz="914400" rtl="0" eaLnBrk="1" latinLnBrk="0" hangingPunct="1">
+              <a:defRPr sz="1800" kern="1200">
+                <a:solidFill>
+                  <a:schemeClr val="tx1"/>
+                </a:solidFill>
+                <a:latin typeface="+mn-lt"/>
+                <a:ea typeface="+mn-ea"/>
+                <a:cs typeface="+mn-cs"/>
+              </a:defRPr>
+            </a:lvl4pPr>
+            <a:lvl5pPr marL="1828800" algn="l" defTabSz="914400" rtl="0" eaLnBrk="1" latinLnBrk="0" hangingPunct="1">
+              <a:defRPr sz="1800" kern="1200">
+                <a:solidFill>
+                  <a:schemeClr val="tx1"/>
+                </a:solidFill>
+                <a:latin typeface="+mn-lt"/>
+                <a:ea typeface="+mn-ea"/>
+                <a:cs typeface="+mn-cs"/>
+              </a:defRPr>
+            </a:lvl5pPr>
+            <a:lvl6pPr marL="2286000" algn="l" defTabSz="914400" rtl="0" eaLnBrk="1" latinLnBrk="0" hangingPunct="1">
+              <a:defRPr sz="1800" kern="1200">
+                <a:solidFill>
+                  <a:schemeClr val="tx1"/>
+                </a:solidFill>
+                <a:latin typeface="+mn-lt"/>
+                <a:ea typeface="+mn-ea"/>
+                <a:cs typeface="+mn-cs"/>
+              </a:defRPr>
+            </a:lvl6pPr>
+            <a:lvl7pPr marL="2743200" algn="l" defTabSz="914400" rtl="0" eaLnBrk="1" latinLnBrk="0" hangingPunct="1">
+              <a:defRPr sz="1800" kern="1200">
+                <a:solidFill>
+                  <a:schemeClr val="tx1"/>
+                </a:solidFill>
+                <a:latin typeface="+mn-lt"/>
+                <a:ea typeface="+mn-ea"/>
+                <a:cs typeface="+mn-cs"/>
+              </a:defRPr>
+            </a:lvl7pPr>
+            <a:lvl8pPr marL="3200400" algn="l" defTabSz="914400" rtl="0" eaLnBrk="1" latinLnBrk="0" hangingPunct="1">
+              <a:defRPr sz="1800" kern="1200">
+                <a:solidFill>
+                  <a:schemeClr val="tx1"/>
+                </a:solidFill>
+                <a:latin typeface="+mn-lt"/>
+                <a:ea typeface="+mn-ea"/>
+                <a:cs typeface="+mn-cs"/>
+              </a:defRPr>
+            </a:lvl8pPr>
+            <a:lvl9pPr marL="3657600" algn="l" defTabSz="914400" rtl="0" eaLnBrk="1" latinLnBrk="0" hangingPunct="1">
+              <a:defRPr sz="1800" kern="1200">
+                <a:solidFill>
+                  <a:schemeClr val="tx1"/>
+                </a:solidFill>
+                <a:latin typeface="+mn-lt"/>
+                <a:ea typeface="+mn-ea"/>
+                <a:cs typeface="+mn-cs"/>
+              </a:defRPr>
+            </a:lvl9pPr>
+          </a:lstStyle>
+          <a:p>
+            <a:fld id="{B69E9AD6-8BEC-47A7-8DB6-67B02ECE5037}" type="datetime4">
+              <a:rPr lang="en-US" smtClean="0"/>
+              <a:pPr/>
+              <a:t>18 February, 2019</a:t>
+            </a:fld>
+            <a:endParaRPr lang="en-US" dirty="0"/>
+          </a:p>
+        </p:txBody>
+      </p:sp>
+      <p:pic>
+        <p:nvPicPr>
+          <p:cNvPr id="12" name="Picture 11">
+            <a:extLst>
+              <a:ext uri="{FF2B5EF4-FFF2-40B4-BE49-F238E27FC236}">
+                <a16:creationId xmlns:a16="http://schemas.microsoft.com/office/drawing/2014/main" id="{FAD3C610-C053-4A13-B392-03E26AD0D4C8}"/>
+              </a:ext>
+            </a:extLst>
+          </p:cNvPr>
+          <p:cNvPicPr>
+            <a:picLocks noChangeAspect="1"/>
+          </p:cNvPicPr>
+          <p:nvPr/>
+        </p:nvPicPr>
+        <p:blipFill rotWithShape="1">
+          <a:blip r:embed="rId4"/>
+          <a:srcRect l="2613"/>
+          <a:stretch/>
+        </p:blipFill>
+        <p:spPr>
+          <a:xfrm>
+            <a:off x="771525" y="1240692"/>
+            <a:ext cx="10648950" cy="5076825"/>
+          </a:xfrm>
+          <a:prstGeom prst="rect">
+            <a:avLst/>
+          </a:prstGeom>
+        </p:spPr>
+      </p:pic>
+    </p:spTree>
+    <p:extLst>
+      <p:ext uri="{BB962C8B-B14F-4D97-AF65-F5344CB8AC3E}">
+        <p14:creationId xmlns:p14="http://schemas.microsoft.com/office/powerpoint/2010/main" val="1804932483"/>
       </p:ext>
     </p:extLst>
   </p:cSld>
@@ -6936,7 +7925,7 @@
           <a:p>
             <a:fld id="{B69E9AD6-8BEC-47A7-8DB6-67B02ECE5037}" type="datetime4">
               <a:rPr lang="en-US" smtClean="0"/>
-              <a:t>17 February, 2019</a:t>
+              <a:t>18 February, 2019</a:t>
             </a:fld>
             <a:endParaRPr lang="en-US" dirty="0"/>
           </a:p>
@@ -6946,6 +7935,1053 @@
     <p:extLst>
       <p:ext uri="{BB962C8B-B14F-4D97-AF65-F5344CB8AC3E}">
         <p14:creationId xmlns:p14="http://schemas.microsoft.com/office/powerpoint/2010/main" val="3943418297"/>
+      </p:ext>
+    </p:extLst>
+  </p:cSld>
+  <p:clrMapOvr>
+    <a:masterClrMapping/>
+  </p:clrMapOvr>
+</p:sld>
+</file>
+
+<file path=ppt/slides/slide20.xml><?xml version="1.0" encoding="utf-8"?>
+<p:sld xmlns:a="http://schemas.openxmlformats.org/drawingml/2006/main" xmlns:r="http://schemas.openxmlformats.org/officeDocument/2006/relationships" xmlns:p="http://schemas.openxmlformats.org/presentationml/2006/main">
+  <p:cSld>
+    <p:spTree>
+      <p:nvGrpSpPr>
+        <p:cNvPr id="1" name=""/>
+        <p:cNvGrpSpPr/>
+        <p:nvPr/>
+      </p:nvGrpSpPr>
+      <p:grpSpPr>
+        <a:xfrm>
+          <a:off x="0" y="0"/>
+          <a:ext cx="0" cy="0"/>
+          <a:chOff x="0" y="0"/>
+          <a:chExt cx="0" cy="0"/>
+        </a:xfrm>
+      </p:grpSpPr>
+      <p:pic>
+        <p:nvPicPr>
+          <p:cNvPr id="6" name="Picture 5">
+            <a:extLst>
+              <a:ext uri="{FF2B5EF4-FFF2-40B4-BE49-F238E27FC236}">
+                <a16:creationId xmlns:a16="http://schemas.microsoft.com/office/drawing/2014/main" id="{1D4E3BDD-D95D-49A0-997A-4E422332C5E1}"/>
+              </a:ext>
+            </a:extLst>
+          </p:cNvPr>
+          <p:cNvPicPr>
+            <a:picLocks noChangeAspect="1"/>
+          </p:cNvPicPr>
+          <p:nvPr/>
+        </p:nvPicPr>
+        <p:blipFill>
+          <a:blip r:embed="rId2">
+            <a:extLst>
+              <a:ext uri="{28A0092B-C50C-407E-A947-70E740481C1C}">
+                <a14:useLocalDpi xmlns:a14="http://schemas.microsoft.com/office/drawing/2010/main" val="0"/>
+              </a:ext>
+            </a:extLst>
+          </a:blip>
+          <a:stretch>
+            <a:fillRect/>
+          </a:stretch>
+        </p:blipFill>
+        <p:spPr>
+          <a:xfrm>
+            <a:off x="0" y="1673"/>
+            <a:ext cx="12192000" cy="6854653"/>
+          </a:xfrm>
+          <a:prstGeom prst="rect">
+            <a:avLst/>
+          </a:prstGeom>
+        </p:spPr>
+      </p:pic>
+      <p:pic>
+        <p:nvPicPr>
+          <p:cNvPr id="7" name="Picture 2" descr="https://image.slidesharecdn.com/ed3b5569-fc5a-4be7-a70f-c7e0cf2fab6b-150908032759-lva1-app6892/95/ncu-formerly-itmu-logo-1-1-638.jpg?cb=1441682911">
+            <a:extLst>
+              <a:ext uri="{FF2B5EF4-FFF2-40B4-BE49-F238E27FC236}">
+                <a16:creationId xmlns:a16="http://schemas.microsoft.com/office/drawing/2014/main" id="{CE59415D-A47E-40DF-A75B-C037A9546609}"/>
+              </a:ext>
+            </a:extLst>
+          </p:cNvPr>
+          <p:cNvPicPr>
+            <a:picLocks noChangeAspect="1" noChangeArrowheads="1"/>
+          </p:cNvPicPr>
+          <p:nvPr/>
+        </p:nvPicPr>
+        <p:blipFill>
+          <a:blip r:embed="rId3">
+            <a:extLst>
+              <a:ext uri="{28A0092B-C50C-407E-A947-70E740481C1C}">
+                <a14:useLocalDpi xmlns:a14="http://schemas.microsoft.com/office/drawing/2010/main" val="0"/>
+              </a:ext>
+            </a:extLst>
+          </a:blip>
+          <a:srcRect/>
+          <a:stretch>
+            <a:fillRect/>
+          </a:stretch>
+        </p:blipFill>
+        <p:spPr bwMode="auto">
+          <a:xfrm>
+            <a:off x="10991460" y="1"/>
+            <a:ext cx="1200539" cy="701882"/>
+          </a:xfrm>
+          <a:prstGeom prst="rect">
+            <a:avLst/>
+          </a:prstGeom>
+          <a:noFill/>
+          <a:extLst>
+            <a:ext uri="{909E8E84-426E-40DD-AFC4-6F175D3DCCD1}">
+              <a14:hiddenFill xmlns:a14="http://schemas.microsoft.com/office/drawing/2010/main">
+                <a:solidFill>
+                  <a:srgbClr val="FFFFFF"/>
+                </a:solidFill>
+              </a14:hiddenFill>
+            </a:ext>
+          </a:extLst>
+        </p:spPr>
+      </p:pic>
+      <p:sp>
+        <p:nvSpPr>
+          <p:cNvPr id="8" name="Date Placeholder 3">
+            <a:extLst>
+              <a:ext uri="{FF2B5EF4-FFF2-40B4-BE49-F238E27FC236}">
+                <a16:creationId xmlns:a16="http://schemas.microsoft.com/office/drawing/2014/main" id="{387D98FB-35CD-4F75-BA7D-E9CE4A05134A}"/>
+              </a:ext>
+            </a:extLst>
+          </p:cNvPr>
+          <p:cNvSpPr txBox="1">
+            <a:spLocks/>
+          </p:cNvSpPr>
+          <p:nvPr/>
+        </p:nvSpPr>
+        <p:spPr>
+          <a:xfrm>
+            <a:off x="0" y="6491199"/>
+            <a:ext cx="2743200" cy="365125"/>
+          </a:xfrm>
+          <a:prstGeom prst="rect">
+            <a:avLst/>
+          </a:prstGeom>
+        </p:spPr>
+        <p:txBody>
+          <a:bodyPr vert="horz" lIns="91440" tIns="45720" rIns="91440" bIns="45720" rtlCol="0" anchor="ctr"/>
+          <a:lstStyle>
+            <a:defPPr>
+              <a:defRPr lang="en-US"/>
+            </a:defPPr>
+            <a:lvl1pPr marL="0" algn="l" defTabSz="914400" rtl="0" eaLnBrk="1" latinLnBrk="0" hangingPunct="1">
+              <a:defRPr sz="1200" kern="1200">
+                <a:solidFill>
+                  <a:schemeClr val="tx1">
+                    <a:tint val="75000"/>
+                  </a:schemeClr>
+                </a:solidFill>
+                <a:latin typeface="+mn-lt"/>
+                <a:ea typeface="+mn-ea"/>
+                <a:cs typeface="+mn-cs"/>
+              </a:defRPr>
+            </a:lvl1pPr>
+            <a:lvl2pPr marL="457200" algn="l" defTabSz="914400" rtl="0" eaLnBrk="1" latinLnBrk="0" hangingPunct="1">
+              <a:defRPr sz="1800" kern="1200">
+                <a:solidFill>
+                  <a:schemeClr val="tx1"/>
+                </a:solidFill>
+                <a:latin typeface="+mn-lt"/>
+                <a:ea typeface="+mn-ea"/>
+                <a:cs typeface="+mn-cs"/>
+              </a:defRPr>
+            </a:lvl2pPr>
+            <a:lvl3pPr marL="914400" algn="l" defTabSz="914400" rtl="0" eaLnBrk="1" latinLnBrk="0" hangingPunct="1">
+              <a:defRPr sz="1800" kern="1200">
+                <a:solidFill>
+                  <a:schemeClr val="tx1"/>
+                </a:solidFill>
+                <a:latin typeface="+mn-lt"/>
+                <a:ea typeface="+mn-ea"/>
+                <a:cs typeface="+mn-cs"/>
+              </a:defRPr>
+            </a:lvl3pPr>
+            <a:lvl4pPr marL="1371600" algn="l" defTabSz="914400" rtl="0" eaLnBrk="1" latinLnBrk="0" hangingPunct="1">
+              <a:defRPr sz="1800" kern="1200">
+                <a:solidFill>
+                  <a:schemeClr val="tx1"/>
+                </a:solidFill>
+                <a:latin typeface="+mn-lt"/>
+                <a:ea typeface="+mn-ea"/>
+                <a:cs typeface="+mn-cs"/>
+              </a:defRPr>
+            </a:lvl4pPr>
+            <a:lvl5pPr marL="1828800" algn="l" defTabSz="914400" rtl="0" eaLnBrk="1" latinLnBrk="0" hangingPunct="1">
+              <a:defRPr sz="1800" kern="1200">
+                <a:solidFill>
+                  <a:schemeClr val="tx1"/>
+                </a:solidFill>
+                <a:latin typeface="+mn-lt"/>
+                <a:ea typeface="+mn-ea"/>
+                <a:cs typeface="+mn-cs"/>
+              </a:defRPr>
+            </a:lvl5pPr>
+            <a:lvl6pPr marL="2286000" algn="l" defTabSz="914400" rtl="0" eaLnBrk="1" latinLnBrk="0" hangingPunct="1">
+              <a:defRPr sz="1800" kern="1200">
+                <a:solidFill>
+                  <a:schemeClr val="tx1"/>
+                </a:solidFill>
+                <a:latin typeface="+mn-lt"/>
+                <a:ea typeface="+mn-ea"/>
+                <a:cs typeface="+mn-cs"/>
+              </a:defRPr>
+            </a:lvl6pPr>
+            <a:lvl7pPr marL="2743200" algn="l" defTabSz="914400" rtl="0" eaLnBrk="1" latinLnBrk="0" hangingPunct="1">
+              <a:defRPr sz="1800" kern="1200">
+                <a:solidFill>
+                  <a:schemeClr val="tx1"/>
+                </a:solidFill>
+                <a:latin typeface="+mn-lt"/>
+                <a:ea typeface="+mn-ea"/>
+                <a:cs typeface="+mn-cs"/>
+              </a:defRPr>
+            </a:lvl7pPr>
+            <a:lvl8pPr marL="3200400" algn="l" defTabSz="914400" rtl="0" eaLnBrk="1" latinLnBrk="0" hangingPunct="1">
+              <a:defRPr sz="1800" kern="1200">
+                <a:solidFill>
+                  <a:schemeClr val="tx1"/>
+                </a:solidFill>
+                <a:latin typeface="+mn-lt"/>
+                <a:ea typeface="+mn-ea"/>
+                <a:cs typeface="+mn-cs"/>
+              </a:defRPr>
+            </a:lvl8pPr>
+            <a:lvl9pPr marL="3657600" algn="l" defTabSz="914400" rtl="0" eaLnBrk="1" latinLnBrk="0" hangingPunct="1">
+              <a:defRPr sz="1800" kern="1200">
+                <a:solidFill>
+                  <a:schemeClr val="tx1"/>
+                </a:solidFill>
+                <a:latin typeface="+mn-lt"/>
+                <a:ea typeface="+mn-ea"/>
+                <a:cs typeface="+mn-cs"/>
+              </a:defRPr>
+            </a:lvl9pPr>
+          </a:lstStyle>
+          <a:p>
+            <a:fld id="{B69E9AD6-8BEC-47A7-8DB6-67B02ECE5037}" type="datetime4">
+              <a:rPr lang="en-US" smtClean="0"/>
+              <a:pPr/>
+              <a:t>18 February, 2019</a:t>
+            </a:fld>
+            <a:endParaRPr lang="en-US" dirty="0"/>
+          </a:p>
+        </p:txBody>
+      </p:sp>
+      <p:sp>
+        <p:nvSpPr>
+          <p:cNvPr id="5" name="Title 1">
+            <a:extLst>
+              <a:ext uri="{FF2B5EF4-FFF2-40B4-BE49-F238E27FC236}">
+                <a16:creationId xmlns:a16="http://schemas.microsoft.com/office/drawing/2014/main" id="{86D0EAE4-A4A5-493A-8FC4-EE9DBF6E4E00}"/>
+              </a:ext>
+            </a:extLst>
+          </p:cNvPr>
+          <p:cNvSpPr txBox="1">
+            <a:spLocks/>
+          </p:cNvSpPr>
+          <p:nvPr/>
+        </p:nvSpPr>
+        <p:spPr>
+          <a:xfrm>
+            <a:off x="539621" y="569159"/>
+            <a:ext cx="3229946" cy="1168167"/>
+          </a:xfrm>
+          <a:prstGeom prst="rect">
+            <a:avLst/>
+          </a:prstGeom>
+        </p:spPr>
+        <p:txBody>
+          <a:bodyPr vert="horz" lIns="91440" tIns="45720" rIns="91440" bIns="45720" rtlCol="0" anchor="ctr">
+            <a:normAutofit/>
+          </a:bodyPr>
+          <a:lstStyle>
+            <a:lvl1pPr algn="l" defTabSz="914400" rtl="0" eaLnBrk="1" latinLnBrk="0" hangingPunct="1">
+              <a:lnSpc>
+                <a:spcPct val="90000"/>
+              </a:lnSpc>
+              <a:spcBef>
+                <a:spcPct val="0"/>
+              </a:spcBef>
+              <a:buNone/>
+              <a:defRPr sz="4400" kern="1200">
+                <a:solidFill>
+                  <a:schemeClr val="tx1"/>
+                </a:solidFill>
+                <a:latin typeface="+mj-lt"/>
+                <a:ea typeface="+mj-ea"/>
+                <a:cs typeface="+mj-cs"/>
+              </a:defRPr>
+            </a:lvl1pPr>
+          </a:lstStyle>
+          <a:p>
+            <a:r>
+              <a:rPr lang="en-US" sz="5400" b="1" i="1" u="sng" dirty="0"/>
+              <a:t>Live Demo:</a:t>
+            </a:r>
+          </a:p>
+        </p:txBody>
+      </p:sp>
+      <p:sp>
+        <p:nvSpPr>
+          <p:cNvPr id="10" name="TextBox 9">
+            <a:extLst>
+              <a:ext uri="{FF2B5EF4-FFF2-40B4-BE49-F238E27FC236}">
+                <a16:creationId xmlns:a16="http://schemas.microsoft.com/office/drawing/2014/main" id="{D14BD555-0971-4B35-AF39-21E2CD5B980B}"/>
+              </a:ext>
+            </a:extLst>
+          </p:cNvPr>
+          <p:cNvSpPr txBox="1"/>
+          <p:nvPr/>
+        </p:nvSpPr>
+        <p:spPr>
+          <a:xfrm>
+            <a:off x="539621" y="2461606"/>
+            <a:ext cx="3890865" cy="523220"/>
+          </a:xfrm>
+          <a:prstGeom prst="rect">
+            <a:avLst/>
+          </a:prstGeom>
+          <a:noFill/>
+        </p:spPr>
+        <p:txBody>
+          <a:bodyPr wrap="square" rtlCol="0">
+            <a:spAutoFit/>
+          </a:bodyPr>
+          <a:lstStyle/>
+          <a:p>
+            <a:r>
+              <a:rPr lang="en-US" sz="2800" dirty="0">
+                <a:hlinkClick r:id="rId4" action="ppaction://hlinkfile"/>
+              </a:rPr>
+              <a:t>Open Command Prompt</a:t>
+            </a:r>
+            <a:endParaRPr lang="en-US" sz="2800" dirty="0"/>
+          </a:p>
+        </p:txBody>
+      </p:sp>
+      <p:sp>
+        <p:nvSpPr>
+          <p:cNvPr id="11" name="TextBox 10">
+            <a:extLst>
+              <a:ext uri="{FF2B5EF4-FFF2-40B4-BE49-F238E27FC236}">
+                <a16:creationId xmlns:a16="http://schemas.microsoft.com/office/drawing/2014/main" id="{069445F8-ADF8-43CA-8B98-0E6876DBE43F}"/>
+              </a:ext>
+            </a:extLst>
+          </p:cNvPr>
+          <p:cNvSpPr txBox="1"/>
+          <p:nvPr/>
+        </p:nvSpPr>
+        <p:spPr>
+          <a:xfrm>
+            <a:off x="539621" y="3428999"/>
+            <a:ext cx="7251440" cy="800219"/>
+          </a:xfrm>
+          <a:prstGeom prst="rect">
+            <a:avLst/>
+          </a:prstGeom>
+          <a:noFill/>
+        </p:spPr>
+        <p:txBody>
+          <a:bodyPr wrap="square" rtlCol="0">
+            <a:spAutoFit/>
+          </a:bodyPr>
+          <a:lstStyle/>
+          <a:p>
+            <a:r>
+              <a:rPr lang="en-US" sz="2800" u="sng" dirty="0">
+                <a:hlinkClick r:id="rId5" action="ppaction://hlinkfile"/>
+              </a:rPr>
+              <a:t>Run Statement:</a:t>
+            </a:r>
+            <a:endParaRPr lang="en-US" sz="2800" u="sng" dirty="0"/>
+          </a:p>
+          <a:p>
+            <a:r>
+              <a:rPr lang="en-US" dirty="0"/>
+              <a:t>java -cp libs/log4j-1.2.17.jar;classes/; </a:t>
+            </a:r>
+            <a:r>
+              <a:rPr lang="en-US" dirty="0" err="1"/>
+              <a:t>com.ncu.main.DownloaderDemo</a:t>
+            </a:r>
+            <a:endParaRPr lang="en-US" dirty="0"/>
+          </a:p>
+        </p:txBody>
+      </p:sp>
+      <p:sp>
+        <p:nvSpPr>
+          <p:cNvPr id="12" name="TextBox 11">
+            <a:extLst>
+              <a:ext uri="{FF2B5EF4-FFF2-40B4-BE49-F238E27FC236}">
+                <a16:creationId xmlns:a16="http://schemas.microsoft.com/office/drawing/2014/main" id="{C7A25C95-2349-44DD-9C62-976181273B0C}"/>
+              </a:ext>
+            </a:extLst>
+          </p:cNvPr>
+          <p:cNvSpPr txBox="1"/>
+          <p:nvPr/>
+        </p:nvSpPr>
+        <p:spPr>
+          <a:xfrm>
+            <a:off x="539620" y="4675318"/>
+            <a:ext cx="7475375" cy="769441"/>
+          </a:xfrm>
+          <a:prstGeom prst="rect">
+            <a:avLst/>
+          </a:prstGeom>
+          <a:noFill/>
+        </p:spPr>
+        <p:txBody>
+          <a:bodyPr wrap="square" rtlCol="0">
+            <a:spAutoFit/>
+          </a:bodyPr>
+          <a:lstStyle/>
+          <a:p>
+            <a:r>
+              <a:rPr lang="en-US" sz="2800" u="sng" dirty="0">
+                <a:solidFill>
+                  <a:srgbClr val="0563C1"/>
+                </a:solidFill>
+              </a:rPr>
+              <a:t>Test File URL:</a:t>
+            </a:r>
+          </a:p>
+          <a:p>
+            <a:r>
+              <a:rPr lang="en-US" sz="1600" dirty="0"/>
+              <a:t>https://www.digitalindia.gov.in/newsletter/2016_july/di_newsletter_july2016.pdf</a:t>
+            </a:r>
+          </a:p>
+        </p:txBody>
+      </p:sp>
+    </p:spTree>
+    <p:extLst>
+      <p:ext uri="{BB962C8B-B14F-4D97-AF65-F5344CB8AC3E}">
+        <p14:creationId xmlns:p14="http://schemas.microsoft.com/office/powerpoint/2010/main" val="953906860"/>
+      </p:ext>
+    </p:extLst>
+  </p:cSld>
+  <p:clrMapOvr>
+    <a:masterClrMapping/>
+  </p:clrMapOvr>
+</p:sld>
+</file>
+
+<file path=ppt/slides/slide21.xml><?xml version="1.0" encoding="utf-8"?>
+<p:sld xmlns:a="http://schemas.openxmlformats.org/drawingml/2006/main" xmlns:r="http://schemas.openxmlformats.org/officeDocument/2006/relationships" xmlns:p="http://schemas.openxmlformats.org/presentationml/2006/main">
+  <p:cSld>
+    <p:spTree>
+      <p:nvGrpSpPr>
+        <p:cNvPr id="1" name=""/>
+        <p:cNvGrpSpPr/>
+        <p:nvPr/>
+      </p:nvGrpSpPr>
+      <p:grpSpPr>
+        <a:xfrm>
+          <a:off x="0" y="0"/>
+          <a:ext cx="0" cy="0"/>
+          <a:chOff x="0" y="0"/>
+          <a:chExt cx="0" cy="0"/>
+        </a:xfrm>
+      </p:grpSpPr>
+      <p:pic>
+        <p:nvPicPr>
+          <p:cNvPr id="5" name="Picture 4">
+            <a:extLst>
+              <a:ext uri="{FF2B5EF4-FFF2-40B4-BE49-F238E27FC236}">
+                <a16:creationId xmlns:a16="http://schemas.microsoft.com/office/drawing/2014/main" id="{7AFD0D46-66D9-4839-B974-FB39EE50B0C5}"/>
+              </a:ext>
+            </a:extLst>
+          </p:cNvPr>
+          <p:cNvPicPr>
+            <a:picLocks noChangeAspect="1"/>
+          </p:cNvPicPr>
+          <p:nvPr/>
+        </p:nvPicPr>
+        <p:blipFill>
+          <a:blip r:embed="rId2">
+            <a:extLst>
+              <a:ext uri="{28A0092B-C50C-407E-A947-70E740481C1C}">
+                <a14:useLocalDpi xmlns:a14="http://schemas.microsoft.com/office/drawing/2010/main" val="0"/>
+              </a:ext>
+            </a:extLst>
+          </a:blip>
+          <a:stretch>
+            <a:fillRect/>
+          </a:stretch>
+        </p:blipFill>
+        <p:spPr>
+          <a:xfrm>
+            <a:off x="0" y="1673"/>
+            <a:ext cx="12192000" cy="6854653"/>
+          </a:xfrm>
+          <a:prstGeom prst="rect">
+            <a:avLst/>
+          </a:prstGeom>
+        </p:spPr>
+      </p:pic>
+      <p:sp>
+        <p:nvSpPr>
+          <p:cNvPr id="2" name="Title 1">
+            <a:extLst>
+              <a:ext uri="{FF2B5EF4-FFF2-40B4-BE49-F238E27FC236}">
+                <a16:creationId xmlns:a16="http://schemas.microsoft.com/office/drawing/2014/main" id="{05C1889A-C8AE-475B-8E28-F809B1A9F14E}"/>
+              </a:ext>
+            </a:extLst>
+          </p:cNvPr>
+          <p:cNvSpPr>
+            <a:spLocks noGrp="1"/>
+          </p:cNvSpPr>
+          <p:nvPr>
+            <p:ph type="title"/>
+          </p:nvPr>
+        </p:nvSpPr>
+        <p:spPr/>
+        <p:txBody>
+          <a:bodyPr/>
+          <a:lstStyle/>
+          <a:p>
+            <a:r>
+              <a:rPr lang="en-US" dirty="0"/>
+              <a:t>References:</a:t>
+            </a:r>
+          </a:p>
+        </p:txBody>
+      </p:sp>
+      <p:sp>
+        <p:nvSpPr>
+          <p:cNvPr id="3" name="Content Placeholder 2">
+            <a:extLst>
+              <a:ext uri="{FF2B5EF4-FFF2-40B4-BE49-F238E27FC236}">
+                <a16:creationId xmlns:a16="http://schemas.microsoft.com/office/drawing/2014/main" id="{E557420A-F995-49D8-B4D6-B1C0300E05D4}"/>
+              </a:ext>
+            </a:extLst>
+          </p:cNvPr>
+          <p:cNvSpPr>
+            <a:spLocks noGrp="1"/>
+          </p:cNvSpPr>
+          <p:nvPr>
+            <p:ph idx="1"/>
+          </p:nvPr>
+        </p:nvSpPr>
+        <p:spPr/>
+        <p:txBody>
+          <a:bodyPr/>
+          <a:lstStyle/>
+          <a:p>
+            <a:r>
+              <a:rPr lang="en-US" dirty="0"/>
+              <a:t>Java - The Complete Reference [Herbert and </a:t>
+            </a:r>
+            <a:r>
+              <a:rPr lang="en-US" dirty="0" err="1"/>
+              <a:t>Schildt</a:t>
+            </a:r>
+            <a:r>
+              <a:rPr lang="en-US" dirty="0"/>
+              <a:t>]</a:t>
+            </a:r>
+          </a:p>
+          <a:p>
+            <a:r>
+              <a:rPr lang="en-US" dirty="0">
+                <a:hlinkClick r:id="rId3"/>
+              </a:rPr>
+              <a:t>docs.oracle.com</a:t>
+            </a:r>
+            <a:endParaRPr lang="en-US" dirty="0"/>
+          </a:p>
+          <a:p>
+            <a:r>
+              <a:rPr lang="en-US" dirty="0">
+                <a:hlinkClick r:id="rId4"/>
+              </a:rPr>
+              <a:t>geeksforgeeks.org</a:t>
+            </a:r>
+            <a:endParaRPr lang="en-US" dirty="0"/>
+          </a:p>
+          <a:p>
+            <a:r>
+              <a:rPr lang="en-US" dirty="0">
+                <a:hlinkClick r:id="rId5"/>
+              </a:rPr>
+              <a:t>stackoverflow.com</a:t>
+            </a:r>
+            <a:endParaRPr lang="en-US" dirty="0"/>
+          </a:p>
+        </p:txBody>
+      </p:sp>
+      <p:pic>
+        <p:nvPicPr>
+          <p:cNvPr id="6" name="Picture 2" descr="https://image.slidesharecdn.com/ed3b5569-fc5a-4be7-a70f-c7e0cf2fab6b-150908032759-lva1-app6892/95/ncu-formerly-itmu-logo-1-1-638.jpg?cb=1441682911">
+            <a:extLst>
+              <a:ext uri="{FF2B5EF4-FFF2-40B4-BE49-F238E27FC236}">
+                <a16:creationId xmlns:a16="http://schemas.microsoft.com/office/drawing/2014/main" id="{71D10271-1303-4CED-A5F3-16B679B92D2D}"/>
+              </a:ext>
+            </a:extLst>
+          </p:cNvPr>
+          <p:cNvPicPr>
+            <a:picLocks noChangeAspect="1" noChangeArrowheads="1"/>
+          </p:cNvPicPr>
+          <p:nvPr/>
+        </p:nvPicPr>
+        <p:blipFill>
+          <a:blip r:embed="rId6">
+            <a:extLst>
+              <a:ext uri="{28A0092B-C50C-407E-A947-70E740481C1C}">
+                <a14:useLocalDpi xmlns:a14="http://schemas.microsoft.com/office/drawing/2010/main" val="0"/>
+              </a:ext>
+            </a:extLst>
+          </a:blip>
+          <a:srcRect/>
+          <a:stretch>
+            <a:fillRect/>
+          </a:stretch>
+        </p:blipFill>
+        <p:spPr bwMode="auto">
+          <a:xfrm>
+            <a:off x="10991460" y="1"/>
+            <a:ext cx="1200539" cy="701882"/>
+          </a:xfrm>
+          <a:prstGeom prst="rect">
+            <a:avLst/>
+          </a:prstGeom>
+          <a:noFill/>
+          <a:extLst>
+            <a:ext uri="{909E8E84-426E-40DD-AFC4-6F175D3DCCD1}">
+              <a14:hiddenFill xmlns:a14="http://schemas.microsoft.com/office/drawing/2010/main">
+                <a:solidFill>
+                  <a:srgbClr val="FFFFFF"/>
+                </a:solidFill>
+              </a14:hiddenFill>
+            </a:ext>
+          </a:extLst>
+        </p:spPr>
+      </p:pic>
+      <p:sp>
+        <p:nvSpPr>
+          <p:cNvPr id="7" name="Date Placeholder 3">
+            <a:extLst>
+              <a:ext uri="{FF2B5EF4-FFF2-40B4-BE49-F238E27FC236}">
+                <a16:creationId xmlns:a16="http://schemas.microsoft.com/office/drawing/2014/main" id="{CD1EC2B4-FBD9-4852-965C-E28429D9893C}"/>
+              </a:ext>
+            </a:extLst>
+          </p:cNvPr>
+          <p:cNvSpPr txBox="1">
+            <a:spLocks/>
+          </p:cNvSpPr>
+          <p:nvPr/>
+        </p:nvSpPr>
+        <p:spPr>
+          <a:xfrm>
+            <a:off x="0" y="6491199"/>
+            <a:ext cx="2743200" cy="365125"/>
+          </a:xfrm>
+          <a:prstGeom prst="rect">
+            <a:avLst/>
+          </a:prstGeom>
+        </p:spPr>
+        <p:txBody>
+          <a:bodyPr vert="horz" lIns="91440" tIns="45720" rIns="91440" bIns="45720" rtlCol="0" anchor="ctr"/>
+          <a:lstStyle>
+            <a:defPPr>
+              <a:defRPr lang="en-US"/>
+            </a:defPPr>
+            <a:lvl1pPr marL="0" algn="l" defTabSz="914400" rtl="0" eaLnBrk="1" latinLnBrk="0" hangingPunct="1">
+              <a:defRPr sz="1200" kern="1200">
+                <a:solidFill>
+                  <a:schemeClr val="tx1">
+                    <a:tint val="75000"/>
+                  </a:schemeClr>
+                </a:solidFill>
+                <a:latin typeface="+mn-lt"/>
+                <a:ea typeface="+mn-ea"/>
+                <a:cs typeface="+mn-cs"/>
+              </a:defRPr>
+            </a:lvl1pPr>
+            <a:lvl2pPr marL="457200" algn="l" defTabSz="914400" rtl="0" eaLnBrk="1" latinLnBrk="0" hangingPunct="1">
+              <a:defRPr sz="1800" kern="1200">
+                <a:solidFill>
+                  <a:schemeClr val="tx1"/>
+                </a:solidFill>
+                <a:latin typeface="+mn-lt"/>
+                <a:ea typeface="+mn-ea"/>
+                <a:cs typeface="+mn-cs"/>
+              </a:defRPr>
+            </a:lvl2pPr>
+            <a:lvl3pPr marL="914400" algn="l" defTabSz="914400" rtl="0" eaLnBrk="1" latinLnBrk="0" hangingPunct="1">
+              <a:defRPr sz="1800" kern="1200">
+                <a:solidFill>
+                  <a:schemeClr val="tx1"/>
+                </a:solidFill>
+                <a:latin typeface="+mn-lt"/>
+                <a:ea typeface="+mn-ea"/>
+                <a:cs typeface="+mn-cs"/>
+              </a:defRPr>
+            </a:lvl3pPr>
+            <a:lvl4pPr marL="1371600" algn="l" defTabSz="914400" rtl="0" eaLnBrk="1" latinLnBrk="0" hangingPunct="1">
+              <a:defRPr sz="1800" kern="1200">
+                <a:solidFill>
+                  <a:schemeClr val="tx1"/>
+                </a:solidFill>
+                <a:latin typeface="+mn-lt"/>
+                <a:ea typeface="+mn-ea"/>
+                <a:cs typeface="+mn-cs"/>
+              </a:defRPr>
+            </a:lvl4pPr>
+            <a:lvl5pPr marL="1828800" algn="l" defTabSz="914400" rtl="0" eaLnBrk="1" latinLnBrk="0" hangingPunct="1">
+              <a:defRPr sz="1800" kern="1200">
+                <a:solidFill>
+                  <a:schemeClr val="tx1"/>
+                </a:solidFill>
+                <a:latin typeface="+mn-lt"/>
+                <a:ea typeface="+mn-ea"/>
+                <a:cs typeface="+mn-cs"/>
+              </a:defRPr>
+            </a:lvl5pPr>
+            <a:lvl6pPr marL="2286000" algn="l" defTabSz="914400" rtl="0" eaLnBrk="1" latinLnBrk="0" hangingPunct="1">
+              <a:defRPr sz="1800" kern="1200">
+                <a:solidFill>
+                  <a:schemeClr val="tx1"/>
+                </a:solidFill>
+                <a:latin typeface="+mn-lt"/>
+                <a:ea typeface="+mn-ea"/>
+                <a:cs typeface="+mn-cs"/>
+              </a:defRPr>
+            </a:lvl6pPr>
+            <a:lvl7pPr marL="2743200" algn="l" defTabSz="914400" rtl="0" eaLnBrk="1" latinLnBrk="0" hangingPunct="1">
+              <a:defRPr sz="1800" kern="1200">
+                <a:solidFill>
+                  <a:schemeClr val="tx1"/>
+                </a:solidFill>
+                <a:latin typeface="+mn-lt"/>
+                <a:ea typeface="+mn-ea"/>
+                <a:cs typeface="+mn-cs"/>
+              </a:defRPr>
+            </a:lvl7pPr>
+            <a:lvl8pPr marL="3200400" algn="l" defTabSz="914400" rtl="0" eaLnBrk="1" latinLnBrk="0" hangingPunct="1">
+              <a:defRPr sz="1800" kern="1200">
+                <a:solidFill>
+                  <a:schemeClr val="tx1"/>
+                </a:solidFill>
+                <a:latin typeface="+mn-lt"/>
+                <a:ea typeface="+mn-ea"/>
+                <a:cs typeface="+mn-cs"/>
+              </a:defRPr>
+            </a:lvl8pPr>
+            <a:lvl9pPr marL="3657600" algn="l" defTabSz="914400" rtl="0" eaLnBrk="1" latinLnBrk="0" hangingPunct="1">
+              <a:defRPr sz="1800" kern="1200">
+                <a:solidFill>
+                  <a:schemeClr val="tx1"/>
+                </a:solidFill>
+                <a:latin typeface="+mn-lt"/>
+                <a:ea typeface="+mn-ea"/>
+                <a:cs typeface="+mn-cs"/>
+              </a:defRPr>
+            </a:lvl9pPr>
+          </a:lstStyle>
+          <a:p>
+            <a:fld id="{B69E9AD6-8BEC-47A7-8DB6-67B02ECE5037}" type="datetime4">
+              <a:rPr lang="en-US" smtClean="0"/>
+              <a:pPr/>
+              <a:t>18 February, 2019</a:t>
+            </a:fld>
+            <a:endParaRPr lang="en-US" dirty="0"/>
+          </a:p>
+        </p:txBody>
+      </p:sp>
+    </p:spTree>
+    <p:extLst>
+      <p:ext uri="{BB962C8B-B14F-4D97-AF65-F5344CB8AC3E}">
+        <p14:creationId xmlns:p14="http://schemas.microsoft.com/office/powerpoint/2010/main" val="3948454502"/>
+      </p:ext>
+    </p:extLst>
+  </p:cSld>
+  <p:clrMapOvr>
+    <a:masterClrMapping/>
+  </p:clrMapOvr>
+</p:sld>
+</file>
+
+<file path=ppt/slides/slide22.xml><?xml version="1.0" encoding="utf-8"?>
+<p:sld xmlns:a="http://schemas.openxmlformats.org/drawingml/2006/main" xmlns:r="http://schemas.openxmlformats.org/officeDocument/2006/relationships" xmlns:p="http://schemas.openxmlformats.org/presentationml/2006/main">
+  <p:cSld>
+    <p:spTree>
+      <p:nvGrpSpPr>
+        <p:cNvPr id="1" name=""/>
+        <p:cNvGrpSpPr/>
+        <p:nvPr/>
+      </p:nvGrpSpPr>
+      <p:grpSpPr>
+        <a:xfrm>
+          <a:off x="0" y="0"/>
+          <a:ext cx="0" cy="0"/>
+          <a:chOff x="0" y="0"/>
+          <a:chExt cx="0" cy="0"/>
+        </a:xfrm>
+      </p:grpSpPr>
+      <p:pic>
+        <p:nvPicPr>
+          <p:cNvPr id="4" name="Picture 3">
+            <a:extLst>
+              <a:ext uri="{FF2B5EF4-FFF2-40B4-BE49-F238E27FC236}">
+                <a16:creationId xmlns:a16="http://schemas.microsoft.com/office/drawing/2014/main" id="{C1422A81-96AB-42C7-9366-01E77E0A7F69}"/>
+              </a:ext>
+            </a:extLst>
+          </p:cNvPr>
+          <p:cNvPicPr>
+            <a:picLocks noChangeAspect="1"/>
+          </p:cNvPicPr>
+          <p:nvPr/>
+        </p:nvPicPr>
+        <p:blipFill>
+          <a:blip r:embed="rId2">
+            <a:extLst>
+              <a:ext uri="{28A0092B-C50C-407E-A947-70E740481C1C}">
+                <a14:useLocalDpi xmlns:a14="http://schemas.microsoft.com/office/drawing/2010/main" val="0"/>
+              </a:ext>
+            </a:extLst>
+          </a:blip>
+          <a:stretch>
+            <a:fillRect/>
+          </a:stretch>
+        </p:blipFill>
+        <p:spPr>
+          <a:xfrm>
+            <a:off x="0" y="1673"/>
+            <a:ext cx="12192000" cy="6854653"/>
+          </a:xfrm>
+          <a:prstGeom prst="rect">
+            <a:avLst/>
+          </a:prstGeom>
+        </p:spPr>
+      </p:pic>
+      <p:sp>
+        <p:nvSpPr>
+          <p:cNvPr id="2" name="Title 1">
+            <a:extLst>
+              <a:ext uri="{FF2B5EF4-FFF2-40B4-BE49-F238E27FC236}">
+                <a16:creationId xmlns:a16="http://schemas.microsoft.com/office/drawing/2014/main" id="{8BD482DF-951F-463F-9ECF-12698E647AED}"/>
+              </a:ext>
+            </a:extLst>
+          </p:cNvPr>
+          <p:cNvSpPr>
+            <a:spLocks noGrp="1"/>
+          </p:cNvSpPr>
+          <p:nvPr>
+            <p:ph type="title"/>
+          </p:nvPr>
+        </p:nvSpPr>
+        <p:spPr>
+          <a:xfrm>
+            <a:off x="2871496" y="1982705"/>
+            <a:ext cx="6449008" cy="2892587"/>
+          </a:xfrm>
+        </p:spPr>
+        <p:txBody>
+          <a:bodyPr>
+            <a:normAutofit/>
+          </a:bodyPr>
+          <a:lstStyle/>
+          <a:p>
+            <a:r>
+              <a:rPr lang="en-US" sz="11500" b="1" u="sng" dirty="0"/>
+              <a:t>Thank You</a:t>
+            </a:r>
+          </a:p>
+        </p:txBody>
+      </p:sp>
+      <p:pic>
+        <p:nvPicPr>
+          <p:cNvPr id="6" name="Picture 2" descr="https://image.slidesharecdn.com/ed3b5569-fc5a-4be7-a70f-c7e0cf2fab6b-150908032759-lva1-app6892/95/ncu-formerly-itmu-logo-1-1-638.jpg?cb=1441682911">
+            <a:extLst>
+              <a:ext uri="{FF2B5EF4-FFF2-40B4-BE49-F238E27FC236}">
+                <a16:creationId xmlns:a16="http://schemas.microsoft.com/office/drawing/2014/main" id="{9A4CB7BF-6655-473D-BC8F-32CEE9BC58B7}"/>
+              </a:ext>
+            </a:extLst>
+          </p:cNvPr>
+          <p:cNvPicPr>
+            <a:picLocks noChangeAspect="1" noChangeArrowheads="1"/>
+          </p:cNvPicPr>
+          <p:nvPr/>
+        </p:nvPicPr>
+        <p:blipFill>
+          <a:blip r:embed="rId3">
+            <a:extLst>
+              <a:ext uri="{28A0092B-C50C-407E-A947-70E740481C1C}">
+                <a14:useLocalDpi xmlns:a14="http://schemas.microsoft.com/office/drawing/2010/main" val="0"/>
+              </a:ext>
+            </a:extLst>
+          </a:blip>
+          <a:srcRect/>
+          <a:stretch>
+            <a:fillRect/>
+          </a:stretch>
+        </p:blipFill>
+        <p:spPr bwMode="auto">
+          <a:xfrm>
+            <a:off x="10991460" y="1"/>
+            <a:ext cx="1200539" cy="701882"/>
+          </a:xfrm>
+          <a:prstGeom prst="rect">
+            <a:avLst/>
+          </a:prstGeom>
+          <a:noFill/>
+          <a:extLst>
+            <a:ext uri="{909E8E84-426E-40DD-AFC4-6F175D3DCCD1}">
+              <a14:hiddenFill xmlns:a14="http://schemas.microsoft.com/office/drawing/2010/main">
+                <a:solidFill>
+                  <a:srgbClr val="FFFFFF"/>
+                </a:solidFill>
+              </a14:hiddenFill>
+            </a:ext>
+          </a:extLst>
+        </p:spPr>
+      </p:pic>
+      <p:sp>
+        <p:nvSpPr>
+          <p:cNvPr id="9" name="Date Placeholder 3">
+            <a:extLst>
+              <a:ext uri="{FF2B5EF4-FFF2-40B4-BE49-F238E27FC236}">
+                <a16:creationId xmlns:a16="http://schemas.microsoft.com/office/drawing/2014/main" id="{B11B1C14-D6BE-47D5-8D7F-8BD2E5895431}"/>
+              </a:ext>
+            </a:extLst>
+          </p:cNvPr>
+          <p:cNvSpPr txBox="1">
+            <a:spLocks/>
+          </p:cNvSpPr>
+          <p:nvPr/>
+        </p:nvSpPr>
+        <p:spPr>
+          <a:xfrm>
+            <a:off x="0" y="6491199"/>
+            <a:ext cx="2743200" cy="365125"/>
+          </a:xfrm>
+          <a:prstGeom prst="rect">
+            <a:avLst/>
+          </a:prstGeom>
+        </p:spPr>
+        <p:txBody>
+          <a:bodyPr vert="horz" lIns="91440" tIns="45720" rIns="91440" bIns="45720" rtlCol="0" anchor="ctr"/>
+          <a:lstStyle>
+            <a:defPPr>
+              <a:defRPr lang="en-US"/>
+            </a:defPPr>
+            <a:lvl1pPr marL="0" algn="l" defTabSz="914400" rtl="0" eaLnBrk="1" latinLnBrk="0" hangingPunct="1">
+              <a:defRPr sz="1200" kern="1200">
+                <a:solidFill>
+                  <a:schemeClr val="tx1">
+                    <a:tint val="75000"/>
+                  </a:schemeClr>
+                </a:solidFill>
+                <a:latin typeface="+mn-lt"/>
+                <a:ea typeface="+mn-ea"/>
+                <a:cs typeface="+mn-cs"/>
+              </a:defRPr>
+            </a:lvl1pPr>
+            <a:lvl2pPr marL="457200" algn="l" defTabSz="914400" rtl="0" eaLnBrk="1" latinLnBrk="0" hangingPunct="1">
+              <a:defRPr sz="1800" kern="1200">
+                <a:solidFill>
+                  <a:schemeClr val="tx1"/>
+                </a:solidFill>
+                <a:latin typeface="+mn-lt"/>
+                <a:ea typeface="+mn-ea"/>
+                <a:cs typeface="+mn-cs"/>
+              </a:defRPr>
+            </a:lvl2pPr>
+            <a:lvl3pPr marL="914400" algn="l" defTabSz="914400" rtl="0" eaLnBrk="1" latinLnBrk="0" hangingPunct="1">
+              <a:defRPr sz="1800" kern="1200">
+                <a:solidFill>
+                  <a:schemeClr val="tx1"/>
+                </a:solidFill>
+                <a:latin typeface="+mn-lt"/>
+                <a:ea typeface="+mn-ea"/>
+                <a:cs typeface="+mn-cs"/>
+              </a:defRPr>
+            </a:lvl3pPr>
+            <a:lvl4pPr marL="1371600" algn="l" defTabSz="914400" rtl="0" eaLnBrk="1" latinLnBrk="0" hangingPunct="1">
+              <a:defRPr sz="1800" kern="1200">
+                <a:solidFill>
+                  <a:schemeClr val="tx1"/>
+                </a:solidFill>
+                <a:latin typeface="+mn-lt"/>
+                <a:ea typeface="+mn-ea"/>
+                <a:cs typeface="+mn-cs"/>
+              </a:defRPr>
+            </a:lvl4pPr>
+            <a:lvl5pPr marL="1828800" algn="l" defTabSz="914400" rtl="0" eaLnBrk="1" latinLnBrk="0" hangingPunct="1">
+              <a:defRPr sz="1800" kern="1200">
+                <a:solidFill>
+                  <a:schemeClr val="tx1"/>
+                </a:solidFill>
+                <a:latin typeface="+mn-lt"/>
+                <a:ea typeface="+mn-ea"/>
+                <a:cs typeface="+mn-cs"/>
+              </a:defRPr>
+            </a:lvl5pPr>
+            <a:lvl6pPr marL="2286000" algn="l" defTabSz="914400" rtl="0" eaLnBrk="1" latinLnBrk="0" hangingPunct="1">
+              <a:defRPr sz="1800" kern="1200">
+                <a:solidFill>
+                  <a:schemeClr val="tx1"/>
+                </a:solidFill>
+                <a:latin typeface="+mn-lt"/>
+                <a:ea typeface="+mn-ea"/>
+                <a:cs typeface="+mn-cs"/>
+              </a:defRPr>
+            </a:lvl6pPr>
+            <a:lvl7pPr marL="2743200" algn="l" defTabSz="914400" rtl="0" eaLnBrk="1" latinLnBrk="0" hangingPunct="1">
+              <a:defRPr sz="1800" kern="1200">
+                <a:solidFill>
+                  <a:schemeClr val="tx1"/>
+                </a:solidFill>
+                <a:latin typeface="+mn-lt"/>
+                <a:ea typeface="+mn-ea"/>
+                <a:cs typeface="+mn-cs"/>
+              </a:defRPr>
+            </a:lvl7pPr>
+            <a:lvl8pPr marL="3200400" algn="l" defTabSz="914400" rtl="0" eaLnBrk="1" latinLnBrk="0" hangingPunct="1">
+              <a:defRPr sz="1800" kern="1200">
+                <a:solidFill>
+                  <a:schemeClr val="tx1"/>
+                </a:solidFill>
+                <a:latin typeface="+mn-lt"/>
+                <a:ea typeface="+mn-ea"/>
+                <a:cs typeface="+mn-cs"/>
+              </a:defRPr>
+            </a:lvl8pPr>
+            <a:lvl9pPr marL="3657600" algn="l" defTabSz="914400" rtl="0" eaLnBrk="1" latinLnBrk="0" hangingPunct="1">
+              <a:defRPr sz="1800" kern="1200">
+                <a:solidFill>
+                  <a:schemeClr val="tx1"/>
+                </a:solidFill>
+                <a:latin typeface="+mn-lt"/>
+                <a:ea typeface="+mn-ea"/>
+                <a:cs typeface="+mn-cs"/>
+              </a:defRPr>
+            </a:lvl9pPr>
+          </a:lstStyle>
+          <a:p>
+            <a:fld id="{B69E9AD6-8BEC-47A7-8DB6-67B02ECE5037}" type="datetime4">
+              <a:rPr lang="en-US" smtClean="0"/>
+              <a:pPr/>
+              <a:t>18 February, 2019</a:t>
+            </a:fld>
+            <a:endParaRPr lang="en-US" dirty="0"/>
+          </a:p>
+        </p:txBody>
+      </p:sp>
+    </p:spTree>
+    <p:extLst>
+      <p:ext uri="{BB962C8B-B14F-4D97-AF65-F5344CB8AC3E}">
+        <p14:creationId xmlns:p14="http://schemas.microsoft.com/office/powerpoint/2010/main" val="3137403763"/>
       </p:ext>
     </p:extLst>
   </p:cSld>
@@ -7033,7 +9069,7 @@
           <a:p>
             <a:r>
               <a:rPr lang="en-US" sz="6600" u="sng" dirty="0"/>
-              <a:t>Problem Statement</a:t>
+              <a:t>Problem Statement:</a:t>
             </a:r>
           </a:p>
         </p:txBody>
@@ -7264,7 +9300,7 @@
             <a:fld id="{B69E9AD6-8BEC-47A7-8DB6-67B02ECE5037}" type="datetime4">
               <a:rPr lang="en-US" smtClean="0"/>
               <a:pPr/>
-              <a:t>17 February, 2019</a:t>
+              <a:t>18 February, 2019</a:t>
             </a:fld>
             <a:endParaRPr lang="en-US" dirty="0"/>
           </a:p>
@@ -7361,7 +9397,7 @@
           <a:p>
             <a:r>
               <a:rPr lang="en-US" sz="6600" u="sng" dirty="0"/>
-              <a:t>Definition of Done</a:t>
+              <a:t>Definition of Done:</a:t>
             </a:r>
           </a:p>
         </p:txBody>
@@ -7659,7 +9695,7 @@
             <a:fld id="{B69E9AD6-8BEC-47A7-8DB6-67B02ECE5037}" type="datetime4">
               <a:rPr lang="en-US" smtClean="0"/>
               <a:pPr/>
-              <a:t>17 February, 2019</a:t>
+              <a:t>18 February, 2019</a:t>
             </a:fld>
             <a:endParaRPr lang="en-US" dirty="0"/>
           </a:p>
@@ -8917,7 +10953,7 @@
             <a:fld id="{B69E9AD6-8BEC-47A7-8DB6-67B02ECE5037}" type="datetime4">
               <a:rPr lang="en-US" smtClean="0"/>
               <a:pPr/>
-              <a:t>17 February, 2019</a:t>
+              <a:t>18 February, 2019</a:t>
             </a:fld>
             <a:endParaRPr lang="en-US" dirty="0"/>
           </a:p>
@@ -8958,7 +10994,7 @@
           <p:cNvPr id="5" name="Picture 4">
             <a:extLst>
               <a:ext uri="{FF2B5EF4-FFF2-40B4-BE49-F238E27FC236}">
-                <a16:creationId xmlns:a16="http://schemas.microsoft.com/office/drawing/2014/main" id="{621162A2-7D95-4791-B8B5-249DBD233052}"/>
+                <a16:creationId xmlns:a16="http://schemas.microsoft.com/office/drawing/2014/main" id="{49C09B22-E297-42F7-9F68-82D70BAB992E}"/>
               </a:ext>
             </a:extLst>
           </p:cNvPr>
@@ -8994,7 +11030,7 @@
           <p:cNvPr id="2" name="Title 1">
             <a:extLst>
               <a:ext uri="{FF2B5EF4-FFF2-40B4-BE49-F238E27FC236}">
-                <a16:creationId xmlns:a16="http://schemas.microsoft.com/office/drawing/2014/main" id="{DC79DEC4-9E73-4894-807C-D677B0D84793}"/>
+                <a16:creationId xmlns:a16="http://schemas.microsoft.com/office/drawing/2014/main" id="{2AA954CE-1484-419C-89E9-7C3DBDE8F16C}"/>
               </a:ext>
             </a:extLst>
           </p:cNvPr>
@@ -9007,72 +11043,28 @@
         </p:nvSpPr>
         <p:spPr>
           <a:xfrm>
-            <a:off x="838200" y="500062"/>
+            <a:off x="838200" y="2103437"/>
             <a:ext cx="10515600" cy="1325563"/>
           </a:xfrm>
         </p:spPr>
         <p:txBody>
-          <a:bodyPr>
-            <a:normAutofit fontScale="90000"/>
-          </a:bodyPr>
+          <a:bodyPr/>
           <a:lstStyle/>
           <a:p>
             <a:r>
-              <a:rPr lang="en-US" i="1" dirty="0"/>
-              <a:t>DoD 1:</a:t>
-            </a:r>
-            <a:br>
-              <a:rPr lang="en-US" dirty="0"/>
-            </a:br>
-            <a:r>
-              <a:rPr lang="en-US" sz="3100" i="1" dirty="0"/>
-              <a:t>The system should ask the user to enter a valid URL. System should validate the URL.</a:t>
-            </a:r>
-            <a:br>
-              <a:rPr lang="en-US" sz="3100" i="1" dirty="0"/>
-            </a:br>
-            <a:endParaRPr lang="en-US" dirty="0"/>
+              <a:rPr lang="en-US" sz="6600" b="1" u="sng" dirty="0"/>
+              <a:t>Code Snippets for each DoD:</a:t>
+            </a:r>
+            <a:endParaRPr lang="en-US" b="1" u="sng" dirty="0"/>
           </a:p>
         </p:txBody>
       </p:sp>
       <p:pic>
         <p:nvPicPr>
-          <p:cNvPr id="4" name="Content Placeholder 3">
-            <a:extLst>
-              <a:ext uri="{FF2B5EF4-FFF2-40B4-BE49-F238E27FC236}">
-                <a16:creationId xmlns:a16="http://schemas.microsoft.com/office/drawing/2014/main" id="{4FD0320F-E3E1-4369-96B7-3D9775F07140}"/>
-              </a:ext>
-            </a:extLst>
-          </p:cNvPr>
-          <p:cNvPicPr>
-            <a:picLocks noGrp="1" noChangeAspect="1"/>
-          </p:cNvPicPr>
-          <p:nvPr>
-            <p:ph idx="1"/>
-          </p:nvPr>
-        </p:nvPicPr>
-        <p:blipFill>
-          <a:blip r:embed="rId3"/>
-          <a:stretch>
-            <a:fillRect/>
-          </a:stretch>
-        </p:blipFill>
-        <p:spPr>
-          <a:xfrm>
-            <a:off x="1945545" y="1740220"/>
-            <a:ext cx="8300909" cy="4959063"/>
-          </a:xfrm>
-          <a:prstGeom prst="rect">
-            <a:avLst/>
-          </a:prstGeom>
-        </p:spPr>
-      </p:pic>
-      <p:pic>
-        <p:nvPicPr>
-          <p:cNvPr id="7" name="Picture 2" descr="https://image.slidesharecdn.com/ed3b5569-fc5a-4be7-a70f-c7e0cf2fab6b-150908032759-lva1-app6892/95/ncu-formerly-itmu-logo-1-1-638.jpg?cb=1441682911">
-            <a:extLst>
-              <a:ext uri="{FF2B5EF4-FFF2-40B4-BE49-F238E27FC236}">
-                <a16:creationId xmlns:a16="http://schemas.microsoft.com/office/drawing/2014/main" id="{36E254F9-AD69-43CA-AB93-DBB13F9C4F39}"/>
+          <p:cNvPr id="6" name="Picture 2" descr="https://image.slidesharecdn.com/ed3b5569-fc5a-4be7-a70f-c7e0cf2fab6b-150908032759-lva1-app6892/95/ncu-formerly-itmu-logo-1-1-638.jpg?cb=1441682911">
+            <a:extLst>
+              <a:ext uri="{FF2B5EF4-FFF2-40B4-BE49-F238E27FC236}">
+                <a16:creationId xmlns:a16="http://schemas.microsoft.com/office/drawing/2014/main" id="{3E6C57A3-632A-406F-9705-4CEC348AE99B}"/>
               </a:ext>
             </a:extLst>
           </p:cNvPr>
@@ -9082,7 +11074,7 @@
           <p:nvPr/>
         </p:nvPicPr>
         <p:blipFill>
-          <a:blip r:embed="rId4">
+          <a:blip r:embed="rId3">
             <a:extLst>
               <a:ext uri="{28A0092B-C50C-407E-A947-70E740481C1C}">
                 <a14:useLocalDpi xmlns:a14="http://schemas.microsoft.com/office/drawing/2010/main" val="0"/>
@@ -9116,10 +11108,10 @@
       </p:pic>
       <p:sp>
         <p:nvSpPr>
-          <p:cNvPr id="10" name="Date Placeholder 3">
-            <a:extLst>
-              <a:ext uri="{FF2B5EF4-FFF2-40B4-BE49-F238E27FC236}">
-                <a16:creationId xmlns:a16="http://schemas.microsoft.com/office/drawing/2014/main" id="{CF5ECB5E-9CCF-4F87-B505-6B0EEA7B49DC}"/>
+          <p:cNvPr id="7" name="Date Placeholder 3">
+            <a:extLst>
+              <a:ext uri="{FF2B5EF4-FFF2-40B4-BE49-F238E27FC236}">
+                <a16:creationId xmlns:a16="http://schemas.microsoft.com/office/drawing/2014/main" id="{0D978D19-3A90-46EF-9E73-7EA394334357}"/>
               </a:ext>
             </a:extLst>
           </p:cNvPr>
@@ -9240,7 +11232,7 @@
             <a:fld id="{B69E9AD6-8BEC-47A7-8DB6-67B02ECE5037}" type="datetime4">
               <a:rPr lang="en-US" smtClean="0"/>
               <a:pPr/>
-              <a:t>17 February, 2019</a:t>
+              <a:t>18 February, 2019</a:t>
             </a:fld>
             <a:endParaRPr lang="en-US" dirty="0"/>
           </a:p>
@@ -9249,7 +11241,7 @@
     </p:spTree>
     <p:extLst>
       <p:ext uri="{BB962C8B-B14F-4D97-AF65-F5344CB8AC3E}">
-        <p14:creationId xmlns:p14="http://schemas.microsoft.com/office/powerpoint/2010/main" val="146295856"/>
+        <p14:creationId xmlns:p14="http://schemas.microsoft.com/office/powerpoint/2010/main" val="93245684"/>
       </p:ext>
     </p:extLst>
   </p:cSld>
@@ -9278,10 +11270,10 @@
       </p:grpSpPr>
       <p:pic>
         <p:nvPicPr>
-          <p:cNvPr id="6" name="Picture 5">
-            <a:extLst>
-              <a:ext uri="{FF2B5EF4-FFF2-40B4-BE49-F238E27FC236}">
-                <a16:creationId xmlns:a16="http://schemas.microsoft.com/office/drawing/2014/main" id="{3A695AFD-F1D7-4B2E-88D7-2793F46BE40D}"/>
+          <p:cNvPr id="5" name="Picture 4">
+            <a:extLst>
+              <a:ext uri="{FF2B5EF4-FFF2-40B4-BE49-F238E27FC236}">
+                <a16:creationId xmlns:a16="http://schemas.microsoft.com/office/drawing/2014/main" id="{5479BF44-5648-406D-A99E-A25CA5C1A6C1}"/>
               </a:ext>
             </a:extLst>
           </p:cNvPr>
@@ -9314,105 +11306,60 @@
       </p:pic>
       <p:sp>
         <p:nvSpPr>
-          <p:cNvPr id="4" name="Title 1">
-            <a:extLst>
-              <a:ext uri="{FF2B5EF4-FFF2-40B4-BE49-F238E27FC236}">
-                <a16:creationId xmlns:a16="http://schemas.microsoft.com/office/drawing/2014/main" id="{C37B3DBC-A9AA-4643-8F9F-34D4D5857747}"/>
-              </a:ext>
-            </a:extLst>
-          </p:cNvPr>
-          <p:cNvSpPr txBox="1">
-            <a:spLocks/>
+          <p:cNvPr id="2" name="Title 1">
+            <a:extLst>
+              <a:ext uri="{FF2B5EF4-FFF2-40B4-BE49-F238E27FC236}">
+                <a16:creationId xmlns:a16="http://schemas.microsoft.com/office/drawing/2014/main" id="{227EB92C-B564-4932-B0D9-4C351036DDE7}"/>
+              </a:ext>
+            </a:extLst>
+          </p:cNvPr>
+          <p:cNvSpPr>
+            <a:spLocks noGrp="1"/>
           </p:cNvSpPr>
-          <p:nvPr/>
-        </p:nvSpPr>
-        <p:spPr>
-          <a:xfrm>
-            <a:off x="894182" y="149283"/>
-            <a:ext cx="10515600" cy="1806963"/>
-          </a:xfrm>
-          <a:prstGeom prst="rect">
-            <a:avLst/>
-          </a:prstGeom>
-        </p:spPr>
-        <p:txBody>
-          <a:bodyPr vert="horz" lIns="91440" tIns="45720" rIns="91440" bIns="45720" rtlCol="0" anchor="ctr">
-            <a:normAutofit fontScale="90000" lnSpcReduction="10000"/>
+          <p:nvPr>
+            <p:ph type="title"/>
+          </p:nvPr>
+        </p:nvSpPr>
+        <p:spPr>
+          <a:xfrm>
+            <a:off x="6307494" y="2464513"/>
+            <a:ext cx="5036976" cy="1325563"/>
+          </a:xfrm>
+        </p:spPr>
+        <p:txBody>
+          <a:bodyPr>
+            <a:normAutofit fontScale="90000"/>
           </a:bodyPr>
-          <a:lstStyle>
-            <a:lvl1pPr algn="l" defTabSz="914400" rtl="0" eaLnBrk="1" latinLnBrk="0" hangingPunct="1">
-              <a:lnSpc>
-                <a:spcPct val="90000"/>
-              </a:lnSpc>
-              <a:spcBef>
-                <a:spcPct val="0"/>
-              </a:spcBef>
-              <a:buNone/>
-              <a:defRPr sz="4400" kern="1200">
-                <a:solidFill>
-                  <a:schemeClr val="tx1"/>
-                </a:solidFill>
-                <a:latin typeface="+mj-lt"/>
-                <a:ea typeface="+mj-ea"/>
-                <a:cs typeface="+mj-cs"/>
-              </a:defRPr>
-            </a:lvl1pPr>
-          </a:lstStyle>
-          <a:p>
-            <a:r>
-              <a:rPr lang="en-US" sz="4800" i="1" dirty="0"/>
-              <a:t>DoD 2:</a:t>
-            </a:r>
+          <a:lstStyle/>
+          <a:p>
+            <a:pPr algn="r"/>
             <a:br>
-              <a:rPr lang="en-US" dirty="0"/>
+              <a:rPr lang="en-US" i="1" dirty="0"/>
             </a:br>
             <a:r>
-              <a:rPr lang="en-US" sz="3400" i="1" dirty="0"/>
-              <a:t>The system should ask user to enter valid output folder path. System should validate the path.</a:t>
+              <a:rPr lang="en-US" i="1" dirty="0"/>
+              <a:t>DoD :</a:t>
             </a:r>
             <a:br>
-              <a:rPr lang="en-US" sz="3400" i="1" dirty="0"/>
+              <a:rPr lang="en-US" i="1" dirty="0"/>
             </a:br>
-            <a:endParaRPr lang="en-US" sz="3400" dirty="0"/>
+            <a:r>
+              <a:rPr lang="en-US" sz="3100" i="1" dirty="0"/>
+              <a:t>The project directory structure should explain about all subdirectories and what kind of files to be kept in particular subdirectory.</a:t>
+            </a:r>
+            <a:br>
+              <a:rPr lang="en-US" sz="3100" i="1" dirty="0"/>
+            </a:br>
+            <a:endParaRPr lang="en-US" dirty="0"/>
           </a:p>
         </p:txBody>
       </p:sp>
       <p:pic>
         <p:nvPicPr>
-          <p:cNvPr id="5" name="Picture 4">
-            <a:extLst>
-              <a:ext uri="{FF2B5EF4-FFF2-40B4-BE49-F238E27FC236}">
-                <a16:creationId xmlns:a16="http://schemas.microsoft.com/office/drawing/2014/main" id="{C0827E8D-00A6-48EA-9775-31ABF61457D3}"/>
-              </a:ext>
-            </a:extLst>
-          </p:cNvPr>
-          <p:cNvPicPr>
-            <a:picLocks noChangeAspect="1"/>
-          </p:cNvPicPr>
-          <p:nvPr/>
-        </p:nvPicPr>
-        <p:blipFill>
-          <a:blip r:embed="rId3"/>
-          <a:stretch>
-            <a:fillRect/>
-          </a:stretch>
-        </p:blipFill>
-        <p:spPr>
-          <a:xfrm>
-            <a:off x="898861" y="1588590"/>
-            <a:ext cx="10599552" cy="4970825"/>
-          </a:xfrm>
-          <a:prstGeom prst="rect">
-            <a:avLst/>
-          </a:prstGeom>
-        </p:spPr>
-      </p:pic>
-      <p:pic>
-        <p:nvPicPr>
-          <p:cNvPr id="8" name="Picture 2" descr="https://image.slidesharecdn.com/ed3b5569-fc5a-4be7-a70f-c7e0cf2fab6b-150908032759-lva1-app6892/95/ncu-formerly-itmu-logo-1-1-638.jpg?cb=1441682911">
-            <a:extLst>
-              <a:ext uri="{FF2B5EF4-FFF2-40B4-BE49-F238E27FC236}">
-                <a16:creationId xmlns:a16="http://schemas.microsoft.com/office/drawing/2014/main" id="{4F61EA94-7787-4E67-8831-8FDF4589096F}"/>
+          <p:cNvPr id="7" name="Picture 2" descr="https://image.slidesharecdn.com/ed3b5569-fc5a-4be7-a70f-c7e0cf2fab6b-150908032759-lva1-app6892/95/ncu-formerly-itmu-logo-1-1-638.jpg?cb=1441682911">
+            <a:extLst>
+              <a:ext uri="{FF2B5EF4-FFF2-40B4-BE49-F238E27FC236}">
+                <a16:creationId xmlns:a16="http://schemas.microsoft.com/office/drawing/2014/main" id="{FA036C45-F6F5-4F69-A3AE-1FA4AB4F6EF3}"/>
               </a:ext>
             </a:extLst>
           </p:cNvPr>
@@ -9422,7 +11369,7 @@
           <p:nvPr/>
         </p:nvPicPr>
         <p:blipFill>
-          <a:blip r:embed="rId4">
+          <a:blip r:embed="rId3">
             <a:extLst>
               <a:ext uri="{28A0092B-C50C-407E-A947-70E740481C1C}">
                 <a14:useLocalDpi xmlns:a14="http://schemas.microsoft.com/office/drawing/2010/main" val="0"/>
@@ -9459,7 +11406,7 @@
           <p:cNvPr id="10" name="Date Placeholder 3">
             <a:extLst>
               <a:ext uri="{FF2B5EF4-FFF2-40B4-BE49-F238E27FC236}">
-                <a16:creationId xmlns:a16="http://schemas.microsoft.com/office/drawing/2014/main" id="{A64ECBEC-B25F-4F86-9EAA-9D89C1B487AE}"/>
+                <a16:creationId xmlns:a16="http://schemas.microsoft.com/office/drawing/2014/main" id="{375BEAAD-68D5-4628-92C1-1A6B25B1F364}"/>
               </a:ext>
             </a:extLst>
           </p:cNvPr>
@@ -9580,16 +11527,46 @@
             <a:fld id="{B69E9AD6-8BEC-47A7-8DB6-67B02ECE5037}" type="datetime4">
               <a:rPr lang="en-US" smtClean="0"/>
               <a:pPr/>
-              <a:t>17 February, 2019</a:t>
+              <a:t>18 February, 2019</a:t>
             </a:fld>
             <a:endParaRPr lang="en-US" dirty="0"/>
           </a:p>
         </p:txBody>
       </p:sp>
+      <p:pic>
+        <p:nvPicPr>
+          <p:cNvPr id="3" name="Picture 2">
+            <a:extLst>
+              <a:ext uri="{FF2B5EF4-FFF2-40B4-BE49-F238E27FC236}">
+                <a16:creationId xmlns:a16="http://schemas.microsoft.com/office/drawing/2014/main" id="{AD3CD582-D784-4AB7-9DA1-804EE249A840}"/>
+              </a:ext>
+            </a:extLst>
+          </p:cNvPr>
+          <p:cNvPicPr>
+            <a:picLocks noChangeAspect="1"/>
+          </p:cNvPicPr>
+          <p:nvPr/>
+        </p:nvPicPr>
+        <p:blipFill>
+          <a:blip r:embed="rId4"/>
+          <a:stretch>
+            <a:fillRect/>
+          </a:stretch>
+        </p:blipFill>
+        <p:spPr>
+          <a:xfrm>
+            <a:off x="1745302" y="0"/>
+            <a:ext cx="2854681" cy="6858000"/>
+          </a:xfrm>
+          <a:prstGeom prst="rect">
+            <a:avLst/>
+          </a:prstGeom>
+        </p:spPr>
+      </p:pic>
     </p:spTree>
     <p:extLst>
       <p:ext uri="{BB962C8B-B14F-4D97-AF65-F5344CB8AC3E}">
-        <p14:creationId xmlns:p14="http://schemas.microsoft.com/office/powerpoint/2010/main" val="501602271"/>
+        <p14:creationId xmlns:p14="http://schemas.microsoft.com/office/powerpoint/2010/main" val="2512717680"/>
       </p:ext>
     </p:extLst>
   </p:cSld>
@@ -9619,9 +11596,10 @@
       <p:pic>
         <p:nvPicPr>
           <p:cNvPr id="5" name="Picture 4">
-            <a:extLst>
-              <a:ext uri="{FF2B5EF4-FFF2-40B4-BE49-F238E27FC236}">
-                <a16:creationId xmlns:a16="http://schemas.microsoft.com/office/drawing/2014/main" id="{6D3519C1-8457-45DF-BC53-3109F7EF4CEA}"/>
+            <a:hlinkClick r:id="rId2" action="ppaction://hlinkfile"/>
+            <a:extLst>
+              <a:ext uri="{FF2B5EF4-FFF2-40B4-BE49-F238E27FC236}">
+                <a16:creationId xmlns:a16="http://schemas.microsoft.com/office/drawing/2014/main" id="{621162A2-7D95-4791-B8B5-249DBD233052}"/>
               </a:ext>
             </a:extLst>
           </p:cNvPr>
@@ -9631,7 +11609,7 @@
           <p:nvPr/>
         </p:nvPicPr>
         <p:blipFill>
-          <a:blip r:embed="rId2">
+          <a:blip r:embed="rId3">
             <a:extLst>
               <a:ext uri="{28A0092B-C50C-407E-A947-70E740481C1C}">
                 <a14:useLocalDpi xmlns:a14="http://schemas.microsoft.com/office/drawing/2010/main" val="0"/>
@@ -9657,7 +11635,7 @@
           <p:cNvPr id="2" name="Title 1">
             <a:extLst>
               <a:ext uri="{FF2B5EF4-FFF2-40B4-BE49-F238E27FC236}">
-                <a16:creationId xmlns:a16="http://schemas.microsoft.com/office/drawing/2014/main" id="{BDA3F43D-7656-471E-9239-3A1B9E691E39}"/>
+                <a16:creationId xmlns:a16="http://schemas.microsoft.com/office/drawing/2014/main" id="{DC79DEC4-9E73-4894-807C-D677B0D84793}"/>
               </a:ext>
             </a:extLst>
           </p:cNvPr>
@@ -9670,70 +11648,40 @@
         </p:nvSpPr>
         <p:spPr>
           <a:xfrm>
-            <a:off x="838200" y="500062"/>
+            <a:off x="884855" y="462738"/>
             <a:ext cx="10515600" cy="1325563"/>
           </a:xfrm>
         </p:spPr>
         <p:txBody>
           <a:bodyPr>
-            <a:normAutofit fontScale="90000"/>
+            <a:noAutofit/>
           </a:bodyPr>
           <a:lstStyle/>
           <a:p>
             <a:r>
-              <a:rPr lang="en-US" i="1" dirty="0"/>
-              <a:t>DoD 3:</a:t>
+              <a:rPr lang="en-US" sz="4300" i="1" dirty="0"/>
+              <a:t>DoD:</a:t>
             </a:r>
             <a:br>
-              <a:rPr lang="en-US" i="1" dirty="0"/>
+              <a:rPr lang="en-US" sz="3100" dirty="0"/>
             </a:br>
             <a:r>
               <a:rPr lang="en-US" sz="3100" i="1" dirty="0"/>
-              <a:t>The system should download the file from the provided URL and save it in the output folder and display the status.</a:t>
+              <a:t>The system should ask the user to enter a valid URL. System should validate the URL.</a:t>
             </a:r>
             <a:br>
-              <a:rPr lang="en-US" i="1" dirty="0"/>
+              <a:rPr lang="en-US" sz="3100" i="1" dirty="0"/>
             </a:br>
-            <a:endParaRPr lang="en-US" dirty="0"/>
-          </a:p>
-        </p:txBody>
-      </p:sp>
-      <p:pic>
-        <p:nvPicPr>
-          <p:cNvPr id="4" name="Picture 3">
-            <a:extLst>
-              <a:ext uri="{FF2B5EF4-FFF2-40B4-BE49-F238E27FC236}">
-                <a16:creationId xmlns:a16="http://schemas.microsoft.com/office/drawing/2014/main" id="{C4BE30C1-03DB-4AAD-8388-F24B7B69082B}"/>
-              </a:ext>
-            </a:extLst>
-          </p:cNvPr>
-          <p:cNvPicPr>
-            <a:picLocks noChangeAspect="1"/>
-          </p:cNvPicPr>
-          <p:nvPr/>
-        </p:nvPicPr>
-        <p:blipFill>
-          <a:blip r:embed="rId3"/>
-          <a:stretch>
-            <a:fillRect/>
-          </a:stretch>
-        </p:blipFill>
-        <p:spPr>
-          <a:xfrm>
-            <a:off x="1532553" y="1638122"/>
-            <a:ext cx="9126894" cy="5079918"/>
-          </a:xfrm>
-          <a:prstGeom prst="rect">
-            <a:avLst/>
-          </a:prstGeom>
-        </p:spPr>
-      </p:pic>
+            <a:endParaRPr lang="en-US" sz="3100" dirty="0"/>
+          </a:p>
+        </p:txBody>
+      </p:sp>
       <p:pic>
         <p:nvPicPr>
           <p:cNvPr id="7" name="Picture 2" descr="https://image.slidesharecdn.com/ed3b5569-fc5a-4be7-a70f-c7e0cf2fab6b-150908032759-lva1-app6892/95/ncu-formerly-itmu-logo-1-1-638.jpg?cb=1441682911">
             <a:extLst>
               <a:ext uri="{FF2B5EF4-FFF2-40B4-BE49-F238E27FC236}">
-                <a16:creationId xmlns:a16="http://schemas.microsoft.com/office/drawing/2014/main" id="{624202A6-C147-4317-AC60-255ADDC423DF}"/>
+                <a16:creationId xmlns:a16="http://schemas.microsoft.com/office/drawing/2014/main" id="{36E254F9-AD69-43CA-AB93-DBB13F9C4F39}"/>
               </a:ext>
             </a:extLst>
           </p:cNvPr>
@@ -9780,7 +11728,7 @@
           <p:cNvPr id="10" name="Date Placeholder 3">
             <a:extLst>
               <a:ext uri="{FF2B5EF4-FFF2-40B4-BE49-F238E27FC236}">
-                <a16:creationId xmlns:a16="http://schemas.microsoft.com/office/drawing/2014/main" id="{F0363E8B-57D7-4561-A8A7-FFE3EFEA5929}"/>
+                <a16:creationId xmlns:a16="http://schemas.microsoft.com/office/drawing/2014/main" id="{CF5ECB5E-9CCF-4F87-B505-6B0EEA7B49DC}"/>
               </a:ext>
             </a:extLst>
           </p:cNvPr>
@@ -9901,16 +11849,47 @@
             <a:fld id="{B69E9AD6-8BEC-47A7-8DB6-67B02ECE5037}" type="datetime4">
               <a:rPr lang="en-US" smtClean="0"/>
               <a:pPr/>
-              <a:t>17 February, 2019</a:t>
+              <a:t>18 February, 2019</a:t>
             </a:fld>
             <a:endParaRPr lang="en-US" dirty="0"/>
           </a:p>
         </p:txBody>
       </p:sp>
+      <p:pic>
+        <p:nvPicPr>
+          <p:cNvPr id="3" name="Picture 2">
+            <a:hlinkClick r:id="rId2" action="ppaction://hlinkfile"/>
+            <a:extLst>
+              <a:ext uri="{FF2B5EF4-FFF2-40B4-BE49-F238E27FC236}">
+                <a16:creationId xmlns:a16="http://schemas.microsoft.com/office/drawing/2014/main" id="{68236408-B09D-434E-BAE0-459C337A74AB}"/>
+              </a:ext>
+            </a:extLst>
+          </p:cNvPr>
+          <p:cNvPicPr>
+            <a:picLocks noChangeAspect="1"/>
+          </p:cNvPicPr>
+          <p:nvPr/>
+        </p:nvPicPr>
+        <p:blipFill>
+          <a:blip r:embed="rId5"/>
+          <a:stretch>
+            <a:fillRect/>
+          </a:stretch>
+        </p:blipFill>
+        <p:spPr>
+          <a:xfrm>
+            <a:off x="3395529" y="1892440"/>
+            <a:ext cx="5400942" cy="4296716"/>
+          </a:xfrm>
+          <a:prstGeom prst="rect">
+            <a:avLst/>
+          </a:prstGeom>
+        </p:spPr>
+      </p:pic>
     </p:spTree>
     <p:extLst>
       <p:ext uri="{BB962C8B-B14F-4D97-AF65-F5344CB8AC3E}">
-        <p14:creationId xmlns:p14="http://schemas.microsoft.com/office/powerpoint/2010/main" val="2454039665"/>
+        <p14:creationId xmlns:p14="http://schemas.microsoft.com/office/powerpoint/2010/main" val="146295856"/>
       </p:ext>
     </p:extLst>
   </p:cSld>
@@ -9939,10 +11918,11 @@
       </p:grpSpPr>
       <p:pic>
         <p:nvPicPr>
-          <p:cNvPr id="5" name="Picture 4">
-            <a:extLst>
-              <a:ext uri="{FF2B5EF4-FFF2-40B4-BE49-F238E27FC236}">
-                <a16:creationId xmlns:a16="http://schemas.microsoft.com/office/drawing/2014/main" id="{42B5BD69-DED5-4D62-BD88-4E9631F2DA48}"/>
+          <p:cNvPr id="6" name="Picture 5">
+            <a:hlinkClick r:id="rId2" action="ppaction://hlinkfile"/>
+            <a:extLst>
+              <a:ext uri="{FF2B5EF4-FFF2-40B4-BE49-F238E27FC236}">
+                <a16:creationId xmlns:a16="http://schemas.microsoft.com/office/drawing/2014/main" id="{3A695AFD-F1D7-4B2E-88D7-2793F46BE40D}"/>
               </a:ext>
             </a:extLst>
           </p:cNvPr>
@@ -9952,7 +11932,7 @@
           <p:nvPr/>
         </p:nvPicPr>
         <p:blipFill>
-          <a:blip r:embed="rId2">
+          <a:blip r:embed="rId3">
             <a:extLst>
               <a:ext uri="{28A0092B-C50C-407E-A947-70E740481C1C}">
                 <a14:useLocalDpi xmlns:a14="http://schemas.microsoft.com/office/drawing/2010/main" val="0"/>
@@ -9975,53 +11955,76 @@
       </p:pic>
       <p:sp>
         <p:nvSpPr>
-          <p:cNvPr id="2" name="Title 1">
-            <a:extLst>
-              <a:ext uri="{FF2B5EF4-FFF2-40B4-BE49-F238E27FC236}">
-                <a16:creationId xmlns:a16="http://schemas.microsoft.com/office/drawing/2014/main" id="{5EF62169-93F2-497A-82B4-0213FEEB3682}"/>
-              </a:ext>
-            </a:extLst>
-          </p:cNvPr>
-          <p:cNvSpPr>
-            <a:spLocks noGrp="1"/>
+          <p:cNvPr id="4" name="Title 1">
+            <a:extLst>
+              <a:ext uri="{FF2B5EF4-FFF2-40B4-BE49-F238E27FC236}">
+                <a16:creationId xmlns:a16="http://schemas.microsoft.com/office/drawing/2014/main" id="{C37B3DBC-A9AA-4643-8F9F-34D4D5857747}"/>
+              </a:ext>
+            </a:extLst>
+          </p:cNvPr>
+          <p:cNvSpPr txBox="1">
+            <a:spLocks/>
           </p:cNvSpPr>
-          <p:nvPr>
-            <p:ph type="title"/>
-          </p:nvPr>
-        </p:nvSpPr>
-        <p:spPr>
-          <a:xfrm>
-            <a:off x="838200" y="113202"/>
-            <a:ext cx="10515600" cy="1325563"/>
-          </a:xfrm>
-        </p:spPr>
-        <p:txBody>
-          <a:bodyPr>
-            <a:normAutofit fontScale="90000"/>
+          <p:nvPr/>
+        </p:nvSpPr>
+        <p:spPr>
+          <a:xfrm>
+            <a:off x="894182" y="149283"/>
+            <a:ext cx="10515600" cy="1806963"/>
+          </a:xfrm>
+          <a:prstGeom prst="rect">
+            <a:avLst/>
+          </a:prstGeom>
+        </p:spPr>
+        <p:txBody>
+          <a:bodyPr vert="horz" lIns="91440" tIns="45720" rIns="91440" bIns="45720" rtlCol="0" anchor="ctr">
+            <a:normAutofit fontScale="90000" lnSpcReduction="10000"/>
           </a:bodyPr>
-          <a:lstStyle/>
-          <a:p>
-            <a:r>
-              <a:rPr lang="en-US" i="1" dirty="0"/>
-              <a:t>DoD 4:</a:t>
+          <a:lstStyle>
+            <a:lvl1pPr algn="l" defTabSz="914400" rtl="0" eaLnBrk="1" latinLnBrk="0" hangingPunct="1">
+              <a:lnSpc>
+                <a:spcPct val="90000"/>
+              </a:lnSpc>
+              <a:spcBef>
+                <a:spcPct val="0"/>
+              </a:spcBef>
+              <a:buNone/>
+              <a:defRPr sz="4400" kern="1200">
+                <a:solidFill>
+                  <a:schemeClr val="tx1"/>
+                </a:solidFill>
+                <a:latin typeface="+mj-lt"/>
+                <a:ea typeface="+mj-ea"/>
+                <a:cs typeface="+mj-cs"/>
+              </a:defRPr>
+            </a:lvl1pPr>
+          </a:lstStyle>
+          <a:p>
+            <a:r>
+              <a:rPr lang="en-US" sz="4800" i="1" dirty="0"/>
+              <a:t>DoD:</a:t>
             </a:r>
             <a:br>
-              <a:rPr lang="en-US" i="1" dirty="0"/>
+              <a:rPr lang="en-US" dirty="0"/>
             </a:br>
             <a:r>
-              <a:rPr lang="en-US" sz="3100" i="1" dirty="0"/>
-              <a:t>The system should maintain the list of downloads requested and its status.</a:t>
-            </a:r>
-            <a:endParaRPr lang="en-US" dirty="0"/>
+              <a:rPr lang="en-US" sz="3400" i="1" dirty="0"/>
+              <a:t>The system should ask user to enter valid output folder path. System should validate the path.</a:t>
+            </a:r>
+            <a:br>
+              <a:rPr lang="en-US" sz="3400" i="1" dirty="0"/>
+            </a:br>
+            <a:endParaRPr lang="en-US" sz="3400" dirty="0"/>
           </a:p>
         </p:txBody>
       </p:sp>
       <p:pic>
         <p:nvPicPr>
-          <p:cNvPr id="4" name="Picture 3">
-            <a:extLst>
-              <a:ext uri="{FF2B5EF4-FFF2-40B4-BE49-F238E27FC236}">
-                <a16:creationId xmlns:a16="http://schemas.microsoft.com/office/drawing/2014/main" id="{72A60EA2-A304-47B2-86A2-F5124B42889E}"/>
+          <p:cNvPr id="5" name="Picture 4">
+            <a:hlinkClick r:id="rId2" action="ppaction://hlinkfile"/>
+            <a:extLst>
+              <a:ext uri="{FF2B5EF4-FFF2-40B4-BE49-F238E27FC236}">
+                <a16:creationId xmlns:a16="http://schemas.microsoft.com/office/drawing/2014/main" id="{C0827E8D-00A6-48EA-9775-31ABF61457D3}"/>
               </a:ext>
             </a:extLst>
           </p:cNvPr>
@@ -10031,15 +12034,15 @@
           <p:nvPr/>
         </p:nvPicPr>
         <p:blipFill>
-          <a:blip r:embed="rId3"/>
+          <a:blip r:embed="rId4"/>
           <a:stretch>
             <a:fillRect/>
           </a:stretch>
         </p:blipFill>
         <p:spPr>
           <a:xfrm>
-            <a:off x="1066022" y="1548234"/>
-            <a:ext cx="10059955" cy="4979435"/>
+            <a:off x="898861" y="1588590"/>
+            <a:ext cx="10599552" cy="4970825"/>
           </a:xfrm>
           <a:prstGeom prst="rect">
             <a:avLst/>
@@ -10048,10 +12051,10 @@
       </p:pic>
       <p:pic>
         <p:nvPicPr>
-          <p:cNvPr id="7" name="Picture 2" descr="https://image.slidesharecdn.com/ed3b5569-fc5a-4be7-a70f-c7e0cf2fab6b-150908032759-lva1-app6892/95/ncu-formerly-itmu-logo-1-1-638.jpg?cb=1441682911">
-            <a:extLst>
-              <a:ext uri="{FF2B5EF4-FFF2-40B4-BE49-F238E27FC236}">
-                <a16:creationId xmlns:a16="http://schemas.microsoft.com/office/drawing/2014/main" id="{66868E08-7D66-4E03-BE84-3256366E965F}"/>
+          <p:cNvPr id="8" name="Picture 2" descr="https://image.slidesharecdn.com/ed3b5569-fc5a-4be7-a70f-c7e0cf2fab6b-150908032759-lva1-app6892/95/ncu-formerly-itmu-logo-1-1-638.jpg?cb=1441682911">
+            <a:extLst>
+              <a:ext uri="{FF2B5EF4-FFF2-40B4-BE49-F238E27FC236}">
+                <a16:creationId xmlns:a16="http://schemas.microsoft.com/office/drawing/2014/main" id="{4F61EA94-7787-4E67-8831-8FDF4589096F}"/>
               </a:ext>
             </a:extLst>
           </p:cNvPr>
@@ -10061,7 +12064,7 @@
           <p:nvPr/>
         </p:nvPicPr>
         <p:blipFill>
-          <a:blip r:embed="rId4">
+          <a:blip r:embed="rId5">
             <a:extLst>
               <a:ext uri="{28A0092B-C50C-407E-A947-70E740481C1C}">
                 <a14:useLocalDpi xmlns:a14="http://schemas.microsoft.com/office/drawing/2010/main" val="0"/>
@@ -10098,7 +12101,7 @@
           <p:cNvPr id="10" name="Date Placeholder 3">
             <a:extLst>
               <a:ext uri="{FF2B5EF4-FFF2-40B4-BE49-F238E27FC236}">
-                <a16:creationId xmlns:a16="http://schemas.microsoft.com/office/drawing/2014/main" id="{1F16752A-8126-415C-B461-6601B6A78E00}"/>
+                <a16:creationId xmlns:a16="http://schemas.microsoft.com/office/drawing/2014/main" id="{A64ECBEC-B25F-4F86-9EAA-9D89C1B487AE}"/>
               </a:ext>
             </a:extLst>
           </p:cNvPr>
@@ -10219,7 +12222,7 @@
             <a:fld id="{B69E9AD6-8BEC-47A7-8DB6-67B02ECE5037}" type="datetime4">
               <a:rPr lang="en-US" smtClean="0"/>
               <a:pPr/>
-              <a:t>17 February, 2019</a:t>
+              <a:t>18 February, 2019</a:t>
             </a:fld>
             <a:endParaRPr lang="en-US" dirty="0"/>
           </a:p>
@@ -10228,7 +12231,7 @@
     </p:spTree>
     <p:extLst>
       <p:ext uri="{BB962C8B-B14F-4D97-AF65-F5344CB8AC3E}">
-        <p14:creationId xmlns:p14="http://schemas.microsoft.com/office/powerpoint/2010/main" val="1645432577"/>
+        <p14:creationId xmlns:p14="http://schemas.microsoft.com/office/powerpoint/2010/main" val="501602271"/>
       </p:ext>
     </p:extLst>
   </p:cSld>

--- a/FinalPresentation.pptx
+++ b/FinalPresentation.pptx
@@ -3871,7 +3871,7 @@
         </p:blipFill>
         <p:spPr>
           <a:xfrm>
-            <a:off x="93307" y="1673"/>
+            <a:off x="-3" y="1673"/>
             <a:ext cx="12192000" cy="6854653"/>
           </a:xfrm>
           <a:prstGeom prst="rect">
